--- a/Documents/MakeTechEzTrainingProgramme.pptx
+++ b/Documents/MakeTechEzTrainingProgramme.pptx
@@ -7,21 +7,22 @@
   <p:sldIdLst>
     <p:sldId id="256" r:id="rId2"/>
     <p:sldId id="257" r:id="rId3"/>
-    <p:sldId id="258" r:id="rId4"/>
-    <p:sldId id="259" r:id="rId5"/>
-    <p:sldId id="260" r:id="rId6"/>
-    <p:sldId id="261" r:id="rId7"/>
-    <p:sldId id="262" r:id="rId8"/>
-    <p:sldId id="263" r:id="rId9"/>
-    <p:sldId id="265" r:id="rId10"/>
-    <p:sldId id="267" r:id="rId11"/>
-    <p:sldId id="266" r:id="rId12"/>
-    <p:sldId id="268" r:id="rId13"/>
-    <p:sldId id="269" r:id="rId14"/>
-    <p:sldId id="270" r:id="rId15"/>
-    <p:sldId id="272" r:id="rId16"/>
-    <p:sldId id="273" r:id="rId17"/>
-    <p:sldId id="271" r:id="rId18"/>
+    <p:sldId id="274" r:id="rId4"/>
+    <p:sldId id="258" r:id="rId5"/>
+    <p:sldId id="259" r:id="rId6"/>
+    <p:sldId id="260" r:id="rId7"/>
+    <p:sldId id="261" r:id="rId8"/>
+    <p:sldId id="262" r:id="rId9"/>
+    <p:sldId id="263" r:id="rId10"/>
+    <p:sldId id="265" r:id="rId11"/>
+    <p:sldId id="267" r:id="rId12"/>
+    <p:sldId id="266" r:id="rId13"/>
+    <p:sldId id="268" r:id="rId14"/>
+    <p:sldId id="269" r:id="rId15"/>
+    <p:sldId id="270" r:id="rId16"/>
+    <p:sldId id="272" r:id="rId17"/>
+    <p:sldId id="273" r:id="rId18"/>
+    <p:sldId id="271" r:id="rId19"/>
   </p:sldIdLst>
   <p:sldSz cx="9144000" cy="6858000" type="screen4x3"/>
   <p:notesSz cx="6858000" cy="9144000"/>
@@ -406,7 +407,7 @@
           <a:p>
             <a:fld id="{B01F9CA3-105E-4857-9057-6DB6197DA786}" type="datetimeFigureOut">
               <a:rPr lang="en-US" smtClean="0"/>
-              <a:t>15/11/13</a:t>
+              <a:t>22/11/13</a:t>
             </a:fld>
             <a:endParaRPr lang="en-US" dirty="0"/>
           </a:p>
@@ -598,7 +599,7 @@
           <a:p>
             <a:fld id="{B01F9CA3-105E-4857-9057-6DB6197DA786}" type="datetimeFigureOut">
               <a:rPr lang="en-US" smtClean="0"/>
-              <a:t>15/11/13</a:t>
+              <a:t>22/11/13</a:t>
             </a:fld>
             <a:endParaRPr lang="en-US" dirty="0"/>
           </a:p>
@@ -867,7 +868,7 @@
           <a:p>
             <a:fld id="{B01F9CA3-105E-4857-9057-6DB6197DA786}" type="datetimeFigureOut">
               <a:rPr lang="en-US" smtClean="0"/>
-              <a:t>15/11/13</a:t>
+              <a:t>22/11/13</a:t>
             </a:fld>
             <a:endParaRPr lang="en-US" dirty="0"/>
           </a:p>
@@ -1046,7 +1047,7 @@
           <a:p>
             <a:fld id="{B01F9CA3-105E-4857-9057-6DB6197DA786}" type="datetimeFigureOut">
               <a:rPr lang="en-US" smtClean="0"/>
-              <a:t>15/11/13</a:t>
+              <a:t>22/11/13</a:t>
             </a:fld>
             <a:endParaRPr lang="en-US" dirty="0"/>
           </a:p>
@@ -1215,7 +1216,7 @@
           <a:p>
             <a:fld id="{B01F9CA3-105E-4857-9057-6DB6197DA786}" type="datetimeFigureOut">
               <a:rPr lang="en-US" smtClean="0"/>
-              <a:t>15/11/13</a:t>
+              <a:t>22/11/13</a:t>
             </a:fld>
             <a:endParaRPr lang="en-US" dirty="0"/>
           </a:p>
@@ -1457,7 +1458,7 @@
           <a:p>
             <a:fld id="{B01F9CA3-105E-4857-9057-6DB6197DA786}" type="datetimeFigureOut">
               <a:rPr lang="en-US" smtClean="0"/>
-              <a:t>15/11/13</a:t>
+              <a:t>22/11/13</a:t>
             </a:fld>
             <a:endParaRPr lang="en-US" dirty="0"/>
           </a:p>
@@ -1780,7 +1781,7 @@
           <a:p>
             <a:fld id="{B01F9CA3-105E-4857-9057-6DB6197DA786}" type="datetimeFigureOut">
               <a:rPr lang="en-US" smtClean="0"/>
-              <a:t>15/11/13</a:t>
+              <a:t>22/11/13</a:t>
             </a:fld>
             <a:endParaRPr lang="en-US" dirty="0"/>
           </a:p>
@@ -2078,7 +2079,7 @@
           <a:p>
             <a:fld id="{B01F9CA3-105E-4857-9057-6DB6197DA786}" type="datetimeFigureOut">
               <a:rPr lang="en-US" smtClean="0"/>
-              <a:t>15/11/13</a:t>
+              <a:t>22/11/13</a:t>
             </a:fld>
             <a:endParaRPr lang="en-US" dirty="0"/>
           </a:p>
@@ -2534,7 +2535,7 @@
           <a:p>
             <a:fld id="{B01F9CA3-105E-4857-9057-6DB6197DA786}" type="datetimeFigureOut">
               <a:rPr lang="en-US" smtClean="0"/>
-              <a:t>15/11/13</a:t>
+              <a:t>22/11/13</a:t>
             </a:fld>
             <a:endParaRPr lang="en-US" dirty="0"/>
           </a:p>
@@ -2647,7 +2648,7 @@
           <a:p>
             <a:fld id="{B01F9CA3-105E-4857-9057-6DB6197DA786}" type="datetimeFigureOut">
               <a:rPr lang="en-US" smtClean="0"/>
-              <a:t>15/11/13</a:t>
+              <a:t>22/11/13</a:t>
             </a:fld>
             <a:endParaRPr lang="en-US" dirty="0"/>
           </a:p>
@@ -2737,7 +2738,7 @@
           <a:p>
             <a:fld id="{B01F9CA3-105E-4857-9057-6DB6197DA786}" type="datetimeFigureOut">
               <a:rPr lang="en-US" smtClean="0"/>
-              <a:t>15/11/13</a:t>
+              <a:t>22/11/13</a:t>
             </a:fld>
             <a:endParaRPr lang="en-US" dirty="0"/>
           </a:p>
@@ -3019,7 +3020,7 @@
           <a:p>
             <a:fld id="{B01F9CA3-105E-4857-9057-6DB6197DA786}" type="datetimeFigureOut">
               <a:rPr lang="en-US" smtClean="0"/>
-              <a:t>15/11/13</a:t>
+              <a:t>22/11/13</a:t>
             </a:fld>
             <a:endParaRPr lang="en-US" dirty="0"/>
           </a:p>
@@ -3225,7 +3226,7 @@
           <a:p>
             <a:fld id="{B01F9CA3-105E-4857-9057-6DB6197DA786}" type="datetimeFigureOut">
               <a:rPr lang="en-US" smtClean="0"/>
-              <a:t>15/11/13</a:t>
+              <a:t>22/11/13</a:t>
             </a:fld>
             <a:endParaRPr lang="en-US" dirty="0"/>
           </a:p>
@@ -3804,13 +3805,8 @@
           <a:p>
             <a:r>
               <a:rPr lang="en-US" dirty="0"/>
-              <a:t>How </a:t>
-            </a:r>
-            <a:r>
-              <a:rPr lang="en-US" dirty="0" smtClean="0"/>
-              <a:t>MakeTechEZ Training Programme Works?</a:t>
-            </a:r>
-            <a:endParaRPr lang="en-US" dirty="0"/>
+              <a:t>Challenges</a:t>
+            </a:r>
           </a:p>
         </p:txBody>
       </p:sp>
@@ -3826,86 +3822,120 @@
         </p:nvSpPr>
         <p:spPr>
           <a:xfrm>
-            <a:off x="549275" y="1688406"/>
+            <a:off x="549275" y="1600201"/>
             <a:ext cx="8042276" cy="4697692"/>
           </a:xfrm>
         </p:spPr>
         <p:txBody>
           <a:bodyPr>
-            <a:normAutofit/>
+            <a:normAutofit fontScale="92500" lnSpcReduction="20000"/>
           </a:bodyPr>
           <a:lstStyle/>
           <a:p>
-            <a:pPr>
-              <a:spcAft>
-                <a:spcPts val="1200"/>
-              </a:spcAft>
-            </a:pPr>
+            <a:r>
+              <a:rPr lang="en-US" dirty="0" smtClean="0"/>
+              <a:t>Need for </a:t>
+            </a:r>
             <a:r>
               <a:rPr lang="en-US" b="1" dirty="0" smtClean="0"/>
-              <a:t>Content Design </a:t>
+              <a:t>Content </a:t>
+            </a:r>
+            <a:r>
+              <a:rPr lang="en-US" b="1" dirty="0"/>
+              <a:t>Design </a:t>
+            </a:r>
+            <a:r>
+              <a:rPr lang="en-US" dirty="0"/>
+              <a:t>- Should be predominantly Lab Based and </a:t>
             </a:r>
             <a:r>
               <a:rPr lang="en-US" dirty="0" smtClean="0"/>
-              <a:t>– </a:t>
-            </a:r>
-          </a:p>
-          <a:p>
-            <a:pPr lvl="1"/>
+              <a:t>Practical</a:t>
+            </a:r>
+          </a:p>
+          <a:p>
             <a:r>
               <a:rPr lang="en-US" dirty="0" smtClean="0"/>
-              <a:t>Introduces Concepts mainly by writing and compiling lot of programs than reading lot of theory. Its learning by practice</a:t>
-            </a:r>
-          </a:p>
-          <a:p>
-            <a:pPr lvl="1"/>
+              <a:t>Need for </a:t>
+            </a:r>
+            <a:r>
+              <a:rPr lang="en-US" b="1" dirty="0" smtClean="0"/>
+              <a:t>Qualified </a:t>
+            </a:r>
+            <a:r>
+              <a:rPr lang="en-US" b="1" dirty="0"/>
+              <a:t>Trainers </a:t>
+            </a:r>
             <a:r>
               <a:rPr lang="en-US" dirty="0"/>
-              <a:t>Its a </a:t>
+              <a:t>that can deliver this content and keep themselves updated with latest technology </a:t>
+            </a:r>
+            <a:r>
+              <a:rPr lang="en-US" dirty="0" smtClean="0"/>
+              <a:t>trends</a:t>
+            </a:r>
+          </a:p>
+          <a:p>
+            <a:r>
+              <a:rPr lang="en-US" dirty="0"/>
+              <a:t>Need for </a:t>
+            </a:r>
+            <a:r>
+              <a:rPr lang="en-US" b="1" dirty="0" smtClean="0"/>
+              <a:t>Infrastructure</a:t>
+            </a:r>
+            <a:r>
+              <a:rPr lang="en-US" dirty="0" smtClean="0"/>
+              <a:t> </a:t>
+            </a:r>
+            <a:r>
+              <a:rPr lang="en-US" dirty="0"/>
+              <a:t>that can be used to provide hands-on experience to students, particularly in technical </a:t>
+            </a:r>
+            <a:r>
+              <a:rPr lang="en-US" dirty="0" smtClean="0"/>
+              <a:t>education</a:t>
+            </a:r>
+          </a:p>
+          <a:p>
+            <a:r>
+              <a:rPr lang="en-US" dirty="0" smtClean="0"/>
+              <a:t>Need for </a:t>
+            </a:r>
+            <a:r>
+              <a:rPr lang="en-US" b="1" dirty="0" smtClean="0"/>
+              <a:t>One</a:t>
             </a:r>
             <a:r>
               <a:rPr lang="en-US" b="1" dirty="0"/>
-              <a:t>18 Step Process </a:t>
+              <a:t>-on-One Guide </a:t>
             </a:r>
             <a:r>
               <a:rPr lang="en-US" dirty="0"/>
-              <a:t>which can be completed in flat 2 - 4 weeks </a:t>
+              <a:t>to work with Fresh Engineers so that knowledge gap can be well understood and guided appropriately. Rather </a:t>
             </a:r>
             <a:r>
               <a:rPr lang="en-US" dirty="0" smtClean="0"/>
-              <a:t>time</a:t>
-            </a:r>
+              <a:t>than </a:t>
+            </a:r>
+            <a:r>
+              <a:rPr lang="en-US" dirty="0"/>
+              <a:t>Classroom learning which is done in ample in Engineering </a:t>
+            </a:r>
+            <a:r>
+              <a:rPr lang="en-US" dirty="0" smtClean="0"/>
+              <a:t>Schools</a:t>
+            </a:r>
+          </a:p>
+          <a:p>
             <a:endParaRPr lang="en-US" dirty="0"/>
-          </a:p>
-          <a:p>
-            <a:pPr lvl="1"/>
-            <a:r>
-              <a:rPr lang="en-US" dirty="0"/>
-              <a:t>Every Step introduces 5 - 10 concepts and each concepts is demonstrated with a sample code which are built, compiled and executed by </a:t>
-            </a:r>
-            <a:r>
-              <a:rPr lang="en-US" dirty="0" smtClean="0"/>
-              <a:t>engineers</a:t>
-            </a:r>
-          </a:p>
-          <a:p>
-            <a:pPr lvl="1"/>
-            <a:r>
-              <a:rPr lang="en-US" dirty="0"/>
-              <a:t>At the End of the Training Programme, Engineers would have written any-where between </a:t>
-            </a:r>
-            <a:r>
-              <a:rPr lang="en-US" b="1" dirty="0"/>
-              <a:t>150 - 200 Programs</a:t>
-            </a:r>
-            <a:endParaRPr lang="en-US" b="1" dirty="0" smtClean="0"/>
           </a:p>
         </p:txBody>
       </p:sp>
     </p:spTree>
     <p:extLst>
       <p:ext uri="{BB962C8B-B14F-4D97-AF65-F5344CB8AC3E}">
-        <p14:creationId xmlns:p14="http://schemas.microsoft.com/office/powerpoint/2010/main" val="1963680947"/>
+        <p14:creationId xmlns:p14="http://schemas.microsoft.com/office/powerpoint/2010/main" val="3787637028"/>
       </p:ext>
     </p:extLst>
   </p:cSld>
@@ -3972,11 +4002,11 @@
           <a:p>
             <a:r>
               <a:rPr lang="en-US" dirty="0"/>
-              <a:t>How MakeTechEZ Training Programme </a:t>
+              <a:t>How </a:t>
             </a:r>
             <a:r>
               <a:rPr lang="en-US" dirty="0" smtClean="0"/>
-              <a:t>Works?</a:t>
+              <a:t>MakeTechEZ Training Programme Works?</a:t>
             </a:r>
             <a:endParaRPr lang="en-US" dirty="0"/>
           </a:p>
@@ -3994,8 +4024,8 @@
         </p:nvSpPr>
         <p:spPr>
           <a:xfrm>
-            <a:off x="549275" y="1781757"/>
-            <a:ext cx="8042276" cy="4516136"/>
+            <a:off x="549275" y="1688406"/>
+            <a:ext cx="8042276" cy="4697692"/>
           </a:xfrm>
         </p:spPr>
         <p:txBody>
@@ -4010,12 +4040,8 @@
               </a:spcAft>
             </a:pPr>
             <a:r>
-              <a:rPr lang="en-US" b="1" dirty="0"/>
-              <a:t>Content </a:t>
-            </a:r>
-            <a:r>
               <a:rPr lang="en-US" b="1" dirty="0" smtClean="0"/>
-              <a:t>Mentoring </a:t>
+              <a:t>Content Design </a:t>
             </a:r>
             <a:r>
               <a:rPr lang="en-US" dirty="0" smtClean="0"/>
@@ -4025,95 +4051,59 @@
           <a:p>
             <a:pPr lvl="1"/>
             <a:r>
+              <a:rPr lang="en-US" dirty="0" smtClean="0"/>
+              <a:t>Introduces Concepts mainly by writing and compiling lot of programs than reading lot of theory. Its learning by practice</a:t>
+            </a:r>
+          </a:p>
+          <a:p>
+            <a:pPr lvl="1"/>
+            <a:r>
               <a:rPr lang="en-US" dirty="0"/>
-              <a:t>Mentoring Process is </a:t>
+              <a:t>Its a </a:t>
+            </a:r>
+            <a:r>
+              <a:rPr lang="en-US" b="1" dirty="0"/>
+              <a:t>18 Step Process </a:t>
+            </a:r>
+            <a:r>
+              <a:rPr lang="en-US" dirty="0"/>
+              <a:t>which can be completed in flat 2 - 4 weeks </a:t>
             </a:r>
             <a:r>
               <a:rPr lang="en-US" dirty="0" smtClean="0"/>
-              <a:t>based on the philosophy of  </a:t>
-            </a:r>
-            <a:r>
-              <a:rPr lang="en-US" b="1" dirty="0" smtClean="0"/>
-              <a:t>One </a:t>
+              <a:t>time</a:t>
+            </a:r>
+            <a:endParaRPr lang="en-US" dirty="0"/>
+          </a:p>
+          <a:p>
+            <a:pPr lvl="1"/>
+            <a:r>
+              <a:rPr lang="en-US" dirty="0"/>
+              <a:t>Every Step introduces 5 - 10 concepts and each concepts is demonstrated with a sample code which are built, compiled and executed by </a:t>
+            </a:r>
+            <a:r>
+              <a:rPr lang="en-US" dirty="0" smtClean="0"/>
+              <a:t>engineers</a:t>
+            </a:r>
+          </a:p>
+          <a:p>
+            <a:pPr lvl="1"/>
+            <a:r>
+              <a:rPr lang="en-US" dirty="0"/>
+              <a:t>At the End of the Training Programme, Engineers would have written any-where between </a:t>
             </a:r>
             <a:r>
               <a:rPr lang="en-US" b="1" dirty="0"/>
-              <a:t>Skill - One Mentor - One </a:t>
-            </a:r>
-            <a:r>
-              <a:rPr lang="en-US" b="1" dirty="0" smtClean="0"/>
-              <a:t>Student</a:t>
-            </a:r>
-            <a:r>
-              <a:rPr lang="en-US" dirty="0" smtClean="0"/>
-              <a:t>. </a:t>
-            </a:r>
-            <a:r>
-              <a:rPr lang="en-US" dirty="0"/>
-              <a:t>This helps to </a:t>
-            </a:r>
-            <a:r>
-              <a:rPr lang="en-US" dirty="0" smtClean="0"/>
-              <a:t>identify </a:t>
-            </a:r>
-            <a:r>
-              <a:rPr lang="en-US" dirty="0"/>
-              <a:t>skill gaps in the </a:t>
-            </a:r>
-            <a:r>
-              <a:rPr lang="en-US" dirty="0" smtClean="0"/>
-              <a:t>engineers </a:t>
-            </a:r>
-            <a:r>
-              <a:rPr lang="en-US" dirty="0"/>
-              <a:t>and guide </a:t>
-            </a:r>
-            <a:r>
-              <a:rPr lang="en-US" dirty="0" smtClean="0"/>
-              <a:t>them appropriately</a:t>
-            </a:r>
-          </a:p>
-          <a:p>
-            <a:pPr lvl="1"/>
-            <a:r>
-              <a:rPr lang="en-US" dirty="0"/>
-              <a:t>After Every Step </a:t>
-            </a:r>
-            <a:r>
-              <a:rPr lang="en-US" dirty="0" smtClean="0"/>
-              <a:t>mentor </a:t>
-            </a:r>
-            <a:r>
-              <a:rPr lang="en-US" dirty="0"/>
-              <a:t>cross </a:t>
-            </a:r>
-            <a:r>
-              <a:rPr lang="en-US" dirty="0" smtClean="0"/>
-              <a:t>examines the engineer one</a:t>
-            </a:r>
-            <a:r>
-              <a:rPr lang="en-US" dirty="0"/>
-              <a:t>-on-one </a:t>
-            </a:r>
-            <a:r>
-              <a:rPr lang="en-US" dirty="0" smtClean="0"/>
-              <a:t>to </a:t>
-            </a:r>
-            <a:r>
-              <a:rPr lang="en-US" dirty="0"/>
-              <a:t>check the level of understanding and </a:t>
-            </a:r>
-            <a:r>
-              <a:rPr lang="en-US" dirty="0" smtClean="0"/>
-              <a:t>give  them practice programs accordingly.</a:t>
-            </a:r>
+              <a:t>150 - 200 Programs</a:t>
+            </a:r>
+            <a:endParaRPr lang="en-US" b="1" dirty="0" smtClean="0"/>
           </a:p>
         </p:txBody>
       </p:sp>
     </p:spTree>
     <p:extLst>
       <p:ext uri="{BB962C8B-B14F-4D97-AF65-F5344CB8AC3E}">
-        <p14:creationId xmlns:p14="http://schemas.microsoft.com/office/powerpoint/2010/main" val="4190317840"/>
+        <p14:creationId xmlns:p14="http://schemas.microsoft.com/office/powerpoint/2010/main" val="1963680947"/>
       </p:ext>
     </p:extLst>
   </p:cSld>
@@ -4202,8 +4192,8 @@
         </p:nvSpPr>
         <p:spPr>
           <a:xfrm>
-            <a:off x="549275" y="1764115"/>
-            <a:ext cx="8042276" cy="4533777"/>
+            <a:off x="549275" y="1781757"/>
+            <a:ext cx="8042276" cy="4516136"/>
           </a:xfrm>
         </p:spPr>
         <p:txBody>
@@ -4218,47 +4208,110 @@
               </a:spcAft>
             </a:pPr>
             <a:r>
+              <a:rPr lang="en-US" b="1" dirty="0"/>
+              <a:t>Content </a:t>
+            </a:r>
+            <a:r>
               <a:rPr lang="en-US" b="1" dirty="0" smtClean="0"/>
-              <a:t>Content Delivery </a:t>
-            </a:r>
+              <a:t>Mentoring </a:t>
+            </a:r>
+            <a:r>
+              <a:rPr lang="en-US" dirty="0" smtClean="0"/>
+              <a:t>– </a:t>
+            </a:r>
+          </a:p>
+          <a:p>
+            <a:pPr lvl="1"/>
             <a:r>
               <a:rPr lang="en-US" dirty="0"/>
-              <a:t>– </a:t>
+              <a:t>Mentoring Process is </a:t>
+            </a:r>
+            <a:r>
+              <a:rPr lang="en-US" dirty="0" smtClean="0"/>
+              <a:t>based on the philosophy of  </a:t>
+            </a:r>
+            <a:r>
+              <a:rPr lang="en-US" b="1" dirty="0" smtClean="0"/>
+              <a:t>One </a:t>
+            </a:r>
+            <a:r>
+              <a:rPr lang="en-US" b="1" dirty="0"/>
+              <a:t>Skill - One Mentor - One </a:t>
+            </a:r>
+            <a:r>
+              <a:rPr lang="en-US" b="1" dirty="0" smtClean="0"/>
+              <a:t>Student</a:t>
+            </a:r>
+            <a:r>
+              <a:rPr lang="en-US" dirty="0" smtClean="0"/>
+              <a:t>. </a:t>
+            </a:r>
+            <a:r>
+              <a:rPr lang="en-US" dirty="0"/>
+              <a:t>This helps to </a:t>
+            </a:r>
+            <a:r>
+              <a:rPr lang="en-US" dirty="0" smtClean="0"/>
+              <a:t>identify </a:t>
+            </a:r>
+            <a:r>
+              <a:rPr lang="en-US" dirty="0"/>
+              <a:t>skill gaps in the </a:t>
+            </a:r>
+            <a:r>
+              <a:rPr lang="en-US" dirty="0" smtClean="0"/>
+              <a:t>engineers </a:t>
+            </a:r>
+            <a:r>
+              <a:rPr lang="en-US" dirty="0"/>
+              <a:t>and guide </a:t>
+            </a:r>
+            <a:r>
+              <a:rPr lang="en-US" dirty="0" smtClean="0"/>
+              <a:t>them appropriately</a:t>
             </a:r>
           </a:p>
           <a:p>
             <a:pPr lvl="1"/>
             <a:r>
               <a:rPr lang="en-US" dirty="0"/>
-              <a:t>Online Training </a:t>
+              <a:t>After Every Step </a:t>
             </a:r>
             <a:r>
               <a:rPr lang="en-US" dirty="0" smtClean="0"/>
-              <a:t>Content and Self Paced Study by Engineer</a:t>
-            </a:r>
-          </a:p>
-          <a:p>
-            <a:pPr lvl="1"/>
+              <a:t>mentor </a:t>
+            </a:r>
             <a:r>
               <a:rPr lang="en-US" dirty="0"/>
-              <a:t>Mentor and Engineer connect using Google Hangout or Skype One-on-One where-in Mentor can see the shared desktop of engineer, ask questions on concepts and give </a:t>
+              <a:t>cross </a:t>
             </a:r>
             <a:r>
               <a:rPr lang="en-US" dirty="0" smtClean="0"/>
-              <a:t>Practice Programs </a:t>
+              <a:t>examines the engineer one</a:t>
             </a:r>
             <a:r>
               <a:rPr lang="en-US" dirty="0"/>
-              <a:t>from the pre-defined list</a:t>
-            </a:r>
-            <a:endParaRPr lang="en-US" dirty="0" smtClean="0"/>
+              <a:t>-on-one </a:t>
+            </a:r>
+            <a:r>
+              <a:rPr lang="en-US" dirty="0" smtClean="0"/>
+              <a:t>to </a:t>
+            </a:r>
+            <a:r>
+              <a:rPr lang="en-US" dirty="0"/>
+              <a:t>check the level of understanding and </a:t>
+            </a:r>
+            <a:r>
+              <a:rPr lang="en-US" dirty="0" smtClean="0"/>
+              <a:t>give  them practice programs accordingly.</a:t>
+            </a:r>
           </a:p>
         </p:txBody>
       </p:sp>
     </p:spTree>
     <p:extLst>
       <p:ext uri="{BB962C8B-B14F-4D97-AF65-F5344CB8AC3E}">
-        <p14:creationId xmlns:p14="http://schemas.microsoft.com/office/powerpoint/2010/main" val="4108502842"/>
+        <p14:creationId xmlns:p14="http://schemas.microsoft.com/office/powerpoint/2010/main" val="4190317840"/>
       </p:ext>
     </p:extLst>
   </p:cSld>
@@ -4324,13 +4377,14 @@
           <a:lstStyle/>
           <a:p>
             <a:r>
+              <a:rPr lang="en-US" dirty="0"/>
+              <a:t>How MakeTechEZ Training Programme </a:t>
+            </a:r>
+            <a:r>
               <a:rPr lang="en-US" dirty="0" smtClean="0"/>
-              <a:t>How MakeTechEz Training Programme is different</a:t>
-            </a:r>
-            <a:r>
-              <a:rPr lang="en-US" dirty="0"/>
-              <a:t>?</a:t>
-            </a:r>
+              <a:t>Works?</a:t>
+            </a:r>
+            <a:endParaRPr lang="en-US" dirty="0"/>
           </a:p>
         </p:txBody>
       </p:sp>
@@ -4346,75 +4400,63 @@
         </p:nvSpPr>
         <p:spPr>
           <a:xfrm>
-            <a:off x="549275" y="1758970"/>
-            <a:ext cx="8042276" cy="4397793"/>
+            <a:off x="549275" y="1764115"/>
+            <a:ext cx="8042276" cy="4533777"/>
           </a:xfrm>
         </p:spPr>
         <p:txBody>
-          <a:bodyPr anchor="ctr" anchorCtr="0">
+          <a:bodyPr>
             <a:normAutofit/>
           </a:bodyPr>
           <a:lstStyle/>
           <a:p>
-            <a:r>
-              <a:rPr lang="en-US" sz="2600" dirty="0"/>
-              <a:t>Its </a:t>
-            </a:r>
-            <a:r>
-              <a:rPr lang="en-US" sz="2600" b="1" dirty="0"/>
-              <a:t>One Skill - One Mentor - One Student </a:t>
-            </a:r>
-            <a:r>
-              <a:rPr lang="en-US" sz="2600" dirty="0"/>
-              <a:t>Training </a:t>
-            </a:r>
-            <a:r>
-              <a:rPr lang="en-US" sz="2600" dirty="0" smtClean="0"/>
-              <a:t>Programme</a:t>
-            </a:r>
-          </a:p>
-          <a:p>
-            <a:r>
-              <a:rPr lang="en-US" sz="2600" dirty="0"/>
-              <a:t>Completely Streamlined </a:t>
-            </a:r>
-            <a:r>
-              <a:rPr lang="en-US" sz="2600" b="1" dirty="0"/>
-              <a:t>Online Platform </a:t>
-            </a:r>
-            <a:r>
-              <a:rPr lang="en-US" sz="2600" dirty="0"/>
-              <a:t>and Not Classroom </a:t>
-            </a:r>
-            <a:r>
-              <a:rPr lang="en-US" sz="2600" dirty="0" smtClean="0"/>
-              <a:t>Based</a:t>
-            </a:r>
-          </a:p>
-          <a:p>
-            <a:r>
-              <a:rPr lang="en-US" sz="2600" dirty="0"/>
-              <a:t>Lot of </a:t>
-            </a:r>
-            <a:r>
-              <a:rPr lang="en-US" sz="2600" b="1" dirty="0"/>
-              <a:t>Lab Work </a:t>
-            </a:r>
-            <a:r>
-              <a:rPr lang="en-US" sz="2600" dirty="0"/>
-              <a:t>and Programming and less of </a:t>
-            </a:r>
-            <a:r>
-              <a:rPr lang="en-US" sz="2600" dirty="0" smtClean="0"/>
-              <a:t>theory</a:t>
-            </a:r>
+            <a:pPr>
+              <a:spcAft>
+                <a:spcPts val="1200"/>
+              </a:spcAft>
+            </a:pPr>
+            <a:r>
+              <a:rPr lang="en-US" b="1" dirty="0" smtClean="0"/>
+              <a:t>Content Delivery </a:t>
+            </a:r>
+            <a:r>
+              <a:rPr lang="en-US" dirty="0"/>
+              <a:t>– </a:t>
+            </a:r>
+          </a:p>
+          <a:p>
+            <a:pPr lvl="1"/>
+            <a:r>
+              <a:rPr lang="en-US" dirty="0"/>
+              <a:t>Online Training </a:t>
+            </a:r>
+            <a:r>
+              <a:rPr lang="en-US" dirty="0" smtClean="0"/>
+              <a:t>Content and Self Paced Study by Engineer</a:t>
+            </a:r>
+          </a:p>
+          <a:p>
+            <a:pPr lvl="1"/>
+            <a:r>
+              <a:rPr lang="en-US" dirty="0"/>
+              <a:t>Mentor and Engineer connect using Google Hangout or Skype One-on-One where-in Mentor can see the shared desktop of engineer, ask questions on concepts and give </a:t>
+            </a:r>
+            <a:r>
+              <a:rPr lang="en-US" dirty="0" smtClean="0"/>
+              <a:t>Practice Programs </a:t>
+            </a:r>
+            <a:r>
+              <a:rPr lang="en-US" dirty="0"/>
+              <a:t>from the pre-defined list</a:t>
+            </a:r>
+            <a:endParaRPr lang="en-US" dirty="0" smtClean="0"/>
           </a:p>
         </p:txBody>
       </p:sp>
     </p:spTree>
     <p:extLst>
       <p:ext uri="{BB962C8B-B14F-4D97-AF65-F5344CB8AC3E}">
-        <p14:creationId xmlns:p14="http://schemas.microsoft.com/office/powerpoint/2010/main" val="3825490614"/>
+        <p14:creationId xmlns:p14="http://schemas.microsoft.com/office/powerpoint/2010/main" val="4108502842"/>
       </p:ext>
     </p:extLst>
   </p:cSld>
@@ -4502,7 +4544,7 @@
         </p:nvSpPr>
         <p:spPr>
           <a:xfrm>
-            <a:off x="549275" y="1776611"/>
+            <a:off x="549275" y="1758970"/>
             <a:ext cx="8042276" cy="4397793"/>
           </a:xfrm>
         </p:spPr>
@@ -4513,69 +4555,64 @@
           <a:lstStyle/>
           <a:p>
             <a:r>
+              <a:rPr lang="en-US" sz="2600" dirty="0"/>
+              <a:t>Its </a:t>
+            </a:r>
+            <a:r>
+              <a:rPr lang="en-US" sz="2600" b="1" dirty="0"/>
+              <a:t>One Skill - One Mentor - One Student </a:t>
+            </a:r>
+            <a:r>
+              <a:rPr lang="en-US" sz="2600" dirty="0"/>
+              <a:t>Training </a:t>
+            </a:r>
+            <a:r>
               <a:rPr lang="en-US" sz="2600" dirty="0" smtClean="0"/>
-              <a:t>Easily </a:t>
+              <a:t>Programme</a:t>
+            </a:r>
+          </a:p>
+          <a:p>
+            <a:r>
+              <a:rPr lang="en-US" sz="2600" dirty="0"/>
+              <a:t>Completely Streamlined </a:t>
             </a:r>
             <a:r>
               <a:rPr lang="en-US" sz="2600" b="1" dirty="0"/>
-              <a:t>reachable</a:t>
+              <a:t>Online Platform </a:t>
             </a:r>
             <a:r>
               <a:rPr lang="en-US" sz="2600" dirty="0"/>
-              <a:t> </a:t>
+              <a:t>and Not Classroom </a:t>
+            </a:r>
+            <a:r>
+              <a:rPr lang="en-US" sz="2600" dirty="0" smtClean="0"/>
+              <a:t>Based</a:t>
+            </a:r>
+          </a:p>
+          <a:p>
+            <a:r>
+              <a:rPr lang="en-US" sz="2600" dirty="0"/>
+              <a:t>Lot of </a:t>
             </a:r>
             <a:r>
               <a:rPr lang="en-US" sz="2600" b="1" dirty="0"/>
-              <a:t>and available</a:t>
+              <a:t>Lab Work </a:t>
             </a:r>
             <a:r>
               <a:rPr lang="en-US" sz="2600" dirty="0"/>
-              <a:t> to wide range engineers from different </a:t>
+              <a:t>and Programming and less of </a:t>
             </a:r>
             <a:r>
               <a:rPr lang="en-US" sz="2600" dirty="0" smtClean="0"/>
-              <a:t>locations</a:t>
-            </a:r>
-          </a:p>
-          <a:p>
-            <a:r>
-              <a:rPr lang="en-US" sz="2600" b="1" dirty="0"/>
-              <a:t>Skilled Mentors </a:t>
-            </a:r>
-            <a:r>
-              <a:rPr lang="en-US" sz="2600" dirty="0"/>
-              <a:t>from industry will be available unlike in training </a:t>
-            </a:r>
-            <a:r>
-              <a:rPr lang="en-US" sz="2600" dirty="0" smtClean="0"/>
-              <a:t>institutes</a:t>
-            </a:r>
-          </a:p>
-          <a:p>
-            <a:r>
-              <a:rPr lang="en-US" sz="2600" b="1" dirty="0" smtClean="0"/>
-              <a:t>Real-time </a:t>
-            </a:r>
-            <a:r>
-              <a:rPr lang="en-US" sz="2600" b="1" dirty="0"/>
-              <a:t>use of technology </a:t>
-            </a:r>
-            <a:r>
-              <a:rPr lang="en-US" sz="2600" dirty="0"/>
-              <a:t>and concepts will be delivered unlike Bookish Knowledge however </a:t>
-            </a:r>
-            <a:r>
-              <a:rPr lang="en-US" sz="2600" dirty="0" smtClean="0"/>
-              <a:t>updated</a:t>
-            </a:r>
-            <a:endParaRPr lang="en-US" sz="2600" dirty="0"/>
+              <a:t>theory</a:t>
+            </a:r>
           </a:p>
         </p:txBody>
       </p:sp>
     </p:spTree>
     <p:extLst>
       <p:ext uri="{BB962C8B-B14F-4D97-AF65-F5344CB8AC3E}">
-        <p14:creationId xmlns:p14="http://schemas.microsoft.com/office/powerpoint/2010/main" val="1312750657"/>
+        <p14:creationId xmlns:p14="http://schemas.microsoft.com/office/powerpoint/2010/main" val="3825490614"/>
       </p:ext>
     </p:extLst>
   </p:cSld>
@@ -4642,9 +4679,12 @@
           <a:p>
             <a:r>
               <a:rPr lang="en-US" dirty="0" smtClean="0"/>
-              <a:t>Benefit to Corporates</a:t>
-            </a:r>
-            <a:endParaRPr lang="en-US" dirty="0"/>
+              <a:t>How MakeTechEz Training Programme is different</a:t>
+            </a:r>
+            <a:r>
+              <a:rPr lang="en-US" dirty="0"/>
+              <a:t>?</a:t>
+            </a:r>
           </a:p>
         </p:txBody>
       </p:sp>
@@ -4660,83 +4700,71 @@
         </p:nvSpPr>
         <p:spPr>
           <a:xfrm>
-            <a:off x="549275" y="1335586"/>
-            <a:ext cx="8042276" cy="4856460"/>
+            <a:off x="549275" y="1776611"/>
+            <a:ext cx="8042276" cy="4397793"/>
           </a:xfrm>
         </p:spPr>
         <p:txBody>
           <a:bodyPr anchor="ctr" anchorCtr="0">
-            <a:normAutofit fontScale="92500" lnSpcReduction="10000"/>
+            <a:normAutofit/>
           </a:bodyPr>
           <a:lstStyle/>
           <a:p>
             <a:r>
+              <a:rPr lang="en-US" sz="2600" dirty="0" smtClean="0"/>
+              <a:t>Easily </a:t>
+            </a:r>
+            <a:r>
+              <a:rPr lang="en-US" sz="2600" b="1" dirty="0"/>
+              <a:t>reachable</a:t>
+            </a:r>
+            <a:r>
               <a:rPr lang="en-US" sz="2600" dirty="0"/>
-              <a:t>Corporate on an average spend </a:t>
+              <a:t> </a:t>
+            </a:r>
+            <a:r>
+              <a:rPr lang="en-US" sz="2600" b="1" dirty="0"/>
+              <a:t>and available</a:t>
+            </a:r>
+            <a:r>
+              <a:rPr lang="en-US" sz="2600" dirty="0"/>
+              <a:t> to wide range engineers from different </a:t>
             </a:r>
             <a:r>
               <a:rPr lang="en-US" sz="2600" dirty="0" smtClean="0"/>
-              <a:t>around Rs 60,000 on </a:t>
+              <a:t>locations</a:t>
+            </a:r>
+          </a:p>
+          <a:p>
+            <a:r>
+              <a:rPr lang="en-US" sz="2600" b="1" dirty="0"/>
+              <a:t>Skilled Mentors </a:t>
             </a:r>
             <a:r>
               <a:rPr lang="en-US" sz="2600" dirty="0"/>
-              <a:t>training the fresh engineers. </a:t>
+              <a:t>from industry will be available unlike in training </a:t>
             </a:r>
             <a:r>
               <a:rPr lang="en-US" sz="2600" dirty="0" smtClean="0"/>
-              <a:t>MakeTechEz encourages </a:t>
+              <a:t>institutes</a:t>
+            </a:r>
+          </a:p>
+          <a:p>
+            <a:r>
+              <a:rPr lang="en-US" sz="2600" b="1" dirty="0" smtClean="0"/>
+              <a:t>Real-time </a:t>
+            </a:r>
+            <a:r>
+              <a:rPr lang="en-US" sz="2600" b="1" dirty="0"/>
+              <a:t>use of technology </a:t>
             </a:r>
             <a:r>
               <a:rPr lang="en-US" sz="2600" dirty="0"/>
-              <a:t>the engineers to take the training. So Corporates not only gets trained staff but also get confident and motivated Engineers who are ready to dive into </a:t>
+              <a:t>and concepts will be delivered unlike Bookish Knowledge however </a:t>
             </a:r>
             <a:r>
               <a:rPr lang="en-US" sz="2600" dirty="0" smtClean="0"/>
-              <a:t>programming</a:t>
-            </a:r>
-          </a:p>
-          <a:p>
-            <a:r>
-              <a:rPr lang="en-US" sz="2600" dirty="0"/>
-              <a:t>Companies </a:t>
-            </a:r>
-            <a:r>
-              <a:rPr lang="en-US" sz="2600" dirty="0" smtClean="0"/>
-              <a:t>can expect </a:t>
-            </a:r>
-            <a:r>
-              <a:rPr lang="en-US" sz="2600" dirty="0"/>
-              <a:t>the fresh </a:t>
-            </a:r>
-            <a:r>
-              <a:rPr lang="en-US" sz="2600" dirty="0" smtClean="0"/>
-              <a:t>recruits </a:t>
-            </a:r>
-            <a:r>
-              <a:rPr lang="en-US" sz="2600" dirty="0"/>
-              <a:t>to get productive on the first or second month itself instead of usual 4 to 6 </a:t>
-            </a:r>
-            <a:r>
-              <a:rPr lang="en-US" sz="2600" dirty="0" smtClean="0"/>
-              <a:t>months</a:t>
-            </a:r>
-          </a:p>
-          <a:p>
-            <a:r>
-              <a:rPr lang="en-US" sz="2600" dirty="0"/>
-              <a:t>Companies will have a pool of fresh </a:t>
-            </a:r>
-            <a:r>
-              <a:rPr lang="en-US" sz="2600" dirty="0" smtClean="0"/>
-              <a:t>engineering which </a:t>
-            </a:r>
-            <a:r>
-              <a:rPr lang="en-US" sz="2600" dirty="0"/>
-              <a:t>earlier they have to seek out by visiting </a:t>
-            </a:r>
-            <a:r>
-              <a:rPr lang="en-US" sz="2600" dirty="0" smtClean="0"/>
-              <a:t>campuses</a:t>
+              <a:t>updated</a:t>
             </a:r>
             <a:endParaRPr lang="en-US" sz="2600" dirty="0"/>
           </a:p>
@@ -4745,7 +4773,7 @@
     </p:spTree>
     <p:extLst>
       <p:ext uri="{BB962C8B-B14F-4D97-AF65-F5344CB8AC3E}">
-        <p14:creationId xmlns:p14="http://schemas.microsoft.com/office/powerpoint/2010/main" val="3058417814"/>
+        <p14:creationId xmlns:p14="http://schemas.microsoft.com/office/powerpoint/2010/main" val="1312750657"/>
       </p:ext>
     </p:extLst>
   </p:cSld>
@@ -4812,6 +4840,176 @@
           <a:p>
             <a:r>
               <a:rPr lang="en-US" dirty="0" smtClean="0"/>
+              <a:t>Benefit to Corporates</a:t>
+            </a:r>
+            <a:endParaRPr lang="en-US" dirty="0"/>
+          </a:p>
+        </p:txBody>
+      </p:sp>
+      <p:sp>
+        <p:nvSpPr>
+          <p:cNvPr id="3" name="Content Placeholder 2"/>
+          <p:cNvSpPr>
+            <a:spLocks noGrp="1"/>
+          </p:cNvSpPr>
+          <p:nvPr>
+            <p:ph idx="1"/>
+          </p:nvPr>
+        </p:nvSpPr>
+        <p:spPr>
+          <a:xfrm>
+            <a:off x="549275" y="1335586"/>
+            <a:ext cx="8042276" cy="4856460"/>
+          </a:xfrm>
+        </p:spPr>
+        <p:txBody>
+          <a:bodyPr anchor="ctr" anchorCtr="0">
+            <a:normAutofit fontScale="92500" lnSpcReduction="10000"/>
+          </a:bodyPr>
+          <a:lstStyle/>
+          <a:p>
+            <a:r>
+              <a:rPr lang="en-US" sz="2600" dirty="0"/>
+              <a:t>Corporate on an average spend </a:t>
+            </a:r>
+            <a:r>
+              <a:rPr lang="en-US" sz="2600" dirty="0" smtClean="0"/>
+              <a:t>around Rs 60,000 on </a:t>
+            </a:r>
+            <a:r>
+              <a:rPr lang="en-US" sz="2600" dirty="0"/>
+              <a:t>training the fresh engineers. </a:t>
+            </a:r>
+            <a:r>
+              <a:rPr lang="en-US" sz="2600" dirty="0" smtClean="0"/>
+              <a:t>MakeTechEz encourages </a:t>
+            </a:r>
+            <a:r>
+              <a:rPr lang="en-US" sz="2600" dirty="0"/>
+              <a:t>the engineers to take the training. So Corporates not only gets trained staff but also get confident and motivated Engineers who are ready to dive into </a:t>
+            </a:r>
+            <a:r>
+              <a:rPr lang="en-US" sz="2600" dirty="0" smtClean="0"/>
+              <a:t>programming</a:t>
+            </a:r>
+          </a:p>
+          <a:p>
+            <a:r>
+              <a:rPr lang="en-US" sz="2600" dirty="0"/>
+              <a:t>Companies </a:t>
+            </a:r>
+            <a:r>
+              <a:rPr lang="en-US" sz="2600" dirty="0" smtClean="0"/>
+              <a:t>can expect </a:t>
+            </a:r>
+            <a:r>
+              <a:rPr lang="en-US" sz="2600" dirty="0"/>
+              <a:t>the fresh </a:t>
+            </a:r>
+            <a:r>
+              <a:rPr lang="en-US" sz="2600" dirty="0" smtClean="0"/>
+              <a:t>recruits </a:t>
+            </a:r>
+            <a:r>
+              <a:rPr lang="en-US" sz="2600" dirty="0"/>
+              <a:t>to get productive on the first or second month itself instead of usual 4 to 6 </a:t>
+            </a:r>
+            <a:r>
+              <a:rPr lang="en-US" sz="2600" dirty="0" smtClean="0"/>
+              <a:t>months</a:t>
+            </a:r>
+          </a:p>
+          <a:p>
+            <a:r>
+              <a:rPr lang="en-US" sz="2600" dirty="0"/>
+              <a:t>Companies will have a pool of fresh </a:t>
+            </a:r>
+            <a:r>
+              <a:rPr lang="en-US" sz="2600" dirty="0" smtClean="0"/>
+              <a:t>engineering which </a:t>
+            </a:r>
+            <a:r>
+              <a:rPr lang="en-US" sz="2600" dirty="0"/>
+              <a:t>earlier they have to seek out by visiting </a:t>
+            </a:r>
+            <a:r>
+              <a:rPr lang="en-US" sz="2600" dirty="0" smtClean="0"/>
+              <a:t>campuses</a:t>
+            </a:r>
+            <a:endParaRPr lang="en-US" sz="2600" dirty="0"/>
+          </a:p>
+        </p:txBody>
+      </p:sp>
+    </p:spTree>
+    <p:extLst>
+      <p:ext uri="{BB962C8B-B14F-4D97-AF65-F5344CB8AC3E}">
+        <p14:creationId xmlns:p14="http://schemas.microsoft.com/office/powerpoint/2010/main" val="3058417814"/>
+      </p:ext>
+    </p:extLst>
+  </p:cSld>
+  <p:clrMapOvr>
+    <a:masterClrMapping/>
+  </p:clrMapOvr>
+  <p:timing>
+    <p:tnLst>
+      <p:par>
+        <p:cTn xmlns:p14="http://schemas.microsoft.com/office/powerpoint/2010/main" id="1" dur="indefinite" restart="never" nodeType="tmRoot"/>
+      </p:par>
+    </p:tnLst>
+  </p:timing>
+</p:sld>
+</file>
+
+<file path=ppt/slides/slide17.xml><?xml version="1.0" encoding="utf-8"?>
+<p:sld xmlns:a="http://schemas.openxmlformats.org/drawingml/2006/main" xmlns:r="http://schemas.openxmlformats.org/officeDocument/2006/relationships" xmlns:p="http://schemas.openxmlformats.org/presentationml/2006/main">
+  <p:cSld>
+    <p:spTree>
+      <p:nvGrpSpPr>
+        <p:cNvPr id="1" name=""/>
+        <p:cNvGrpSpPr/>
+        <p:nvPr/>
+      </p:nvGrpSpPr>
+      <p:grpSpPr>
+        <a:xfrm>
+          <a:off x="0" y="0"/>
+          <a:ext cx="0" cy="0"/>
+          <a:chOff x="0" y="0"/>
+          <a:chExt cx="0" cy="0"/>
+        </a:xfrm>
+      </p:grpSpPr>
+      <p:sp>
+        <p:nvSpPr>
+          <p:cNvPr id="2" name="Title 1"/>
+          <p:cNvSpPr>
+            <a:spLocks noGrp="1"/>
+          </p:cNvSpPr>
+          <p:nvPr>
+            <p:ph type="title"/>
+          </p:nvPr>
+        </p:nvSpPr>
+        <p:spPr/>
+        <p:style>
+          <a:lnRef idx="2">
+            <a:schemeClr val="accent1">
+              <a:shade val="50000"/>
+            </a:schemeClr>
+          </a:lnRef>
+          <a:fillRef idx="1">
+            <a:schemeClr val="accent1"/>
+          </a:fillRef>
+          <a:effectRef idx="0">
+            <a:schemeClr val="accent1"/>
+          </a:effectRef>
+          <a:fontRef idx="minor">
+            <a:schemeClr val="lt1"/>
+          </a:fontRef>
+        </p:style>
+        <p:txBody>
+          <a:bodyPr anchor="ctr" anchorCtr="0"/>
+          <a:lstStyle/>
+          <a:p>
+            <a:r>
+              <a:rPr lang="en-US" dirty="0" smtClean="0"/>
               <a:t>Benefit to Fresh Engineers</a:t>
             </a:r>
             <a:endParaRPr lang="en-US" dirty="0"/>
@@ -4900,7 +5098,7 @@
 </p:sld>
 </file>
 
-<file path=ppt/slides/slide17.xml><?xml version="1.0" encoding="utf-8"?>
+<file path=ppt/slides/slide18.xml><?xml version="1.0" encoding="utf-8"?>
 <p:sld xmlns:a="http://schemas.openxmlformats.org/drawingml/2006/main" xmlns:r="http://schemas.openxmlformats.org/officeDocument/2006/relationships" xmlns:p="http://schemas.openxmlformats.org/presentationml/2006/main">
   <p:cSld>
     <p:spTree>
@@ -5183,7 +5381,7 @@
           <a:p>
             <a:r>
               <a:rPr lang="en-US" dirty="0"/>
-              <a:t>Experts Opinion</a:t>
+              <a:t>Engineers, Are They Employable?</a:t>
             </a:r>
           </a:p>
         </p:txBody>
@@ -5198,40 +5396,36 @@
             <p:ph idx="1"/>
           </p:nvPr>
         </p:nvSpPr>
-        <p:spPr/>
-        <p:txBody>
-          <a:bodyPr/>
-          <a:lstStyle/>
-          <a:p>
-            <a:r>
-              <a:rPr lang="en-US" dirty="0" smtClean="0"/>
-              <a:t>Dr. </a:t>
-            </a:r>
+        <p:spPr>
+          <a:xfrm>
+            <a:off x="549275" y="1600200"/>
+            <a:ext cx="8042276" cy="4684581"/>
+          </a:xfrm>
+        </p:spPr>
+        <p:txBody>
+          <a:bodyPr anchor="ctr" anchorCtr="0">
+            <a:normAutofit fontScale="92500"/>
+          </a:bodyPr>
+          <a:lstStyle/>
+          <a:p>
+            <a:pPr marL="0" indent="0">
+              <a:lnSpc>
+                <a:spcPct val="150000"/>
+              </a:lnSpc>
+              <a:buNone/>
+            </a:pPr>
             <a:r>
               <a:rPr lang="en-US" dirty="0"/>
-              <a:t>Sameer Prabhu director of Industry Marketing, MathWorks, says, </a:t>
-            </a:r>
-            <a:endParaRPr lang="en-US" dirty="0" smtClean="0"/>
-          </a:p>
-          <a:p>
-            <a:pPr marL="352425" indent="0">
-              <a:buNone/>
-            </a:pPr>
-            <a:r>
-              <a:rPr lang="en-US" dirty="0" smtClean="0"/>
-              <a:t>“</a:t>
-            </a:r>
-            <a:r>
-              <a:rPr lang="en-US" dirty="0"/>
-              <a:t>While engineering education in India has evolved over the last few years, there is still a considerable skills gap when it comes to industry requirements. Product Engineering companies are unable to hire as it requires greater understanding of computer science and algorithms among students. Another main reasons is lack of exposure to industry-standard tools and software."</a:t>
-            </a:r>
+              <a:t>According to a survey conducted by US-based EC-Council (International Council for E-Commerce Consultants), By 2015, India needs at least 500,000 cyber professionals. Yet 99% Indian IT students incapable of secure coding. Further the report went on to say that only around 13% of IT students in India have some understanding of concepts, and that they can be trained in information security. While over 86% of them do not have requisite skills. </a:t>
+            </a:r>
+            <a:endParaRPr lang="en-US" dirty="0"/>
           </a:p>
         </p:txBody>
       </p:sp>
     </p:spTree>
     <p:extLst>
       <p:ext uri="{BB962C8B-B14F-4D97-AF65-F5344CB8AC3E}">
-        <p14:creationId xmlns:p14="http://schemas.microsoft.com/office/powerpoint/2010/main" val="567662295"/>
+        <p14:creationId xmlns:p14="http://schemas.microsoft.com/office/powerpoint/2010/main" val="641460276"/>
       </p:ext>
     </p:extLst>
   </p:cSld>
@@ -5315,35 +5509,30 @@
         </p:nvSpPr>
         <p:spPr/>
         <p:txBody>
-          <a:bodyPr>
-            <a:normAutofit lnSpcReduction="10000"/>
-          </a:bodyPr>
-          <a:lstStyle/>
-          <a:p>
+          <a:bodyPr/>
+          <a:lstStyle/>
+          <a:p>
+            <a:r>
+              <a:rPr lang="en-US" dirty="0" smtClean="0"/>
+              <a:t>Dr. </a:t>
+            </a:r>
             <a:r>
               <a:rPr lang="en-US" dirty="0"/>
-              <a:t>Raghu Panicker, country sales director, Mentor Graphics, </a:t>
-            </a:r>
+              <a:t>Sameer Prabhu director of Industry Marketing, MathWorks, says, </a:t>
+            </a:r>
+            <a:endParaRPr lang="en-US" dirty="0" smtClean="0"/>
+          </a:p>
+          <a:p>
+            <a:pPr marL="352425" indent="0">
+              <a:buNone/>
+            </a:pPr>
             <a:r>
               <a:rPr lang="en-US" dirty="0" smtClean="0"/>
-              <a:t>says, </a:t>
-            </a:r>
-          </a:p>
-          <a:p>
-            <a:pPr marL="352425" indent="0">
-              <a:buNone/>
-            </a:pPr>
+              <a:t>“</a:t>
+            </a:r>
             <a:r>
               <a:rPr lang="en-US" dirty="0"/>
-              <a:t>“Fresh engineering graduates who get hired by leading companies have to go through induction on product engineering oriented or process engineering oriented or focused in-house training programmes</a:t>
-            </a:r>
-            <a:r>
-              <a:rPr lang="en-US" dirty="0" smtClean="0"/>
-              <a:t>. </a:t>
-            </a:r>
-            <a:r>
-              <a:rPr lang="en-US" dirty="0"/>
-              <a:t>These programmes are usually driven and guided by internal engineers, managers and product/process specialists, and run for over four to six months. These programmes involve a lot of effort, time and costs for any corporate. This is where finishing schools come in.”</a:t>
+              <a:t>While engineering education in India has evolved over the last few years, there is still a considerable skills gap when it comes to industry requirements. Product Engineering companies are unable to hire as it requires greater understanding of computer science and algorithms among students. Another main reasons is lack of exposure to industry-standard tools and software."</a:t>
             </a:r>
           </a:p>
         </p:txBody>
@@ -5351,7 +5540,7 @@
     </p:spTree>
     <p:extLst>
       <p:ext uri="{BB962C8B-B14F-4D97-AF65-F5344CB8AC3E}">
-        <p14:creationId xmlns:p14="http://schemas.microsoft.com/office/powerpoint/2010/main" val="3390658830"/>
+        <p14:creationId xmlns:p14="http://schemas.microsoft.com/office/powerpoint/2010/main" val="567662295"/>
       </p:ext>
     </p:extLst>
   </p:cSld>
@@ -5442,7 +5631,7 @@
           <a:p>
             <a:r>
               <a:rPr lang="en-US" dirty="0"/>
-              <a:t>Col. N.C. Pande from EFY Tech Center, </a:t>
+              <a:t>Raghu Panicker, country sales director, Mentor Graphics, </a:t>
             </a:r>
             <a:r>
               <a:rPr lang="en-US" dirty="0" smtClean="0"/>
@@ -5455,7 +5644,15 @@
             </a:pPr>
             <a:r>
               <a:rPr lang="en-US" dirty="0"/>
-              <a:t>“While the colleges make a theoretical background for the students, finishing schools teach them the practical aspects of things. In India, a vast majority of engineering colleges and universities have not updated their curriculum to incorporate the current needs of the industry with respect to exposure to new technologies, products and processes across sectors. Hence the need for this supplementary training that can enhance ‘job readiness’ and hence cut down the time required by companies to make the fresh hires productive.”</a:t>
+              <a:t>“Fresh engineering graduates who get hired by leading companies have to go through induction on product engineering oriented or process engineering oriented or focused in-house training programmes</a:t>
+            </a:r>
+            <a:r>
+              <a:rPr lang="en-US" dirty="0" smtClean="0"/>
+              <a:t>. </a:t>
+            </a:r>
+            <a:r>
+              <a:rPr lang="en-US" dirty="0"/>
+              <a:t>These programmes are usually driven and guided by internal engineers, managers and product/process specialists, and run for over four to six months. These programmes involve a lot of effort, time and costs for any corporate. This is where finishing schools come in.”</a:t>
             </a:r>
           </a:p>
         </p:txBody>
@@ -5463,7 +5660,7 @@
     </p:spTree>
     <p:extLst>
       <p:ext uri="{BB962C8B-B14F-4D97-AF65-F5344CB8AC3E}">
-        <p14:creationId xmlns:p14="http://schemas.microsoft.com/office/powerpoint/2010/main" val="2314214305"/>
+        <p14:creationId xmlns:p14="http://schemas.microsoft.com/office/powerpoint/2010/main" val="3390658830"/>
       </p:ext>
     </p:extLst>
   </p:cSld>
@@ -5530,7 +5727,7 @@
           <a:p>
             <a:r>
               <a:rPr lang="en-US" dirty="0"/>
-              <a:t>What is Finishing School?</a:t>
+              <a:t>Experts Opinion</a:t>
             </a:r>
           </a:p>
         </p:txBody>
@@ -5545,33 +5742,29 @@
             <p:ph idx="1"/>
           </p:nvPr>
         </p:nvSpPr>
-        <p:spPr>
-          <a:xfrm>
-            <a:off x="549275" y="1600200"/>
-            <a:ext cx="8042276" cy="4684581"/>
-          </a:xfrm>
-        </p:spPr>
-        <p:txBody>
-          <a:bodyPr anchor="ctr" anchorCtr="0"/>
-          <a:lstStyle/>
-          <a:p>
-            <a:pPr marL="0" indent="0">
-              <a:lnSpc>
-                <a:spcPct val="150000"/>
-              </a:lnSpc>
+        <p:spPr/>
+        <p:txBody>
+          <a:bodyPr>
+            <a:normAutofit lnSpcReduction="10000"/>
+          </a:bodyPr>
+          <a:lstStyle/>
+          <a:p>
+            <a:r>
+              <a:rPr lang="en-US" dirty="0"/>
+              <a:t>Col. N.C. Pande from EFY Tech Center, </a:t>
+            </a:r>
+            <a:r>
+              <a:rPr lang="en-US" dirty="0" smtClean="0"/>
+              <a:t>says, </a:t>
+            </a:r>
+          </a:p>
+          <a:p>
+            <a:pPr marL="352425" indent="0">
               <a:buNone/>
             </a:pPr>
             <a:r>
               <a:rPr lang="en-US" dirty="0"/>
-              <a:t>Finishing school is a supplementary training school that attempts to compensate for the deficiencies of colleges by providing </a:t>
-            </a:r>
-            <a:r>
-              <a:rPr lang="en-US" dirty="0" smtClean="0"/>
-              <a:t>specialized </a:t>
-            </a:r>
-            <a:r>
-              <a:rPr lang="en-US" dirty="0"/>
-              <a:t>technology training (hard skills) or personality development programmes (soft skills).</a:t>
+              <a:t>“While the colleges make a theoretical background for the students, finishing schools teach them the practical aspects of things. In India, a vast majority of engineering colleges and universities have not updated their curriculum to incorporate the current needs of the industry with respect to exposure to new technologies, products and processes across sectors. Hence the need for this supplementary training that can enhance ‘job readiness’ and hence cut down the time required by companies to make the fresh hires productive.”</a:t>
             </a:r>
           </a:p>
         </p:txBody>
@@ -5579,7 +5772,7 @@
     </p:spTree>
     <p:extLst>
       <p:ext uri="{BB962C8B-B14F-4D97-AF65-F5344CB8AC3E}">
-        <p14:creationId xmlns:p14="http://schemas.microsoft.com/office/powerpoint/2010/main" val="2906170673"/>
+        <p14:creationId xmlns:p14="http://schemas.microsoft.com/office/powerpoint/2010/main" val="2314214305"/>
       </p:ext>
     </p:extLst>
   </p:cSld>
@@ -5646,7 +5839,7 @@
           <a:p>
             <a:r>
               <a:rPr lang="en-US" dirty="0"/>
-              <a:t>What role do finishing schools play?</a:t>
+              <a:t>What is Finishing School?</a:t>
             </a:r>
           </a:p>
         </p:txBody>
@@ -5663,79 +5856,39 @@
         </p:nvSpPr>
         <p:spPr>
           <a:xfrm>
-            <a:off x="549275" y="1600201"/>
-            <a:ext cx="8042276" cy="4697692"/>
+            <a:off x="549275" y="1600200"/>
+            <a:ext cx="8042276" cy="4684581"/>
           </a:xfrm>
         </p:spPr>
         <p:txBody>
-          <a:bodyPr>
-            <a:normAutofit fontScale="92500"/>
-          </a:bodyPr>
-          <a:lstStyle/>
-          <a:p>
+          <a:bodyPr anchor="ctr" anchorCtr="0"/>
+          <a:lstStyle/>
+          <a:p>
+            <a:pPr marL="0" indent="0">
+              <a:lnSpc>
+                <a:spcPct val="150000"/>
+              </a:lnSpc>
+              <a:buNone/>
+            </a:pPr>
             <a:r>
               <a:rPr lang="en-US" dirty="0"/>
-              <a:t>Increase the industry-readiness of the fresh engineering graduates so that they are productive from day </a:t>
+              <a:t>Finishing school is a supplementary training school that attempts to compensate for the deficiencies of colleges by providing </a:t>
             </a:r>
             <a:r>
               <a:rPr lang="en-US" dirty="0" smtClean="0"/>
-              <a:t>one</a:t>
-            </a:r>
-          </a:p>
-          <a:p>
+              <a:t>specialized </a:t>
+            </a:r>
             <a:r>
               <a:rPr lang="en-US" dirty="0"/>
-              <a:t>Bridge the industry and education sector gap by catering to the needs of </a:t>
-            </a:r>
-            <a:r>
-              <a:rPr lang="en-US" dirty="0" smtClean="0"/>
-              <a:t>the industry</a:t>
-            </a:r>
-          </a:p>
-          <a:p>
-            <a:r>
-              <a:rPr lang="en-US" dirty="0"/>
-              <a:t>Create a path where the industry and educational sector can </a:t>
-            </a:r>
-            <a:r>
-              <a:rPr lang="en-US" dirty="0" smtClean="0"/>
-              <a:t>synergize </a:t>
-            </a:r>
-            <a:r>
-              <a:rPr lang="en-US" dirty="0"/>
-              <a:t>efforts to train better </a:t>
-            </a:r>
-            <a:r>
-              <a:rPr lang="en-US" dirty="0" smtClean="0"/>
-              <a:t>manpower</a:t>
-            </a:r>
-          </a:p>
-          <a:p>
-            <a:r>
-              <a:rPr lang="en-US" dirty="0"/>
-              <a:t>Develop the requisite industry know-how for students to facilitate better </a:t>
-            </a:r>
-            <a:r>
-              <a:rPr lang="en-US" dirty="0" smtClean="0"/>
-              <a:t>employability</a:t>
-            </a:r>
-          </a:p>
-          <a:p>
-            <a:r>
-              <a:rPr lang="en-US" dirty="0"/>
-              <a:t>Ensure more number of industry-ready engineers are available for the industry to recruit</a:t>
-            </a:r>
-            <a:endParaRPr lang="en-US" dirty="0" smtClean="0"/>
-          </a:p>
-          <a:p>
-            <a:endParaRPr lang="en-US" dirty="0"/>
+              <a:t>technology training (hard skills) or personality development programmes (soft skills).</a:t>
+            </a:r>
           </a:p>
         </p:txBody>
       </p:sp>
     </p:spTree>
     <p:extLst>
       <p:ext uri="{BB962C8B-B14F-4D97-AF65-F5344CB8AC3E}">
-        <p14:creationId xmlns:p14="http://schemas.microsoft.com/office/powerpoint/2010/main" val="2722402689"/>
+        <p14:creationId xmlns:p14="http://schemas.microsoft.com/office/powerpoint/2010/main" val="2906170673"/>
       </p:ext>
     </p:extLst>
   </p:cSld>
@@ -5802,7 +5955,7 @@
           <a:p>
             <a:r>
               <a:rPr lang="en-US" dirty="0"/>
-              <a:t> Key Ingredients of Training Programme</a:t>
+              <a:t>What role do finishing schools play?</a:t>
             </a:r>
           </a:p>
         </p:txBody>
@@ -5817,58 +5970,81 @@
             <p:ph idx="1"/>
           </p:nvPr>
         </p:nvSpPr>
-        <p:spPr/>
-        <p:txBody>
-          <a:bodyPr anchor="ctr" anchorCtr="0">
-            <a:normAutofit/>
+        <p:spPr>
+          <a:xfrm>
+            <a:off x="549275" y="1600201"/>
+            <a:ext cx="8042276" cy="4697692"/>
+          </a:xfrm>
+        </p:spPr>
+        <p:txBody>
+          <a:bodyPr>
+            <a:normAutofit fontScale="92500"/>
           </a:bodyPr>
           <a:lstStyle/>
           <a:p>
             <a:r>
               <a:rPr lang="en-US" dirty="0"/>
-              <a:t>According to Rajeev Kabra, chief executive officer and director, Cognitel Technologies, </a:t>
+              <a:t>Increase the industry-readiness of the fresh engineering graduates so that they are productive from day </a:t>
+            </a:r>
+            <a:r>
+              <a:rPr lang="en-US" dirty="0" smtClean="0"/>
+              <a:t>one</a:t>
+            </a:r>
+          </a:p>
+          <a:p>
+            <a:r>
+              <a:rPr lang="en-US" dirty="0"/>
+              <a:t>Bridge the industry and education sector gap by catering to the needs of </a:t>
+            </a:r>
+            <a:r>
+              <a:rPr lang="en-US" dirty="0" smtClean="0"/>
+              <a:t>the industry</a:t>
+            </a:r>
+          </a:p>
+          <a:p>
+            <a:r>
+              <a:rPr lang="en-US" dirty="0"/>
+              <a:t>Create a path where the industry and educational sector can </a:t>
+            </a:r>
+            <a:r>
+              <a:rPr lang="en-US" dirty="0" smtClean="0"/>
+              <a:t>synergize </a:t>
+            </a:r>
+            <a:r>
+              <a:rPr lang="en-US" dirty="0"/>
+              <a:t>efforts to train better </a:t>
+            </a:r>
+            <a:r>
+              <a:rPr lang="en-US" dirty="0" smtClean="0"/>
+              <a:t>manpower</a:t>
+            </a:r>
+          </a:p>
+          <a:p>
+            <a:r>
+              <a:rPr lang="en-US" dirty="0"/>
+              <a:t>Develop the requisite industry know-how for students to facilitate better </a:t>
+            </a:r>
+            <a:r>
+              <a:rPr lang="en-US" dirty="0" smtClean="0"/>
+              <a:t>employability</a:t>
+            </a:r>
+          </a:p>
+          <a:p>
+            <a:r>
+              <a:rPr lang="en-US" dirty="0"/>
+              <a:t>Ensure more number of industry-ready engineers are available for the industry to recruit</a:t>
             </a:r>
             <a:endParaRPr lang="en-US" dirty="0" smtClean="0"/>
           </a:p>
           <a:p>
-            <a:pPr marL="352425" indent="0">
-              <a:buNone/>
-            </a:pPr>
-            <a:r>
-              <a:rPr lang="en-US" dirty="0"/>
-              <a:t>“There are three important ingredients for disseminating knowledge on any topic: </a:t>
-            </a:r>
-            <a:r>
-              <a:rPr lang="en-US" b="1" dirty="0"/>
-              <a:t>content design </a:t>
-            </a:r>
-            <a:r>
-              <a:rPr lang="en-US" dirty="0"/>
-              <a:t>and development that is current and relevant, content delivery through </a:t>
-            </a:r>
-            <a:r>
-              <a:rPr lang="en-US" b="1" dirty="0"/>
-              <a:t>well-qualified teachers/trainers</a:t>
-            </a:r>
-            <a:r>
-              <a:rPr lang="en-US" dirty="0"/>
-              <a:t>, and </a:t>
-            </a:r>
-            <a:r>
-              <a:rPr lang="en-US" b="1" dirty="0"/>
-              <a:t>content delivery </a:t>
-            </a:r>
-            <a:r>
-              <a:rPr lang="en-US" dirty="0"/>
-              <a:t>infrastructure through use of physical or virtual classroom, labs, etc.”</a:t>
-            </a:r>
+            <a:endParaRPr lang="en-US" dirty="0"/>
           </a:p>
         </p:txBody>
       </p:sp>
     </p:spTree>
     <p:extLst>
       <p:ext uri="{BB962C8B-B14F-4D97-AF65-F5344CB8AC3E}">
-        <p14:creationId xmlns:p14="http://schemas.microsoft.com/office/powerpoint/2010/main" val="126632208"/>
+        <p14:creationId xmlns:p14="http://schemas.microsoft.com/office/powerpoint/2010/main" val="2722402689"/>
       </p:ext>
     </p:extLst>
   </p:cSld>
@@ -5935,7 +6111,7 @@
           <a:p>
             <a:r>
               <a:rPr lang="en-US" dirty="0"/>
-              <a:t>Challenges</a:t>
+              <a:t> Key Ingredients of Training Programme</a:t>
             </a:r>
           </a:p>
         </p:txBody>
@@ -5950,122 +6126,58 @@
             <p:ph idx="1"/>
           </p:nvPr>
         </p:nvSpPr>
-        <p:spPr>
-          <a:xfrm>
-            <a:off x="549275" y="1600201"/>
-            <a:ext cx="8042276" cy="4697692"/>
-          </a:xfrm>
-        </p:spPr>
-        <p:txBody>
-          <a:bodyPr>
-            <a:normAutofit fontScale="92500" lnSpcReduction="20000"/>
+        <p:spPr/>
+        <p:txBody>
+          <a:bodyPr anchor="ctr" anchorCtr="0">
+            <a:normAutofit/>
           </a:bodyPr>
           <a:lstStyle/>
           <a:p>
             <a:r>
-              <a:rPr lang="en-US" dirty="0" smtClean="0"/>
-              <a:t>Need for </a:t>
-            </a:r>
-            <a:r>
-              <a:rPr lang="en-US" b="1" dirty="0" smtClean="0"/>
-              <a:t>Content </a:t>
+              <a:rPr lang="en-US" dirty="0"/>
+              <a:t>According to Rajeev Kabra, chief executive officer and director, Cognitel Technologies, </a:t>
+            </a:r>
+            <a:endParaRPr lang="en-US" dirty="0" smtClean="0"/>
+          </a:p>
+          <a:p>
+            <a:pPr marL="352425" indent="0">
+              <a:buNone/>
+            </a:pPr>
+            <a:r>
+              <a:rPr lang="en-US" dirty="0"/>
+              <a:t>“There are three important ingredients for disseminating knowledge on any topic: </a:t>
             </a:r>
             <a:r>
               <a:rPr lang="en-US" b="1" dirty="0"/>
-              <a:t>Design </a:t>
+              <a:t>content design </a:t>
             </a:r>
             <a:r>
               <a:rPr lang="en-US" dirty="0"/>
-              <a:t>- Should be predominantly Lab Based and </a:t>
-            </a:r>
-            <a:r>
-              <a:rPr lang="en-US" dirty="0" smtClean="0"/>
-              <a:t>Practical</a:t>
-            </a:r>
-          </a:p>
-          <a:p>
-            <a:r>
-              <a:rPr lang="en-US" dirty="0" smtClean="0"/>
-              <a:t>Need for </a:t>
-            </a:r>
-            <a:r>
-              <a:rPr lang="en-US" b="1" dirty="0" smtClean="0"/>
-              <a:t>Qualified </a:t>
+              <a:t>and development that is current and relevant, content delivery through </a:t>
             </a:r>
             <a:r>
               <a:rPr lang="en-US" b="1" dirty="0"/>
-              <a:t>Trainers </a:t>
+              <a:t>well-qualified teachers/trainers</a:t>
             </a:r>
             <a:r>
               <a:rPr lang="en-US" dirty="0"/>
-              <a:t>that can deliver this content and keep themselves updated with latest technology </a:t>
-            </a:r>
-            <a:r>
-              <a:rPr lang="en-US" dirty="0" smtClean="0"/>
-              <a:t>trends</a:t>
-            </a:r>
-          </a:p>
-          <a:p>
+              <a:t>, and </a:t>
+            </a:r>
+            <a:r>
+              <a:rPr lang="en-US" b="1" dirty="0"/>
+              <a:t>content delivery </a:t>
+            </a:r>
             <a:r>
               <a:rPr lang="en-US" dirty="0"/>
-              <a:t>Need for </a:t>
-            </a:r>
-            <a:r>
-              <a:rPr lang="en-US" b="1" dirty="0" smtClean="0"/>
-              <a:t>Infrastructure</a:t>
-            </a:r>
-            <a:r>
-              <a:rPr lang="en-US" dirty="0" smtClean="0"/>
-              <a:t> </a:t>
-            </a:r>
-            <a:r>
-              <a:rPr lang="en-US" dirty="0"/>
-              <a:t>that can be used to provide hands-on experience to students, particularly in technical </a:t>
-            </a:r>
-            <a:r>
-              <a:rPr lang="en-US" dirty="0" smtClean="0"/>
-              <a:t>education</a:t>
-            </a:r>
-          </a:p>
-          <a:p>
-            <a:r>
-              <a:rPr lang="en-US" dirty="0" smtClean="0"/>
-              <a:t>Need for </a:t>
-            </a:r>
-            <a:r>
-              <a:rPr lang="en-US" b="1" dirty="0" smtClean="0"/>
-              <a:t>One</a:t>
-            </a:r>
-            <a:r>
-              <a:rPr lang="en-US" b="1" dirty="0"/>
-              <a:t>-on-One Guide </a:t>
-            </a:r>
-            <a:r>
-              <a:rPr lang="en-US" dirty="0"/>
-              <a:t>to work with Fresh Engineers so that knowledge gap can be well understood and guided appropriately. Rather </a:t>
-            </a:r>
-            <a:r>
-              <a:rPr lang="en-US" dirty="0" smtClean="0"/>
-              <a:t>than </a:t>
-            </a:r>
-            <a:r>
-              <a:rPr lang="en-US" dirty="0"/>
-              <a:t>Classroom learning which is done in ample in Engineering </a:t>
-            </a:r>
-            <a:r>
-              <a:rPr lang="en-US" dirty="0" smtClean="0"/>
-              <a:t>Schools</a:t>
-            </a:r>
-          </a:p>
-          <a:p>
-            <a:endParaRPr lang="en-US" dirty="0"/>
+              <a:t>infrastructure through use of physical or virtual classroom, labs, etc.”</a:t>
+            </a:r>
           </a:p>
         </p:txBody>
       </p:sp>
     </p:spTree>
     <p:extLst>
       <p:ext uri="{BB962C8B-B14F-4D97-AF65-F5344CB8AC3E}">
-        <p14:creationId xmlns:p14="http://schemas.microsoft.com/office/powerpoint/2010/main" val="3787637028"/>
+        <p14:creationId xmlns:p14="http://schemas.microsoft.com/office/powerpoint/2010/main" val="126632208"/>
       </p:ext>
     </p:extLst>
   </p:cSld>

--- a/Documents/MakeTechEzTrainingProgramme.pptx
+++ b/Documents/MakeTechEzTrainingProgramme.pptx
@@ -2,27 +2,38 @@
 <file path=ppt/presentation.xml><?xml version="1.0" encoding="utf-8"?>
 <p:presentation xmlns:a="http://schemas.openxmlformats.org/drawingml/2006/main" xmlns:r="http://schemas.openxmlformats.org/officeDocument/2006/relationships" xmlns:p="http://schemas.openxmlformats.org/presentationml/2006/main" saveSubsetFonts="1">
   <p:sldMasterIdLst>
-    <p:sldMasterId id="2147483660" r:id="rId1"/>
+    <p:sldMasterId id="2147483685" r:id="rId1"/>
   </p:sldMasterIdLst>
+  <p:notesMasterIdLst>
+    <p:notesMasterId r:id="rId28"/>
+  </p:notesMasterIdLst>
   <p:sldIdLst>
     <p:sldId id="256" r:id="rId2"/>
-    <p:sldId id="257" r:id="rId3"/>
-    <p:sldId id="274" r:id="rId4"/>
-    <p:sldId id="258" r:id="rId5"/>
-    <p:sldId id="259" r:id="rId6"/>
-    <p:sldId id="260" r:id="rId7"/>
-    <p:sldId id="261" r:id="rId8"/>
-    <p:sldId id="262" r:id="rId9"/>
-    <p:sldId id="263" r:id="rId10"/>
-    <p:sldId id="265" r:id="rId11"/>
-    <p:sldId id="267" r:id="rId12"/>
-    <p:sldId id="266" r:id="rId13"/>
-    <p:sldId id="268" r:id="rId14"/>
-    <p:sldId id="269" r:id="rId15"/>
-    <p:sldId id="270" r:id="rId16"/>
-    <p:sldId id="272" r:id="rId17"/>
-    <p:sldId id="273" r:id="rId18"/>
-    <p:sldId id="271" r:id="rId19"/>
+    <p:sldId id="276" r:id="rId3"/>
+    <p:sldId id="275" r:id="rId4"/>
+    <p:sldId id="274" r:id="rId5"/>
+    <p:sldId id="289" r:id="rId6"/>
+    <p:sldId id="258" r:id="rId7"/>
+    <p:sldId id="277" r:id="rId8"/>
+    <p:sldId id="278" r:id="rId9"/>
+    <p:sldId id="261" r:id="rId10"/>
+    <p:sldId id="279" r:id="rId11"/>
+    <p:sldId id="280" r:id="rId12"/>
+    <p:sldId id="281" r:id="rId13"/>
+    <p:sldId id="282" r:id="rId14"/>
+    <p:sldId id="283" r:id="rId15"/>
+    <p:sldId id="285" r:id="rId16"/>
+    <p:sldId id="284" r:id="rId17"/>
+    <p:sldId id="267" r:id="rId18"/>
+    <p:sldId id="266" r:id="rId19"/>
+    <p:sldId id="268" r:id="rId20"/>
+    <p:sldId id="269" r:id="rId21"/>
+    <p:sldId id="270" r:id="rId22"/>
+    <p:sldId id="272" r:id="rId23"/>
+    <p:sldId id="273" r:id="rId24"/>
+    <p:sldId id="286" r:id="rId25"/>
+    <p:sldId id="288" r:id="rId26"/>
+    <p:sldId id="271" r:id="rId27"/>
   </p:sldIdLst>
   <p:sldSz cx="9144000" cy="6858000" type="screen4x3"/>
   <p:notesSz cx="6858000" cy="9144000"/>
@@ -124,6 +135,524 @@
 </p:presentation>
 </file>
 
+<file path=ppt/notesMasters/notesMaster1.xml><?xml version="1.0" encoding="utf-8"?>
+<p:notesMaster xmlns:a="http://schemas.openxmlformats.org/drawingml/2006/main" xmlns:r="http://schemas.openxmlformats.org/officeDocument/2006/relationships" xmlns:p="http://schemas.openxmlformats.org/presentationml/2006/main">
+  <p:cSld>
+    <p:bg>
+      <p:bgRef idx="1001">
+        <a:schemeClr val="bg1"/>
+      </p:bgRef>
+    </p:bg>
+    <p:spTree>
+      <p:nvGrpSpPr>
+        <p:cNvPr id="1" name=""/>
+        <p:cNvGrpSpPr/>
+        <p:nvPr/>
+      </p:nvGrpSpPr>
+      <p:grpSpPr>
+        <a:xfrm>
+          <a:off x="0" y="0"/>
+          <a:ext cx="0" cy="0"/>
+          <a:chOff x="0" y="0"/>
+          <a:chExt cx="0" cy="0"/>
+        </a:xfrm>
+      </p:grpSpPr>
+      <p:sp>
+        <p:nvSpPr>
+          <p:cNvPr id="2" name="Header Placeholder 1"/>
+          <p:cNvSpPr>
+            <a:spLocks noGrp="1"/>
+          </p:cNvSpPr>
+          <p:nvPr>
+            <p:ph type="hdr" sz="quarter"/>
+          </p:nvPr>
+        </p:nvSpPr>
+        <p:spPr>
+          <a:xfrm>
+            <a:off x="0" y="0"/>
+            <a:ext cx="2971800" cy="457200"/>
+          </a:xfrm>
+          <a:prstGeom prst="rect">
+            <a:avLst/>
+          </a:prstGeom>
+        </p:spPr>
+        <p:txBody>
+          <a:bodyPr vert="horz" lIns="91440" tIns="45720" rIns="91440" bIns="45720" rtlCol="0"/>
+          <a:lstStyle>
+            <a:lvl1pPr algn="l">
+              <a:defRPr sz="1200"/>
+            </a:lvl1pPr>
+          </a:lstStyle>
+          <a:p>
+            <a:endParaRPr lang="en-US" dirty="0"/>
+          </a:p>
+        </p:txBody>
+      </p:sp>
+      <p:sp>
+        <p:nvSpPr>
+          <p:cNvPr id="3" name="Date Placeholder 2"/>
+          <p:cNvSpPr>
+            <a:spLocks noGrp="1"/>
+          </p:cNvSpPr>
+          <p:nvPr>
+            <p:ph type="dt" idx="1"/>
+          </p:nvPr>
+        </p:nvSpPr>
+        <p:spPr>
+          <a:xfrm>
+            <a:off x="3884613" y="0"/>
+            <a:ext cx="2971800" cy="457200"/>
+          </a:xfrm>
+          <a:prstGeom prst="rect">
+            <a:avLst/>
+          </a:prstGeom>
+        </p:spPr>
+        <p:txBody>
+          <a:bodyPr vert="horz" lIns="91440" tIns="45720" rIns="91440" bIns="45720" rtlCol="0"/>
+          <a:lstStyle>
+            <a:lvl1pPr algn="r">
+              <a:defRPr sz="1200"/>
+            </a:lvl1pPr>
+          </a:lstStyle>
+          <a:p>
+            <a:fld id="{D4B40438-4C13-2C42-999A-226E833436EB}" type="datetimeFigureOut">
+              <a:rPr lang="en-US" smtClean="0"/>
+              <a:t>03/12/13</a:t>
+            </a:fld>
+            <a:endParaRPr lang="en-US" dirty="0"/>
+          </a:p>
+        </p:txBody>
+      </p:sp>
+      <p:sp>
+        <p:nvSpPr>
+          <p:cNvPr id="4" name="Slide Image Placeholder 3"/>
+          <p:cNvSpPr>
+            <a:spLocks noGrp="1" noRot="1" noChangeAspect="1"/>
+          </p:cNvSpPr>
+          <p:nvPr>
+            <p:ph type="sldImg" idx="2"/>
+          </p:nvPr>
+        </p:nvSpPr>
+        <p:spPr>
+          <a:xfrm>
+            <a:off x="1143000" y="685800"/>
+            <a:ext cx="4572000" cy="3429000"/>
+          </a:xfrm>
+          <a:prstGeom prst="rect">
+            <a:avLst/>
+          </a:prstGeom>
+          <a:noFill/>
+          <a:ln w="12700">
+            <a:solidFill>
+              <a:prstClr val="black"/>
+            </a:solidFill>
+          </a:ln>
+        </p:spPr>
+        <p:txBody>
+          <a:bodyPr vert="horz" lIns="91440" tIns="45720" rIns="91440" bIns="45720" rtlCol="0" anchor="ctr"/>
+          <a:lstStyle/>
+          <a:p>
+            <a:endParaRPr lang="en-US" dirty="0"/>
+          </a:p>
+        </p:txBody>
+      </p:sp>
+      <p:sp>
+        <p:nvSpPr>
+          <p:cNvPr id="5" name="Notes Placeholder 4"/>
+          <p:cNvSpPr>
+            <a:spLocks noGrp="1"/>
+          </p:cNvSpPr>
+          <p:nvPr>
+            <p:ph type="body" sz="quarter" idx="3"/>
+          </p:nvPr>
+        </p:nvSpPr>
+        <p:spPr>
+          <a:xfrm>
+            <a:off x="685800" y="4343400"/>
+            <a:ext cx="5486400" cy="4114800"/>
+          </a:xfrm>
+          <a:prstGeom prst="rect">
+            <a:avLst/>
+          </a:prstGeom>
+        </p:spPr>
+        <p:txBody>
+          <a:bodyPr vert="horz" lIns="91440" tIns="45720" rIns="91440" bIns="45720" rtlCol="0"/>
+          <a:lstStyle/>
+          <a:p>
+            <a:pPr lvl="0"/>
+            <a:r>
+              <a:rPr lang="en-US" smtClean="0"/>
+              <a:t>Click to edit Master text styles</a:t>
+            </a:r>
+          </a:p>
+          <a:p>
+            <a:pPr lvl="1"/>
+            <a:r>
+              <a:rPr lang="en-US" smtClean="0"/>
+              <a:t>Second level</a:t>
+            </a:r>
+          </a:p>
+          <a:p>
+            <a:pPr lvl="2"/>
+            <a:r>
+              <a:rPr lang="en-US" smtClean="0"/>
+              <a:t>Third level</a:t>
+            </a:r>
+          </a:p>
+          <a:p>
+            <a:pPr lvl="3"/>
+            <a:r>
+              <a:rPr lang="en-US" smtClean="0"/>
+              <a:t>Fourth level</a:t>
+            </a:r>
+          </a:p>
+          <a:p>
+            <a:pPr lvl="4"/>
+            <a:r>
+              <a:rPr lang="en-US" smtClean="0"/>
+              <a:t>Fifth level</a:t>
+            </a:r>
+            <a:endParaRPr lang="en-US"/>
+          </a:p>
+        </p:txBody>
+      </p:sp>
+      <p:sp>
+        <p:nvSpPr>
+          <p:cNvPr id="6" name="Footer Placeholder 5"/>
+          <p:cNvSpPr>
+            <a:spLocks noGrp="1"/>
+          </p:cNvSpPr>
+          <p:nvPr>
+            <p:ph type="ftr" sz="quarter" idx="4"/>
+          </p:nvPr>
+        </p:nvSpPr>
+        <p:spPr>
+          <a:xfrm>
+            <a:off x="0" y="8685213"/>
+            <a:ext cx="2971800" cy="457200"/>
+          </a:xfrm>
+          <a:prstGeom prst="rect">
+            <a:avLst/>
+          </a:prstGeom>
+        </p:spPr>
+        <p:txBody>
+          <a:bodyPr vert="horz" lIns="91440" tIns="45720" rIns="91440" bIns="45720" rtlCol="0" anchor="b"/>
+          <a:lstStyle>
+            <a:lvl1pPr algn="l">
+              <a:defRPr sz="1200"/>
+            </a:lvl1pPr>
+          </a:lstStyle>
+          <a:p>
+            <a:endParaRPr lang="en-US" dirty="0"/>
+          </a:p>
+        </p:txBody>
+      </p:sp>
+      <p:sp>
+        <p:nvSpPr>
+          <p:cNvPr id="7" name="Slide Number Placeholder 6"/>
+          <p:cNvSpPr>
+            <a:spLocks noGrp="1"/>
+          </p:cNvSpPr>
+          <p:nvPr>
+            <p:ph type="sldNum" sz="quarter" idx="5"/>
+          </p:nvPr>
+        </p:nvSpPr>
+        <p:spPr>
+          <a:xfrm>
+            <a:off x="3884613" y="8685213"/>
+            <a:ext cx="2971800" cy="457200"/>
+          </a:xfrm>
+          <a:prstGeom prst="rect">
+            <a:avLst/>
+          </a:prstGeom>
+        </p:spPr>
+        <p:txBody>
+          <a:bodyPr vert="horz" lIns="91440" tIns="45720" rIns="91440" bIns="45720" rtlCol="0" anchor="b"/>
+          <a:lstStyle>
+            <a:lvl1pPr algn="r">
+              <a:defRPr sz="1200"/>
+            </a:lvl1pPr>
+          </a:lstStyle>
+          <a:p>
+            <a:fld id="{A6984D77-96A2-284B-BC31-C2CA7DE659DC}" type="slidenum">
+              <a:rPr lang="en-US" smtClean="0"/>
+              <a:t>‹#›</a:t>
+            </a:fld>
+            <a:endParaRPr lang="en-US" dirty="0"/>
+          </a:p>
+        </p:txBody>
+      </p:sp>
+    </p:spTree>
+    <p:extLst>
+      <p:ext uri="{BB962C8B-B14F-4D97-AF65-F5344CB8AC3E}">
+        <p14:creationId xmlns:p14="http://schemas.microsoft.com/office/powerpoint/2010/main" val="821115376"/>
+      </p:ext>
+    </p:extLst>
+  </p:cSld>
+  <p:clrMap bg1="lt1" tx1="dk1" bg2="lt2" tx2="dk2" accent1="accent1" accent2="accent2" accent3="accent3" accent4="accent4" accent5="accent5" accent6="accent6" hlink="hlink" folHlink="folHlink"/>
+  <p:notesStyle>
+    <a:lvl1pPr marL="0" algn="l" defTabSz="457200" rtl="0" eaLnBrk="1" latinLnBrk="0" hangingPunct="1">
+      <a:defRPr sz="1200" kern="1200">
+        <a:solidFill>
+          <a:schemeClr val="tx1"/>
+        </a:solidFill>
+        <a:latin typeface="+mn-lt"/>
+        <a:ea typeface="+mn-ea"/>
+        <a:cs typeface="+mn-cs"/>
+      </a:defRPr>
+    </a:lvl1pPr>
+    <a:lvl2pPr marL="457200" algn="l" defTabSz="457200" rtl="0" eaLnBrk="1" latinLnBrk="0" hangingPunct="1">
+      <a:defRPr sz="1200" kern="1200">
+        <a:solidFill>
+          <a:schemeClr val="tx1"/>
+        </a:solidFill>
+        <a:latin typeface="+mn-lt"/>
+        <a:ea typeface="+mn-ea"/>
+        <a:cs typeface="+mn-cs"/>
+      </a:defRPr>
+    </a:lvl2pPr>
+    <a:lvl3pPr marL="914400" algn="l" defTabSz="457200" rtl="0" eaLnBrk="1" latinLnBrk="0" hangingPunct="1">
+      <a:defRPr sz="1200" kern="1200">
+        <a:solidFill>
+          <a:schemeClr val="tx1"/>
+        </a:solidFill>
+        <a:latin typeface="+mn-lt"/>
+        <a:ea typeface="+mn-ea"/>
+        <a:cs typeface="+mn-cs"/>
+      </a:defRPr>
+    </a:lvl3pPr>
+    <a:lvl4pPr marL="1371600" algn="l" defTabSz="457200" rtl="0" eaLnBrk="1" latinLnBrk="0" hangingPunct="1">
+      <a:defRPr sz="1200" kern="1200">
+        <a:solidFill>
+          <a:schemeClr val="tx1"/>
+        </a:solidFill>
+        <a:latin typeface="+mn-lt"/>
+        <a:ea typeface="+mn-ea"/>
+        <a:cs typeface="+mn-cs"/>
+      </a:defRPr>
+    </a:lvl4pPr>
+    <a:lvl5pPr marL="1828800" algn="l" defTabSz="457200" rtl="0" eaLnBrk="1" latinLnBrk="0" hangingPunct="1">
+      <a:defRPr sz="1200" kern="1200">
+        <a:solidFill>
+          <a:schemeClr val="tx1"/>
+        </a:solidFill>
+        <a:latin typeface="+mn-lt"/>
+        <a:ea typeface="+mn-ea"/>
+        <a:cs typeface="+mn-cs"/>
+      </a:defRPr>
+    </a:lvl5pPr>
+    <a:lvl6pPr marL="2286000" algn="l" defTabSz="457200" rtl="0" eaLnBrk="1" latinLnBrk="0" hangingPunct="1">
+      <a:defRPr sz="1200" kern="1200">
+        <a:solidFill>
+          <a:schemeClr val="tx1"/>
+        </a:solidFill>
+        <a:latin typeface="+mn-lt"/>
+        <a:ea typeface="+mn-ea"/>
+        <a:cs typeface="+mn-cs"/>
+      </a:defRPr>
+    </a:lvl6pPr>
+    <a:lvl7pPr marL="2743200" algn="l" defTabSz="457200" rtl="0" eaLnBrk="1" latinLnBrk="0" hangingPunct="1">
+      <a:defRPr sz="1200" kern="1200">
+        <a:solidFill>
+          <a:schemeClr val="tx1"/>
+        </a:solidFill>
+        <a:latin typeface="+mn-lt"/>
+        <a:ea typeface="+mn-ea"/>
+        <a:cs typeface="+mn-cs"/>
+      </a:defRPr>
+    </a:lvl7pPr>
+    <a:lvl8pPr marL="3200400" algn="l" defTabSz="457200" rtl="0" eaLnBrk="1" latinLnBrk="0" hangingPunct="1">
+      <a:defRPr sz="1200" kern="1200">
+        <a:solidFill>
+          <a:schemeClr val="tx1"/>
+        </a:solidFill>
+        <a:latin typeface="+mn-lt"/>
+        <a:ea typeface="+mn-ea"/>
+        <a:cs typeface="+mn-cs"/>
+      </a:defRPr>
+    </a:lvl8pPr>
+    <a:lvl9pPr marL="3657600" algn="l" defTabSz="457200" rtl="0" eaLnBrk="1" latinLnBrk="0" hangingPunct="1">
+      <a:defRPr sz="1200" kern="1200">
+        <a:solidFill>
+          <a:schemeClr val="tx1"/>
+        </a:solidFill>
+        <a:latin typeface="+mn-lt"/>
+        <a:ea typeface="+mn-ea"/>
+        <a:cs typeface="+mn-cs"/>
+      </a:defRPr>
+    </a:lvl9pPr>
+  </p:notesStyle>
+</p:notesMaster>
+</file>
+
+<file path=ppt/notesSlides/notesSlide1.xml><?xml version="1.0" encoding="utf-8"?>
+<p:notes xmlns:a="http://schemas.openxmlformats.org/drawingml/2006/main" xmlns:r="http://schemas.openxmlformats.org/officeDocument/2006/relationships" xmlns:p="http://schemas.openxmlformats.org/presentationml/2006/main">
+  <p:cSld>
+    <p:spTree>
+      <p:nvGrpSpPr>
+        <p:cNvPr id="1" name=""/>
+        <p:cNvGrpSpPr/>
+        <p:nvPr/>
+      </p:nvGrpSpPr>
+      <p:grpSpPr>
+        <a:xfrm>
+          <a:off x="0" y="0"/>
+          <a:ext cx="0" cy="0"/>
+          <a:chOff x="0" y="0"/>
+          <a:chExt cx="0" cy="0"/>
+        </a:xfrm>
+      </p:grpSpPr>
+      <p:sp>
+        <p:nvSpPr>
+          <p:cNvPr id="2" name="Slide Image Placeholder 1"/>
+          <p:cNvSpPr>
+            <a:spLocks noGrp="1" noRot="1" noChangeAspect="1"/>
+          </p:cNvSpPr>
+          <p:nvPr>
+            <p:ph type="sldImg"/>
+          </p:nvPr>
+        </p:nvSpPr>
+        <p:spPr/>
+      </p:sp>
+      <p:sp>
+        <p:nvSpPr>
+          <p:cNvPr id="3" name="Notes Placeholder 2"/>
+          <p:cNvSpPr>
+            <a:spLocks noGrp="1"/>
+          </p:cNvSpPr>
+          <p:nvPr>
+            <p:ph type="body" idx="1"/>
+          </p:nvPr>
+        </p:nvSpPr>
+        <p:spPr/>
+        <p:txBody>
+          <a:bodyPr/>
+          <a:lstStyle/>
+          <a:p>
+            <a:endParaRPr lang="en-US" dirty="0"/>
+          </a:p>
+        </p:txBody>
+      </p:sp>
+      <p:sp>
+        <p:nvSpPr>
+          <p:cNvPr id="4" name="Slide Number Placeholder 3"/>
+          <p:cNvSpPr>
+            <a:spLocks noGrp="1"/>
+          </p:cNvSpPr>
+          <p:nvPr>
+            <p:ph type="sldNum" sz="quarter" idx="10"/>
+          </p:nvPr>
+        </p:nvSpPr>
+        <p:spPr/>
+        <p:txBody>
+          <a:bodyPr/>
+          <a:lstStyle/>
+          <a:p>
+            <a:fld id="{A6984D77-96A2-284B-BC31-C2CA7DE659DC}" type="slidenum">
+              <a:rPr lang="en-US" smtClean="0"/>
+              <a:t>2</a:t>
+            </a:fld>
+            <a:endParaRPr lang="en-US" dirty="0"/>
+          </a:p>
+        </p:txBody>
+      </p:sp>
+    </p:spTree>
+    <p:extLst>
+      <p:ext uri="{BB962C8B-B14F-4D97-AF65-F5344CB8AC3E}">
+        <p14:creationId xmlns:p14="http://schemas.microsoft.com/office/powerpoint/2010/main" val="164825183"/>
+      </p:ext>
+    </p:extLst>
+  </p:cSld>
+  <p:clrMapOvr>
+    <a:masterClrMapping/>
+  </p:clrMapOvr>
+</p:notes>
+</file>
+
+<file path=ppt/notesSlides/notesSlide2.xml><?xml version="1.0" encoding="utf-8"?>
+<p:notes xmlns:a="http://schemas.openxmlformats.org/drawingml/2006/main" xmlns:r="http://schemas.openxmlformats.org/officeDocument/2006/relationships" xmlns:p="http://schemas.openxmlformats.org/presentationml/2006/main">
+  <p:cSld>
+    <p:spTree>
+      <p:nvGrpSpPr>
+        <p:cNvPr id="1" name=""/>
+        <p:cNvGrpSpPr/>
+        <p:nvPr/>
+      </p:nvGrpSpPr>
+      <p:grpSpPr>
+        <a:xfrm>
+          <a:off x="0" y="0"/>
+          <a:ext cx="0" cy="0"/>
+          <a:chOff x="0" y="0"/>
+          <a:chExt cx="0" cy="0"/>
+        </a:xfrm>
+      </p:grpSpPr>
+      <p:sp>
+        <p:nvSpPr>
+          <p:cNvPr id="2" name="Slide Image Placeholder 1"/>
+          <p:cNvSpPr>
+            <a:spLocks noGrp="1" noRot="1" noChangeAspect="1"/>
+          </p:cNvSpPr>
+          <p:nvPr>
+            <p:ph type="sldImg"/>
+          </p:nvPr>
+        </p:nvSpPr>
+        <p:spPr/>
+      </p:sp>
+      <p:sp>
+        <p:nvSpPr>
+          <p:cNvPr id="3" name="Notes Placeholder 2"/>
+          <p:cNvSpPr>
+            <a:spLocks noGrp="1"/>
+          </p:cNvSpPr>
+          <p:nvPr>
+            <p:ph type="body" idx="1"/>
+          </p:nvPr>
+        </p:nvSpPr>
+        <p:spPr/>
+        <p:txBody>
+          <a:bodyPr/>
+          <a:lstStyle/>
+          <a:p>
+            <a:endParaRPr lang="en-US" dirty="0"/>
+          </a:p>
+        </p:txBody>
+      </p:sp>
+      <p:sp>
+        <p:nvSpPr>
+          <p:cNvPr id="4" name="Slide Number Placeholder 3"/>
+          <p:cNvSpPr>
+            <a:spLocks noGrp="1"/>
+          </p:cNvSpPr>
+          <p:nvPr>
+            <p:ph type="sldNum" sz="quarter" idx="10"/>
+          </p:nvPr>
+        </p:nvSpPr>
+        <p:spPr/>
+        <p:txBody>
+          <a:bodyPr/>
+          <a:lstStyle/>
+          <a:p>
+            <a:fld id="{A6984D77-96A2-284B-BC31-C2CA7DE659DC}" type="slidenum">
+              <a:rPr lang="en-US" smtClean="0"/>
+              <a:t>5</a:t>
+            </a:fld>
+            <a:endParaRPr lang="en-US" dirty="0"/>
+          </a:p>
+        </p:txBody>
+      </p:sp>
+    </p:spTree>
+    <p:extLst>
+      <p:ext uri="{BB962C8B-B14F-4D97-AF65-F5344CB8AC3E}">
+        <p14:creationId xmlns:p14="http://schemas.microsoft.com/office/powerpoint/2010/main" val="164825183"/>
+      </p:ext>
+    </p:extLst>
+  </p:cSld>
+  <p:clrMapOvr>
+    <a:masterClrMapping/>
+  </p:clrMapOvr>
+</p:notes>
+</file>
+
 <file path=ppt/slideLayouts/slideLayout1.xml><?xml version="1.0" encoding="utf-8"?>
 <p:sldLayout xmlns:a="http://schemas.openxmlformats.org/drawingml/2006/main" xmlns:r="http://schemas.openxmlformats.org/officeDocument/2006/relationships" xmlns:p="http://schemas.openxmlformats.org/presentationml/2006/main" type="title" preserve="1">
   <p:cSld name="Title Slide">
@@ -407,7 +936,7 @@
           <a:p>
             <a:fld id="{B01F9CA3-105E-4857-9057-6DB6197DA786}" type="datetimeFigureOut">
               <a:rPr lang="en-US" smtClean="0"/>
-              <a:t>22/11/13</a:t>
+              <a:t>03/12/13</a:t>
             </a:fld>
             <a:endParaRPr lang="en-US" dirty="0"/>
           </a:p>
@@ -599,7 +1128,7 @@
           <a:p>
             <a:fld id="{B01F9CA3-105E-4857-9057-6DB6197DA786}" type="datetimeFigureOut">
               <a:rPr lang="en-US" smtClean="0"/>
-              <a:t>22/11/13</a:t>
+              <a:t>03/12/13</a:t>
             </a:fld>
             <a:endParaRPr lang="en-US" dirty="0"/>
           </a:p>
@@ -868,7 +1397,7 @@
           <a:p>
             <a:fld id="{B01F9CA3-105E-4857-9057-6DB6197DA786}" type="datetimeFigureOut">
               <a:rPr lang="en-US" smtClean="0"/>
-              <a:t>22/11/13</a:t>
+              <a:t>03/12/13</a:t>
             </a:fld>
             <a:endParaRPr lang="en-US" dirty="0"/>
           </a:p>
@@ -1047,7 +1576,7 @@
           <a:p>
             <a:fld id="{B01F9CA3-105E-4857-9057-6DB6197DA786}" type="datetimeFigureOut">
               <a:rPr lang="en-US" smtClean="0"/>
-              <a:t>22/11/13</a:t>
+              <a:t>03/12/13</a:t>
             </a:fld>
             <a:endParaRPr lang="en-US" dirty="0"/>
           </a:p>
@@ -1216,7 +1745,7 @@
           <a:p>
             <a:fld id="{B01F9CA3-105E-4857-9057-6DB6197DA786}" type="datetimeFigureOut">
               <a:rPr lang="en-US" smtClean="0"/>
-              <a:t>22/11/13</a:t>
+              <a:t>03/12/13</a:t>
             </a:fld>
             <a:endParaRPr lang="en-US" dirty="0"/>
           </a:p>
@@ -1458,7 +1987,7 @@
           <a:p>
             <a:fld id="{B01F9CA3-105E-4857-9057-6DB6197DA786}" type="datetimeFigureOut">
               <a:rPr lang="en-US" smtClean="0"/>
-              <a:t>22/11/13</a:t>
+              <a:t>03/12/13</a:t>
             </a:fld>
             <a:endParaRPr lang="en-US" dirty="0"/>
           </a:p>
@@ -1781,7 +2310,7 @@
           <a:p>
             <a:fld id="{B01F9CA3-105E-4857-9057-6DB6197DA786}" type="datetimeFigureOut">
               <a:rPr lang="en-US" smtClean="0"/>
-              <a:t>22/11/13</a:t>
+              <a:t>03/12/13</a:t>
             </a:fld>
             <a:endParaRPr lang="en-US" dirty="0"/>
           </a:p>
@@ -2079,7 +2608,7 @@
           <a:p>
             <a:fld id="{B01F9CA3-105E-4857-9057-6DB6197DA786}" type="datetimeFigureOut">
               <a:rPr lang="en-US" smtClean="0"/>
-              <a:t>22/11/13</a:t>
+              <a:t>03/12/13</a:t>
             </a:fld>
             <a:endParaRPr lang="en-US" dirty="0"/>
           </a:p>
@@ -2535,7 +3064,7 @@
           <a:p>
             <a:fld id="{B01F9CA3-105E-4857-9057-6DB6197DA786}" type="datetimeFigureOut">
               <a:rPr lang="en-US" smtClean="0"/>
-              <a:t>22/11/13</a:t>
+              <a:t>03/12/13</a:t>
             </a:fld>
             <a:endParaRPr lang="en-US" dirty="0"/>
           </a:p>
@@ -2648,7 +3177,7 @@
           <a:p>
             <a:fld id="{B01F9CA3-105E-4857-9057-6DB6197DA786}" type="datetimeFigureOut">
               <a:rPr lang="en-US" smtClean="0"/>
-              <a:t>22/11/13</a:t>
+              <a:t>03/12/13</a:t>
             </a:fld>
             <a:endParaRPr lang="en-US" dirty="0"/>
           </a:p>
@@ -2738,7 +3267,7 @@
           <a:p>
             <a:fld id="{B01F9CA3-105E-4857-9057-6DB6197DA786}" type="datetimeFigureOut">
               <a:rPr lang="en-US" smtClean="0"/>
-              <a:t>22/11/13</a:t>
+              <a:t>03/12/13</a:t>
             </a:fld>
             <a:endParaRPr lang="en-US" dirty="0"/>
           </a:p>
@@ -3020,7 +3549,7 @@
           <a:p>
             <a:fld id="{B01F9CA3-105E-4857-9057-6DB6197DA786}" type="datetimeFigureOut">
               <a:rPr lang="en-US" smtClean="0"/>
-              <a:t>22/11/13</a:t>
+              <a:t>03/12/13</a:t>
             </a:fld>
             <a:endParaRPr lang="en-US" dirty="0"/>
           </a:p>
@@ -3226,7 +3755,7 @@
           <a:p>
             <a:fld id="{B01F9CA3-105E-4857-9057-6DB6197DA786}" type="datetimeFigureOut">
               <a:rPr lang="en-US" smtClean="0"/>
-              <a:t>22/11/13</a:t>
+              <a:t>03/12/13</a:t>
             </a:fld>
             <a:endParaRPr lang="en-US" dirty="0"/>
           </a:p>
@@ -3310,18 +3839,18 @@
   </p:cSld>
   <p:clrMap bg1="lt1" tx1="dk1" bg2="lt2" tx2="dk2" accent1="accent1" accent2="accent2" accent3="accent3" accent4="accent4" accent5="accent5" accent6="accent6" hlink="hlink" folHlink="folHlink"/>
   <p:sldLayoutIdLst>
-    <p:sldLayoutId id="2147483661" r:id="rId1"/>
-    <p:sldLayoutId id="2147483662" r:id="rId2"/>
-    <p:sldLayoutId id="2147483663" r:id="rId3"/>
-    <p:sldLayoutId id="2147483664" r:id="rId4"/>
-    <p:sldLayoutId id="2147483665" r:id="rId5"/>
-    <p:sldLayoutId id="2147483666" r:id="rId6"/>
-    <p:sldLayoutId id="2147483667" r:id="rId7"/>
-    <p:sldLayoutId id="2147483668" r:id="rId8"/>
-    <p:sldLayoutId id="2147483669" r:id="rId9"/>
-    <p:sldLayoutId id="2147483670" r:id="rId10"/>
-    <p:sldLayoutId id="2147483671" r:id="rId11"/>
-    <p:sldLayoutId id="2147483672" r:id="rId12"/>
+    <p:sldLayoutId id="2147483686" r:id="rId1"/>
+    <p:sldLayoutId id="2147483687" r:id="rId2"/>
+    <p:sldLayoutId id="2147483688" r:id="rId3"/>
+    <p:sldLayoutId id="2147483689" r:id="rId4"/>
+    <p:sldLayoutId id="2147483690" r:id="rId5"/>
+    <p:sldLayoutId id="2147483691" r:id="rId6"/>
+    <p:sldLayoutId id="2147483692" r:id="rId7"/>
+    <p:sldLayoutId id="2147483693" r:id="rId8"/>
+    <p:sldLayoutId id="2147483694" r:id="rId9"/>
+    <p:sldLayoutId id="2147483695" r:id="rId10"/>
+    <p:sldLayoutId id="2147483696" r:id="rId11"/>
+    <p:sldLayoutId id="2147483697" r:id="rId12"/>
   </p:sldLayoutIdLst>
   <p:txStyles>
     <p:titleStyle>
@@ -3675,6 +4204,30 @@
           <a:chExt cx="0" cy="0"/>
         </a:xfrm>
       </p:grpSpPr>
+      <p:pic>
+        <p:nvPicPr>
+          <p:cNvPr id="5" name="Picture 4"/>
+          <p:cNvPicPr>
+            <a:picLocks noChangeAspect="1"/>
+          </p:cNvPicPr>
+          <p:nvPr/>
+        </p:nvPicPr>
+        <p:blipFill>
+          <a:blip r:embed="rId2"/>
+          <a:stretch>
+            <a:fillRect/>
+          </a:stretch>
+        </p:blipFill>
+        <p:spPr>
+          <a:xfrm>
+            <a:off x="1799693" y="1438997"/>
+            <a:ext cx="5680549" cy="2519598"/>
+          </a:xfrm>
+          <a:prstGeom prst="rect">
+            <a:avLst/>
+          </a:prstGeom>
+        </p:spPr>
+      </p:pic>
       <p:sp>
         <p:nvSpPr>
           <p:cNvPr id="2" name="Title 1"/>
@@ -3685,16 +4238,21 @@
             <p:ph type="ctrTitle"/>
           </p:nvPr>
         </p:nvSpPr>
-        <p:spPr/>
+        <p:spPr>
+          <a:xfrm>
+            <a:off x="1194601" y="3613730"/>
+            <a:ext cx="6498158" cy="1164317"/>
+          </a:xfrm>
+        </p:spPr>
         <p:txBody>
           <a:bodyPr anchor="ctr" anchorCtr="0"/>
           <a:lstStyle/>
           <a:p>
             <a:r>
-              <a:rPr lang="en-US" dirty="0" smtClean="0"/>
-              <a:t>Make Tech Ez</a:t>
-            </a:r>
-            <a:endParaRPr lang="en-US" dirty="0"/>
+              <a:rPr lang="en-US" sz="3600" dirty="0" smtClean="0"/>
+              <a:t>MakeTechEz</a:t>
+            </a:r>
+            <a:endParaRPr lang="en-US" sz="3600" dirty="0"/>
           </a:p>
         </p:txBody>
       </p:sp>
@@ -3708,7 +4266,19 @@
             <p:ph type="subTitle" idx="1"/>
           </p:nvPr>
         </p:nvSpPr>
-        <p:spPr/>
+        <p:spPr>
+          <a:xfrm>
+            <a:off x="1194602" y="4533500"/>
+            <a:ext cx="6674722" cy="755459"/>
+          </a:xfrm>
+          <a:effectLst>
+            <a:outerShdw blurRad="76200" dist="12700" dir="8100000" sy="-23000" kx="800400" algn="br" rotWithShape="0">
+              <a:prstClr val="black">
+                <a:alpha val="20000"/>
+              </a:prstClr>
+            </a:outerShdw>
+          </a:effectLst>
+        </p:spPr>
         <p:txBody>
           <a:bodyPr>
             <a:noAutofit/>
@@ -3721,17 +4291,18 @@
               </a:lnSpc>
             </a:pPr>
             <a:r>
-              <a:rPr lang="en-US" sz="2400" dirty="0"/>
-              <a:t>Get Onto Technology </a:t>
-            </a:r>
-            <a:r>
-              <a:rPr lang="en-US" sz="2400" dirty="0" smtClean="0"/>
-              <a:t>Training Programme </a:t>
-            </a:r>
-            <a:r>
-              <a:rPr lang="en-US" sz="2400" dirty="0"/>
-              <a:t>for Fresh Engineers</a:t>
-            </a:r>
+              <a:rPr lang="en-US" sz="3200" b="1" dirty="0" smtClean="0">
+                <a:solidFill>
+                  <a:srgbClr val="008000"/>
+                </a:solidFill>
+              </a:rPr>
+              <a:t>BridgeGap Training Solution</a:t>
+            </a:r>
+            <a:endParaRPr lang="en-US" sz="3200" b="1" dirty="0">
+              <a:solidFill>
+                <a:srgbClr val="008000"/>
+              </a:solidFill>
+            </a:endParaRPr>
           </a:p>
         </p:txBody>
       </p:sp>
@@ -3774,7 +4345,7 @@
       </p:grpSpPr>
       <p:sp>
         <p:nvSpPr>
-          <p:cNvPr id="2" name="Title 1"/>
+          <p:cNvPr id="6" name="Title 1"/>
           <p:cNvSpPr>
             <a:spLocks noGrp="1"/>
           </p:cNvSpPr>
@@ -3805,14 +4376,58 @@
           <a:p>
             <a:r>
               <a:rPr lang="en-US" dirty="0"/>
-              <a:t>Challenges</a:t>
-            </a:r>
-          </a:p>
-        </p:txBody>
-      </p:sp>
-      <p:sp>
-        <p:nvSpPr>
-          <p:cNvPr id="3" name="Content Placeholder 2"/>
+              <a:t>What </a:t>
+            </a:r>
+            <a:r>
+              <a:rPr lang="en-US" b="1" dirty="0" smtClean="0"/>
+              <a:t>Role</a:t>
+            </a:r>
+            <a:r>
+              <a:rPr lang="en-US" dirty="0" smtClean="0"/>
+              <a:t> </a:t>
+            </a:r>
+            <a:r>
+              <a:rPr lang="en-US" dirty="0"/>
+              <a:t>do </a:t>
+            </a:r>
+            <a:r>
+              <a:rPr lang="en-US" dirty="0" smtClean="0"/>
+              <a:t>Finishing Schools </a:t>
+            </a:r>
+            <a:r>
+              <a:rPr lang="en-US" dirty="0"/>
+              <a:t>play?</a:t>
+            </a:r>
+          </a:p>
+        </p:txBody>
+      </p:sp>
+      <p:pic>
+        <p:nvPicPr>
+          <p:cNvPr id="18" name="Picture 17"/>
+          <p:cNvPicPr>
+            <a:picLocks noChangeAspect="1"/>
+          </p:cNvPicPr>
+          <p:nvPr/>
+        </p:nvPicPr>
+        <p:blipFill>
+          <a:blip r:embed="rId2"/>
+          <a:stretch>
+            <a:fillRect/>
+          </a:stretch>
+        </p:blipFill>
+        <p:spPr>
+          <a:xfrm>
+            <a:off x="549275" y="1491498"/>
+            <a:ext cx="8042276" cy="2848228"/>
+          </a:xfrm>
+          <a:prstGeom prst="rect">
+            <a:avLst/>
+          </a:prstGeom>
+        </p:spPr>
+      </p:pic>
+      <p:sp>
+        <p:nvSpPr>
+          <p:cNvPr id="20" name="Content Placeholder 2"/>
           <p:cNvSpPr>
             <a:spLocks noGrp="1"/>
           </p:cNvSpPr>
@@ -3822,120 +4437,77 @@
         </p:nvSpPr>
         <p:spPr>
           <a:xfrm>
-            <a:off x="549275" y="1600201"/>
-            <a:ext cx="8042276" cy="4697692"/>
+            <a:off x="970177" y="4392649"/>
+            <a:ext cx="6791308" cy="2011090"/>
           </a:xfrm>
         </p:spPr>
         <p:txBody>
           <a:bodyPr>
-            <a:normAutofit fontScale="92500" lnSpcReduction="20000"/>
+            <a:normAutofit fontScale="85000" lnSpcReduction="10000"/>
           </a:bodyPr>
           <a:lstStyle/>
           <a:p>
             <a:r>
+              <a:rPr lang="en-US" dirty="0"/>
+              <a:t>Increase Job Readiness </a:t>
+            </a:r>
+            <a:r>
               <a:rPr lang="en-US" dirty="0" smtClean="0"/>
-              <a:t>Need for </a:t>
-            </a:r>
-            <a:r>
-              <a:rPr lang="en-US" b="1" dirty="0" smtClean="0"/>
-              <a:t>Content </a:t>
-            </a:r>
-            <a:r>
-              <a:rPr lang="en-US" b="1" dirty="0"/>
-              <a:t>Design </a:t>
-            </a:r>
+              <a:t>and Productivity</a:t>
+            </a:r>
+          </a:p>
+          <a:p>
             <a:r>
               <a:rPr lang="en-US" dirty="0"/>
-              <a:t>- Should be predominantly Lab Based and </a:t>
+              <a:t>Bridge The Gap </a:t>
             </a:r>
             <a:r>
               <a:rPr lang="en-US" dirty="0" smtClean="0"/>
-              <a:t>Practical</a:t>
-            </a:r>
-          </a:p>
-          <a:p>
+              <a:t>based </a:t>
+            </a:r>
+            <a:r>
+              <a:rPr lang="en-US" dirty="0"/>
+              <a:t>on requisite </a:t>
+            </a:r>
             <a:r>
               <a:rPr lang="en-US" dirty="0" smtClean="0"/>
-              <a:t>Need for </a:t>
-            </a:r>
-            <a:r>
-              <a:rPr lang="en-US" b="1" dirty="0" smtClean="0"/>
-              <a:t>Qualified </a:t>
-            </a:r>
-            <a:r>
-              <a:rPr lang="en-US" b="1" dirty="0"/>
-              <a:t>Trainers </a:t>
-            </a:r>
+              <a:t>needs</a:t>
+            </a:r>
+          </a:p>
+          <a:p>
             <a:r>
               <a:rPr lang="en-US" dirty="0"/>
-              <a:t>that can deliver this content and keep themselves updated with latest technology </a:t>
+              <a:t>Ensure Industry Know-</a:t>
             </a:r>
             <a:r>
               <a:rPr lang="en-US" dirty="0" smtClean="0"/>
-              <a:t>trends</a:t>
-            </a:r>
-          </a:p>
-          <a:p>
+              <a:t>how for </a:t>
+            </a:r>
             <a:r>
               <a:rPr lang="en-US" dirty="0"/>
-              <a:t>Need for </a:t>
-            </a:r>
-            <a:r>
-              <a:rPr lang="en-US" b="1" dirty="0" smtClean="0"/>
-              <a:t>Infrastructure</a:t>
+              <a:t>better </a:t>
             </a:r>
             <a:r>
               <a:rPr lang="en-US" dirty="0" smtClean="0"/>
-              <a:t> </a:t>
-            </a:r>
+              <a:t>employment</a:t>
+            </a:r>
+          </a:p>
+          <a:p>
             <a:r>
               <a:rPr lang="en-US" dirty="0"/>
-              <a:t>that can be used to provide hands-on experience to students, particularly in technical </a:t>
+              <a:t>Create pool of Industry </a:t>
             </a:r>
             <a:r>
               <a:rPr lang="en-US" dirty="0" smtClean="0"/>
-              <a:t>education</a:t>
-            </a:r>
-          </a:p>
-          <a:p>
-            <a:r>
-              <a:rPr lang="en-US" dirty="0" smtClean="0"/>
-              <a:t>Need for </a:t>
-            </a:r>
-            <a:r>
-              <a:rPr lang="en-US" b="1" dirty="0" smtClean="0"/>
-              <a:t>One</a:t>
-            </a:r>
-            <a:r>
-              <a:rPr lang="en-US" b="1" dirty="0"/>
-              <a:t>-on-One Guide </a:t>
-            </a:r>
-            <a:r>
-              <a:rPr lang="en-US" dirty="0"/>
-              <a:t>to work with Fresh Engineers so that knowledge gap can be well understood and guided appropriately. Rather </a:t>
-            </a:r>
-            <a:r>
-              <a:rPr lang="en-US" dirty="0" smtClean="0"/>
-              <a:t>than </a:t>
-            </a:r>
-            <a:r>
-              <a:rPr lang="en-US" dirty="0"/>
-              <a:t>Classroom learning which is done in ample in Engineering </a:t>
-            </a:r>
-            <a:r>
-              <a:rPr lang="en-US" dirty="0" smtClean="0"/>
-              <a:t>Schools</a:t>
-            </a:r>
-          </a:p>
-          <a:p>
-            <a:endParaRPr lang="en-US" dirty="0"/>
+              <a:t>Ready Engineers</a:t>
+            </a:r>
           </a:p>
         </p:txBody>
       </p:sp>
     </p:spTree>
     <p:extLst>
       <p:ext uri="{BB962C8B-B14F-4D97-AF65-F5344CB8AC3E}">
-        <p14:creationId xmlns:p14="http://schemas.microsoft.com/office/powerpoint/2010/main" val="3787637028"/>
+        <p14:creationId xmlns:p14="http://schemas.microsoft.com/office/powerpoint/2010/main" val="1328182024"/>
       </p:ext>
     </p:extLst>
   </p:cSld>
@@ -4001,109 +4573,45 @@
           <a:lstStyle/>
           <a:p>
             <a:r>
-              <a:rPr lang="en-US" dirty="0"/>
-              <a:t>How </a:t>
+              <a:rPr lang="en-US" b="1" dirty="0" smtClean="0"/>
+              <a:t>Gaps </a:t>
             </a:r>
             <a:r>
               <a:rPr lang="en-US" dirty="0" smtClean="0"/>
-              <a:t>MakeTechEZ Training Programme Works?</a:t>
+              <a:t>in Finishing Schools</a:t>
             </a:r>
             <a:endParaRPr lang="en-US" dirty="0"/>
           </a:p>
         </p:txBody>
       </p:sp>
-      <p:sp>
-        <p:nvSpPr>
-          <p:cNvPr id="3" name="Content Placeholder 2"/>
-          <p:cNvSpPr>
-            <a:spLocks noGrp="1"/>
-          </p:cNvSpPr>
-          <p:nvPr>
-            <p:ph idx="1"/>
-          </p:nvPr>
-        </p:nvSpPr>
-        <p:spPr>
-          <a:xfrm>
-            <a:off x="549275" y="1688406"/>
-            <a:ext cx="8042276" cy="4697692"/>
-          </a:xfrm>
-        </p:spPr>
-        <p:txBody>
-          <a:bodyPr>
-            <a:normAutofit/>
-          </a:bodyPr>
-          <a:lstStyle/>
-          <a:p>
-            <a:pPr>
-              <a:spcAft>
-                <a:spcPts val="1200"/>
-              </a:spcAft>
-            </a:pPr>
-            <a:r>
-              <a:rPr lang="en-US" b="1" dirty="0" smtClean="0"/>
-              <a:t>Content Design </a:t>
-            </a:r>
-            <a:r>
-              <a:rPr lang="en-US" dirty="0" smtClean="0"/>
-              <a:t>– </a:t>
-            </a:r>
-          </a:p>
-          <a:p>
-            <a:pPr lvl="1"/>
-            <a:r>
-              <a:rPr lang="en-US" dirty="0" smtClean="0"/>
-              <a:t>Introduces Concepts mainly by writing and compiling lot of programs than reading lot of theory. Its learning by practice</a:t>
-            </a:r>
-          </a:p>
-          <a:p>
-            <a:pPr lvl="1"/>
-            <a:r>
-              <a:rPr lang="en-US" dirty="0"/>
-              <a:t>Its a </a:t>
-            </a:r>
-            <a:r>
-              <a:rPr lang="en-US" b="1" dirty="0"/>
-              <a:t>18 Step Process </a:t>
-            </a:r>
-            <a:r>
-              <a:rPr lang="en-US" dirty="0"/>
-              <a:t>which can be completed in flat 2 - 4 weeks </a:t>
-            </a:r>
-            <a:r>
-              <a:rPr lang="en-US" dirty="0" smtClean="0"/>
-              <a:t>time</a:t>
-            </a:r>
-            <a:endParaRPr lang="en-US" dirty="0"/>
-          </a:p>
-          <a:p>
-            <a:pPr lvl="1"/>
-            <a:r>
-              <a:rPr lang="en-US" dirty="0"/>
-              <a:t>Every Step introduces 5 - 10 concepts and each concepts is demonstrated with a sample code which are built, compiled and executed by </a:t>
-            </a:r>
-            <a:r>
-              <a:rPr lang="en-US" dirty="0" smtClean="0"/>
-              <a:t>engineers</a:t>
-            </a:r>
-          </a:p>
-          <a:p>
-            <a:pPr lvl="1"/>
-            <a:r>
-              <a:rPr lang="en-US" dirty="0"/>
-              <a:t>At the End of the Training Programme, Engineers would have written any-where between </a:t>
-            </a:r>
-            <a:r>
-              <a:rPr lang="en-US" b="1" dirty="0"/>
-              <a:t>150 - 200 Programs</a:t>
-            </a:r>
-            <a:endParaRPr lang="en-US" b="1" dirty="0" smtClean="0"/>
-          </a:p>
-        </p:txBody>
-      </p:sp>
+      <p:pic>
+        <p:nvPicPr>
+          <p:cNvPr id="4" name="Picture 3"/>
+          <p:cNvPicPr>
+            <a:picLocks noChangeAspect="1"/>
+          </p:cNvPicPr>
+          <p:nvPr/>
+        </p:nvPicPr>
+        <p:blipFill>
+          <a:blip r:embed="rId2"/>
+          <a:stretch>
+            <a:fillRect/>
+          </a:stretch>
+        </p:blipFill>
+        <p:spPr>
+          <a:xfrm>
+            <a:off x="549274" y="1713948"/>
+            <a:ext cx="8042277" cy="4274927"/>
+          </a:xfrm>
+          <a:prstGeom prst="rect">
+            <a:avLst/>
+          </a:prstGeom>
+        </p:spPr>
+      </p:pic>
     </p:spTree>
     <p:extLst>
       <p:ext uri="{BB962C8B-B14F-4D97-AF65-F5344CB8AC3E}">
-        <p14:creationId xmlns:p14="http://schemas.microsoft.com/office/powerpoint/2010/main" val="1963680947"/>
+        <p14:creationId xmlns:p14="http://schemas.microsoft.com/office/powerpoint/2010/main" val="589136825"/>
       </p:ext>
     </p:extLst>
   </p:cSld>
@@ -4137,9 +4645,406 @@
           <a:chExt cx="0" cy="0"/>
         </a:xfrm>
       </p:grpSpPr>
-      <p:sp>
-        <p:nvSpPr>
-          <p:cNvPr id="2" name="Title 1"/>
+      <p:graphicFrame>
+        <p:nvGraphicFramePr>
+          <p:cNvPr id="30" name="Table 29"/>
+          <p:cNvGraphicFramePr>
+            <a:graphicFrameLocks noGrp="1"/>
+          </p:cNvGraphicFramePr>
+          <p:nvPr>
+            <p:extLst>
+              <p:ext uri="{D42A27DB-BD31-4B8C-83A1-F6EECF244321}">
+                <p14:modId xmlns:p14="http://schemas.microsoft.com/office/powerpoint/2010/main" val="2123636009"/>
+              </p:ext>
+            </p:extLst>
+          </p:nvPr>
+        </p:nvGraphicFramePr>
+        <p:xfrm>
+          <a:off x="566914" y="1779760"/>
+          <a:ext cx="7971716" cy="4431742"/>
+        </p:xfrm>
+        <a:graphic>
+          <a:graphicData uri="http://schemas.openxmlformats.org/drawingml/2006/table">
+            <a:tbl>
+              <a:tblPr firstRow="1" bandRow="1">
+                <a:tableStyleId>{3C2FFA5D-87B4-456A-9821-1D502468CF0F}</a:tableStyleId>
+              </a:tblPr>
+              <a:tblGrid>
+                <a:gridCol w="3968450"/>
+                <a:gridCol w="4003266"/>
+              </a:tblGrid>
+              <a:tr h="1607342">
+                <a:tc>
+                  <a:txBody>
+                    <a:bodyPr/>
+                    <a:lstStyle/>
+                    <a:p>
+                      <a:endParaRPr lang="en-US" dirty="0"/>
+                    </a:p>
+                  </a:txBody>
+                  <a:tcPr/>
+                </a:tc>
+                <a:tc>
+                  <a:txBody>
+                    <a:bodyPr/>
+                    <a:lstStyle/>
+                    <a:p>
+                      <a:endParaRPr lang="en-US" dirty="0"/>
+                    </a:p>
+                  </a:txBody>
+                  <a:tcPr/>
+                </a:tc>
+              </a:tr>
+              <a:tr h="1428934">
+                <a:tc>
+                  <a:txBody>
+                    <a:bodyPr/>
+                    <a:lstStyle/>
+                    <a:p>
+                      <a:pPr marL="342900" indent="-342900">
+                        <a:spcBef>
+                          <a:spcPts val="600"/>
+                        </a:spcBef>
+                        <a:buFont typeface="+mj-lt"/>
+                        <a:buAutoNum type="arabicPeriod"/>
+                      </a:pPr>
+                      <a:r>
+                        <a:rPr lang="en-US" sz="2400" dirty="0" smtClean="0">
+                          <a:solidFill>
+                            <a:srgbClr val="FFFFFF"/>
+                          </a:solidFill>
+                        </a:rPr>
+                        <a:t>Content Design</a:t>
+                      </a:r>
+                    </a:p>
+                    <a:p>
+                      <a:pPr marL="350838" lvl="1" indent="1588">
+                        <a:spcBef>
+                          <a:spcPts val="600"/>
+                        </a:spcBef>
+                        <a:spcAft>
+                          <a:spcPts val="600"/>
+                        </a:spcAft>
+                      </a:pPr>
+                      <a:r>
+                        <a:rPr lang="en-US" dirty="0" smtClean="0">
+                          <a:solidFill>
+                            <a:srgbClr val="FFFFFF"/>
+                          </a:solidFill>
+                        </a:rPr>
+                        <a:t>Not completely Lab Based and Practical</a:t>
+                      </a:r>
+                      <a:endParaRPr lang="en-US" dirty="0">
+                        <a:solidFill>
+                          <a:srgbClr val="FFFFFF"/>
+                        </a:solidFill>
+                      </a:endParaRPr>
+                    </a:p>
+                  </a:txBody>
+                  <a:tcPr/>
+                </a:tc>
+                <a:tc>
+                  <a:txBody>
+                    <a:bodyPr/>
+                    <a:lstStyle/>
+                    <a:p>
+                      <a:pPr marL="342900" indent="-342900">
+                        <a:spcBef>
+                          <a:spcPts val="600"/>
+                        </a:spcBef>
+                        <a:buFont typeface="+mj-lt"/>
+                        <a:buAutoNum type="arabicPeriod"/>
+                      </a:pPr>
+                      <a:r>
+                        <a:rPr lang="en-US" sz="2400" dirty="0" smtClean="0">
+                          <a:solidFill>
+                            <a:srgbClr val="FFFFFF"/>
+                          </a:solidFill>
+                        </a:rPr>
+                        <a:t>Content Design</a:t>
+                      </a:r>
+                    </a:p>
+                    <a:p>
+                      <a:pPr marL="350838" lvl="1" indent="1588">
+                        <a:spcBef>
+                          <a:spcPts val="600"/>
+                        </a:spcBef>
+                        <a:spcAft>
+                          <a:spcPts val="600"/>
+                        </a:spcAft>
+                      </a:pPr>
+                      <a:r>
+                        <a:rPr lang="en-US" baseline="0" dirty="0" smtClean="0">
+                          <a:solidFill>
+                            <a:srgbClr val="FFFFFF"/>
+                          </a:solidFill>
+                        </a:rPr>
+                        <a:t>Lab based with students writing compiling and executing 150-200 live programs</a:t>
+                      </a:r>
+                      <a:endParaRPr lang="en-US" dirty="0" smtClean="0">
+                        <a:solidFill>
+                          <a:srgbClr val="FFFFFF"/>
+                        </a:solidFill>
+                      </a:endParaRPr>
+                    </a:p>
+                  </a:txBody>
+                  <a:tcPr/>
+                </a:tc>
+              </a:tr>
+              <a:tr h="1395466">
+                <a:tc>
+                  <a:txBody>
+                    <a:bodyPr/>
+                    <a:lstStyle/>
+                    <a:p>
+                      <a:pPr marL="352425" indent="-352425">
+                        <a:spcBef>
+                          <a:spcPts val="600"/>
+                        </a:spcBef>
+                        <a:buFont typeface="+mj-lt"/>
+                        <a:buAutoNum type="arabicPeriod" startAt="2"/>
+                      </a:pPr>
+                      <a:r>
+                        <a:rPr lang="en-US" sz="2400" dirty="0" smtClean="0">
+                          <a:solidFill>
+                            <a:schemeClr val="tx1"/>
+                          </a:solidFill>
+                        </a:rPr>
+                        <a:t>Content Mentoring</a:t>
+                      </a:r>
+                    </a:p>
+                    <a:p>
+                      <a:pPr marL="350838" lvl="1" indent="1588">
+                        <a:spcBef>
+                          <a:spcPts val="600"/>
+                        </a:spcBef>
+                        <a:spcAft>
+                          <a:spcPts val="600"/>
+                        </a:spcAft>
+                      </a:pPr>
+                      <a:r>
+                        <a:rPr lang="en-US" dirty="0" smtClean="0">
+                          <a:solidFill>
+                            <a:schemeClr val="tx1"/>
+                          </a:solidFill>
+                        </a:rPr>
+                        <a:t>Not trained by Qualified Industry Experts </a:t>
+                      </a:r>
+                    </a:p>
+                  </a:txBody>
+                  <a:tcPr/>
+                </a:tc>
+                <a:tc>
+                  <a:txBody>
+                    <a:bodyPr/>
+                    <a:lstStyle/>
+                    <a:p>
+                      <a:pPr marL="352425" indent="-352425">
+                        <a:spcBef>
+                          <a:spcPts val="600"/>
+                        </a:spcBef>
+                        <a:buFont typeface="+mj-lt"/>
+                        <a:buAutoNum type="arabicPeriod" startAt="2"/>
+                      </a:pPr>
+                      <a:r>
+                        <a:rPr lang="en-US" sz="2400" dirty="0" smtClean="0">
+                          <a:solidFill>
+                            <a:schemeClr val="tx1"/>
+                          </a:solidFill>
+                        </a:rPr>
+                        <a:t>Content Mentoring</a:t>
+                      </a:r>
+                    </a:p>
+                    <a:p>
+                      <a:pPr marL="350838" lvl="1" indent="1588">
+                        <a:spcBef>
+                          <a:spcPts val="600"/>
+                        </a:spcBef>
+                        <a:spcAft>
+                          <a:spcPts val="600"/>
+                        </a:spcAft>
+                      </a:pPr>
+                      <a:r>
+                        <a:rPr lang="en-US" dirty="0" smtClean="0">
+                          <a:solidFill>
+                            <a:schemeClr val="tx1"/>
+                          </a:solidFill>
+                        </a:rPr>
+                        <a:t>Senior</a:t>
+                      </a:r>
+                      <a:r>
+                        <a:rPr lang="en-US" baseline="0" dirty="0" smtClean="0">
+                          <a:solidFill>
+                            <a:schemeClr val="tx1"/>
+                          </a:solidFill>
+                        </a:rPr>
+                        <a:t> Industry Professionals working on latest technologies will be mentors</a:t>
+                      </a:r>
+                      <a:endParaRPr lang="en-US" dirty="0" smtClean="0">
+                        <a:solidFill>
+                          <a:schemeClr val="tx1"/>
+                        </a:solidFill>
+                      </a:endParaRPr>
+                    </a:p>
+                  </a:txBody>
+                  <a:tcPr/>
+                </a:tc>
+              </a:tr>
+            </a:tbl>
+          </a:graphicData>
+        </a:graphic>
+      </p:graphicFrame>
+      <p:pic>
+        <p:nvPicPr>
+          <p:cNvPr id="25" name="Picture 24"/>
+          <p:cNvPicPr>
+            <a:picLocks noChangeAspect="1"/>
+          </p:cNvPicPr>
+          <p:nvPr/>
+        </p:nvPicPr>
+        <p:blipFill>
+          <a:blip r:embed="rId2"/>
+          <a:stretch>
+            <a:fillRect/>
+          </a:stretch>
+        </p:blipFill>
+        <p:spPr>
+          <a:xfrm>
+            <a:off x="711106" y="2056864"/>
+            <a:ext cx="3412209" cy="718360"/>
+          </a:xfrm>
+          <a:prstGeom prst="rect">
+            <a:avLst/>
+          </a:prstGeom>
+        </p:spPr>
+      </p:pic>
+      <p:sp>
+        <p:nvSpPr>
+          <p:cNvPr id="27" name="Title 1"/>
+          <p:cNvSpPr txBox="1">
+            <a:spLocks/>
+          </p:cNvSpPr>
+          <p:nvPr/>
+        </p:nvSpPr>
+        <p:spPr>
+          <a:xfrm>
+            <a:off x="4675543" y="2912016"/>
+            <a:ext cx="3718345" cy="423389"/>
+          </a:xfrm>
+          <a:prstGeom prst="rect">
+            <a:avLst/>
+          </a:prstGeom>
+        </p:spPr>
+        <p:txBody>
+          <a:bodyPr vert="horz" lIns="91440" tIns="45720" rIns="91440" bIns="45720" rtlCol="0" anchor="ctr" anchorCtr="0">
+            <a:noAutofit/>
+          </a:bodyPr>
+          <a:lstStyle>
+            <a:lvl1pPr algn="ctr" defTabSz="914400" rtl="0" eaLnBrk="1" latinLnBrk="0" hangingPunct="1">
+              <a:spcBef>
+                <a:spcPct val="0"/>
+              </a:spcBef>
+              <a:buNone/>
+              <a:defRPr sz="4600" kern="1200">
+                <a:solidFill>
+                  <a:schemeClr val="accent1"/>
+                </a:solidFill>
+                <a:latin typeface="+mj-lt"/>
+                <a:ea typeface="+mj-ea"/>
+                <a:cs typeface="+mj-cs"/>
+              </a:defRPr>
+            </a:lvl1pPr>
+          </a:lstStyle>
+          <a:p>
+            <a:r>
+              <a:rPr lang="en-US" sz="2000" b="1" dirty="0" smtClean="0">
+                <a:solidFill>
+                  <a:srgbClr val="FFFF00"/>
+                </a:solidFill>
+              </a:rPr>
+              <a:t>BridgeGap</a:t>
+            </a:r>
+            <a:r>
+              <a:rPr lang="en-US" sz="2000" b="1" dirty="0" smtClean="0">
+                <a:solidFill>
+                  <a:schemeClr val="bg1"/>
+                </a:solidFill>
+              </a:rPr>
+              <a:t> Training Solution</a:t>
+            </a:r>
+            <a:endParaRPr lang="en-US" sz="2000" b="1" dirty="0">
+              <a:solidFill>
+                <a:schemeClr val="bg1"/>
+              </a:solidFill>
+            </a:endParaRPr>
+          </a:p>
+        </p:txBody>
+      </p:sp>
+      <p:pic>
+        <p:nvPicPr>
+          <p:cNvPr id="31" name="Picture 30"/>
+          <p:cNvPicPr>
+            <a:picLocks noChangeAspect="1"/>
+          </p:cNvPicPr>
+          <p:nvPr/>
+        </p:nvPicPr>
+        <p:blipFill>
+          <a:blip r:embed="rId3"/>
+          <a:stretch>
+            <a:fillRect/>
+          </a:stretch>
+        </p:blipFill>
+        <p:spPr>
+          <a:xfrm>
+            <a:off x="5079124" y="1880828"/>
+            <a:ext cx="2911670" cy="1031188"/>
+          </a:xfrm>
+          <a:prstGeom prst="rect">
+            <a:avLst/>
+          </a:prstGeom>
+        </p:spPr>
+      </p:pic>
+      <p:sp>
+        <p:nvSpPr>
+          <p:cNvPr id="7" name="Right Arrow 6"/>
+          <p:cNvSpPr/>
+          <p:nvPr/>
+        </p:nvSpPr>
+        <p:spPr>
+          <a:xfrm>
+            <a:off x="4190431" y="2017922"/>
+            <a:ext cx="822960" cy="822960"/>
+          </a:xfrm>
+          <a:prstGeom prst="rightArrow">
+            <a:avLst/>
+          </a:prstGeom>
+          <a:ln/>
+        </p:spPr>
+        <p:style>
+          <a:lnRef idx="1">
+            <a:schemeClr val="accent1"/>
+          </a:lnRef>
+          <a:fillRef idx="3">
+            <a:schemeClr val="accent1"/>
+          </a:fillRef>
+          <a:effectRef idx="2">
+            <a:schemeClr val="accent1"/>
+          </a:effectRef>
+          <a:fontRef idx="minor">
+            <a:schemeClr val="lt1"/>
+          </a:fontRef>
+        </p:style>
+        <p:txBody>
+          <a:bodyPr/>
+          <a:lstStyle/>
+          <a:p>
+            <a:endParaRPr lang="en-US" dirty="0"/>
+          </a:p>
+        </p:txBody>
+      </p:sp>
+      <p:sp>
+        <p:nvSpPr>
+          <p:cNvPr id="16" name="Title 4"/>
           <p:cNvSpPr>
             <a:spLocks noGrp="1"/>
           </p:cNvSpPr>
@@ -4147,7 +5052,37 @@
             <p:ph type="title"/>
           </p:nvPr>
         </p:nvSpPr>
-        <p:spPr/>
+        <p:spPr>
+          <a:xfrm>
+            <a:off x="549274" y="107576"/>
+            <a:ext cx="8042276" cy="1336956"/>
+          </a:xfrm>
+        </p:spPr>
+        <p:txBody>
+          <a:bodyPr/>
+          <a:lstStyle/>
+          <a:p>
+            <a:endParaRPr lang="en-US" dirty="0"/>
+          </a:p>
+        </p:txBody>
+      </p:sp>
+      <p:sp>
+        <p:nvSpPr>
+          <p:cNvPr id="17" name="Title 1"/>
+          <p:cNvSpPr txBox="1">
+            <a:spLocks/>
+          </p:cNvSpPr>
+          <p:nvPr/>
+        </p:nvSpPr>
+        <p:spPr>
+          <a:xfrm>
+            <a:off x="549276" y="107576"/>
+            <a:ext cx="6146384" cy="1336956"/>
+          </a:xfrm>
+          <a:prstGeom prst="rect">
+            <a:avLst/>
+          </a:prstGeom>
+        </p:spPr>
         <p:style>
           <a:lnRef idx="2">
             <a:schemeClr val="accent1">
@@ -4165,153 +5100,195 @@
           </a:fontRef>
         </p:style>
         <p:txBody>
-          <a:bodyPr anchor="ctr" anchorCtr="0"/>
-          <a:lstStyle/>
-          <a:p>
-            <a:r>
-              <a:rPr lang="en-US" dirty="0"/>
-              <a:t>How MakeTechEZ Training Programme </a:t>
+          <a:bodyPr vert="horz" lIns="91440" tIns="45720" rIns="91440" bIns="45720" rtlCol="0" anchor="ctr" anchorCtr="0">
+            <a:noAutofit/>
+          </a:bodyPr>
+          <a:lstStyle>
+            <a:lvl1pPr algn="ctr" defTabSz="914400" rtl="0" eaLnBrk="1" latinLnBrk="0" hangingPunct="1">
+              <a:spcBef>
+                <a:spcPct val="0"/>
+              </a:spcBef>
+              <a:buNone/>
+              <a:defRPr sz="4600" kern="1200">
+                <a:solidFill>
+                  <a:schemeClr val="lt1"/>
+                </a:solidFill>
+                <a:latin typeface="+mn-lt"/>
+                <a:ea typeface="+mn-ea"/>
+                <a:cs typeface="+mn-cs"/>
+              </a:defRPr>
+            </a:lvl1pPr>
+            <a:lvl2pPr>
+              <a:defRPr>
+                <a:solidFill>
+                  <a:schemeClr val="lt1"/>
+                </a:solidFill>
+                <a:latin typeface="+mn-lt"/>
+                <a:ea typeface="+mn-ea"/>
+                <a:cs typeface="+mn-cs"/>
+              </a:defRPr>
+            </a:lvl2pPr>
+            <a:lvl3pPr>
+              <a:defRPr>
+                <a:solidFill>
+                  <a:schemeClr val="lt1"/>
+                </a:solidFill>
+                <a:latin typeface="+mn-lt"/>
+                <a:ea typeface="+mn-ea"/>
+                <a:cs typeface="+mn-cs"/>
+              </a:defRPr>
+            </a:lvl3pPr>
+            <a:lvl4pPr>
+              <a:defRPr>
+                <a:solidFill>
+                  <a:schemeClr val="lt1"/>
+                </a:solidFill>
+                <a:latin typeface="+mn-lt"/>
+                <a:ea typeface="+mn-ea"/>
+                <a:cs typeface="+mn-cs"/>
+              </a:defRPr>
+            </a:lvl4pPr>
+            <a:lvl5pPr>
+              <a:defRPr>
+                <a:solidFill>
+                  <a:schemeClr val="lt1"/>
+                </a:solidFill>
+                <a:latin typeface="+mn-lt"/>
+                <a:ea typeface="+mn-ea"/>
+                <a:cs typeface="+mn-cs"/>
+              </a:defRPr>
+            </a:lvl5pPr>
+            <a:lvl6pPr>
+              <a:defRPr>
+                <a:solidFill>
+                  <a:schemeClr val="lt1"/>
+                </a:solidFill>
+                <a:latin typeface="+mn-lt"/>
+                <a:ea typeface="+mn-ea"/>
+                <a:cs typeface="+mn-cs"/>
+              </a:defRPr>
+            </a:lvl6pPr>
+            <a:lvl7pPr>
+              <a:defRPr>
+                <a:solidFill>
+                  <a:schemeClr val="lt1"/>
+                </a:solidFill>
+                <a:latin typeface="+mn-lt"/>
+                <a:ea typeface="+mn-ea"/>
+                <a:cs typeface="+mn-cs"/>
+              </a:defRPr>
+            </a:lvl7pPr>
+            <a:lvl8pPr>
+              <a:defRPr>
+                <a:solidFill>
+                  <a:schemeClr val="lt1"/>
+                </a:solidFill>
+                <a:latin typeface="+mn-lt"/>
+                <a:ea typeface="+mn-ea"/>
+                <a:cs typeface="+mn-cs"/>
+              </a:defRPr>
+            </a:lvl8pPr>
+            <a:lvl9pPr>
+              <a:defRPr>
+                <a:solidFill>
+                  <a:schemeClr val="lt1"/>
+                </a:solidFill>
+                <a:latin typeface="+mn-lt"/>
+                <a:ea typeface="+mn-ea"/>
+                <a:cs typeface="+mn-cs"/>
+              </a:defRPr>
+            </a:lvl9pPr>
+          </a:lstStyle>
+          <a:p>
+            <a:r>
+              <a:rPr lang="en-US" b="1" dirty="0" smtClean="0">
+                <a:ln w="12700">
+                  <a:solidFill>
+                    <a:schemeClr val="tx2">
+                      <a:satMod val="155000"/>
+                    </a:schemeClr>
+                  </a:solidFill>
+                  <a:prstDash val="solid"/>
+                </a:ln>
+                <a:solidFill>
+                  <a:srgbClr val="FFFF00"/>
+                </a:solidFill>
+                <a:effectLst>
+                  <a:outerShdw blurRad="41275" dist="20320" dir="1800000" algn="tl" rotWithShape="0">
+                    <a:srgbClr val="000000">
+                      <a:alpha val="40000"/>
+                    </a:srgbClr>
+                  </a:outerShdw>
+                </a:effectLst>
+              </a:rPr>
+              <a:t>BridgeGap</a:t>
+            </a:r>
+            <a:r>
+              <a:rPr lang="en-US" b="1" dirty="0" smtClean="0">
+                <a:ln w="12700">
+                  <a:solidFill>
+                    <a:schemeClr val="tx2">
+                      <a:satMod val="155000"/>
+                    </a:schemeClr>
+                  </a:solidFill>
+                  <a:prstDash val="solid"/>
+                </a:ln>
+                <a:solidFill>
+                  <a:schemeClr val="bg2">
+                    <a:tint val="85000"/>
+                    <a:satMod val="155000"/>
+                  </a:schemeClr>
+                </a:solidFill>
+                <a:effectLst>
+                  <a:outerShdw blurRad="41275" dist="20320" dir="1800000" algn="tl" rotWithShape="0">
+                    <a:srgbClr val="000000">
+                      <a:alpha val="40000"/>
+                    </a:srgbClr>
+                  </a:outerShdw>
+                </a:effectLst>
+              </a:rPr>
+              <a:t> </a:t>
             </a:r>
             <a:r>
               <a:rPr lang="en-US" dirty="0" smtClean="0"/>
-              <a:t>Works?</a:t>
+              <a:t>Training Solution Fills the </a:t>
+            </a:r>
+            <a:r>
+              <a:rPr lang="en-US" b="1" dirty="0" smtClean="0"/>
+              <a:t>Gap</a:t>
             </a:r>
             <a:endParaRPr lang="en-US" dirty="0"/>
           </a:p>
         </p:txBody>
       </p:sp>
-      <p:sp>
-        <p:nvSpPr>
-          <p:cNvPr id="3" name="Content Placeholder 2"/>
-          <p:cNvSpPr>
-            <a:spLocks noGrp="1"/>
-          </p:cNvSpPr>
-          <p:nvPr>
-            <p:ph idx="1"/>
-          </p:nvPr>
-        </p:nvSpPr>
-        <p:spPr>
-          <a:xfrm>
-            <a:off x="549275" y="1781757"/>
-            <a:ext cx="8042276" cy="4516136"/>
-          </a:xfrm>
-        </p:spPr>
-        <p:txBody>
-          <a:bodyPr>
-            <a:normAutofit/>
-          </a:bodyPr>
-          <a:lstStyle/>
-          <a:p>
-            <a:pPr>
-              <a:spcAft>
-                <a:spcPts val="1200"/>
-              </a:spcAft>
-            </a:pPr>
-            <a:r>
-              <a:rPr lang="en-US" b="1" dirty="0"/>
-              <a:t>Content </a:t>
-            </a:r>
-            <a:r>
-              <a:rPr lang="en-US" b="1" dirty="0" smtClean="0"/>
-              <a:t>Mentoring </a:t>
-            </a:r>
-            <a:r>
-              <a:rPr lang="en-US" dirty="0" smtClean="0"/>
-              <a:t>– </a:t>
-            </a:r>
-          </a:p>
-          <a:p>
-            <a:pPr lvl="1"/>
-            <a:r>
-              <a:rPr lang="en-US" dirty="0"/>
-              <a:t>Mentoring Process is </a:t>
-            </a:r>
-            <a:r>
-              <a:rPr lang="en-US" dirty="0" smtClean="0"/>
-              <a:t>based on the philosophy of  </a:t>
-            </a:r>
-            <a:r>
-              <a:rPr lang="en-US" b="1" dirty="0" smtClean="0"/>
-              <a:t>One </a:t>
-            </a:r>
-            <a:r>
-              <a:rPr lang="en-US" b="1" dirty="0"/>
-              <a:t>Skill - One Mentor - One </a:t>
-            </a:r>
-            <a:r>
-              <a:rPr lang="en-US" b="1" dirty="0" smtClean="0"/>
-              <a:t>Student</a:t>
-            </a:r>
-            <a:r>
-              <a:rPr lang="en-US" dirty="0" smtClean="0"/>
-              <a:t>. </a:t>
-            </a:r>
-            <a:r>
-              <a:rPr lang="en-US" dirty="0"/>
-              <a:t>This helps to </a:t>
-            </a:r>
-            <a:r>
-              <a:rPr lang="en-US" dirty="0" smtClean="0"/>
-              <a:t>identify </a:t>
-            </a:r>
-            <a:r>
-              <a:rPr lang="en-US" dirty="0"/>
-              <a:t>skill gaps in the </a:t>
-            </a:r>
-            <a:r>
-              <a:rPr lang="en-US" dirty="0" smtClean="0"/>
-              <a:t>engineers </a:t>
-            </a:r>
-            <a:r>
-              <a:rPr lang="en-US" dirty="0"/>
-              <a:t>and guide </a:t>
-            </a:r>
-            <a:r>
-              <a:rPr lang="en-US" dirty="0" smtClean="0"/>
-              <a:t>them appropriately</a:t>
-            </a:r>
-          </a:p>
-          <a:p>
-            <a:pPr lvl="1"/>
-            <a:r>
-              <a:rPr lang="en-US" dirty="0"/>
-              <a:t>After Every Step </a:t>
-            </a:r>
-            <a:r>
-              <a:rPr lang="en-US" dirty="0" smtClean="0"/>
-              <a:t>mentor </a:t>
-            </a:r>
-            <a:r>
-              <a:rPr lang="en-US" dirty="0"/>
-              <a:t>cross </a:t>
-            </a:r>
-            <a:r>
-              <a:rPr lang="en-US" dirty="0" smtClean="0"/>
-              <a:t>examines the engineer one</a:t>
-            </a:r>
-            <a:r>
-              <a:rPr lang="en-US" dirty="0"/>
-              <a:t>-on-one </a:t>
-            </a:r>
-            <a:r>
-              <a:rPr lang="en-US" dirty="0" smtClean="0"/>
-              <a:t>to </a:t>
-            </a:r>
-            <a:r>
-              <a:rPr lang="en-US" dirty="0"/>
-              <a:t>check the level of understanding and </a:t>
-            </a:r>
-            <a:r>
-              <a:rPr lang="en-US" dirty="0" smtClean="0"/>
-              <a:t>give  them practice programs accordingly.</a:t>
-            </a:r>
-          </a:p>
-        </p:txBody>
-      </p:sp>
+      <p:pic>
+        <p:nvPicPr>
+          <p:cNvPr id="18" name="Picture 17"/>
+          <p:cNvPicPr>
+            <a:picLocks noChangeAspect="1"/>
+          </p:cNvPicPr>
+          <p:nvPr/>
+        </p:nvPicPr>
+        <p:blipFill>
+          <a:blip r:embed="rId4"/>
+          <a:stretch>
+            <a:fillRect/>
+          </a:stretch>
+        </p:blipFill>
+        <p:spPr>
+          <a:xfrm>
+            <a:off x="6734143" y="107576"/>
+            <a:ext cx="1857407" cy="1336956"/>
+          </a:xfrm>
+          <a:prstGeom prst="rect">
+            <a:avLst/>
+          </a:prstGeom>
+        </p:spPr>
+      </p:pic>
     </p:spTree>
     <p:extLst>
       <p:ext uri="{BB962C8B-B14F-4D97-AF65-F5344CB8AC3E}">
-        <p14:creationId xmlns:p14="http://schemas.microsoft.com/office/powerpoint/2010/main" val="4190317840"/>
+        <p14:creationId xmlns:p14="http://schemas.microsoft.com/office/powerpoint/2010/main" val="3729651946"/>
       </p:ext>
     </p:extLst>
   </p:cSld>
@@ -4345,9 +5322,433 @@
           <a:chExt cx="0" cy="0"/>
         </a:xfrm>
       </p:grpSpPr>
-      <p:sp>
-        <p:nvSpPr>
-          <p:cNvPr id="2" name="Title 1"/>
+      <p:graphicFrame>
+        <p:nvGraphicFramePr>
+          <p:cNvPr id="30" name="Table 29"/>
+          <p:cNvGraphicFramePr>
+            <a:graphicFrameLocks noGrp="1"/>
+          </p:cNvGraphicFramePr>
+          <p:nvPr>
+            <p:extLst>
+              <p:ext uri="{D42A27DB-BD31-4B8C-83A1-F6EECF244321}">
+                <p14:modId xmlns:p14="http://schemas.microsoft.com/office/powerpoint/2010/main" val="3267199263"/>
+              </p:ext>
+            </p:extLst>
+          </p:nvPr>
+        </p:nvGraphicFramePr>
+        <p:xfrm>
+          <a:off x="566914" y="1779760"/>
+          <a:ext cx="7971716" cy="4431742"/>
+        </p:xfrm>
+        <a:graphic>
+          <a:graphicData uri="http://schemas.openxmlformats.org/drawingml/2006/table">
+            <a:tbl>
+              <a:tblPr firstRow="1" bandRow="1">
+                <a:tableStyleId>{3C2FFA5D-87B4-456A-9821-1D502468CF0F}</a:tableStyleId>
+              </a:tblPr>
+              <a:tblGrid>
+                <a:gridCol w="3968450"/>
+                <a:gridCol w="4003266"/>
+              </a:tblGrid>
+              <a:tr h="1607342">
+                <a:tc>
+                  <a:txBody>
+                    <a:bodyPr/>
+                    <a:lstStyle/>
+                    <a:p>
+                      <a:endParaRPr lang="en-US" dirty="0"/>
+                    </a:p>
+                  </a:txBody>
+                  <a:tcPr/>
+                </a:tc>
+                <a:tc>
+                  <a:txBody>
+                    <a:bodyPr/>
+                    <a:lstStyle/>
+                    <a:p>
+                      <a:endParaRPr lang="en-US" dirty="0"/>
+                    </a:p>
+                  </a:txBody>
+                  <a:tcPr/>
+                </a:tc>
+              </a:tr>
+              <a:tr h="1428934">
+                <a:tc>
+                  <a:txBody>
+                    <a:bodyPr/>
+                    <a:lstStyle/>
+                    <a:p>
+                      <a:pPr marL="352425" indent="-352425">
+                        <a:spcBef>
+                          <a:spcPts val="600"/>
+                        </a:spcBef>
+                        <a:buFont typeface="+mj-lt"/>
+                        <a:buAutoNum type="arabicPeriod" startAt="3"/>
+                      </a:pPr>
+                      <a:r>
+                        <a:rPr lang="en-US" sz="2400" dirty="0" smtClean="0">
+                          <a:solidFill>
+                            <a:srgbClr val="FFFFFF"/>
+                          </a:solidFill>
+                        </a:rPr>
+                        <a:t>Content Delivery</a:t>
+                      </a:r>
+                    </a:p>
+                    <a:p>
+                      <a:pPr marL="350838" lvl="1" indent="1588">
+                        <a:spcBef>
+                          <a:spcPts val="600"/>
+                        </a:spcBef>
+                        <a:spcAft>
+                          <a:spcPts val="600"/>
+                        </a:spcAft>
+                      </a:pPr>
+                      <a:r>
+                        <a:rPr lang="en-US" dirty="0" smtClean="0">
+                          <a:solidFill>
+                            <a:srgbClr val="FFFFFF"/>
+                          </a:solidFill>
+                        </a:rPr>
+                        <a:t>Classroom based and do not use live video on PC or Mobile</a:t>
+                      </a:r>
+                      <a:endParaRPr lang="en-US" dirty="0">
+                        <a:solidFill>
+                          <a:srgbClr val="FFFFFF"/>
+                        </a:solidFill>
+                      </a:endParaRPr>
+                    </a:p>
+                  </a:txBody>
+                  <a:tcPr/>
+                </a:tc>
+                <a:tc>
+                  <a:txBody>
+                    <a:bodyPr/>
+                    <a:lstStyle/>
+                    <a:p>
+                      <a:pPr marL="352425" indent="-352425">
+                        <a:spcBef>
+                          <a:spcPts val="600"/>
+                        </a:spcBef>
+                        <a:buFont typeface="+mj-lt"/>
+                        <a:buAutoNum type="arabicPeriod" startAt="3"/>
+                      </a:pPr>
+                      <a:r>
+                        <a:rPr lang="en-US" sz="2400" dirty="0" smtClean="0">
+                          <a:solidFill>
+                            <a:srgbClr val="FFFFFF"/>
+                          </a:solidFill>
+                        </a:rPr>
+                        <a:t>Content Delivery</a:t>
+                      </a:r>
+                    </a:p>
+                    <a:p>
+                      <a:pPr marL="350838" lvl="1" indent="1588">
+                        <a:spcBef>
+                          <a:spcPts val="600"/>
+                        </a:spcBef>
+                        <a:spcAft>
+                          <a:spcPts val="600"/>
+                        </a:spcAft>
+                      </a:pPr>
+                      <a:r>
+                        <a:rPr lang="en-US" baseline="0" dirty="0" smtClean="0">
+                          <a:solidFill>
+                            <a:srgbClr val="FFFFFF"/>
+                          </a:solidFill>
+                        </a:rPr>
+                        <a:t>Online Training Content, Self Paced Study and One-on-One Mentoring using Live Video</a:t>
+                      </a:r>
+                      <a:endParaRPr lang="en-US" dirty="0" smtClean="0">
+                        <a:solidFill>
+                          <a:srgbClr val="FFFFFF"/>
+                        </a:solidFill>
+                      </a:endParaRPr>
+                    </a:p>
+                  </a:txBody>
+                  <a:tcPr/>
+                </a:tc>
+              </a:tr>
+              <a:tr h="1395466">
+                <a:tc>
+                  <a:txBody>
+                    <a:bodyPr/>
+                    <a:lstStyle/>
+                    <a:p>
+                      <a:pPr marL="352425" indent="-352425">
+                        <a:spcBef>
+                          <a:spcPts val="600"/>
+                        </a:spcBef>
+                        <a:buFont typeface="+mj-lt"/>
+                        <a:buAutoNum type="arabicPeriod" startAt="4"/>
+                      </a:pPr>
+                      <a:r>
+                        <a:rPr lang="en-US" sz="2400" dirty="0" smtClean="0">
+                          <a:solidFill>
+                            <a:schemeClr val="tx1"/>
+                          </a:solidFill>
+                        </a:rPr>
+                        <a:t>One-on-One Guide</a:t>
+                      </a:r>
+                    </a:p>
+                    <a:p>
+                      <a:pPr marL="350838" lvl="1" indent="1588">
+                        <a:spcBef>
+                          <a:spcPts val="600"/>
+                        </a:spcBef>
+                        <a:spcAft>
+                          <a:spcPts val="600"/>
+                        </a:spcAft>
+                      </a:pPr>
+                      <a:r>
+                        <a:rPr lang="en-US" dirty="0" smtClean="0">
+                          <a:solidFill>
+                            <a:schemeClr val="tx1"/>
+                          </a:solidFill>
+                        </a:rPr>
+                        <a:t>Do not Understand individuals Knowledge Gap and </a:t>
+                      </a:r>
+                      <a:r>
+                        <a:rPr lang="en-US" dirty="0" smtClean="0">
+                          <a:solidFill>
+                            <a:schemeClr val="tx1"/>
+                          </a:solidFill>
+                        </a:rPr>
+                        <a:t>Guide accordingly</a:t>
+                      </a:r>
+                      <a:endParaRPr lang="en-US" dirty="0" smtClean="0">
+                        <a:solidFill>
+                          <a:schemeClr val="tx1"/>
+                        </a:solidFill>
+                      </a:endParaRPr>
+                    </a:p>
+                  </a:txBody>
+                  <a:tcPr/>
+                </a:tc>
+                <a:tc>
+                  <a:txBody>
+                    <a:bodyPr/>
+                    <a:lstStyle/>
+                    <a:p>
+                      <a:pPr marL="352425" marR="0" indent="-352425" algn="l" defTabSz="914400" rtl="0" eaLnBrk="1" fontAlgn="auto" latinLnBrk="0" hangingPunct="1">
+                        <a:lnSpc>
+                          <a:spcPct val="100000"/>
+                        </a:lnSpc>
+                        <a:spcBef>
+                          <a:spcPts val="600"/>
+                        </a:spcBef>
+                        <a:spcAft>
+                          <a:spcPts val="0"/>
+                        </a:spcAft>
+                        <a:buClrTx/>
+                        <a:buSzTx/>
+                        <a:buFont typeface="+mj-lt"/>
+                        <a:buAutoNum type="arabicPeriod" startAt="4"/>
+                        <a:tabLst/>
+                        <a:defRPr/>
+                      </a:pPr>
+                      <a:r>
+                        <a:rPr lang="en-US" sz="2400" dirty="0" smtClean="0">
+                          <a:solidFill>
+                            <a:schemeClr val="tx1"/>
+                          </a:solidFill>
+                        </a:rPr>
+                        <a:t>One-on-One Guide</a:t>
+                      </a:r>
+                    </a:p>
+                    <a:p>
+                      <a:pPr marL="350838" lvl="1" indent="1588">
+                        <a:spcBef>
+                          <a:spcPts val="600"/>
+                        </a:spcBef>
+                        <a:spcAft>
+                          <a:spcPts val="600"/>
+                        </a:spcAft>
+                      </a:pPr>
+                      <a:r>
+                        <a:rPr lang="en-US" b="1" dirty="0" smtClean="0"/>
+                        <a:t>One Skill - One Mentor - One Student </a:t>
+                      </a:r>
+                      <a:r>
+                        <a:rPr lang="en-US" dirty="0" smtClean="0"/>
+                        <a:t>Mentoring Process</a:t>
+                      </a:r>
+                      <a:r>
+                        <a:rPr lang="en-US" baseline="0" dirty="0" smtClean="0"/>
+                        <a:t> due to limited intake of students</a:t>
+                      </a:r>
+                      <a:endParaRPr lang="en-US" dirty="0" smtClean="0">
+                        <a:solidFill>
+                          <a:schemeClr val="tx1"/>
+                        </a:solidFill>
+                      </a:endParaRPr>
+                    </a:p>
+                  </a:txBody>
+                  <a:tcPr/>
+                </a:tc>
+              </a:tr>
+            </a:tbl>
+          </a:graphicData>
+        </a:graphic>
+      </p:graphicFrame>
+      <p:pic>
+        <p:nvPicPr>
+          <p:cNvPr id="7" name="Picture 6"/>
+          <p:cNvPicPr>
+            <a:picLocks noChangeAspect="1"/>
+          </p:cNvPicPr>
+          <p:nvPr/>
+        </p:nvPicPr>
+        <p:blipFill>
+          <a:blip r:embed="rId2"/>
+          <a:stretch>
+            <a:fillRect/>
+          </a:stretch>
+        </p:blipFill>
+        <p:spPr>
+          <a:xfrm>
+            <a:off x="711106" y="2056864"/>
+            <a:ext cx="3412209" cy="718360"/>
+          </a:xfrm>
+          <a:prstGeom prst="rect">
+            <a:avLst/>
+          </a:prstGeom>
+        </p:spPr>
+      </p:pic>
+      <p:sp>
+        <p:nvSpPr>
+          <p:cNvPr id="8" name="Title 1"/>
+          <p:cNvSpPr txBox="1">
+            <a:spLocks/>
+          </p:cNvSpPr>
+          <p:nvPr/>
+        </p:nvSpPr>
+        <p:spPr>
+          <a:xfrm>
+            <a:off x="4675543" y="2912016"/>
+            <a:ext cx="3718345" cy="423389"/>
+          </a:xfrm>
+          <a:prstGeom prst="rect">
+            <a:avLst/>
+          </a:prstGeom>
+        </p:spPr>
+        <p:txBody>
+          <a:bodyPr vert="horz" lIns="91440" tIns="45720" rIns="91440" bIns="45720" rtlCol="0" anchor="ctr" anchorCtr="0">
+            <a:noAutofit/>
+          </a:bodyPr>
+          <a:lstStyle>
+            <a:lvl1pPr algn="ctr" defTabSz="914400" rtl="0" eaLnBrk="1" latinLnBrk="0" hangingPunct="1">
+              <a:spcBef>
+                <a:spcPct val="0"/>
+              </a:spcBef>
+              <a:buNone/>
+              <a:defRPr sz="4600" kern="1200">
+                <a:solidFill>
+                  <a:schemeClr val="accent1"/>
+                </a:solidFill>
+                <a:latin typeface="+mj-lt"/>
+                <a:ea typeface="+mj-ea"/>
+                <a:cs typeface="+mj-cs"/>
+              </a:defRPr>
+            </a:lvl1pPr>
+          </a:lstStyle>
+          <a:p>
+            <a:r>
+              <a:rPr lang="en-US" sz="2000" b="1" dirty="0">
+                <a:solidFill>
+                  <a:srgbClr val="FFFF00"/>
+                </a:solidFill>
+              </a:rPr>
+              <a:t>BridgeGap</a:t>
+            </a:r>
+            <a:r>
+              <a:rPr lang="en-US" sz="2000" b="1" dirty="0">
+                <a:solidFill>
+                  <a:schemeClr val="bg1"/>
+                </a:solidFill>
+              </a:rPr>
+              <a:t> Training </a:t>
+            </a:r>
+            <a:r>
+              <a:rPr lang="en-US" sz="2000" b="1" dirty="0" smtClean="0">
+                <a:solidFill>
+                  <a:schemeClr val="bg1"/>
+                </a:solidFill>
+              </a:rPr>
+              <a:t>Solution</a:t>
+            </a:r>
+            <a:endParaRPr lang="en-US" sz="2000" b="1" dirty="0">
+              <a:solidFill>
+                <a:schemeClr val="bg1"/>
+              </a:solidFill>
+            </a:endParaRPr>
+          </a:p>
+        </p:txBody>
+      </p:sp>
+      <p:pic>
+        <p:nvPicPr>
+          <p:cNvPr id="9" name="Picture 8"/>
+          <p:cNvPicPr>
+            <a:picLocks noChangeAspect="1"/>
+          </p:cNvPicPr>
+          <p:nvPr/>
+        </p:nvPicPr>
+        <p:blipFill>
+          <a:blip r:embed="rId3"/>
+          <a:stretch>
+            <a:fillRect/>
+          </a:stretch>
+        </p:blipFill>
+        <p:spPr>
+          <a:xfrm>
+            <a:off x="5079124" y="1880828"/>
+            <a:ext cx="2911670" cy="1031188"/>
+          </a:xfrm>
+          <a:prstGeom prst="rect">
+            <a:avLst/>
+          </a:prstGeom>
+        </p:spPr>
+      </p:pic>
+      <p:sp>
+        <p:nvSpPr>
+          <p:cNvPr id="10" name="Right Arrow 9"/>
+          <p:cNvSpPr/>
+          <p:nvPr/>
+        </p:nvSpPr>
+        <p:spPr>
+          <a:xfrm>
+            <a:off x="4190431" y="2017922"/>
+            <a:ext cx="822960" cy="822960"/>
+          </a:xfrm>
+          <a:prstGeom prst="rightArrow">
+            <a:avLst/>
+          </a:prstGeom>
+          <a:ln/>
+        </p:spPr>
+        <p:style>
+          <a:lnRef idx="1">
+            <a:schemeClr val="accent1"/>
+          </a:lnRef>
+          <a:fillRef idx="3">
+            <a:schemeClr val="accent1"/>
+          </a:fillRef>
+          <a:effectRef idx="2">
+            <a:schemeClr val="accent1"/>
+          </a:effectRef>
+          <a:fontRef idx="minor">
+            <a:schemeClr val="lt1"/>
+          </a:fontRef>
+        </p:style>
+        <p:txBody>
+          <a:bodyPr/>
+          <a:lstStyle/>
+          <a:p>
+            <a:endParaRPr lang="en-US" dirty="0"/>
+          </a:p>
+        </p:txBody>
+      </p:sp>
+      <p:sp>
+        <p:nvSpPr>
+          <p:cNvPr id="15" name="Title 4"/>
           <p:cNvSpPr>
             <a:spLocks noGrp="1"/>
           </p:cNvSpPr>
@@ -4355,7 +5756,37 @@
             <p:ph type="title"/>
           </p:nvPr>
         </p:nvSpPr>
-        <p:spPr/>
+        <p:spPr>
+          <a:xfrm>
+            <a:off x="549274" y="107576"/>
+            <a:ext cx="8042276" cy="1336956"/>
+          </a:xfrm>
+        </p:spPr>
+        <p:txBody>
+          <a:bodyPr/>
+          <a:lstStyle/>
+          <a:p>
+            <a:endParaRPr lang="en-US" dirty="0"/>
+          </a:p>
+        </p:txBody>
+      </p:sp>
+      <p:sp>
+        <p:nvSpPr>
+          <p:cNvPr id="16" name="Title 1"/>
+          <p:cNvSpPr txBox="1">
+            <a:spLocks/>
+          </p:cNvSpPr>
+          <p:nvPr/>
+        </p:nvSpPr>
+        <p:spPr>
+          <a:xfrm>
+            <a:off x="549276" y="107576"/>
+            <a:ext cx="6146384" cy="1336956"/>
+          </a:xfrm>
+          <a:prstGeom prst="rect">
+            <a:avLst/>
+          </a:prstGeom>
+        </p:spPr>
         <p:style>
           <a:lnRef idx="2">
             <a:schemeClr val="accent1">
@@ -4373,90 +5804,195 @@
           </a:fontRef>
         </p:style>
         <p:txBody>
-          <a:bodyPr anchor="ctr" anchorCtr="0"/>
-          <a:lstStyle/>
-          <a:p>
-            <a:r>
-              <a:rPr lang="en-US" dirty="0"/>
-              <a:t>How MakeTechEZ Training Programme </a:t>
+          <a:bodyPr vert="horz" lIns="91440" tIns="45720" rIns="91440" bIns="45720" rtlCol="0" anchor="ctr" anchorCtr="0">
+            <a:noAutofit/>
+          </a:bodyPr>
+          <a:lstStyle>
+            <a:lvl1pPr algn="ctr" defTabSz="914400" rtl="0" eaLnBrk="1" latinLnBrk="0" hangingPunct="1">
+              <a:spcBef>
+                <a:spcPct val="0"/>
+              </a:spcBef>
+              <a:buNone/>
+              <a:defRPr sz="4600" kern="1200">
+                <a:solidFill>
+                  <a:schemeClr val="lt1"/>
+                </a:solidFill>
+                <a:latin typeface="+mn-lt"/>
+                <a:ea typeface="+mn-ea"/>
+                <a:cs typeface="+mn-cs"/>
+              </a:defRPr>
+            </a:lvl1pPr>
+            <a:lvl2pPr>
+              <a:defRPr>
+                <a:solidFill>
+                  <a:schemeClr val="lt1"/>
+                </a:solidFill>
+                <a:latin typeface="+mn-lt"/>
+                <a:ea typeface="+mn-ea"/>
+                <a:cs typeface="+mn-cs"/>
+              </a:defRPr>
+            </a:lvl2pPr>
+            <a:lvl3pPr>
+              <a:defRPr>
+                <a:solidFill>
+                  <a:schemeClr val="lt1"/>
+                </a:solidFill>
+                <a:latin typeface="+mn-lt"/>
+                <a:ea typeface="+mn-ea"/>
+                <a:cs typeface="+mn-cs"/>
+              </a:defRPr>
+            </a:lvl3pPr>
+            <a:lvl4pPr>
+              <a:defRPr>
+                <a:solidFill>
+                  <a:schemeClr val="lt1"/>
+                </a:solidFill>
+                <a:latin typeface="+mn-lt"/>
+                <a:ea typeface="+mn-ea"/>
+                <a:cs typeface="+mn-cs"/>
+              </a:defRPr>
+            </a:lvl4pPr>
+            <a:lvl5pPr>
+              <a:defRPr>
+                <a:solidFill>
+                  <a:schemeClr val="lt1"/>
+                </a:solidFill>
+                <a:latin typeface="+mn-lt"/>
+                <a:ea typeface="+mn-ea"/>
+                <a:cs typeface="+mn-cs"/>
+              </a:defRPr>
+            </a:lvl5pPr>
+            <a:lvl6pPr>
+              <a:defRPr>
+                <a:solidFill>
+                  <a:schemeClr val="lt1"/>
+                </a:solidFill>
+                <a:latin typeface="+mn-lt"/>
+                <a:ea typeface="+mn-ea"/>
+                <a:cs typeface="+mn-cs"/>
+              </a:defRPr>
+            </a:lvl6pPr>
+            <a:lvl7pPr>
+              <a:defRPr>
+                <a:solidFill>
+                  <a:schemeClr val="lt1"/>
+                </a:solidFill>
+                <a:latin typeface="+mn-lt"/>
+                <a:ea typeface="+mn-ea"/>
+                <a:cs typeface="+mn-cs"/>
+              </a:defRPr>
+            </a:lvl7pPr>
+            <a:lvl8pPr>
+              <a:defRPr>
+                <a:solidFill>
+                  <a:schemeClr val="lt1"/>
+                </a:solidFill>
+                <a:latin typeface="+mn-lt"/>
+                <a:ea typeface="+mn-ea"/>
+                <a:cs typeface="+mn-cs"/>
+              </a:defRPr>
+            </a:lvl8pPr>
+            <a:lvl9pPr>
+              <a:defRPr>
+                <a:solidFill>
+                  <a:schemeClr val="lt1"/>
+                </a:solidFill>
+                <a:latin typeface="+mn-lt"/>
+                <a:ea typeface="+mn-ea"/>
+                <a:cs typeface="+mn-cs"/>
+              </a:defRPr>
+            </a:lvl9pPr>
+          </a:lstStyle>
+          <a:p>
+            <a:r>
+              <a:rPr lang="en-US" b="1" dirty="0" smtClean="0">
+                <a:ln w="12700">
+                  <a:solidFill>
+                    <a:schemeClr val="tx2">
+                      <a:satMod val="155000"/>
+                    </a:schemeClr>
+                  </a:solidFill>
+                  <a:prstDash val="solid"/>
+                </a:ln>
+                <a:solidFill>
+                  <a:srgbClr val="FFFF00"/>
+                </a:solidFill>
+                <a:effectLst>
+                  <a:outerShdw blurRad="41275" dist="20320" dir="1800000" algn="tl" rotWithShape="0">
+                    <a:srgbClr val="000000">
+                      <a:alpha val="40000"/>
+                    </a:srgbClr>
+                  </a:outerShdw>
+                </a:effectLst>
+              </a:rPr>
+              <a:t>BridgeGap</a:t>
+            </a:r>
+            <a:r>
+              <a:rPr lang="en-US" b="1" dirty="0" smtClean="0">
+                <a:ln w="12700">
+                  <a:solidFill>
+                    <a:schemeClr val="tx2">
+                      <a:satMod val="155000"/>
+                    </a:schemeClr>
+                  </a:solidFill>
+                  <a:prstDash val="solid"/>
+                </a:ln>
+                <a:solidFill>
+                  <a:schemeClr val="bg2">
+                    <a:tint val="85000"/>
+                    <a:satMod val="155000"/>
+                  </a:schemeClr>
+                </a:solidFill>
+                <a:effectLst>
+                  <a:outerShdw blurRad="41275" dist="20320" dir="1800000" algn="tl" rotWithShape="0">
+                    <a:srgbClr val="000000">
+                      <a:alpha val="40000"/>
+                    </a:srgbClr>
+                  </a:outerShdw>
+                </a:effectLst>
+              </a:rPr>
+              <a:t> </a:t>
             </a:r>
             <a:r>
               <a:rPr lang="en-US" dirty="0" smtClean="0"/>
-              <a:t>Works?</a:t>
+              <a:t>Training Solution Fills the </a:t>
+            </a:r>
+            <a:r>
+              <a:rPr lang="en-US" b="1" dirty="0" smtClean="0"/>
+              <a:t>Gap</a:t>
             </a:r>
             <a:endParaRPr lang="en-US" dirty="0"/>
           </a:p>
         </p:txBody>
       </p:sp>
-      <p:sp>
-        <p:nvSpPr>
-          <p:cNvPr id="3" name="Content Placeholder 2"/>
-          <p:cNvSpPr>
-            <a:spLocks noGrp="1"/>
-          </p:cNvSpPr>
-          <p:nvPr>
-            <p:ph idx="1"/>
-          </p:nvPr>
-        </p:nvSpPr>
-        <p:spPr>
-          <a:xfrm>
-            <a:off x="549275" y="1764115"/>
-            <a:ext cx="8042276" cy="4533777"/>
-          </a:xfrm>
-        </p:spPr>
-        <p:txBody>
-          <a:bodyPr>
-            <a:normAutofit/>
-          </a:bodyPr>
-          <a:lstStyle/>
-          <a:p>
-            <a:pPr>
-              <a:spcAft>
-                <a:spcPts val="1200"/>
-              </a:spcAft>
-            </a:pPr>
-            <a:r>
-              <a:rPr lang="en-US" b="1" dirty="0" smtClean="0"/>
-              <a:t>Content Delivery </a:t>
-            </a:r>
-            <a:r>
-              <a:rPr lang="en-US" dirty="0"/>
-              <a:t>– </a:t>
-            </a:r>
-          </a:p>
-          <a:p>
-            <a:pPr lvl="1"/>
-            <a:r>
-              <a:rPr lang="en-US" dirty="0"/>
-              <a:t>Online Training </a:t>
-            </a:r>
-            <a:r>
-              <a:rPr lang="en-US" dirty="0" smtClean="0"/>
-              <a:t>Content and Self Paced Study by Engineer</a:t>
-            </a:r>
-          </a:p>
-          <a:p>
-            <a:pPr lvl="1"/>
-            <a:r>
-              <a:rPr lang="en-US" dirty="0"/>
-              <a:t>Mentor and Engineer connect using Google Hangout or Skype One-on-One where-in Mentor can see the shared desktop of engineer, ask questions on concepts and give </a:t>
-            </a:r>
-            <a:r>
-              <a:rPr lang="en-US" dirty="0" smtClean="0"/>
-              <a:t>Practice Programs </a:t>
-            </a:r>
-            <a:r>
-              <a:rPr lang="en-US" dirty="0"/>
-              <a:t>from the pre-defined list</a:t>
-            </a:r>
-            <a:endParaRPr lang="en-US" dirty="0" smtClean="0"/>
-          </a:p>
-        </p:txBody>
-      </p:sp>
+      <p:pic>
+        <p:nvPicPr>
+          <p:cNvPr id="17" name="Picture 16"/>
+          <p:cNvPicPr>
+            <a:picLocks noChangeAspect="1"/>
+          </p:cNvPicPr>
+          <p:nvPr/>
+        </p:nvPicPr>
+        <p:blipFill>
+          <a:blip r:embed="rId4"/>
+          <a:stretch>
+            <a:fillRect/>
+          </a:stretch>
+        </p:blipFill>
+        <p:spPr>
+          <a:xfrm>
+            <a:off x="6734143" y="107576"/>
+            <a:ext cx="1857407" cy="1336956"/>
+          </a:xfrm>
+          <a:prstGeom prst="rect">
+            <a:avLst/>
+          </a:prstGeom>
+        </p:spPr>
+      </p:pic>
     </p:spTree>
     <p:extLst>
       <p:ext uri="{BB962C8B-B14F-4D97-AF65-F5344CB8AC3E}">
-        <p14:creationId xmlns:p14="http://schemas.microsoft.com/office/powerpoint/2010/main" val="4108502842"/>
+        <p14:creationId xmlns:p14="http://schemas.microsoft.com/office/powerpoint/2010/main" val="3246844111"/>
       </p:ext>
     </p:extLst>
   </p:cSld>
@@ -4490,9 +6026,427 @@
           <a:chExt cx="0" cy="0"/>
         </a:xfrm>
       </p:grpSpPr>
-      <p:sp>
-        <p:nvSpPr>
-          <p:cNvPr id="2" name="Title 1"/>
+      <p:graphicFrame>
+        <p:nvGraphicFramePr>
+          <p:cNvPr id="30" name="Table 29"/>
+          <p:cNvGraphicFramePr>
+            <a:graphicFrameLocks noGrp="1"/>
+          </p:cNvGraphicFramePr>
+          <p:nvPr>
+            <p:extLst>
+              <p:ext uri="{D42A27DB-BD31-4B8C-83A1-F6EECF244321}">
+                <p14:modId xmlns:p14="http://schemas.microsoft.com/office/powerpoint/2010/main" val="4286973347"/>
+              </p:ext>
+            </p:extLst>
+          </p:nvPr>
+        </p:nvGraphicFramePr>
+        <p:xfrm>
+          <a:off x="566914" y="1779760"/>
+          <a:ext cx="7971716" cy="4431742"/>
+        </p:xfrm>
+        <a:graphic>
+          <a:graphicData uri="http://schemas.openxmlformats.org/drawingml/2006/table">
+            <a:tbl>
+              <a:tblPr firstRow="1" bandRow="1">
+                <a:tableStyleId>{3C2FFA5D-87B4-456A-9821-1D502468CF0F}</a:tableStyleId>
+              </a:tblPr>
+              <a:tblGrid>
+                <a:gridCol w="3968450"/>
+                <a:gridCol w="4003266"/>
+              </a:tblGrid>
+              <a:tr h="1607342">
+                <a:tc>
+                  <a:txBody>
+                    <a:bodyPr/>
+                    <a:lstStyle/>
+                    <a:p>
+                      <a:endParaRPr lang="en-US" dirty="0"/>
+                    </a:p>
+                  </a:txBody>
+                  <a:tcPr/>
+                </a:tc>
+                <a:tc>
+                  <a:txBody>
+                    <a:bodyPr/>
+                    <a:lstStyle/>
+                    <a:p>
+                      <a:endParaRPr lang="en-US" dirty="0"/>
+                    </a:p>
+                  </a:txBody>
+                  <a:tcPr/>
+                </a:tc>
+              </a:tr>
+              <a:tr h="1428934">
+                <a:tc>
+                  <a:txBody>
+                    <a:bodyPr/>
+                    <a:lstStyle/>
+                    <a:p>
+                      <a:pPr marL="352425" indent="-352425">
+                        <a:spcBef>
+                          <a:spcPts val="600"/>
+                        </a:spcBef>
+                        <a:buFont typeface="+mj-lt"/>
+                        <a:buAutoNum type="arabicPeriod" startAt="5"/>
+                      </a:pPr>
+                      <a:r>
+                        <a:rPr lang="en-US" sz="2400" dirty="0" smtClean="0">
+                          <a:solidFill>
+                            <a:srgbClr val="FFFFFF"/>
+                          </a:solidFill>
+                        </a:rPr>
+                        <a:t>Hands-on Training</a:t>
+                      </a:r>
+                    </a:p>
+                    <a:p>
+                      <a:pPr marL="350838" lvl="1" indent="1588">
+                        <a:spcBef>
+                          <a:spcPts val="600"/>
+                        </a:spcBef>
+                        <a:spcAft>
+                          <a:spcPts val="600"/>
+                        </a:spcAft>
+                      </a:pPr>
+                      <a:r>
+                        <a:rPr lang="en-US" dirty="0" smtClean="0">
+                          <a:solidFill>
+                            <a:srgbClr val="FFFFFF"/>
+                          </a:solidFill>
+                        </a:rPr>
+                        <a:t>Practically No Hands-on</a:t>
+                      </a:r>
+                      <a:r>
+                        <a:rPr lang="en-US" baseline="0" dirty="0" smtClean="0">
+                          <a:solidFill>
+                            <a:srgbClr val="FFFFFF"/>
+                          </a:solidFill>
+                        </a:rPr>
+                        <a:t> </a:t>
+                      </a:r>
+                      <a:r>
+                        <a:rPr lang="en-US" dirty="0" smtClean="0">
+                          <a:solidFill>
+                            <a:srgbClr val="FFFFFF"/>
+                          </a:solidFill>
+                        </a:rPr>
+                        <a:t>Training and Verification </a:t>
+                      </a:r>
+                      <a:endParaRPr lang="en-US" dirty="0">
+                        <a:solidFill>
+                          <a:srgbClr val="FFFFFF"/>
+                        </a:solidFill>
+                      </a:endParaRPr>
+                    </a:p>
+                  </a:txBody>
+                  <a:tcPr/>
+                </a:tc>
+                <a:tc>
+                  <a:txBody>
+                    <a:bodyPr/>
+                    <a:lstStyle/>
+                    <a:p>
+                      <a:pPr marL="352425" indent="-352425">
+                        <a:spcBef>
+                          <a:spcPts val="600"/>
+                        </a:spcBef>
+                        <a:buFont typeface="+mj-lt"/>
+                        <a:buAutoNum type="arabicPeriod" startAt="5"/>
+                      </a:pPr>
+                      <a:r>
+                        <a:rPr lang="en-US" sz="2400" dirty="0" smtClean="0">
+                          <a:solidFill>
+                            <a:srgbClr val="FFFFFF"/>
+                          </a:solidFill>
+                        </a:rPr>
+                        <a:t>Hands-on Training</a:t>
+                      </a:r>
+                    </a:p>
+                    <a:p>
+                      <a:pPr marL="350838" lvl="1" indent="1588">
+                        <a:spcBef>
+                          <a:spcPts val="600"/>
+                        </a:spcBef>
+                        <a:spcAft>
+                          <a:spcPts val="600"/>
+                        </a:spcAft>
+                      </a:pPr>
+                      <a:r>
+                        <a:rPr lang="en-US" baseline="0" dirty="0" smtClean="0">
+                          <a:solidFill>
+                            <a:srgbClr val="FFFFFF"/>
+                          </a:solidFill>
+                        </a:rPr>
+                        <a:t>After Every Step students write Practice Programs verified by the Industry Experts</a:t>
+                      </a:r>
+                      <a:endParaRPr lang="en-US" dirty="0" smtClean="0">
+                        <a:solidFill>
+                          <a:srgbClr val="FFFFFF"/>
+                        </a:solidFill>
+                      </a:endParaRPr>
+                    </a:p>
+                  </a:txBody>
+                  <a:tcPr/>
+                </a:tc>
+              </a:tr>
+              <a:tr h="1395466">
+                <a:tc>
+                  <a:txBody>
+                    <a:bodyPr/>
+                    <a:lstStyle/>
+                    <a:p>
+                      <a:pPr marL="352425" indent="-352425">
+                        <a:spcBef>
+                          <a:spcPts val="600"/>
+                        </a:spcBef>
+                        <a:buFont typeface="+mj-lt"/>
+                        <a:buAutoNum type="arabicPeriod" startAt="6"/>
+                      </a:pPr>
+                      <a:r>
+                        <a:rPr lang="en-US" sz="2400" dirty="0" smtClean="0">
+                          <a:solidFill>
+                            <a:schemeClr val="tx1"/>
+                          </a:solidFill>
+                        </a:rPr>
+                        <a:t>Problem Solving Skills</a:t>
+                      </a:r>
+                    </a:p>
+                    <a:p>
+                      <a:pPr marL="350838" lvl="1" indent="1588">
+                        <a:spcBef>
+                          <a:spcPts val="600"/>
+                        </a:spcBef>
+                        <a:spcAft>
+                          <a:spcPts val="600"/>
+                        </a:spcAft>
+                      </a:pPr>
+                      <a:r>
+                        <a:rPr lang="en-US" dirty="0" smtClean="0">
+                          <a:solidFill>
+                            <a:schemeClr val="tx1"/>
+                          </a:solidFill>
+                        </a:rPr>
+                        <a:t>Do not have skillset to search Internet and gather information</a:t>
+                      </a:r>
+                    </a:p>
+                  </a:txBody>
+                  <a:tcPr/>
+                </a:tc>
+                <a:tc>
+                  <a:txBody>
+                    <a:bodyPr/>
+                    <a:lstStyle/>
+                    <a:p>
+                      <a:pPr marL="352425" marR="0" indent="-352425" algn="l" defTabSz="914400" rtl="0" eaLnBrk="1" fontAlgn="auto" latinLnBrk="0" hangingPunct="1">
+                        <a:lnSpc>
+                          <a:spcPct val="100000"/>
+                        </a:lnSpc>
+                        <a:spcBef>
+                          <a:spcPts val="600"/>
+                        </a:spcBef>
+                        <a:spcAft>
+                          <a:spcPts val="0"/>
+                        </a:spcAft>
+                        <a:buClrTx/>
+                        <a:buSzTx/>
+                        <a:buFont typeface="+mj-lt"/>
+                        <a:buAutoNum type="arabicPeriod" startAt="6"/>
+                        <a:tabLst/>
+                        <a:defRPr/>
+                      </a:pPr>
+                      <a:r>
+                        <a:rPr lang="en-US" sz="2400" dirty="0" smtClean="0">
+                          <a:solidFill>
+                            <a:schemeClr val="tx1"/>
+                          </a:solidFill>
+                        </a:rPr>
+                        <a:t>Problem Solving Skills</a:t>
+                      </a:r>
+                    </a:p>
+                    <a:p>
+                      <a:pPr marL="350838" lvl="1" indent="1588">
+                        <a:spcBef>
+                          <a:spcPts val="600"/>
+                        </a:spcBef>
+                        <a:spcAft>
+                          <a:spcPts val="600"/>
+                        </a:spcAft>
+                      </a:pPr>
+                      <a:r>
+                        <a:rPr lang="en-US" dirty="0" smtClean="0">
+                          <a:solidFill>
+                            <a:schemeClr val="tx1"/>
+                          </a:solidFill>
+                        </a:rPr>
+                        <a:t>Ongoing Mentoring to reach out to internet to solve Practice Programs given during training</a:t>
+                      </a:r>
+                    </a:p>
+                  </a:txBody>
+                  <a:tcPr/>
+                </a:tc>
+              </a:tr>
+            </a:tbl>
+          </a:graphicData>
+        </a:graphic>
+      </p:graphicFrame>
+      <p:pic>
+        <p:nvPicPr>
+          <p:cNvPr id="7" name="Picture 6"/>
+          <p:cNvPicPr>
+            <a:picLocks noChangeAspect="1"/>
+          </p:cNvPicPr>
+          <p:nvPr/>
+        </p:nvPicPr>
+        <p:blipFill>
+          <a:blip r:embed="rId2"/>
+          <a:stretch>
+            <a:fillRect/>
+          </a:stretch>
+        </p:blipFill>
+        <p:spPr>
+          <a:xfrm>
+            <a:off x="711106" y="2056864"/>
+            <a:ext cx="3412209" cy="718360"/>
+          </a:xfrm>
+          <a:prstGeom prst="rect">
+            <a:avLst/>
+          </a:prstGeom>
+        </p:spPr>
+      </p:pic>
+      <p:sp>
+        <p:nvSpPr>
+          <p:cNvPr id="8" name="Title 1"/>
+          <p:cNvSpPr txBox="1">
+            <a:spLocks/>
+          </p:cNvSpPr>
+          <p:nvPr/>
+        </p:nvSpPr>
+        <p:spPr>
+          <a:xfrm>
+            <a:off x="4675543" y="2912016"/>
+            <a:ext cx="3718345" cy="423389"/>
+          </a:xfrm>
+          <a:prstGeom prst="rect">
+            <a:avLst/>
+          </a:prstGeom>
+        </p:spPr>
+        <p:txBody>
+          <a:bodyPr vert="horz" lIns="91440" tIns="45720" rIns="91440" bIns="45720" rtlCol="0" anchor="ctr" anchorCtr="0">
+            <a:noAutofit/>
+          </a:bodyPr>
+          <a:lstStyle>
+            <a:lvl1pPr algn="ctr" defTabSz="914400" rtl="0" eaLnBrk="1" latinLnBrk="0" hangingPunct="1">
+              <a:spcBef>
+                <a:spcPct val="0"/>
+              </a:spcBef>
+              <a:buNone/>
+              <a:defRPr sz="4600" kern="1200">
+                <a:solidFill>
+                  <a:schemeClr val="accent1"/>
+                </a:solidFill>
+                <a:latin typeface="+mj-lt"/>
+                <a:ea typeface="+mj-ea"/>
+                <a:cs typeface="+mj-cs"/>
+              </a:defRPr>
+            </a:lvl1pPr>
+          </a:lstStyle>
+          <a:p>
+            <a:r>
+              <a:rPr lang="en-US" sz="2000" b="1" dirty="0">
+                <a:solidFill>
+                  <a:srgbClr val="FFFF00"/>
+                </a:solidFill>
+              </a:rPr>
+              <a:t>BridgeGap</a:t>
+            </a:r>
+            <a:r>
+              <a:rPr lang="en-US" sz="2000" b="1" dirty="0">
+                <a:solidFill>
+                  <a:schemeClr val="bg1"/>
+                </a:solidFill>
+              </a:rPr>
+              <a:t> Training </a:t>
+            </a:r>
+            <a:r>
+              <a:rPr lang="en-US" sz="2000" b="1" dirty="0" smtClean="0">
+                <a:solidFill>
+                  <a:schemeClr val="bg1"/>
+                </a:solidFill>
+              </a:rPr>
+              <a:t>Solution</a:t>
+            </a:r>
+            <a:endParaRPr lang="en-US" sz="2000" b="1" dirty="0">
+              <a:solidFill>
+                <a:schemeClr val="bg1"/>
+              </a:solidFill>
+            </a:endParaRPr>
+          </a:p>
+        </p:txBody>
+      </p:sp>
+      <p:pic>
+        <p:nvPicPr>
+          <p:cNvPr id="9" name="Picture 8"/>
+          <p:cNvPicPr>
+            <a:picLocks noChangeAspect="1"/>
+          </p:cNvPicPr>
+          <p:nvPr/>
+        </p:nvPicPr>
+        <p:blipFill>
+          <a:blip r:embed="rId3"/>
+          <a:stretch>
+            <a:fillRect/>
+          </a:stretch>
+        </p:blipFill>
+        <p:spPr>
+          <a:xfrm>
+            <a:off x="5079124" y="1880828"/>
+            <a:ext cx="2911670" cy="1031188"/>
+          </a:xfrm>
+          <a:prstGeom prst="rect">
+            <a:avLst/>
+          </a:prstGeom>
+        </p:spPr>
+      </p:pic>
+      <p:sp>
+        <p:nvSpPr>
+          <p:cNvPr id="10" name="Right Arrow 9"/>
+          <p:cNvSpPr/>
+          <p:nvPr/>
+        </p:nvSpPr>
+        <p:spPr>
+          <a:xfrm>
+            <a:off x="4190431" y="2017922"/>
+            <a:ext cx="822960" cy="822960"/>
+          </a:xfrm>
+          <a:prstGeom prst="rightArrow">
+            <a:avLst/>
+          </a:prstGeom>
+          <a:ln/>
+        </p:spPr>
+        <p:style>
+          <a:lnRef idx="1">
+            <a:schemeClr val="accent1"/>
+          </a:lnRef>
+          <a:fillRef idx="3">
+            <a:schemeClr val="accent1"/>
+          </a:fillRef>
+          <a:effectRef idx="2">
+            <a:schemeClr val="accent1"/>
+          </a:effectRef>
+          <a:fontRef idx="minor">
+            <a:schemeClr val="lt1"/>
+          </a:fontRef>
+        </p:style>
+        <p:txBody>
+          <a:bodyPr/>
+          <a:lstStyle/>
+          <a:p>
+            <a:endParaRPr lang="en-US" dirty="0"/>
+          </a:p>
+        </p:txBody>
+      </p:sp>
+      <p:sp>
+        <p:nvSpPr>
+          <p:cNvPr id="14" name="Title 4"/>
           <p:cNvSpPr>
             <a:spLocks noGrp="1"/>
           </p:cNvSpPr>
@@ -4500,7 +6454,37 @@
             <p:ph type="title"/>
           </p:nvPr>
         </p:nvSpPr>
-        <p:spPr/>
+        <p:spPr>
+          <a:xfrm>
+            <a:off x="549274" y="107576"/>
+            <a:ext cx="8042276" cy="1336956"/>
+          </a:xfrm>
+        </p:spPr>
+        <p:txBody>
+          <a:bodyPr/>
+          <a:lstStyle/>
+          <a:p>
+            <a:endParaRPr lang="en-US" dirty="0"/>
+          </a:p>
+        </p:txBody>
+      </p:sp>
+      <p:sp>
+        <p:nvSpPr>
+          <p:cNvPr id="15" name="Title 1"/>
+          <p:cNvSpPr txBox="1">
+            <a:spLocks/>
+          </p:cNvSpPr>
+          <p:nvPr/>
+        </p:nvSpPr>
+        <p:spPr>
+          <a:xfrm>
+            <a:off x="549276" y="107576"/>
+            <a:ext cx="6146384" cy="1336956"/>
+          </a:xfrm>
+          <a:prstGeom prst="rect">
+            <a:avLst/>
+          </a:prstGeom>
+        </p:spPr>
         <p:style>
           <a:lnRef idx="2">
             <a:schemeClr val="accent1">
@@ -4518,101 +6502,195 @@
           </a:fontRef>
         </p:style>
         <p:txBody>
-          <a:bodyPr anchor="ctr" anchorCtr="0"/>
-          <a:lstStyle/>
-          <a:p>
+          <a:bodyPr vert="horz" lIns="91440" tIns="45720" rIns="91440" bIns="45720" rtlCol="0" anchor="ctr" anchorCtr="0">
+            <a:noAutofit/>
+          </a:bodyPr>
+          <a:lstStyle>
+            <a:lvl1pPr algn="ctr" defTabSz="914400" rtl="0" eaLnBrk="1" latinLnBrk="0" hangingPunct="1">
+              <a:spcBef>
+                <a:spcPct val="0"/>
+              </a:spcBef>
+              <a:buNone/>
+              <a:defRPr sz="4600" kern="1200">
+                <a:solidFill>
+                  <a:schemeClr val="lt1"/>
+                </a:solidFill>
+                <a:latin typeface="+mn-lt"/>
+                <a:ea typeface="+mn-ea"/>
+                <a:cs typeface="+mn-cs"/>
+              </a:defRPr>
+            </a:lvl1pPr>
+            <a:lvl2pPr>
+              <a:defRPr>
+                <a:solidFill>
+                  <a:schemeClr val="lt1"/>
+                </a:solidFill>
+                <a:latin typeface="+mn-lt"/>
+                <a:ea typeface="+mn-ea"/>
+                <a:cs typeface="+mn-cs"/>
+              </a:defRPr>
+            </a:lvl2pPr>
+            <a:lvl3pPr>
+              <a:defRPr>
+                <a:solidFill>
+                  <a:schemeClr val="lt1"/>
+                </a:solidFill>
+                <a:latin typeface="+mn-lt"/>
+                <a:ea typeface="+mn-ea"/>
+                <a:cs typeface="+mn-cs"/>
+              </a:defRPr>
+            </a:lvl3pPr>
+            <a:lvl4pPr>
+              <a:defRPr>
+                <a:solidFill>
+                  <a:schemeClr val="lt1"/>
+                </a:solidFill>
+                <a:latin typeface="+mn-lt"/>
+                <a:ea typeface="+mn-ea"/>
+                <a:cs typeface="+mn-cs"/>
+              </a:defRPr>
+            </a:lvl4pPr>
+            <a:lvl5pPr>
+              <a:defRPr>
+                <a:solidFill>
+                  <a:schemeClr val="lt1"/>
+                </a:solidFill>
+                <a:latin typeface="+mn-lt"/>
+                <a:ea typeface="+mn-ea"/>
+                <a:cs typeface="+mn-cs"/>
+              </a:defRPr>
+            </a:lvl5pPr>
+            <a:lvl6pPr>
+              <a:defRPr>
+                <a:solidFill>
+                  <a:schemeClr val="lt1"/>
+                </a:solidFill>
+                <a:latin typeface="+mn-lt"/>
+                <a:ea typeface="+mn-ea"/>
+                <a:cs typeface="+mn-cs"/>
+              </a:defRPr>
+            </a:lvl6pPr>
+            <a:lvl7pPr>
+              <a:defRPr>
+                <a:solidFill>
+                  <a:schemeClr val="lt1"/>
+                </a:solidFill>
+                <a:latin typeface="+mn-lt"/>
+                <a:ea typeface="+mn-ea"/>
+                <a:cs typeface="+mn-cs"/>
+              </a:defRPr>
+            </a:lvl7pPr>
+            <a:lvl8pPr>
+              <a:defRPr>
+                <a:solidFill>
+                  <a:schemeClr val="lt1"/>
+                </a:solidFill>
+                <a:latin typeface="+mn-lt"/>
+                <a:ea typeface="+mn-ea"/>
+                <a:cs typeface="+mn-cs"/>
+              </a:defRPr>
+            </a:lvl8pPr>
+            <a:lvl9pPr>
+              <a:defRPr>
+                <a:solidFill>
+                  <a:schemeClr val="lt1"/>
+                </a:solidFill>
+                <a:latin typeface="+mn-lt"/>
+                <a:ea typeface="+mn-ea"/>
+                <a:cs typeface="+mn-cs"/>
+              </a:defRPr>
+            </a:lvl9pPr>
+          </a:lstStyle>
+          <a:p>
+            <a:r>
+              <a:rPr lang="en-US" b="1" dirty="0" smtClean="0">
+                <a:ln w="12700">
+                  <a:solidFill>
+                    <a:schemeClr val="tx2">
+                      <a:satMod val="155000"/>
+                    </a:schemeClr>
+                  </a:solidFill>
+                  <a:prstDash val="solid"/>
+                </a:ln>
+                <a:solidFill>
+                  <a:srgbClr val="FFFF00"/>
+                </a:solidFill>
+                <a:effectLst>
+                  <a:outerShdw blurRad="41275" dist="20320" dir="1800000" algn="tl" rotWithShape="0">
+                    <a:srgbClr val="000000">
+                      <a:alpha val="40000"/>
+                    </a:srgbClr>
+                  </a:outerShdw>
+                </a:effectLst>
+              </a:rPr>
+              <a:t>BridgeGap</a:t>
+            </a:r>
+            <a:r>
+              <a:rPr lang="en-US" b="1" dirty="0" smtClean="0">
+                <a:ln w="12700">
+                  <a:solidFill>
+                    <a:schemeClr val="tx2">
+                      <a:satMod val="155000"/>
+                    </a:schemeClr>
+                  </a:solidFill>
+                  <a:prstDash val="solid"/>
+                </a:ln>
+                <a:solidFill>
+                  <a:schemeClr val="bg2">
+                    <a:tint val="85000"/>
+                    <a:satMod val="155000"/>
+                  </a:schemeClr>
+                </a:solidFill>
+                <a:effectLst>
+                  <a:outerShdw blurRad="41275" dist="20320" dir="1800000" algn="tl" rotWithShape="0">
+                    <a:srgbClr val="000000">
+                      <a:alpha val="40000"/>
+                    </a:srgbClr>
+                  </a:outerShdw>
+                </a:effectLst>
+              </a:rPr>
+              <a:t> </a:t>
+            </a:r>
             <a:r>
               <a:rPr lang="en-US" dirty="0" smtClean="0"/>
-              <a:t>How MakeTechEz Training Programme is different</a:t>
-            </a:r>
-            <a:r>
-              <a:rPr lang="en-US" dirty="0"/>
-              <a:t>?</a:t>
-            </a:r>
-          </a:p>
-        </p:txBody>
-      </p:sp>
-      <p:sp>
-        <p:nvSpPr>
-          <p:cNvPr id="3" name="Content Placeholder 2"/>
-          <p:cNvSpPr>
-            <a:spLocks noGrp="1"/>
-          </p:cNvSpPr>
-          <p:nvPr>
-            <p:ph idx="1"/>
-          </p:nvPr>
-        </p:nvSpPr>
-        <p:spPr>
-          <a:xfrm>
-            <a:off x="549275" y="1758970"/>
-            <a:ext cx="8042276" cy="4397793"/>
-          </a:xfrm>
-        </p:spPr>
-        <p:txBody>
-          <a:bodyPr anchor="ctr" anchorCtr="0">
-            <a:normAutofit/>
-          </a:bodyPr>
-          <a:lstStyle/>
-          <a:p>
-            <a:r>
-              <a:rPr lang="en-US" sz="2600" dirty="0"/>
-              <a:t>Its </a:t>
-            </a:r>
-            <a:r>
-              <a:rPr lang="en-US" sz="2600" b="1" dirty="0"/>
-              <a:t>One Skill - One Mentor - One Student </a:t>
-            </a:r>
-            <a:r>
-              <a:rPr lang="en-US" sz="2600" dirty="0"/>
-              <a:t>Training </a:t>
-            </a:r>
-            <a:r>
-              <a:rPr lang="en-US" sz="2600" dirty="0" smtClean="0"/>
-              <a:t>Programme</a:t>
-            </a:r>
-          </a:p>
-          <a:p>
-            <a:r>
-              <a:rPr lang="en-US" sz="2600" dirty="0"/>
-              <a:t>Completely Streamlined </a:t>
-            </a:r>
-            <a:r>
-              <a:rPr lang="en-US" sz="2600" b="1" dirty="0"/>
-              <a:t>Online Platform </a:t>
-            </a:r>
-            <a:r>
-              <a:rPr lang="en-US" sz="2600" dirty="0"/>
-              <a:t>and Not Classroom </a:t>
-            </a:r>
-            <a:r>
-              <a:rPr lang="en-US" sz="2600" dirty="0" smtClean="0"/>
-              <a:t>Based</a:t>
-            </a:r>
-          </a:p>
-          <a:p>
-            <a:r>
-              <a:rPr lang="en-US" sz="2600" dirty="0"/>
-              <a:t>Lot of </a:t>
-            </a:r>
-            <a:r>
-              <a:rPr lang="en-US" sz="2600" b="1" dirty="0"/>
-              <a:t>Lab Work </a:t>
-            </a:r>
-            <a:r>
-              <a:rPr lang="en-US" sz="2600" dirty="0"/>
-              <a:t>and Programming and less of </a:t>
-            </a:r>
-            <a:r>
-              <a:rPr lang="en-US" sz="2600" dirty="0" smtClean="0"/>
-              <a:t>theory</a:t>
-            </a:r>
-          </a:p>
-        </p:txBody>
-      </p:sp>
+              <a:t>Training Solution Fills the </a:t>
+            </a:r>
+            <a:r>
+              <a:rPr lang="en-US" b="1" dirty="0" smtClean="0"/>
+              <a:t>Gap</a:t>
+            </a:r>
+            <a:endParaRPr lang="en-US" dirty="0"/>
+          </a:p>
+        </p:txBody>
+      </p:sp>
+      <p:pic>
+        <p:nvPicPr>
+          <p:cNvPr id="16" name="Picture 15"/>
+          <p:cNvPicPr>
+            <a:picLocks noChangeAspect="1"/>
+          </p:cNvPicPr>
+          <p:nvPr/>
+        </p:nvPicPr>
+        <p:blipFill>
+          <a:blip r:embed="rId4"/>
+          <a:stretch>
+            <a:fillRect/>
+          </a:stretch>
+        </p:blipFill>
+        <p:spPr>
+          <a:xfrm>
+            <a:off x="6734143" y="107576"/>
+            <a:ext cx="1857407" cy="1336956"/>
+          </a:xfrm>
+          <a:prstGeom prst="rect">
+            <a:avLst/>
+          </a:prstGeom>
+        </p:spPr>
+      </p:pic>
     </p:spTree>
     <p:extLst>
       <p:ext uri="{BB962C8B-B14F-4D97-AF65-F5344CB8AC3E}">
-        <p14:creationId xmlns:p14="http://schemas.microsoft.com/office/powerpoint/2010/main" val="3825490614"/>
+        <p14:creationId xmlns:p14="http://schemas.microsoft.com/office/powerpoint/2010/main" val="3046584657"/>
       </p:ext>
     </p:extLst>
   </p:cSld>
@@ -4656,7 +6734,12 @@
             <p:ph type="title"/>
           </p:nvPr>
         </p:nvSpPr>
-        <p:spPr/>
+        <p:spPr>
+          <a:xfrm>
+            <a:off x="1968499" y="107576"/>
+            <a:ext cx="6623051" cy="1336956"/>
+          </a:xfrm>
+        </p:spPr>
         <p:style>
           <a:lnRef idx="2">
             <a:schemeClr val="accent1">
@@ -4678,13 +6761,63 @@
           <a:lstStyle/>
           <a:p>
             <a:r>
+              <a:rPr lang="en-US" b="1" dirty="0" smtClean="0"/>
+              <a:t>What is </a:t>
+            </a:r>
+            <a:r>
+              <a:rPr lang="en-US" b="1" dirty="0" smtClean="0">
+                <a:ln w="12700">
+                  <a:solidFill>
+                    <a:schemeClr val="tx2">
+                      <a:satMod val="155000"/>
+                    </a:schemeClr>
+                  </a:solidFill>
+                  <a:prstDash val="solid"/>
+                </a:ln>
+                <a:solidFill>
+                  <a:srgbClr val="FFFF00"/>
+                </a:solidFill>
+                <a:effectLst>
+                  <a:outerShdw blurRad="41275" dist="20320" dir="1800000" algn="tl" rotWithShape="0">
+                    <a:srgbClr val="000000">
+                      <a:alpha val="40000"/>
+                    </a:srgbClr>
+                  </a:outerShdw>
+                </a:effectLst>
+              </a:rPr>
+              <a:t>BridgeGap</a:t>
+            </a:r>
+            <a:r>
+              <a:rPr lang="en-US" b="1" dirty="0" smtClean="0">
+                <a:ln w="12700">
+                  <a:solidFill>
+                    <a:schemeClr val="tx2">
+                      <a:satMod val="155000"/>
+                    </a:schemeClr>
+                  </a:solidFill>
+                  <a:prstDash val="solid"/>
+                </a:ln>
+                <a:solidFill>
+                  <a:schemeClr val="bg2">
+                    <a:tint val="85000"/>
+                    <a:satMod val="155000"/>
+                  </a:schemeClr>
+                </a:solidFill>
+                <a:effectLst>
+                  <a:outerShdw blurRad="41275" dist="20320" dir="1800000" algn="tl" rotWithShape="0">
+                    <a:srgbClr val="000000">
+                      <a:alpha val="40000"/>
+                    </a:srgbClr>
+                  </a:outerShdw>
+                </a:effectLst>
+              </a:rPr>
+              <a:t> </a:t>
+            </a:r>
+            <a:r>
               <a:rPr lang="en-US" dirty="0" smtClean="0"/>
-              <a:t>How MakeTechEz Training Programme is different</a:t>
-            </a:r>
-            <a:r>
-              <a:rPr lang="en-US" dirty="0"/>
-              <a:t>?</a:t>
-            </a:r>
+              <a:t>Training Solution?</a:t>
+            </a:r>
+            <a:endParaRPr lang="en-US" dirty="0"/>
           </a:p>
         </p:txBody>
       </p:sp>
@@ -4700,80 +6833,374 @@
         </p:nvSpPr>
         <p:spPr>
           <a:xfrm>
-            <a:off x="549275" y="1776611"/>
-            <a:ext cx="8042276" cy="4397793"/>
+            <a:off x="626235" y="3483125"/>
+            <a:ext cx="8042276" cy="2751860"/>
           </a:xfrm>
         </p:spPr>
         <p:txBody>
           <a:bodyPr anchor="ctr" anchorCtr="0">
-            <a:normAutofit/>
+            <a:noAutofit/>
           </a:bodyPr>
           <a:lstStyle/>
           <a:p>
-            <a:r>
-              <a:rPr lang="en-US" sz="2600" dirty="0" smtClean="0"/>
-              <a:t>Easily </a:t>
-            </a:r>
-            <a:r>
-              <a:rPr lang="en-US" sz="2600" b="1" dirty="0"/>
-              <a:t>reachable</a:t>
-            </a:r>
-            <a:r>
-              <a:rPr lang="en-US" sz="2600" dirty="0"/>
-              <a:t> </a:t>
-            </a:r>
-            <a:r>
-              <a:rPr lang="en-US" sz="2600" b="1" dirty="0"/>
-              <a:t>and available</a:t>
-            </a:r>
-            <a:r>
-              <a:rPr lang="en-US" sz="2600" dirty="0"/>
-              <a:t> to wide range engineers from different </a:t>
-            </a:r>
-            <a:r>
-              <a:rPr lang="en-US" sz="2600" dirty="0" smtClean="0"/>
-              <a:t>locations</a:t>
-            </a:r>
-          </a:p>
-          <a:p>
-            <a:r>
-              <a:rPr lang="en-US" sz="2600" b="1" dirty="0"/>
-              <a:t>Skilled Mentors </a:t>
-            </a:r>
-            <a:r>
-              <a:rPr lang="en-US" sz="2600" dirty="0"/>
-              <a:t>from industry will be available unlike in training </a:t>
-            </a:r>
-            <a:r>
-              <a:rPr lang="en-US" sz="2600" dirty="0" smtClean="0"/>
-              <a:t>institutes</a:t>
-            </a:r>
-          </a:p>
-          <a:p>
-            <a:r>
-              <a:rPr lang="en-US" sz="2600" b="1" dirty="0" smtClean="0"/>
-              <a:t>Real-time </a:t>
-            </a:r>
-            <a:r>
-              <a:rPr lang="en-US" sz="2600" b="1" dirty="0"/>
-              <a:t>use of technology </a:t>
-            </a:r>
-            <a:r>
-              <a:rPr lang="en-US" sz="2600" dirty="0"/>
-              <a:t>and concepts will be delivered unlike Bookish Knowledge however </a:t>
-            </a:r>
-            <a:r>
-              <a:rPr lang="en-US" sz="2600" dirty="0" smtClean="0"/>
-              <a:t>updated</a:t>
-            </a:r>
-            <a:endParaRPr lang="en-US" sz="2600" dirty="0"/>
+            <a:pPr algn="just"/>
+            <a:r>
+              <a:rPr lang="en-US" dirty="0" smtClean="0"/>
+              <a:t>BridgeGap Training Solution is a Skill Gap Enhancement Programme for Fresh Engineers opting for IT Jobs. </a:t>
+            </a:r>
+          </a:p>
+          <a:p>
+            <a:pPr algn="just"/>
+            <a:r>
+              <a:rPr lang="en-US" dirty="0" smtClean="0"/>
+              <a:t>BridgeGap provides Training Programme on Latest Technologies </a:t>
+            </a:r>
+            <a:r>
+              <a:rPr lang="en-US" dirty="0"/>
+              <a:t>ranging from </a:t>
+            </a:r>
+            <a:r>
+              <a:rPr lang="en-US" dirty="0" smtClean="0"/>
+              <a:t>Core Programming </a:t>
+            </a:r>
+            <a:r>
+              <a:rPr lang="en-US" dirty="0"/>
+              <a:t>Languages </a:t>
+            </a:r>
+            <a:r>
+              <a:rPr lang="en-US" dirty="0" smtClean="0"/>
+              <a:t>to </a:t>
+            </a:r>
+            <a:r>
+              <a:rPr lang="en-US" dirty="0"/>
+              <a:t>Mobile Programming to Web and Server Programming. </a:t>
+            </a:r>
+            <a:endParaRPr lang="en-US" dirty="0" smtClean="0"/>
+          </a:p>
+        </p:txBody>
+      </p:sp>
+      <p:pic>
+        <p:nvPicPr>
+          <p:cNvPr id="8" name="Picture 7"/>
+          <p:cNvPicPr>
+            <a:picLocks noChangeAspect="1"/>
+          </p:cNvPicPr>
+          <p:nvPr/>
+        </p:nvPicPr>
+        <p:blipFill>
+          <a:blip r:embed="rId2"/>
+          <a:stretch>
+            <a:fillRect/>
+          </a:stretch>
+        </p:blipFill>
+        <p:spPr>
+          <a:xfrm>
+            <a:off x="533399" y="107576"/>
+            <a:ext cx="1407089" cy="1403034"/>
+          </a:xfrm>
+          <a:prstGeom prst="rect">
+            <a:avLst/>
+          </a:prstGeom>
+        </p:spPr>
+      </p:pic>
+      <p:pic>
+        <p:nvPicPr>
+          <p:cNvPr id="6" name="Picture 5"/>
+          <p:cNvPicPr>
+            <a:picLocks noChangeAspect="1"/>
+          </p:cNvPicPr>
+          <p:nvPr/>
+        </p:nvPicPr>
+        <p:blipFill>
+          <a:blip r:embed="rId3"/>
+          <a:stretch>
+            <a:fillRect/>
+          </a:stretch>
+        </p:blipFill>
+        <p:spPr>
+          <a:xfrm>
+            <a:off x="3046547" y="1572923"/>
+            <a:ext cx="3610634" cy="1278731"/>
+          </a:xfrm>
+          <a:prstGeom prst="rect">
+            <a:avLst/>
+          </a:prstGeom>
+        </p:spPr>
+      </p:pic>
+      <p:sp>
+        <p:nvSpPr>
+          <p:cNvPr id="7" name="Subtitle 2"/>
+          <p:cNvSpPr txBox="1">
+            <a:spLocks/>
+          </p:cNvSpPr>
+          <p:nvPr/>
+        </p:nvSpPr>
+        <p:spPr>
+          <a:xfrm>
+            <a:off x="2646269" y="2701271"/>
+            <a:ext cx="4434193" cy="755459"/>
+          </a:xfrm>
+          <a:prstGeom prst="rect">
+            <a:avLst/>
+          </a:prstGeom>
+          <a:effectLst>
+            <a:outerShdw blurRad="76200" dist="12700" dir="8100000" sy="-23000" kx="800400" algn="br" rotWithShape="0">
+              <a:prstClr val="black">
+                <a:alpha val="20000"/>
+              </a:prstClr>
+            </a:outerShdw>
+          </a:effectLst>
+        </p:spPr>
+        <p:txBody>
+          <a:bodyPr vert="horz" lIns="91440" tIns="45720" rIns="91440" bIns="45720" rtlCol="0">
+            <a:noAutofit/>
+          </a:bodyPr>
+          <a:lstStyle>
+            <a:lvl1pPr marL="349250" indent="-349250" algn="l" defTabSz="914400" rtl="0" eaLnBrk="1" latinLnBrk="0" hangingPunct="1">
+              <a:spcBef>
+                <a:spcPts val="2000"/>
+              </a:spcBef>
+              <a:buClr>
+                <a:schemeClr val="accent1">
+                  <a:lumMod val="60000"/>
+                  <a:lumOff val="40000"/>
+                </a:schemeClr>
+              </a:buClr>
+              <a:buSzPct val="110000"/>
+              <a:buFont typeface="Wingdings 2" pitchFamily="18" charset="2"/>
+              <a:buChar char=""/>
+              <a:defRPr sz="2400" kern="1200">
+                <a:solidFill>
+                  <a:schemeClr val="tx1">
+                    <a:lumMod val="65000"/>
+                    <a:lumOff val="35000"/>
+                  </a:schemeClr>
+                </a:solidFill>
+                <a:latin typeface="+mn-lt"/>
+                <a:ea typeface="+mn-ea"/>
+                <a:cs typeface="+mn-cs"/>
+              </a:defRPr>
+            </a:lvl1pPr>
+            <a:lvl2pPr marL="685800" indent="-336550" algn="l" defTabSz="914400" rtl="0" eaLnBrk="1" latinLnBrk="0" hangingPunct="1">
+              <a:spcBef>
+                <a:spcPts val="600"/>
+              </a:spcBef>
+              <a:buClr>
+                <a:schemeClr val="accent1">
+                  <a:lumMod val="75000"/>
+                </a:schemeClr>
+              </a:buClr>
+              <a:buSzPct val="110000"/>
+              <a:buFont typeface="Wingdings 2" pitchFamily="18" charset="2"/>
+              <a:buChar char=""/>
+              <a:defRPr sz="2200" kern="1200">
+                <a:solidFill>
+                  <a:schemeClr val="tx1">
+                    <a:lumMod val="65000"/>
+                    <a:lumOff val="35000"/>
+                  </a:schemeClr>
+                </a:solidFill>
+                <a:latin typeface="+mn-lt"/>
+                <a:ea typeface="+mn-ea"/>
+                <a:cs typeface="+mn-cs"/>
+              </a:defRPr>
+            </a:lvl2pPr>
+            <a:lvl3pPr marL="968375" indent="-282575" algn="l" defTabSz="914400" rtl="0" eaLnBrk="1" latinLnBrk="0" hangingPunct="1">
+              <a:spcBef>
+                <a:spcPts val="600"/>
+              </a:spcBef>
+              <a:buClr>
+                <a:schemeClr val="accent1">
+                  <a:lumMod val="60000"/>
+                  <a:lumOff val="40000"/>
+                </a:schemeClr>
+              </a:buClr>
+              <a:buSzPct val="110000"/>
+              <a:buFont typeface="Wingdings 2" pitchFamily="18" charset="2"/>
+              <a:buChar char=""/>
+              <a:defRPr sz="2000" kern="1200">
+                <a:solidFill>
+                  <a:schemeClr val="tx1">
+                    <a:lumMod val="65000"/>
+                    <a:lumOff val="35000"/>
+                  </a:schemeClr>
+                </a:solidFill>
+                <a:latin typeface="+mn-lt"/>
+                <a:ea typeface="+mn-ea"/>
+                <a:cs typeface="+mn-cs"/>
+              </a:defRPr>
+            </a:lvl3pPr>
+            <a:lvl4pPr marL="1263650" indent="-295275" algn="l" defTabSz="914400" rtl="0" eaLnBrk="1" latinLnBrk="0" hangingPunct="1">
+              <a:spcBef>
+                <a:spcPts val="600"/>
+              </a:spcBef>
+              <a:buClr>
+                <a:schemeClr val="accent1">
+                  <a:lumMod val="75000"/>
+                </a:schemeClr>
+              </a:buClr>
+              <a:buSzPct val="110000"/>
+              <a:buFont typeface="Wingdings 2" pitchFamily="18" charset="2"/>
+              <a:buChar char=""/>
+              <a:defRPr sz="1800" kern="1200">
+                <a:solidFill>
+                  <a:schemeClr val="tx1">
+                    <a:lumMod val="65000"/>
+                    <a:lumOff val="35000"/>
+                  </a:schemeClr>
+                </a:solidFill>
+                <a:latin typeface="+mn-lt"/>
+                <a:ea typeface="+mn-ea"/>
+                <a:cs typeface="+mn-cs"/>
+              </a:defRPr>
+            </a:lvl4pPr>
+            <a:lvl5pPr marL="1546225" indent="-282575" algn="l" defTabSz="914400" rtl="0" eaLnBrk="1" latinLnBrk="0" hangingPunct="1">
+              <a:spcBef>
+                <a:spcPts val="600"/>
+              </a:spcBef>
+              <a:buClr>
+                <a:schemeClr val="accent1">
+                  <a:lumMod val="60000"/>
+                  <a:lumOff val="40000"/>
+                </a:schemeClr>
+              </a:buClr>
+              <a:buSzPct val="110000"/>
+              <a:buFont typeface="Wingdings 2" pitchFamily="18" charset="2"/>
+              <a:buChar char=""/>
+              <a:defRPr sz="1800" kern="1200">
+                <a:solidFill>
+                  <a:schemeClr val="tx1">
+                    <a:lumMod val="65000"/>
+                    <a:lumOff val="35000"/>
+                  </a:schemeClr>
+                </a:solidFill>
+                <a:latin typeface="+mn-lt"/>
+                <a:ea typeface="+mn-ea"/>
+                <a:cs typeface="+mn-cs"/>
+              </a:defRPr>
+            </a:lvl5pPr>
+            <a:lvl6pPr marL="1828800" indent="-282575" algn="l" defTabSz="914400" rtl="0" eaLnBrk="1" latinLnBrk="0" hangingPunct="1">
+              <a:spcBef>
+                <a:spcPct val="20000"/>
+              </a:spcBef>
+              <a:buClr>
+                <a:schemeClr val="accent2"/>
+              </a:buClr>
+              <a:buSzPct val="110000"/>
+              <a:buFont typeface="Wingdings 2" pitchFamily="18" charset="2"/>
+              <a:buChar char=""/>
+              <a:defRPr lang="en-US" sz="1800" kern="1200" dirty="0" smtClean="0">
+                <a:solidFill>
+                  <a:schemeClr val="tx1">
+                    <a:lumMod val="65000"/>
+                    <a:lumOff val="35000"/>
+                  </a:schemeClr>
+                </a:solidFill>
+                <a:latin typeface="+mn-lt"/>
+                <a:ea typeface="+mn-ea"/>
+                <a:cs typeface="+mn-cs"/>
+              </a:defRPr>
+            </a:lvl6pPr>
+            <a:lvl7pPr marL="2117725" indent="-282575" algn="l" defTabSz="914400" rtl="0" eaLnBrk="1" latinLnBrk="0" hangingPunct="1">
+              <a:spcBef>
+                <a:spcPct val="20000"/>
+              </a:spcBef>
+              <a:buClr>
+                <a:schemeClr val="accent1">
+                  <a:lumMod val="60000"/>
+                  <a:lumOff val="40000"/>
+                </a:schemeClr>
+              </a:buClr>
+              <a:buSzPct val="110000"/>
+              <a:buFont typeface="Wingdings 2" pitchFamily="18" charset="2"/>
+              <a:buChar char=""/>
+              <a:defRPr lang="en-US" sz="1800" kern="1200" dirty="0" smtClean="0">
+                <a:solidFill>
+                  <a:schemeClr val="tx1">
+                    <a:lumMod val="65000"/>
+                    <a:lumOff val="35000"/>
+                  </a:schemeClr>
+                </a:solidFill>
+                <a:latin typeface="+mn-lt"/>
+                <a:ea typeface="+mn-ea"/>
+                <a:cs typeface="+mn-cs"/>
+              </a:defRPr>
+            </a:lvl7pPr>
+            <a:lvl8pPr marL="2398713" indent="-282575" algn="l" defTabSz="914400" rtl="0" eaLnBrk="1" latinLnBrk="0" hangingPunct="1">
+              <a:spcBef>
+                <a:spcPct val="20000"/>
+              </a:spcBef>
+              <a:buClr>
+                <a:schemeClr val="accent2"/>
+              </a:buClr>
+              <a:buSzPct val="110000"/>
+              <a:buFont typeface="Wingdings 2" pitchFamily="18" charset="2"/>
+              <a:buChar char=""/>
+              <a:defRPr lang="en-US" sz="1800" kern="1200" dirty="0" smtClean="0">
+                <a:solidFill>
+                  <a:schemeClr val="tx1">
+                    <a:lumMod val="65000"/>
+                    <a:lumOff val="35000"/>
+                  </a:schemeClr>
+                </a:solidFill>
+                <a:latin typeface="+mn-lt"/>
+                <a:ea typeface="+mn-ea"/>
+                <a:cs typeface="+mn-cs"/>
+              </a:defRPr>
+            </a:lvl8pPr>
+            <a:lvl9pPr marL="2689225" indent="-282575" algn="l" defTabSz="914400" rtl="0" eaLnBrk="1" latinLnBrk="0" hangingPunct="1">
+              <a:spcBef>
+                <a:spcPct val="20000"/>
+              </a:spcBef>
+              <a:buClr>
+                <a:schemeClr val="accent1">
+                  <a:lumMod val="60000"/>
+                  <a:lumOff val="40000"/>
+                </a:schemeClr>
+              </a:buClr>
+              <a:buSzPct val="110000"/>
+              <a:buFont typeface="Wingdings 2" pitchFamily="18" charset="2"/>
+              <a:buChar char=""/>
+              <a:defRPr lang="en-US" sz="1800" kern="1200" dirty="0">
+                <a:solidFill>
+                  <a:schemeClr val="tx1">
+                    <a:lumMod val="65000"/>
+                    <a:lumOff val="35000"/>
+                  </a:schemeClr>
+                </a:solidFill>
+                <a:latin typeface="+mn-lt"/>
+                <a:ea typeface="+mn-ea"/>
+                <a:cs typeface="+mn-cs"/>
+              </a:defRPr>
+            </a:lvl9pPr>
+          </a:lstStyle>
+          <a:p>
+            <a:pPr marL="0" indent="0">
+              <a:lnSpc>
+                <a:spcPct val="150000"/>
+              </a:lnSpc>
+              <a:buNone/>
+            </a:pPr>
+            <a:r>
+              <a:rPr lang="en-US" b="1" dirty="0" smtClean="0">
+                <a:solidFill>
+                  <a:srgbClr val="008000"/>
+                </a:solidFill>
+              </a:rPr>
+              <a:t>BridgeGap Training Solution</a:t>
+            </a:r>
+            <a:endParaRPr lang="en-US" b="1" dirty="0">
+              <a:solidFill>
+                <a:srgbClr val="008000"/>
+              </a:solidFill>
+            </a:endParaRPr>
           </a:p>
         </p:txBody>
       </p:sp>
     </p:spTree>
     <p:extLst>
       <p:ext uri="{BB962C8B-B14F-4D97-AF65-F5344CB8AC3E}">
-        <p14:creationId xmlns:p14="http://schemas.microsoft.com/office/powerpoint/2010/main" val="1312750657"/>
+        <p14:creationId xmlns:p14="http://schemas.microsoft.com/office/powerpoint/2010/main" val="3639560742"/>
       </p:ext>
     </p:extLst>
   </p:cSld>
@@ -4817,7 +7244,12 @@
             <p:ph type="title"/>
           </p:nvPr>
         </p:nvSpPr>
-        <p:spPr/>
+        <p:spPr>
+          <a:xfrm>
+            <a:off x="1968499" y="107576"/>
+            <a:ext cx="6623051" cy="1336956"/>
+          </a:xfrm>
+        </p:spPr>
         <p:style>
           <a:lnRef idx="2">
             <a:schemeClr val="accent1">
@@ -4839,8 +7271,61 @@
           <a:lstStyle/>
           <a:p>
             <a:r>
+              <a:rPr lang="en-US" b="1" dirty="0" smtClean="0"/>
+              <a:t>What is </a:t>
+            </a:r>
+            <a:r>
+              <a:rPr lang="en-US" b="1" dirty="0" smtClean="0">
+                <a:ln w="12700">
+                  <a:solidFill>
+                    <a:schemeClr val="tx2">
+                      <a:satMod val="155000"/>
+                    </a:schemeClr>
+                  </a:solidFill>
+                  <a:prstDash val="solid"/>
+                </a:ln>
+                <a:solidFill>
+                  <a:srgbClr val="FFFF00"/>
+                </a:solidFill>
+                <a:effectLst>
+                  <a:outerShdw blurRad="41275" dist="20320" dir="1800000" algn="tl" rotWithShape="0">
+                    <a:srgbClr val="000000">
+                      <a:alpha val="40000"/>
+                    </a:srgbClr>
+                  </a:outerShdw>
+                </a:effectLst>
+              </a:rPr>
+              <a:t>BridgeGap</a:t>
+            </a:r>
+            <a:r>
+              <a:rPr lang="en-US" b="1" dirty="0" smtClean="0">
+                <a:ln w="12700">
+                  <a:solidFill>
+                    <a:schemeClr val="tx2">
+                      <a:satMod val="155000"/>
+                    </a:schemeClr>
+                  </a:solidFill>
+                  <a:prstDash val="solid"/>
+                </a:ln>
+                <a:solidFill>
+                  <a:schemeClr val="bg2">
+                    <a:tint val="85000"/>
+                    <a:satMod val="155000"/>
+                  </a:schemeClr>
+                </a:solidFill>
+                <a:effectLst>
+                  <a:outerShdw blurRad="41275" dist="20320" dir="1800000" algn="tl" rotWithShape="0">
+                    <a:srgbClr val="000000">
+                      <a:alpha val="40000"/>
+                    </a:srgbClr>
+                  </a:outerShdw>
+                </a:effectLst>
+              </a:rPr>
+              <a:t> </a:t>
+            </a:r>
+            <a:r>
               <a:rPr lang="en-US" dirty="0" smtClean="0"/>
-              <a:t>Benefit to Corporates</a:t>
+              <a:t>Training Solution?</a:t>
             </a:r>
             <a:endParaRPr lang="en-US" dirty="0"/>
           </a:p>
@@ -4858,92 +7343,392 @@
         </p:nvSpPr>
         <p:spPr>
           <a:xfrm>
-            <a:off x="549275" y="1335586"/>
-            <a:ext cx="8042276" cy="4856460"/>
+            <a:off x="626235" y="3456730"/>
+            <a:ext cx="8042276" cy="2816740"/>
           </a:xfrm>
         </p:spPr>
         <p:txBody>
           <a:bodyPr anchor="ctr" anchorCtr="0">
-            <a:normAutofit fontScale="92500" lnSpcReduction="10000"/>
+            <a:noAutofit/>
           </a:bodyPr>
           <a:lstStyle/>
           <a:p>
-            <a:r>
-              <a:rPr lang="en-US" sz="2600" dirty="0"/>
-              <a:t>Corporate on an average spend </a:t>
-            </a:r>
-            <a:r>
-              <a:rPr lang="en-US" sz="2600" dirty="0" smtClean="0"/>
-              <a:t>around Rs 60,000 on </a:t>
-            </a:r>
-            <a:r>
-              <a:rPr lang="en-US" sz="2600" dirty="0"/>
-              <a:t>training the fresh engineers. </a:t>
-            </a:r>
-            <a:r>
-              <a:rPr lang="en-US" sz="2600" dirty="0" smtClean="0"/>
-              <a:t>MakeTechEz encourages </a:t>
-            </a:r>
-            <a:r>
-              <a:rPr lang="en-US" sz="2600" dirty="0"/>
-              <a:t>the engineers to take the training. So Corporates not only gets trained staff but also get confident and motivated Engineers who are ready to dive into </a:t>
-            </a:r>
-            <a:r>
-              <a:rPr lang="en-US" sz="2600" dirty="0" smtClean="0"/>
-              <a:t>programming</a:t>
-            </a:r>
-          </a:p>
-          <a:p>
-            <a:r>
-              <a:rPr lang="en-US" sz="2600" dirty="0"/>
-              <a:t>Companies </a:t>
-            </a:r>
-            <a:r>
-              <a:rPr lang="en-US" sz="2600" dirty="0" smtClean="0"/>
-              <a:t>can expect </a:t>
-            </a:r>
-            <a:r>
-              <a:rPr lang="en-US" sz="2600" dirty="0"/>
-              <a:t>the fresh </a:t>
-            </a:r>
-            <a:r>
-              <a:rPr lang="en-US" sz="2600" dirty="0" smtClean="0"/>
-              <a:t>recruits </a:t>
-            </a:r>
-            <a:r>
-              <a:rPr lang="en-US" sz="2600" dirty="0"/>
-              <a:t>to get productive on the first or second month itself instead of usual 4 to 6 </a:t>
-            </a:r>
-            <a:r>
-              <a:rPr lang="en-US" sz="2600" dirty="0" smtClean="0"/>
-              <a:t>months</a:t>
-            </a:r>
-          </a:p>
-          <a:p>
-            <a:r>
-              <a:rPr lang="en-US" sz="2600" dirty="0"/>
-              <a:t>Companies will have a pool of fresh </a:t>
-            </a:r>
-            <a:r>
-              <a:rPr lang="en-US" sz="2600" dirty="0" smtClean="0"/>
-              <a:t>engineering which </a:t>
-            </a:r>
-            <a:r>
-              <a:rPr lang="en-US" sz="2600" dirty="0"/>
-              <a:t>earlier they have to seek out by visiting </a:t>
-            </a:r>
-            <a:r>
-              <a:rPr lang="en-US" sz="2600" dirty="0" smtClean="0"/>
-              <a:t>campuses</a:t>
-            </a:r>
-            <a:endParaRPr lang="en-US" sz="2600" dirty="0"/>
+            <a:pPr algn="just"/>
+            <a:r>
+              <a:rPr lang="en-US" dirty="0" smtClean="0"/>
+              <a:t>Each Technology Series </a:t>
+            </a:r>
+            <a:r>
+              <a:rPr lang="en-US" dirty="0"/>
+              <a:t>consists of up to 18 Steps </a:t>
+            </a:r>
+            <a:r>
+              <a:rPr lang="en-US" dirty="0" smtClean="0"/>
+              <a:t>with 100s of Sample Codes and Practice Programs to make </a:t>
+            </a:r>
+            <a:r>
+              <a:rPr lang="en-US" dirty="0"/>
+              <a:t>Engineers </a:t>
+            </a:r>
+            <a:r>
+              <a:rPr lang="en-US" dirty="0" smtClean="0"/>
+              <a:t>hands-on with technology. </a:t>
+            </a:r>
+          </a:p>
+          <a:p>
+            <a:pPr marL="349250" lvl="1" indent="-349250" algn="just">
+              <a:spcBef>
+                <a:spcPts val="2000"/>
+              </a:spcBef>
+              <a:buClr>
+                <a:schemeClr val="accent1">
+                  <a:lumMod val="60000"/>
+                  <a:lumOff val="40000"/>
+                </a:schemeClr>
+              </a:buClr>
+            </a:pPr>
+            <a:r>
+              <a:rPr lang="en-US" sz="2400" dirty="0"/>
+              <a:t>Mentoring Process is based on the philosophy of  </a:t>
+            </a:r>
+            <a:r>
+              <a:rPr lang="en-US" sz="2400" b="1" dirty="0"/>
+              <a:t>One Skill - One Mentor - One Student</a:t>
+            </a:r>
+            <a:r>
+              <a:rPr lang="en-US" sz="2400" dirty="0"/>
+              <a:t>. This helps to identify skill gaps in the engineers and guide them </a:t>
+            </a:r>
+            <a:r>
+              <a:rPr lang="en-US" sz="2400" dirty="0" smtClean="0"/>
+              <a:t>appropriately</a:t>
+            </a:r>
+            <a:endParaRPr lang="en-US" sz="2400" dirty="0"/>
+          </a:p>
+        </p:txBody>
+      </p:sp>
+      <p:pic>
+        <p:nvPicPr>
+          <p:cNvPr id="8" name="Picture 7"/>
+          <p:cNvPicPr>
+            <a:picLocks noChangeAspect="1"/>
+          </p:cNvPicPr>
+          <p:nvPr/>
+        </p:nvPicPr>
+        <p:blipFill>
+          <a:blip r:embed="rId2"/>
+          <a:stretch>
+            <a:fillRect/>
+          </a:stretch>
+        </p:blipFill>
+        <p:spPr>
+          <a:xfrm>
+            <a:off x="533399" y="107576"/>
+            <a:ext cx="1407089" cy="1403034"/>
+          </a:xfrm>
+          <a:prstGeom prst="rect">
+            <a:avLst/>
+          </a:prstGeom>
+        </p:spPr>
+      </p:pic>
+      <p:pic>
+        <p:nvPicPr>
+          <p:cNvPr id="9" name="Picture 8"/>
+          <p:cNvPicPr>
+            <a:picLocks noChangeAspect="1"/>
+          </p:cNvPicPr>
+          <p:nvPr/>
+        </p:nvPicPr>
+        <p:blipFill>
+          <a:blip r:embed="rId3"/>
+          <a:stretch>
+            <a:fillRect/>
+          </a:stretch>
+        </p:blipFill>
+        <p:spPr>
+          <a:xfrm>
+            <a:off x="3046547" y="1572923"/>
+            <a:ext cx="3610634" cy="1278731"/>
+          </a:xfrm>
+          <a:prstGeom prst="rect">
+            <a:avLst/>
+          </a:prstGeom>
+        </p:spPr>
+      </p:pic>
+      <p:sp>
+        <p:nvSpPr>
+          <p:cNvPr id="10" name="Subtitle 2"/>
+          <p:cNvSpPr txBox="1">
+            <a:spLocks/>
+          </p:cNvSpPr>
+          <p:nvPr/>
+        </p:nvSpPr>
+        <p:spPr>
+          <a:xfrm>
+            <a:off x="2646269" y="2701271"/>
+            <a:ext cx="4434193" cy="755459"/>
+          </a:xfrm>
+          <a:prstGeom prst="rect">
+            <a:avLst/>
+          </a:prstGeom>
+          <a:effectLst>
+            <a:outerShdw blurRad="76200" dist="12700" dir="8100000" sy="-23000" kx="800400" algn="br" rotWithShape="0">
+              <a:prstClr val="black">
+                <a:alpha val="20000"/>
+              </a:prstClr>
+            </a:outerShdw>
+          </a:effectLst>
+        </p:spPr>
+        <p:txBody>
+          <a:bodyPr vert="horz" lIns="91440" tIns="45720" rIns="91440" bIns="45720" rtlCol="0">
+            <a:noAutofit/>
+          </a:bodyPr>
+          <a:lstStyle>
+            <a:lvl1pPr marL="349250" indent="-349250" algn="l" defTabSz="914400" rtl="0" eaLnBrk="1" latinLnBrk="0" hangingPunct="1">
+              <a:spcBef>
+                <a:spcPts val="2000"/>
+              </a:spcBef>
+              <a:buClr>
+                <a:schemeClr val="accent1">
+                  <a:lumMod val="60000"/>
+                  <a:lumOff val="40000"/>
+                </a:schemeClr>
+              </a:buClr>
+              <a:buSzPct val="110000"/>
+              <a:buFont typeface="Wingdings 2" pitchFamily="18" charset="2"/>
+              <a:buChar char=""/>
+              <a:defRPr sz="2400" kern="1200">
+                <a:solidFill>
+                  <a:schemeClr val="tx1">
+                    <a:lumMod val="65000"/>
+                    <a:lumOff val="35000"/>
+                  </a:schemeClr>
+                </a:solidFill>
+                <a:latin typeface="+mn-lt"/>
+                <a:ea typeface="+mn-ea"/>
+                <a:cs typeface="+mn-cs"/>
+              </a:defRPr>
+            </a:lvl1pPr>
+            <a:lvl2pPr marL="685800" indent="-336550" algn="l" defTabSz="914400" rtl="0" eaLnBrk="1" latinLnBrk="0" hangingPunct="1">
+              <a:spcBef>
+                <a:spcPts val="600"/>
+              </a:spcBef>
+              <a:buClr>
+                <a:schemeClr val="accent1">
+                  <a:lumMod val="75000"/>
+                </a:schemeClr>
+              </a:buClr>
+              <a:buSzPct val="110000"/>
+              <a:buFont typeface="Wingdings 2" pitchFamily="18" charset="2"/>
+              <a:buChar char=""/>
+              <a:defRPr sz="2200" kern="1200">
+                <a:solidFill>
+                  <a:schemeClr val="tx1">
+                    <a:lumMod val="65000"/>
+                    <a:lumOff val="35000"/>
+                  </a:schemeClr>
+                </a:solidFill>
+                <a:latin typeface="+mn-lt"/>
+                <a:ea typeface="+mn-ea"/>
+                <a:cs typeface="+mn-cs"/>
+              </a:defRPr>
+            </a:lvl2pPr>
+            <a:lvl3pPr marL="968375" indent="-282575" algn="l" defTabSz="914400" rtl="0" eaLnBrk="1" latinLnBrk="0" hangingPunct="1">
+              <a:spcBef>
+                <a:spcPts val="600"/>
+              </a:spcBef>
+              <a:buClr>
+                <a:schemeClr val="accent1">
+                  <a:lumMod val="60000"/>
+                  <a:lumOff val="40000"/>
+                </a:schemeClr>
+              </a:buClr>
+              <a:buSzPct val="110000"/>
+              <a:buFont typeface="Wingdings 2" pitchFamily="18" charset="2"/>
+              <a:buChar char=""/>
+              <a:defRPr sz="2000" kern="1200">
+                <a:solidFill>
+                  <a:schemeClr val="tx1">
+                    <a:lumMod val="65000"/>
+                    <a:lumOff val="35000"/>
+                  </a:schemeClr>
+                </a:solidFill>
+                <a:latin typeface="+mn-lt"/>
+                <a:ea typeface="+mn-ea"/>
+                <a:cs typeface="+mn-cs"/>
+              </a:defRPr>
+            </a:lvl3pPr>
+            <a:lvl4pPr marL="1263650" indent="-295275" algn="l" defTabSz="914400" rtl="0" eaLnBrk="1" latinLnBrk="0" hangingPunct="1">
+              <a:spcBef>
+                <a:spcPts val="600"/>
+              </a:spcBef>
+              <a:buClr>
+                <a:schemeClr val="accent1">
+                  <a:lumMod val="75000"/>
+                </a:schemeClr>
+              </a:buClr>
+              <a:buSzPct val="110000"/>
+              <a:buFont typeface="Wingdings 2" pitchFamily="18" charset="2"/>
+              <a:buChar char=""/>
+              <a:defRPr sz="1800" kern="1200">
+                <a:solidFill>
+                  <a:schemeClr val="tx1">
+                    <a:lumMod val="65000"/>
+                    <a:lumOff val="35000"/>
+                  </a:schemeClr>
+                </a:solidFill>
+                <a:latin typeface="+mn-lt"/>
+                <a:ea typeface="+mn-ea"/>
+                <a:cs typeface="+mn-cs"/>
+              </a:defRPr>
+            </a:lvl4pPr>
+            <a:lvl5pPr marL="1546225" indent="-282575" algn="l" defTabSz="914400" rtl="0" eaLnBrk="1" latinLnBrk="0" hangingPunct="1">
+              <a:spcBef>
+                <a:spcPts val="600"/>
+              </a:spcBef>
+              <a:buClr>
+                <a:schemeClr val="accent1">
+                  <a:lumMod val="60000"/>
+                  <a:lumOff val="40000"/>
+                </a:schemeClr>
+              </a:buClr>
+              <a:buSzPct val="110000"/>
+              <a:buFont typeface="Wingdings 2" pitchFamily="18" charset="2"/>
+              <a:buChar char=""/>
+              <a:defRPr sz="1800" kern="1200">
+                <a:solidFill>
+                  <a:schemeClr val="tx1">
+                    <a:lumMod val="65000"/>
+                    <a:lumOff val="35000"/>
+                  </a:schemeClr>
+                </a:solidFill>
+                <a:latin typeface="+mn-lt"/>
+                <a:ea typeface="+mn-ea"/>
+                <a:cs typeface="+mn-cs"/>
+              </a:defRPr>
+            </a:lvl5pPr>
+            <a:lvl6pPr marL="1828800" indent="-282575" algn="l" defTabSz="914400" rtl="0" eaLnBrk="1" latinLnBrk="0" hangingPunct="1">
+              <a:spcBef>
+                <a:spcPct val="20000"/>
+              </a:spcBef>
+              <a:buClr>
+                <a:schemeClr val="accent2"/>
+              </a:buClr>
+              <a:buSzPct val="110000"/>
+              <a:buFont typeface="Wingdings 2" pitchFamily="18" charset="2"/>
+              <a:buChar char=""/>
+              <a:defRPr lang="en-US" sz="1800" kern="1200" dirty="0" smtClean="0">
+                <a:solidFill>
+                  <a:schemeClr val="tx1">
+                    <a:lumMod val="65000"/>
+                    <a:lumOff val="35000"/>
+                  </a:schemeClr>
+                </a:solidFill>
+                <a:latin typeface="+mn-lt"/>
+                <a:ea typeface="+mn-ea"/>
+                <a:cs typeface="+mn-cs"/>
+              </a:defRPr>
+            </a:lvl6pPr>
+            <a:lvl7pPr marL="2117725" indent="-282575" algn="l" defTabSz="914400" rtl="0" eaLnBrk="1" latinLnBrk="0" hangingPunct="1">
+              <a:spcBef>
+                <a:spcPct val="20000"/>
+              </a:spcBef>
+              <a:buClr>
+                <a:schemeClr val="accent1">
+                  <a:lumMod val="60000"/>
+                  <a:lumOff val="40000"/>
+                </a:schemeClr>
+              </a:buClr>
+              <a:buSzPct val="110000"/>
+              <a:buFont typeface="Wingdings 2" pitchFamily="18" charset="2"/>
+              <a:buChar char=""/>
+              <a:defRPr lang="en-US" sz="1800" kern="1200" dirty="0" smtClean="0">
+                <a:solidFill>
+                  <a:schemeClr val="tx1">
+                    <a:lumMod val="65000"/>
+                    <a:lumOff val="35000"/>
+                  </a:schemeClr>
+                </a:solidFill>
+                <a:latin typeface="+mn-lt"/>
+                <a:ea typeface="+mn-ea"/>
+                <a:cs typeface="+mn-cs"/>
+              </a:defRPr>
+            </a:lvl7pPr>
+            <a:lvl8pPr marL="2398713" indent="-282575" algn="l" defTabSz="914400" rtl="0" eaLnBrk="1" latinLnBrk="0" hangingPunct="1">
+              <a:spcBef>
+                <a:spcPct val="20000"/>
+              </a:spcBef>
+              <a:buClr>
+                <a:schemeClr val="accent2"/>
+              </a:buClr>
+              <a:buSzPct val="110000"/>
+              <a:buFont typeface="Wingdings 2" pitchFamily="18" charset="2"/>
+              <a:buChar char=""/>
+              <a:defRPr lang="en-US" sz="1800" kern="1200" dirty="0" smtClean="0">
+                <a:solidFill>
+                  <a:schemeClr val="tx1">
+                    <a:lumMod val="65000"/>
+                    <a:lumOff val="35000"/>
+                  </a:schemeClr>
+                </a:solidFill>
+                <a:latin typeface="+mn-lt"/>
+                <a:ea typeface="+mn-ea"/>
+                <a:cs typeface="+mn-cs"/>
+              </a:defRPr>
+            </a:lvl8pPr>
+            <a:lvl9pPr marL="2689225" indent="-282575" algn="l" defTabSz="914400" rtl="0" eaLnBrk="1" latinLnBrk="0" hangingPunct="1">
+              <a:spcBef>
+                <a:spcPct val="20000"/>
+              </a:spcBef>
+              <a:buClr>
+                <a:schemeClr val="accent1">
+                  <a:lumMod val="60000"/>
+                  <a:lumOff val="40000"/>
+                </a:schemeClr>
+              </a:buClr>
+              <a:buSzPct val="110000"/>
+              <a:buFont typeface="Wingdings 2" pitchFamily="18" charset="2"/>
+              <a:buChar char=""/>
+              <a:defRPr lang="en-US" sz="1800" kern="1200" dirty="0">
+                <a:solidFill>
+                  <a:schemeClr val="tx1">
+                    <a:lumMod val="65000"/>
+                    <a:lumOff val="35000"/>
+                  </a:schemeClr>
+                </a:solidFill>
+                <a:latin typeface="+mn-lt"/>
+                <a:ea typeface="+mn-ea"/>
+                <a:cs typeface="+mn-cs"/>
+              </a:defRPr>
+            </a:lvl9pPr>
+          </a:lstStyle>
+          <a:p>
+            <a:pPr marL="0" indent="0">
+              <a:lnSpc>
+                <a:spcPct val="150000"/>
+              </a:lnSpc>
+              <a:buNone/>
+            </a:pPr>
+            <a:r>
+              <a:rPr lang="en-US" b="1" dirty="0" smtClean="0">
+                <a:solidFill>
+                  <a:srgbClr val="008000"/>
+                </a:solidFill>
+              </a:rPr>
+              <a:t>BridgeGap Training Solution</a:t>
+            </a:r>
+            <a:endParaRPr lang="en-US" b="1" dirty="0">
+              <a:solidFill>
+                <a:srgbClr val="008000"/>
+              </a:solidFill>
+            </a:endParaRPr>
           </a:p>
         </p:txBody>
       </p:sp>
     </p:spTree>
     <p:extLst>
       <p:ext uri="{BB962C8B-B14F-4D97-AF65-F5344CB8AC3E}">
-        <p14:creationId xmlns:p14="http://schemas.microsoft.com/office/powerpoint/2010/main" val="3058417814"/>
+        <p14:creationId xmlns:p14="http://schemas.microsoft.com/office/powerpoint/2010/main" val="1573057802"/>
       </p:ext>
     </p:extLst>
   </p:cSld>
@@ -4977,17 +7762,185 @@
           <a:chExt cx="0" cy="0"/>
         </a:xfrm>
       </p:grpSpPr>
-      <p:sp>
-        <p:nvSpPr>
-          <p:cNvPr id="2" name="Title 1"/>
+      <p:pic>
+        <p:nvPicPr>
+          <p:cNvPr id="7" name="Picture 6"/>
+          <p:cNvPicPr>
+            <a:picLocks noChangeAspect="1"/>
+          </p:cNvPicPr>
+          <p:nvPr/>
+        </p:nvPicPr>
+        <p:blipFill>
+          <a:blip r:embed="rId2"/>
+          <a:stretch>
+            <a:fillRect/>
+          </a:stretch>
+        </p:blipFill>
+        <p:spPr>
+          <a:xfrm>
+            <a:off x="7288672" y="126820"/>
+            <a:ext cx="1317712" cy="1317712"/>
+          </a:xfrm>
+          <a:prstGeom prst="rect">
+            <a:avLst/>
+          </a:prstGeom>
+        </p:spPr>
+      </p:pic>
+      <p:sp>
+        <p:nvSpPr>
+          <p:cNvPr id="3" name="Content Placeholder 2"/>
           <p:cNvSpPr>
             <a:spLocks noGrp="1"/>
           </p:cNvSpPr>
           <p:nvPr>
+            <p:ph idx="1"/>
+          </p:nvPr>
+        </p:nvSpPr>
+        <p:spPr>
+          <a:xfrm>
+            <a:off x="549275" y="1688406"/>
+            <a:ext cx="8042276" cy="4697692"/>
+          </a:xfrm>
+        </p:spPr>
+        <p:txBody>
+          <a:bodyPr>
+            <a:normAutofit fontScale="92500"/>
+          </a:bodyPr>
+          <a:lstStyle/>
+          <a:p>
+            <a:pPr algn="just">
+              <a:spcAft>
+                <a:spcPts val="1200"/>
+              </a:spcAft>
+            </a:pPr>
+            <a:r>
+              <a:rPr lang="en-US" b="1" dirty="0" smtClean="0"/>
+              <a:t>Content Design </a:t>
+            </a:r>
+            <a:r>
+              <a:rPr lang="en-US" dirty="0" smtClean="0"/>
+              <a:t>– </a:t>
+            </a:r>
+          </a:p>
+          <a:p>
+            <a:pPr lvl="1" algn="just"/>
+            <a:r>
+              <a:rPr lang="en-US" dirty="0" smtClean="0"/>
+              <a:t>Introduces Concepts mainly by writing and compiling lot of programs than reading lot of theory. Its </a:t>
+            </a:r>
+            <a:r>
+              <a:rPr lang="en-US" b="1" dirty="0" smtClean="0"/>
+              <a:t>Learning by being Hands-on</a:t>
+            </a:r>
+          </a:p>
+          <a:p>
+            <a:pPr lvl="1" algn="just"/>
+            <a:r>
+              <a:rPr lang="en-US" dirty="0"/>
+              <a:t>Its a </a:t>
+            </a:r>
+            <a:r>
+              <a:rPr lang="en-US" b="1" dirty="0"/>
+              <a:t>18 Step Process </a:t>
+            </a:r>
+            <a:r>
+              <a:rPr lang="en-US" dirty="0"/>
+              <a:t>which can be completed in flat 2 - 4 weeks </a:t>
+            </a:r>
+            <a:r>
+              <a:rPr lang="en-US" dirty="0" smtClean="0"/>
+              <a:t>time</a:t>
+            </a:r>
+            <a:endParaRPr lang="en-US" dirty="0"/>
+          </a:p>
+          <a:p>
+            <a:pPr lvl="1" algn="just"/>
+            <a:r>
+              <a:rPr lang="en-US" dirty="0"/>
+              <a:t>Every Step introduces </a:t>
+            </a:r>
+            <a:r>
+              <a:rPr lang="en-US" b="1" dirty="0"/>
+              <a:t>5 - 10 </a:t>
+            </a:r>
+            <a:r>
+              <a:rPr lang="en-US" b="1" dirty="0" smtClean="0"/>
+              <a:t>Concepts </a:t>
+            </a:r>
+            <a:r>
+              <a:rPr lang="en-US" dirty="0"/>
+              <a:t>and each concepts is demonstrated with a sample code which are built, compiled and executed by </a:t>
+            </a:r>
+            <a:r>
+              <a:rPr lang="en-US" dirty="0" smtClean="0"/>
+              <a:t>engineers</a:t>
+            </a:r>
+          </a:p>
+          <a:p>
+            <a:pPr lvl="1" algn="just"/>
+            <a:r>
+              <a:rPr lang="en-US" dirty="0" smtClean="0"/>
+              <a:t>At the end of each step students write </a:t>
+            </a:r>
+            <a:r>
+              <a:rPr lang="en-US" b="1" dirty="0" smtClean="0"/>
+              <a:t>Practice Programs</a:t>
+            </a:r>
+            <a:r>
+              <a:rPr lang="en-US" dirty="0" smtClean="0"/>
+              <a:t> verified by Technology Experts in India and Globally.</a:t>
+            </a:r>
+          </a:p>
+          <a:p>
+            <a:pPr lvl="1" algn="just"/>
+            <a:r>
+              <a:rPr lang="en-US" dirty="0"/>
+              <a:t>At the End of the Training Programme, Engineers would have written any-where between </a:t>
+            </a:r>
+            <a:r>
+              <a:rPr lang="en-US" b="1" dirty="0"/>
+              <a:t>150 - 200 Programs</a:t>
+            </a:r>
+            <a:endParaRPr lang="en-US" b="1" dirty="0" smtClean="0"/>
+          </a:p>
+        </p:txBody>
+      </p:sp>
+      <p:sp>
+        <p:nvSpPr>
+          <p:cNvPr id="4" name="Title 3"/>
+          <p:cNvSpPr>
+            <a:spLocks noGrp="1"/>
+          </p:cNvSpPr>
+          <p:nvPr>
             <p:ph type="title"/>
           </p:nvPr>
         </p:nvSpPr>
         <p:spPr/>
+        <p:txBody>
+          <a:bodyPr/>
+          <a:lstStyle/>
+          <a:p>
+            <a:endParaRPr lang="en-US"/>
+          </a:p>
+        </p:txBody>
+      </p:sp>
+      <p:sp>
+        <p:nvSpPr>
+          <p:cNvPr id="6" name="Title 1"/>
+          <p:cNvSpPr txBox="1">
+            <a:spLocks/>
+          </p:cNvSpPr>
+          <p:nvPr/>
+        </p:nvSpPr>
+        <p:spPr>
+          <a:xfrm>
+            <a:off x="549275" y="107576"/>
+            <a:ext cx="6705319" cy="1336956"/>
+          </a:xfrm>
+          <a:prstGeom prst="rect">
+            <a:avLst/>
+          </a:prstGeom>
+        </p:spPr>
         <p:style>
           <a:lnRef idx="2">
             <a:schemeClr val="accent1">
@@ -5005,83 +7958,179 @@
           </a:fontRef>
         </p:style>
         <p:txBody>
-          <a:bodyPr anchor="ctr" anchorCtr="0"/>
-          <a:lstStyle/>
-          <a:p>
-            <a:r>
-              <a:rPr lang="en-US" dirty="0" smtClean="0"/>
-              <a:t>Benefit to Fresh Engineers</a:t>
-            </a:r>
-            <a:endParaRPr lang="en-US" dirty="0"/>
-          </a:p>
-        </p:txBody>
-      </p:sp>
-      <p:sp>
-        <p:nvSpPr>
-          <p:cNvPr id="3" name="Content Placeholder 2"/>
-          <p:cNvSpPr>
-            <a:spLocks noGrp="1"/>
-          </p:cNvSpPr>
-          <p:nvPr>
-            <p:ph idx="1"/>
-          </p:nvPr>
-        </p:nvSpPr>
-        <p:spPr>
-          <a:xfrm>
-            <a:off x="549275" y="1406150"/>
-            <a:ext cx="8042276" cy="4680050"/>
-          </a:xfrm>
-        </p:spPr>
-        <p:txBody>
-          <a:bodyPr anchor="ctr" anchorCtr="0">
-            <a:normAutofit/>
+          <a:bodyPr vert="horz" lIns="91440" tIns="45720" rIns="91440" bIns="45720" rtlCol="0" anchor="ctr" anchorCtr="0">
+            <a:noAutofit/>
           </a:bodyPr>
-          <a:lstStyle/>
-          <a:p>
-            <a:r>
-              <a:rPr lang="en-US" dirty="0"/>
-              <a:t>Fresh Engineers who have taken the Training Programme will have a competitive edge over others who have just a college degree to rely </a:t>
-            </a:r>
-            <a:r>
-              <a:rPr lang="en-US" dirty="0" smtClean="0"/>
-              <a:t>upon</a:t>
-            </a:r>
-          </a:p>
-          <a:p>
-            <a:r>
-              <a:rPr lang="en-US" dirty="0" smtClean="0"/>
-              <a:t>MakeTechEz Programme </a:t>
-            </a:r>
-            <a:r>
-              <a:rPr lang="en-US" dirty="0"/>
-              <a:t>will connect the Engineers with the </a:t>
-            </a:r>
-            <a:r>
-              <a:rPr lang="en-US" dirty="0" smtClean="0"/>
-              <a:t>Companies that </a:t>
-            </a:r>
-            <a:r>
-              <a:rPr lang="en-US" dirty="0"/>
-              <a:t>requires fresh </a:t>
-            </a:r>
-            <a:r>
-              <a:rPr lang="en-US" dirty="0" smtClean="0"/>
-              <a:t>staff</a:t>
-            </a:r>
-          </a:p>
-          <a:p>
-            <a:r>
-              <a:rPr lang="en-US" dirty="0" smtClean="0"/>
-              <a:t>Fresh Engineers will have high level of confidence to get into programming and understand the real-time systems of the industry</a:t>
-            </a:r>
-            <a:endParaRPr lang="en-US" dirty="0"/>
+          <a:lstStyle>
+            <a:lvl1pPr algn="ctr" defTabSz="914400" rtl="0" eaLnBrk="1" latinLnBrk="0" hangingPunct="1">
+              <a:spcBef>
+                <a:spcPct val="0"/>
+              </a:spcBef>
+              <a:buNone/>
+              <a:defRPr sz="4600" kern="1200">
+                <a:solidFill>
+                  <a:schemeClr val="lt1"/>
+                </a:solidFill>
+                <a:latin typeface="+mn-lt"/>
+                <a:ea typeface="+mn-ea"/>
+                <a:cs typeface="+mn-cs"/>
+              </a:defRPr>
+            </a:lvl1pPr>
+            <a:lvl2pPr>
+              <a:defRPr>
+                <a:solidFill>
+                  <a:schemeClr val="lt1"/>
+                </a:solidFill>
+                <a:latin typeface="+mn-lt"/>
+                <a:ea typeface="+mn-ea"/>
+                <a:cs typeface="+mn-cs"/>
+              </a:defRPr>
+            </a:lvl2pPr>
+            <a:lvl3pPr>
+              <a:defRPr>
+                <a:solidFill>
+                  <a:schemeClr val="lt1"/>
+                </a:solidFill>
+                <a:latin typeface="+mn-lt"/>
+                <a:ea typeface="+mn-ea"/>
+                <a:cs typeface="+mn-cs"/>
+              </a:defRPr>
+            </a:lvl3pPr>
+            <a:lvl4pPr>
+              <a:defRPr>
+                <a:solidFill>
+                  <a:schemeClr val="lt1"/>
+                </a:solidFill>
+                <a:latin typeface="+mn-lt"/>
+                <a:ea typeface="+mn-ea"/>
+                <a:cs typeface="+mn-cs"/>
+              </a:defRPr>
+            </a:lvl4pPr>
+            <a:lvl5pPr>
+              <a:defRPr>
+                <a:solidFill>
+                  <a:schemeClr val="lt1"/>
+                </a:solidFill>
+                <a:latin typeface="+mn-lt"/>
+                <a:ea typeface="+mn-ea"/>
+                <a:cs typeface="+mn-cs"/>
+              </a:defRPr>
+            </a:lvl5pPr>
+            <a:lvl6pPr>
+              <a:defRPr>
+                <a:solidFill>
+                  <a:schemeClr val="lt1"/>
+                </a:solidFill>
+                <a:latin typeface="+mn-lt"/>
+                <a:ea typeface="+mn-ea"/>
+                <a:cs typeface="+mn-cs"/>
+              </a:defRPr>
+            </a:lvl6pPr>
+            <a:lvl7pPr>
+              <a:defRPr>
+                <a:solidFill>
+                  <a:schemeClr val="lt1"/>
+                </a:solidFill>
+                <a:latin typeface="+mn-lt"/>
+                <a:ea typeface="+mn-ea"/>
+                <a:cs typeface="+mn-cs"/>
+              </a:defRPr>
+            </a:lvl7pPr>
+            <a:lvl8pPr>
+              <a:defRPr>
+                <a:solidFill>
+                  <a:schemeClr val="lt1"/>
+                </a:solidFill>
+                <a:latin typeface="+mn-lt"/>
+                <a:ea typeface="+mn-ea"/>
+                <a:cs typeface="+mn-cs"/>
+              </a:defRPr>
+            </a:lvl8pPr>
+            <a:lvl9pPr>
+              <a:defRPr>
+                <a:solidFill>
+                  <a:schemeClr val="lt1"/>
+                </a:solidFill>
+                <a:latin typeface="+mn-lt"/>
+                <a:ea typeface="+mn-ea"/>
+                <a:cs typeface="+mn-cs"/>
+              </a:defRPr>
+            </a:lvl9pPr>
+          </a:lstStyle>
+          <a:p>
+            <a:r>
+              <a:rPr lang="en-US" sz="4400" dirty="0" smtClean="0"/>
+              <a:t>How </a:t>
+            </a:r>
+            <a:r>
+              <a:rPr lang="en-US" sz="4400" b="1" dirty="0" smtClean="0">
+                <a:ln w="12700">
+                  <a:solidFill>
+                    <a:schemeClr val="tx2">
+                      <a:satMod val="155000"/>
+                    </a:schemeClr>
+                  </a:solidFill>
+                  <a:prstDash val="solid"/>
+                </a:ln>
+                <a:solidFill>
+                  <a:srgbClr val="FFFF00"/>
+                </a:solidFill>
+                <a:effectLst>
+                  <a:outerShdw blurRad="41275" dist="20320" dir="1800000" algn="tl" rotWithShape="0">
+                    <a:srgbClr val="000000">
+                      <a:alpha val="40000"/>
+                    </a:srgbClr>
+                  </a:outerShdw>
+                </a:effectLst>
+              </a:rPr>
+              <a:t>BridgeGap</a:t>
+            </a:r>
+            <a:r>
+              <a:rPr lang="en-US" sz="4400" b="1" dirty="0" smtClean="0">
+                <a:ln w="12700">
+                  <a:solidFill>
+                    <a:schemeClr val="tx2">
+                      <a:satMod val="155000"/>
+                    </a:schemeClr>
+                  </a:solidFill>
+                  <a:prstDash val="solid"/>
+                </a:ln>
+                <a:solidFill>
+                  <a:schemeClr val="bg2">
+                    <a:tint val="85000"/>
+                    <a:satMod val="155000"/>
+                  </a:schemeClr>
+                </a:solidFill>
+                <a:effectLst>
+                  <a:outerShdw blurRad="41275" dist="20320" dir="1800000" algn="tl" rotWithShape="0">
+                    <a:srgbClr val="000000">
+                      <a:alpha val="40000"/>
+                    </a:srgbClr>
+                  </a:outerShdw>
+                </a:effectLst>
+              </a:rPr>
+              <a:t> </a:t>
+            </a:r>
+            <a:r>
+              <a:rPr lang="en-US" sz="4400" dirty="0" smtClean="0"/>
+              <a:t>Training Programme </a:t>
+            </a:r>
+            <a:r>
+              <a:rPr lang="en-US" sz="4400" b="1" dirty="0" smtClean="0"/>
+              <a:t>Works</a:t>
+            </a:r>
+            <a:r>
+              <a:rPr lang="en-US" sz="4400" dirty="0" smtClean="0"/>
+              <a:t>?</a:t>
+            </a:r>
+            <a:endParaRPr lang="en-US" sz="4400" dirty="0"/>
           </a:p>
         </p:txBody>
       </p:sp>
     </p:spTree>
     <p:extLst>
       <p:ext uri="{BB962C8B-B14F-4D97-AF65-F5344CB8AC3E}">
-        <p14:creationId xmlns:p14="http://schemas.microsoft.com/office/powerpoint/2010/main" val="1461232456"/>
+        <p14:creationId xmlns:p14="http://schemas.microsoft.com/office/powerpoint/2010/main" val="1963680947"/>
       </p:ext>
     </p:extLst>
   </p:cSld>
@@ -5117,80 +8166,937 @@
       </p:grpSpPr>
       <p:sp>
         <p:nvSpPr>
-          <p:cNvPr id="2" name="Title 1"/>
+          <p:cNvPr id="3" name="Content Placeholder 2"/>
           <p:cNvSpPr>
             <a:spLocks noGrp="1"/>
           </p:cNvSpPr>
           <p:nvPr>
-            <p:ph type="ctrTitle"/>
-          </p:nvPr>
-        </p:nvSpPr>
-        <p:spPr>
-          <a:xfrm>
-            <a:off x="1322921" y="1305447"/>
-            <a:ext cx="6498158" cy="1943420"/>
-          </a:xfrm>
-        </p:spPr>
-        <p:txBody>
-          <a:bodyPr anchor="ctr" anchorCtr="0"/>
+            <p:ph idx="1"/>
+          </p:nvPr>
+        </p:nvSpPr>
+        <p:spPr>
+          <a:xfrm>
+            <a:off x="549275" y="1781757"/>
+            <a:ext cx="8042276" cy="4516136"/>
+          </a:xfrm>
+        </p:spPr>
+        <p:txBody>
+          <a:bodyPr>
+            <a:normAutofit/>
+          </a:bodyPr>
           <a:lstStyle/>
           <a:p>
+            <a:pPr algn="just">
+              <a:spcAft>
+                <a:spcPts val="1200"/>
+              </a:spcAft>
+            </a:pPr>
+            <a:r>
+              <a:rPr lang="en-US" b="1" dirty="0"/>
+              <a:t>Content </a:t>
+            </a:r>
+            <a:r>
+              <a:rPr lang="en-US" b="1" dirty="0" smtClean="0"/>
+              <a:t>Mentoring </a:t>
+            </a:r>
             <a:r>
               <a:rPr lang="en-US" dirty="0" smtClean="0"/>
-              <a:t>Thank you</a:t>
-            </a:r>
-            <a:br>
+              <a:t>– </a:t>
+            </a:r>
+          </a:p>
+          <a:p>
+            <a:pPr lvl="1" algn="just"/>
+            <a:r>
+              <a:rPr lang="en-US" dirty="0"/>
+              <a:t>Mentoring Process is </a:t>
+            </a:r>
+            <a:r>
               <a:rPr lang="en-US" dirty="0" smtClean="0"/>
-            </a:br>
+              <a:t>based on the philosophy of  </a:t>
+            </a:r>
+            <a:r>
+              <a:rPr lang="en-US" b="1" dirty="0" smtClean="0"/>
+              <a:t>One </a:t>
+            </a:r>
+            <a:r>
+              <a:rPr lang="en-US" b="1" dirty="0"/>
+              <a:t>Skill - One Mentor - One </a:t>
+            </a:r>
+            <a:r>
+              <a:rPr lang="en-US" b="1" dirty="0" smtClean="0"/>
+              <a:t>Student</a:t>
+            </a:r>
             <a:r>
               <a:rPr lang="en-US" dirty="0" smtClean="0"/>
-              <a:t>Make Tech Ez</a:t>
+              <a:t>. </a:t>
+            </a:r>
+            <a:r>
+              <a:rPr lang="en-US" dirty="0"/>
+              <a:t>This helps to </a:t>
+            </a:r>
+            <a:r>
+              <a:rPr lang="en-US" dirty="0" smtClean="0"/>
+              <a:t>identify </a:t>
+            </a:r>
+            <a:r>
+              <a:rPr lang="en-US" dirty="0"/>
+              <a:t>skill gaps in the </a:t>
+            </a:r>
+            <a:r>
+              <a:rPr lang="en-US" dirty="0" smtClean="0"/>
+              <a:t>engineers </a:t>
+            </a:r>
+            <a:r>
+              <a:rPr lang="en-US" dirty="0"/>
+              <a:t>and guide </a:t>
+            </a:r>
+            <a:r>
+              <a:rPr lang="en-US" dirty="0" smtClean="0"/>
+              <a:t>them appropriately</a:t>
+            </a:r>
+          </a:p>
+          <a:p>
+            <a:pPr lvl="1" algn="just"/>
+            <a:r>
+              <a:rPr lang="en-US" dirty="0"/>
+              <a:t>After Every Step </a:t>
+            </a:r>
+            <a:r>
+              <a:rPr lang="en-US" dirty="0" smtClean="0"/>
+              <a:t>mentor </a:t>
+            </a:r>
+            <a:r>
+              <a:rPr lang="en-US" b="1" dirty="0"/>
+              <a:t>cross </a:t>
+            </a:r>
+            <a:r>
+              <a:rPr lang="en-US" b="1" dirty="0" smtClean="0"/>
+              <a:t>examines </a:t>
+            </a:r>
+            <a:r>
+              <a:rPr lang="en-US" dirty="0" smtClean="0"/>
+              <a:t>the engineer one</a:t>
+            </a:r>
+            <a:r>
+              <a:rPr lang="en-US" dirty="0"/>
+              <a:t>-on-one </a:t>
+            </a:r>
+            <a:r>
+              <a:rPr lang="en-US" dirty="0" smtClean="0"/>
+              <a:t>to </a:t>
+            </a:r>
+            <a:r>
+              <a:rPr lang="en-US" dirty="0"/>
+              <a:t>check the level of understanding and </a:t>
+            </a:r>
+            <a:r>
+              <a:rPr lang="en-US" dirty="0" smtClean="0"/>
+              <a:t>give  them practice programs accordingly.</a:t>
             </a:r>
             <a:endParaRPr lang="en-US" dirty="0"/>
           </a:p>
-        </p:txBody>
-      </p:sp>
-      <p:sp>
-        <p:nvSpPr>
-          <p:cNvPr id="3" name="Subtitle 2"/>
+          <a:p>
+            <a:pPr lvl="1" algn="just"/>
+            <a:endParaRPr lang="en-US" dirty="0" smtClean="0"/>
+          </a:p>
+          <a:p>
+            <a:pPr marL="349250" lvl="1" indent="0" algn="just">
+              <a:buNone/>
+            </a:pPr>
+            <a:r>
+              <a:rPr lang="en-US" dirty="0" smtClean="0"/>
+              <a:t>Internally our Mentors are called </a:t>
+            </a:r>
+          </a:p>
+        </p:txBody>
+      </p:sp>
+      <p:sp>
+        <p:nvSpPr>
+          <p:cNvPr id="5" name="TextBox 4"/>
+          <p:cNvSpPr txBox="1"/>
+          <p:nvPr/>
+        </p:nvSpPr>
+        <p:spPr>
+          <a:xfrm>
+            <a:off x="4427582" y="5677459"/>
+            <a:ext cx="2399005" cy="461665"/>
+          </a:xfrm>
+          <a:prstGeom prst="rect">
+            <a:avLst/>
+          </a:prstGeom>
+          <a:noFill/>
+        </p:spPr>
+        <p:txBody>
+          <a:bodyPr wrap="square" rtlCol="0">
+            <a:spAutoFit/>
+          </a:bodyPr>
+          <a:lstStyle/>
+          <a:p>
+            <a:r>
+              <a:rPr lang="en-US" sz="2400" b="1" dirty="0" smtClean="0"/>
+              <a:t>Dronaacharya</a:t>
+            </a:r>
+            <a:endParaRPr lang="en-US" sz="2400" b="1" dirty="0"/>
+          </a:p>
+        </p:txBody>
+      </p:sp>
+      <p:pic>
+        <p:nvPicPr>
+          <p:cNvPr id="6" name="Picture 5"/>
+          <p:cNvPicPr>
+            <a:picLocks noChangeAspect="1"/>
+          </p:cNvPicPr>
+          <p:nvPr/>
+        </p:nvPicPr>
+        <p:blipFill>
+          <a:blip r:embed="rId2"/>
+          <a:stretch>
+            <a:fillRect/>
+          </a:stretch>
+        </p:blipFill>
+        <p:spPr>
+          <a:xfrm>
+            <a:off x="6580872" y="5015398"/>
+            <a:ext cx="2438400" cy="1625600"/>
+          </a:xfrm>
+          <a:prstGeom prst="rect">
+            <a:avLst/>
+          </a:prstGeom>
+        </p:spPr>
+      </p:pic>
+      <p:pic>
+        <p:nvPicPr>
+          <p:cNvPr id="9" name="Picture 8"/>
+          <p:cNvPicPr>
+            <a:picLocks noChangeAspect="1"/>
+          </p:cNvPicPr>
+          <p:nvPr/>
+        </p:nvPicPr>
+        <p:blipFill>
+          <a:blip r:embed="rId3"/>
+          <a:stretch>
+            <a:fillRect/>
+          </a:stretch>
+        </p:blipFill>
+        <p:spPr>
+          <a:xfrm>
+            <a:off x="7288672" y="126820"/>
+            <a:ext cx="1317712" cy="1317712"/>
+          </a:xfrm>
+          <a:prstGeom prst="rect">
+            <a:avLst/>
+          </a:prstGeom>
+        </p:spPr>
+      </p:pic>
+      <p:sp>
+        <p:nvSpPr>
+          <p:cNvPr id="10" name="Title 3"/>
           <p:cNvSpPr>
             <a:spLocks noGrp="1"/>
           </p:cNvSpPr>
           <p:nvPr>
-            <p:ph type="subTitle" idx="1"/>
-          </p:nvPr>
-        </p:nvSpPr>
-        <p:spPr/>
-        <p:txBody>
-          <a:bodyPr>
+            <p:ph type="title"/>
+          </p:nvPr>
+        </p:nvSpPr>
+        <p:spPr>
+          <a:xfrm>
+            <a:off x="549275" y="107576"/>
+            <a:ext cx="8042276" cy="1336956"/>
+          </a:xfrm>
+        </p:spPr>
+        <p:txBody>
+          <a:bodyPr/>
+          <a:lstStyle/>
+          <a:p>
+            <a:endParaRPr lang="en-US"/>
+          </a:p>
+        </p:txBody>
+      </p:sp>
+      <p:sp>
+        <p:nvSpPr>
+          <p:cNvPr id="11" name="Title 1"/>
+          <p:cNvSpPr txBox="1">
+            <a:spLocks/>
+          </p:cNvSpPr>
+          <p:nvPr/>
+        </p:nvSpPr>
+        <p:spPr>
+          <a:xfrm>
+            <a:off x="549275" y="107576"/>
+            <a:ext cx="6705319" cy="1336956"/>
+          </a:xfrm>
+          <a:prstGeom prst="rect">
+            <a:avLst/>
+          </a:prstGeom>
+        </p:spPr>
+        <p:style>
+          <a:lnRef idx="2">
+            <a:schemeClr val="accent1">
+              <a:shade val="50000"/>
+            </a:schemeClr>
+          </a:lnRef>
+          <a:fillRef idx="1">
+            <a:schemeClr val="accent1"/>
+          </a:fillRef>
+          <a:effectRef idx="0">
+            <a:schemeClr val="accent1"/>
+          </a:effectRef>
+          <a:fontRef idx="minor">
+            <a:schemeClr val="lt1"/>
+          </a:fontRef>
+        </p:style>
+        <p:txBody>
+          <a:bodyPr vert="horz" lIns="91440" tIns="45720" rIns="91440" bIns="45720" rtlCol="0" anchor="ctr" anchorCtr="0">
             <a:noAutofit/>
           </a:bodyPr>
-          <a:lstStyle/>
-          <a:p>
-            <a:pPr>
-              <a:lnSpc>
-                <a:spcPct val="150000"/>
-              </a:lnSpc>
-            </a:pPr>
-            <a:r>
-              <a:rPr lang="en-US" sz="2400" dirty="0"/>
-              <a:t>Get Onto Technology </a:t>
-            </a:r>
-            <a:r>
-              <a:rPr lang="en-US" sz="2400" dirty="0" smtClean="0"/>
+          <a:lstStyle>
+            <a:lvl1pPr algn="ctr" defTabSz="914400" rtl="0" eaLnBrk="1" latinLnBrk="0" hangingPunct="1">
+              <a:spcBef>
+                <a:spcPct val="0"/>
+              </a:spcBef>
+              <a:buNone/>
+              <a:defRPr sz="4600" kern="1200">
+                <a:solidFill>
+                  <a:schemeClr val="lt1"/>
+                </a:solidFill>
+                <a:latin typeface="+mn-lt"/>
+                <a:ea typeface="+mn-ea"/>
+                <a:cs typeface="+mn-cs"/>
+              </a:defRPr>
+            </a:lvl1pPr>
+            <a:lvl2pPr>
+              <a:defRPr>
+                <a:solidFill>
+                  <a:schemeClr val="lt1"/>
+                </a:solidFill>
+                <a:latin typeface="+mn-lt"/>
+                <a:ea typeface="+mn-ea"/>
+                <a:cs typeface="+mn-cs"/>
+              </a:defRPr>
+            </a:lvl2pPr>
+            <a:lvl3pPr>
+              <a:defRPr>
+                <a:solidFill>
+                  <a:schemeClr val="lt1"/>
+                </a:solidFill>
+                <a:latin typeface="+mn-lt"/>
+                <a:ea typeface="+mn-ea"/>
+                <a:cs typeface="+mn-cs"/>
+              </a:defRPr>
+            </a:lvl3pPr>
+            <a:lvl4pPr>
+              <a:defRPr>
+                <a:solidFill>
+                  <a:schemeClr val="lt1"/>
+                </a:solidFill>
+                <a:latin typeface="+mn-lt"/>
+                <a:ea typeface="+mn-ea"/>
+                <a:cs typeface="+mn-cs"/>
+              </a:defRPr>
+            </a:lvl4pPr>
+            <a:lvl5pPr>
+              <a:defRPr>
+                <a:solidFill>
+                  <a:schemeClr val="lt1"/>
+                </a:solidFill>
+                <a:latin typeface="+mn-lt"/>
+                <a:ea typeface="+mn-ea"/>
+                <a:cs typeface="+mn-cs"/>
+              </a:defRPr>
+            </a:lvl5pPr>
+            <a:lvl6pPr>
+              <a:defRPr>
+                <a:solidFill>
+                  <a:schemeClr val="lt1"/>
+                </a:solidFill>
+                <a:latin typeface="+mn-lt"/>
+                <a:ea typeface="+mn-ea"/>
+                <a:cs typeface="+mn-cs"/>
+              </a:defRPr>
+            </a:lvl6pPr>
+            <a:lvl7pPr>
+              <a:defRPr>
+                <a:solidFill>
+                  <a:schemeClr val="lt1"/>
+                </a:solidFill>
+                <a:latin typeface="+mn-lt"/>
+                <a:ea typeface="+mn-ea"/>
+                <a:cs typeface="+mn-cs"/>
+              </a:defRPr>
+            </a:lvl7pPr>
+            <a:lvl8pPr>
+              <a:defRPr>
+                <a:solidFill>
+                  <a:schemeClr val="lt1"/>
+                </a:solidFill>
+                <a:latin typeface="+mn-lt"/>
+                <a:ea typeface="+mn-ea"/>
+                <a:cs typeface="+mn-cs"/>
+              </a:defRPr>
+            </a:lvl8pPr>
+            <a:lvl9pPr>
+              <a:defRPr>
+                <a:solidFill>
+                  <a:schemeClr val="lt1"/>
+                </a:solidFill>
+                <a:latin typeface="+mn-lt"/>
+                <a:ea typeface="+mn-ea"/>
+                <a:cs typeface="+mn-cs"/>
+              </a:defRPr>
+            </a:lvl9pPr>
+          </a:lstStyle>
+          <a:p>
+            <a:r>
+              <a:rPr lang="en-US" sz="4400" dirty="0" smtClean="0"/>
+              <a:t>How </a:t>
+            </a:r>
+            <a:r>
+              <a:rPr lang="en-US" sz="4400" b="1" dirty="0" smtClean="0">
+                <a:ln w="12700">
+                  <a:solidFill>
+                    <a:schemeClr val="tx2">
+                      <a:satMod val="155000"/>
+                    </a:schemeClr>
+                  </a:solidFill>
+                  <a:prstDash val="solid"/>
+                </a:ln>
+                <a:solidFill>
+                  <a:srgbClr val="FFFF00"/>
+                </a:solidFill>
+                <a:effectLst>
+                  <a:outerShdw blurRad="41275" dist="20320" dir="1800000" algn="tl" rotWithShape="0">
+                    <a:srgbClr val="000000">
+                      <a:alpha val="40000"/>
+                    </a:srgbClr>
+                  </a:outerShdw>
+                </a:effectLst>
+              </a:rPr>
+              <a:t>BridgeGap</a:t>
+            </a:r>
+            <a:r>
+              <a:rPr lang="en-US" sz="4400" b="1" dirty="0" smtClean="0">
+                <a:ln w="12700">
+                  <a:solidFill>
+                    <a:schemeClr val="tx2">
+                      <a:satMod val="155000"/>
+                    </a:schemeClr>
+                  </a:solidFill>
+                  <a:prstDash val="solid"/>
+                </a:ln>
+                <a:solidFill>
+                  <a:schemeClr val="bg2">
+                    <a:tint val="85000"/>
+                    <a:satMod val="155000"/>
+                  </a:schemeClr>
+                </a:solidFill>
+                <a:effectLst>
+                  <a:outerShdw blurRad="41275" dist="20320" dir="1800000" algn="tl" rotWithShape="0">
+                    <a:srgbClr val="000000">
+                      <a:alpha val="40000"/>
+                    </a:srgbClr>
+                  </a:outerShdw>
+                </a:effectLst>
+              </a:rPr>
+              <a:t> </a:t>
+            </a:r>
+            <a:r>
+              <a:rPr lang="en-US" sz="4400" dirty="0" smtClean="0"/>
               <a:t>Training Programme </a:t>
             </a:r>
             <a:r>
-              <a:rPr lang="en-US" sz="2400" dirty="0"/>
-              <a:t>for Fresh Engineers</a:t>
-            </a:r>
+              <a:rPr lang="en-US" sz="4400" b="1" dirty="0" smtClean="0"/>
+              <a:t>Works</a:t>
+            </a:r>
+            <a:r>
+              <a:rPr lang="en-US" sz="4400" dirty="0" smtClean="0"/>
+              <a:t>?</a:t>
+            </a:r>
+            <a:endParaRPr lang="en-US" sz="4400" dirty="0"/>
           </a:p>
         </p:txBody>
       </p:sp>
     </p:spTree>
     <p:extLst>
       <p:ext uri="{BB962C8B-B14F-4D97-AF65-F5344CB8AC3E}">
-        <p14:creationId xmlns:p14="http://schemas.microsoft.com/office/powerpoint/2010/main" val="756434886"/>
+        <p14:creationId xmlns:p14="http://schemas.microsoft.com/office/powerpoint/2010/main" val="4190317840"/>
+      </p:ext>
+    </p:extLst>
+  </p:cSld>
+  <p:clrMapOvr>
+    <a:masterClrMapping/>
+  </p:clrMapOvr>
+  <p:timing>
+    <p:tnLst>
+      <p:par>
+        <p:cTn xmlns:p14="http://schemas.microsoft.com/office/powerpoint/2010/main" id="1" dur="indefinite" restart="never" nodeType="tmRoot"/>
+      </p:par>
+    </p:tnLst>
+  </p:timing>
+</p:sld>
+</file>
+
+<file path=ppt/slides/slide19.xml><?xml version="1.0" encoding="utf-8"?>
+<p:sld xmlns:a="http://schemas.openxmlformats.org/drawingml/2006/main" xmlns:r="http://schemas.openxmlformats.org/officeDocument/2006/relationships" xmlns:p="http://schemas.openxmlformats.org/presentationml/2006/main">
+  <p:cSld>
+    <p:spTree>
+      <p:nvGrpSpPr>
+        <p:cNvPr id="1" name=""/>
+        <p:cNvGrpSpPr/>
+        <p:nvPr/>
+      </p:nvGrpSpPr>
+      <p:grpSpPr>
+        <a:xfrm>
+          <a:off x="0" y="0"/>
+          <a:ext cx="0" cy="0"/>
+          <a:chOff x="0" y="0"/>
+          <a:chExt cx="0" cy="0"/>
+        </a:xfrm>
+      </p:grpSpPr>
+      <p:sp>
+        <p:nvSpPr>
+          <p:cNvPr id="3" name="Content Placeholder 2"/>
+          <p:cNvSpPr>
+            <a:spLocks noGrp="1"/>
+          </p:cNvSpPr>
+          <p:nvPr>
+            <p:ph idx="1"/>
+          </p:nvPr>
+        </p:nvSpPr>
+        <p:spPr>
+          <a:xfrm>
+            <a:off x="549275" y="1605346"/>
+            <a:ext cx="8042276" cy="4533777"/>
+          </a:xfrm>
+        </p:spPr>
+        <p:txBody>
+          <a:bodyPr>
+            <a:normAutofit/>
+          </a:bodyPr>
+          <a:lstStyle/>
+          <a:p>
+            <a:pPr algn="just">
+              <a:spcBef>
+                <a:spcPts val="1400"/>
+              </a:spcBef>
+              <a:spcAft>
+                <a:spcPts val="1200"/>
+              </a:spcAft>
+            </a:pPr>
+            <a:r>
+              <a:rPr lang="en-US" b="1" dirty="0" smtClean="0"/>
+              <a:t>Content Delivery </a:t>
+            </a:r>
+            <a:r>
+              <a:rPr lang="en-US" dirty="0"/>
+              <a:t>– </a:t>
+            </a:r>
+          </a:p>
+          <a:p>
+            <a:pPr lvl="1" algn="just">
+              <a:spcBef>
+                <a:spcPts val="0"/>
+              </a:spcBef>
+            </a:pPr>
+            <a:r>
+              <a:rPr lang="en-US" dirty="0"/>
+              <a:t>Online Training </a:t>
+            </a:r>
+            <a:r>
+              <a:rPr lang="en-US" dirty="0" smtClean="0"/>
+              <a:t>Content and Self Paced Study by Engineer</a:t>
+            </a:r>
+          </a:p>
+          <a:p>
+            <a:pPr lvl="1" algn="just"/>
+            <a:r>
+              <a:rPr lang="en-US" dirty="0"/>
+              <a:t>Mentor and Engineer connect using Google Hangout or Skype One-on-One where-in Mentor can see the shared desktop of engineer, ask questions on concepts and give </a:t>
+            </a:r>
+            <a:r>
+              <a:rPr lang="en-US" dirty="0" smtClean="0"/>
+              <a:t>Practice Programs </a:t>
+            </a:r>
+            <a:r>
+              <a:rPr lang="en-US" dirty="0"/>
+              <a:t>from the pre-defined list</a:t>
+            </a:r>
+            <a:endParaRPr lang="en-US" dirty="0" smtClean="0"/>
+          </a:p>
+        </p:txBody>
+      </p:sp>
+      <p:pic>
+        <p:nvPicPr>
+          <p:cNvPr id="5" name="Picture 4"/>
+          <p:cNvPicPr>
+            <a:picLocks noChangeAspect="1"/>
+          </p:cNvPicPr>
+          <p:nvPr/>
+        </p:nvPicPr>
+        <p:blipFill>
+          <a:blip r:embed="rId2"/>
+          <a:stretch>
+            <a:fillRect/>
+          </a:stretch>
+        </p:blipFill>
+        <p:spPr>
+          <a:xfrm>
+            <a:off x="2981116" y="4405204"/>
+            <a:ext cx="3520570" cy="1716277"/>
+          </a:xfrm>
+          <a:prstGeom prst="rect">
+            <a:avLst/>
+          </a:prstGeom>
+        </p:spPr>
+      </p:pic>
+      <p:pic>
+        <p:nvPicPr>
+          <p:cNvPr id="7" name="Picture 6"/>
+          <p:cNvPicPr>
+            <a:picLocks noChangeAspect="1"/>
+          </p:cNvPicPr>
+          <p:nvPr/>
+        </p:nvPicPr>
+        <p:blipFill>
+          <a:blip r:embed="rId3"/>
+          <a:stretch>
+            <a:fillRect/>
+          </a:stretch>
+        </p:blipFill>
+        <p:spPr>
+          <a:xfrm>
+            <a:off x="6829424" y="4458126"/>
+            <a:ext cx="1218947" cy="1663355"/>
+          </a:xfrm>
+          <a:prstGeom prst="rect">
+            <a:avLst/>
+          </a:prstGeom>
+        </p:spPr>
+      </p:pic>
+      <p:sp>
+        <p:nvSpPr>
+          <p:cNvPr id="9" name="Rectangle 8"/>
+          <p:cNvSpPr/>
+          <p:nvPr/>
+        </p:nvSpPr>
+        <p:spPr>
+          <a:xfrm>
+            <a:off x="547574" y="6156764"/>
+            <a:ext cx="8225254" cy="646331"/>
+          </a:xfrm>
+          <a:prstGeom prst="rect">
+            <a:avLst/>
+          </a:prstGeom>
+          <a:noFill/>
+        </p:spPr>
+        <p:txBody>
+          <a:bodyPr wrap="none" lIns="91440" tIns="45720" rIns="91440" bIns="45720">
+            <a:spAutoFit/>
+          </a:bodyPr>
+          <a:lstStyle/>
+          <a:p>
+            <a:pPr algn="ctr"/>
+            <a:r>
+              <a:rPr lang="en-US" sz="3600" b="1" cap="none" spc="0" dirty="0" smtClean="0">
+                <a:ln w="12700">
+                  <a:solidFill>
+                    <a:schemeClr val="tx2">
+                      <a:satMod val="155000"/>
+                    </a:schemeClr>
+                  </a:solidFill>
+                  <a:prstDash val="solid"/>
+                </a:ln>
+                <a:solidFill>
+                  <a:schemeClr val="bg2">
+                    <a:tint val="85000"/>
+                    <a:satMod val="155000"/>
+                  </a:schemeClr>
+                </a:solidFill>
+                <a:effectLst>
+                  <a:outerShdw blurRad="41275" dist="20320" dir="1800000" algn="tl" rotWithShape="0">
+                    <a:srgbClr val="000000">
+                      <a:alpha val="40000"/>
+                    </a:srgbClr>
+                  </a:outerShdw>
+                </a:effectLst>
+              </a:rPr>
+              <a:t>Real People - Real Help - Real Time</a:t>
+            </a:r>
+            <a:endParaRPr lang="en-US" sz="3600" b="1" cap="none" spc="0" dirty="0">
+              <a:ln w="12700">
+                <a:solidFill>
+                  <a:schemeClr val="tx2">
+                    <a:satMod val="155000"/>
+                  </a:schemeClr>
+                </a:solidFill>
+                <a:prstDash val="solid"/>
+              </a:ln>
+              <a:solidFill>
+                <a:schemeClr val="bg2">
+                  <a:tint val="85000"/>
+                  <a:satMod val="155000"/>
+                </a:schemeClr>
+              </a:solidFill>
+              <a:effectLst>
+                <a:outerShdw blurRad="41275" dist="20320" dir="1800000" algn="tl" rotWithShape="0">
+                  <a:srgbClr val="000000">
+                    <a:alpha val="40000"/>
+                  </a:srgbClr>
+                </a:outerShdw>
+              </a:effectLst>
+            </a:endParaRPr>
+          </a:p>
+        </p:txBody>
+      </p:sp>
+      <p:sp>
+        <p:nvSpPr>
+          <p:cNvPr id="8" name="Title 7"/>
+          <p:cNvSpPr>
+            <a:spLocks noGrp="1"/>
+          </p:cNvSpPr>
+          <p:nvPr>
+            <p:ph type="title"/>
+          </p:nvPr>
+        </p:nvSpPr>
+        <p:spPr/>
+        <p:txBody>
+          <a:bodyPr/>
+          <a:lstStyle/>
+          <a:p>
+            <a:endParaRPr lang="en-US"/>
+          </a:p>
+        </p:txBody>
+      </p:sp>
+      <p:pic>
+        <p:nvPicPr>
+          <p:cNvPr id="10" name="Picture 9"/>
+          <p:cNvPicPr>
+            <a:picLocks noChangeAspect="1"/>
+          </p:cNvPicPr>
+          <p:nvPr/>
+        </p:nvPicPr>
+        <p:blipFill>
+          <a:blip r:embed="rId4"/>
+          <a:stretch>
+            <a:fillRect/>
+          </a:stretch>
+        </p:blipFill>
+        <p:spPr>
+          <a:xfrm>
+            <a:off x="7288672" y="126820"/>
+            <a:ext cx="1317712" cy="1317712"/>
+          </a:xfrm>
+          <a:prstGeom prst="rect">
+            <a:avLst/>
+          </a:prstGeom>
+        </p:spPr>
+      </p:pic>
+      <p:sp>
+        <p:nvSpPr>
+          <p:cNvPr id="11" name="Title 1"/>
+          <p:cNvSpPr txBox="1">
+            <a:spLocks/>
+          </p:cNvSpPr>
+          <p:nvPr/>
+        </p:nvSpPr>
+        <p:spPr>
+          <a:xfrm>
+            <a:off x="549275" y="107576"/>
+            <a:ext cx="6705319" cy="1336956"/>
+          </a:xfrm>
+          <a:prstGeom prst="rect">
+            <a:avLst/>
+          </a:prstGeom>
+        </p:spPr>
+        <p:style>
+          <a:lnRef idx="2">
+            <a:schemeClr val="accent1">
+              <a:shade val="50000"/>
+            </a:schemeClr>
+          </a:lnRef>
+          <a:fillRef idx="1">
+            <a:schemeClr val="accent1"/>
+          </a:fillRef>
+          <a:effectRef idx="0">
+            <a:schemeClr val="accent1"/>
+          </a:effectRef>
+          <a:fontRef idx="minor">
+            <a:schemeClr val="lt1"/>
+          </a:fontRef>
+        </p:style>
+        <p:txBody>
+          <a:bodyPr vert="horz" lIns="91440" tIns="45720" rIns="91440" bIns="45720" rtlCol="0" anchor="ctr" anchorCtr="0">
+            <a:noAutofit/>
+          </a:bodyPr>
+          <a:lstStyle>
+            <a:lvl1pPr algn="ctr" defTabSz="914400" rtl="0" eaLnBrk="1" latinLnBrk="0" hangingPunct="1">
+              <a:spcBef>
+                <a:spcPct val="0"/>
+              </a:spcBef>
+              <a:buNone/>
+              <a:defRPr sz="4600" kern="1200">
+                <a:solidFill>
+                  <a:schemeClr val="lt1"/>
+                </a:solidFill>
+                <a:latin typeface="+mn-lt"/>
+                <a:ea typeface="+mn-ea"/>
+                <a:cs typeface="+mn-cs"/>
+              </a:defRPr>
+            </a:lvl1pPr>
+            <a:lvl2pPr>
+              <a:defRPr>
+                <a:solidFill>
+                  <a:schemeClr val="lt1"/>
+                </a:solidFill>
+                <a:latin typeface="+mn-lt"/>
+                <a:ea typeface="+mn-ea"/>
+                <a:cs typeface="+mn-cs"/>
+              </a:defRPr>
+            </a:lvl2pPr>
+            <a:lvl3pPr>
+              <a:defRPr>
+                <a:solidFill>
+                  <a:schemeClr val="lt1"/>
+                </a:solidFill>
+                <a:latin typeface="+mn-lt"/>
+                <a:ea typeface="+mn-ea"/>
+                <a:cs typeface="+mn-cs"/>
+              </a:defRPr>
+            </a:lvl3pPr>
+            <a:lvl4pPr>
+              <a:defRPr>
+                <a:solidFill>
+                  <a:schemeClr val="lt1"/>
+                </a:solidFill>
+                <a:latin typeface="+mn-lt"/>
+                <a:ea typeface="+mn-ea"/>
+                <a:cs typeface="+mn-cs"/>
+              </a:defRPr>
+            </a:lvl4pPr>
+            <a:lvl5pPr>
+              <a:defRPr>
+                <a:solidFill>
+                  <a:schemeClr val="lt1"/>
+                </a:solidFill>
+                <a:latin typeface="+mn-lt"/>
+                <a:ea typeface="+mn-ea"/>
+                <a:cs typeface="+mn-cs"/>
+              </a:defRPr>
+            </a:lvl5pPr>
+            <a:lvl6pPr>
+              <a:defRPr>
+                <a:solidFill>
+                  <a:schemeClr val="lt1"/>
+                </a:solidFill>
+                <a:latin typeface="+mn-lt"/>
+                <a:ea typeface="+mn-ea"/>
+                <a:cs typeface="+mn-cs"/>
+              </a:defRPr>
+            </a:lvl6pPr>
+            <a:lvl7pPr>
+              <a:defRPr>
+                <a:solidFill>
+                  <a:schemeClr val="lt1"/>
+                </a:solidFill>
+                <a:latin typeface="+mn-lt"/>
+                <a:ea typeface="+mn-ea"/>
+                <a:cs typeface="+mn-cs"/>
+              </a:defRPr>
+            </a:lvl7pPr>
+            <a:lvl8pPr>
+              <a:defRPr>
+                <a:solidFill>
+                  <a:schemeClr val="lt1"/>
+                </a:solidFill>
+                <a:latin typeface="+mn-lt"/>
+                <a:ea typeface="+mn-ea"/>
+                <a:cs typeface="+mn-cs"/>
+              </a:defRPr>
+            </a:lvl8pPr>
+            <a:lvl9pPr>
+              <a:defRPr>
+                <a:solidFill>
+                  <a:schemeClr val="lt1"/>
+                </a:solidFill>
+                <a:latin typeface="+mn-lt"/>
+                <a:ea typeface="+mn-ea"/>
+                <a:cs typeface="+mn-cs"/>
+              </a:defRPr>
+            </a:lvl9pPr>
+          </a:lstStyle>
+          <a:p>
+            <a:r>
+              <a:rPr lang="en-US" sz="4400" dirty="0" smtClean="0"/>
+              <a:t>How </a:t>
+            </a:r>
+            <a:r>
+              <a:rPr lang="en-US" sz="4400" b="1" dirty="0" smtClean="0">
+                <a:ln w="12700">
+                  <a:solidFill>
+                    <a:schemeClr val="tx2">
+                      <a:satMod val="155000"/>
+                    </a:schemeClr>
+                  </a:solidFill>
+                  <a:prstDash val="solid"/>
+                </a:ln>
+                <a:solidFill>
+                  <a:srgbClr val="FFFF00"/>
+                </a:solidFill>
+                <a:effectLst>
+                  <a:outerShdw blurRad="41275" dist="20320" dir="1800000" algn="tl" rotWithShape="0">
+                    <a:srgbClr val="000000">
+                      <a:alpha val="40000"/>
+                    </a:srgbClr>
+                  </a:outerShdw>
+                </a:effectLst>
+              </a:rPr>
+              <a:t>BridgeGap</a:t>
+            </a:r>
+            <a:r>
+              <a:rPr lang="en-US" sz="4400" b="1" dirty="0" smtClean="0">
+                <a:ln w="12700">
+                  <a:solidFill>
+                    <a:schemeClr val="tx2">
+                      <a:satMod val="155000"/>
+                    </a:schemeClr>
+                  </a:solidFill>
+                  <a:prstDash val="solid"/>
+                </a:ln>
+                <a:solidFill>
+                  <a:schemeClr val="bg2">
+                    <a:tint val="85000"/>
+                    <a:satMod val="155000"/>
+                  </a:schemeClr>
+                </a:solidFill>
+                <a:effectLst>
+                  <a:outerShdw blurRad="41275" dist="20320" dir="1800000" algn="tl" rotWithShape="0">
+                    <a:srgbClr val="000000">
+                      <a:alpha val="40000"/>
+                    </a:srgbClr>
+                  </a:outerShdw>
+                </a:effectLst>
+              </a:rPr>
+              <a:t> </a:t>
+            </a:r>
+            <a:r>
+              <a:rPr lang="en-US" sz="4400" dirty="0" smtClean="0"/>
+              <a:t>Training Programme </a:t>
+            </a:r>
+            <a:r>
+              <a:rPr lang="en-US" sz="4400" b="1" dirty="0" smtClean="0"/>
+              <a:t>Works</a:t>
+            </a:r>
+            <a:r>
+              <a:rPr lang="en-US" sz="4400" dirty="0" smtClean="0"/>
+              <a:t>?</a:t>
+            </a:r>
+            <a:endParaRPr lang="en-US" sz="4400" dirty="0"/>
+          </a:p>
+        </p:txBody>
+      </p:sp>
+    </p:spTree>
+    <p:extLst>
+      <p:ext uri="{BB962C8B-B14F-4D97-AF65-F5344CB8AC3E}">
+        <p14:creationId xmlns:p14="http://schemas.microsoft.com/office/powerpoint/2010/main" val="4108502842"/>
       </p:ext>
     </p:extLst>
   </p:cSld>
@@ -5257,7 +9163,15 @@
           <a:p>
             <a:r>
               <a:rPr lang="en-US" dirty="0"/>
-              <a:t>Engineers, Are They Employable?</a:t>
+              <a:t>Engineers, Are They </a:t>
+            </a:r>
+            <a:r>
+              <a:rPr lang="en-US" b="1" dirty="0"/>
+              <a:t>Employable</a:t>
+            </a:r>
+            <a:r>
+              <a:rPr lang="en-US" dirty="0"/>
+              <a:t>?</a:t>
             </a:r>
           </a:p>
         </p:txBody>
@@ -5274,23 +9188,37 @@
         </p:nvSpPr>
         <p:spPr>
           <a:xfrm>
-            <a:off x="549275" y="1600200"/>
-            <a:ext cx="8042276" cy="4684581"/>
-          </a:xfrm>
-        </p:spPr>
-        <p:txBody>
-          <a:bodyPr anchor="ctr" anchorCtr="0"/>
+            <a:off x="549275" y="3598797"/>
+            <a:ext cx="8042276" cy="2562497"/>
+          </a:xfrm>
+        </p:spPr>
+        <p:txBody>
+          <a:bodyPr anchor="ctr" anchorCtr="0">
+            <a:normAutofit/>
+          </a:bodyPr>
           <a:lstStyle/>
           <a:p>
-            <a:pPr marL="0" indent="0">
+            <a:pPr marL="0" indent="0" algn="just">
               <a:lnSpc>
                 <a:spcPct val="150000"/>
               </a:lnSpc>
               <a:buNone/>
             </a:pPr>
             <a:r>
+              <a:rPr lang="en-US" dirty="0" smtClean="0"/>
+              <a:t>In 2011-12 India produced </a:t>
+            </a:r>
+            <a:r>
               <a:rPr lang="en-US" dirty="0"/>
-              <a:t>According to the National Employability Report (NER) 2011, while India produces more than 500,000 engineers annually, only a miniscule </a:t>
+              <a:t>more than 500,000 </a:t>
+            </a:r>
+            <a:r>
+              <a:rPr lang="en-US" dirty="0" smtClean="0"/>
+              <a:t>engineers, </a:t>
+            </a:r>
+            <a:r>
+              <a:rPr lang="en-US" dirty="0"/>
+              <a:t>only </a:t>
             </a:r>
             <a:r>
               <a:rPr lang="en-US" dirty="0" smtClean="0"/>
@@ -5298,15 +9226,82 @@
             </a:r>
             <a:r>
               <a:rPr lang="en-US" dirty="0"/>
-              <a:t>appropriately trained to be directly deployed on projects. Further, only </a:t>
+              <a:t>appropriately trained to be directly deployed on </a:t>
             </a:r>
             <a:r>
               <a:rPr lang="en-US" dirty="0" smtClean="0"/>
-              <a:t>2.68% </a:t>
+              <a:t>projects and 2.68% </a:t>
             </a:r>
             <a:r>
               <a:rPr lang="en-US" dirty="0"/>
-              <a:t>are employable in IT product companies. </a:t>
+              <a:t>are employable in IT product </a:t>
+            </a:r>
+            <a:r>
+              <a:rPr lang="en-US" dirty="0" smtClean="0"/>
+              <a:t>companies</a:t>
+            </a:r>
+            <a:endParaRPr lang="en-US" sz="1300" dirty="0"/>
+          </a:p>
+        </p:txBody>
+      </p:sp>
+      <p:pic>
+        <p:nvPicPr>
+          <p:cNvPr id="5" name="Picture 4"/>
+          <p:cNvPicPr>
+            <a:picLocks noChangeAspect="1"/>
+          </p:cNvPicPr>
+          <p:nvPr/>
+        </p:nvPicPr>
+        <p:blipFill>
+          <a:blip r:embed="rId3"/>
+          <a:stretch>
+            <a:fillRect/>
+          </a:stretch>
+        </p:blipFill>
+        <p:spPr>
+          <a:xfrm>
+            <a:off x="2887855" y="1742636"/>
+            <a:ext cx="3533010" cy="1766505"/>
+          </a:xfrm>
+          <a:prstGeom prst="rect">
+            <a:avLst/>
+          </a:prstGeom>
+        </p:spPr>
+      </p:pic>
+      <p:sp>
+        <p:nvSpPr>
+          <p:cNvPr id="6" name="TextBox 5"/>
+          <p:cNvSpPr txBox="1"/>
+          <p:nvPr/>
+        </p:nvSpPr>
+        <p:spPr>
+          <a:xfrm>
+            <a:off x="602193" y="6022503"/>
+            <a:ext cx="7989357" cy="338554"/>
+          </a:xfrm>
+          <a:prstGeom prst="rect">
+            <a:avLst/>
+          </a:prstGeom>
+          <a:noFill/>
+        </p:spPr>
+        <p:txBody>
+          <a:bodyPr wrap="square" rtlCol="0">
+            <a:spAutoFit/>
+          </a:bodyPr>
+          <a:lstStyle/>
+          <a:p>
+            <a:pPr algn="r"/>
+            <a:r>
+              <a:rPr lang="en-US" sz="1600" i="1" dirty="0"/>
+              <a:t>Source - National Employability </a:t>
+            </a:r>
+            <a:r>
+              <a:rPr lang="en-US" sz="1600" i="1" dirty="0" smtClean="0"/>
+              <a:t>Report </a:t>
+            </a:r>
+            <a:r>
+              <a:rPr lang="en-US" sz="1600" i="1" dirty="0"/>
+              <a:t>(NER)</a:t>
             </a:r>
           </a:p>
         </p:txBody>
@@ -5314,7 +9309,1830 @@
     </p:spTree>
     <p:extLst>
       <p:ext uri="{BB962C8B-B14F-4D97-AF65-F5344CB8AC3E}">
-        <p14:creationId xmlns:p14="http://schemas.microsoft.com/office/powerpoint/2010/main" val="795699599"/>
+        <p14:creationId xmlns:p14="http://schemas.microsoft.com/office/powerpoint/2010/main" val="3444879142"/>
+      </p:ext>
+    </p:extLst>
+  </p:cSld>
+  <p:clrMapOvr>
+    <a:masterClrMapping/>
+  </p:clrMapOvr>
+  <p:timing>
+    <p:tnLst>
+      <p:par>
+        <p:cTn xmlns:p14="http://schemas.microsoft.com/office/powerpoint/2010/main" id="1" dur="indefinite" restart="never" nodeType="tmRoot"/>
+      </p:par>
+    </p:tnLst>
+  </p:timing>
+</p:sld>
+</file>
+
+<file path=ppt/slides/slide20.xml><?xml version="1.0" encoding="utf-8"?>
+<p:sld xmlns:a="http://schemas.openxmlformats.org/drawingml/2006/main" xmlns:r="http://schemas.openxmlformats.org/officeDocument/2006/relationships" xmlns:p="http://schemas.openxmlformats.org/presentationml/2006/main">
+  <p:cSld>
+    <p:spTree>
+      <p:nvGrpSpPr>
+        <p:cNvPr id="1" name=""/>
+        <p:cNvGrpSpPr/>
+        <p:nvPr/>
+      </p:nvGrpSpPr>
+      <p:grpSpPr>
+        <a:xfrm>
+          <a:off x="0" y="0"/>
+          <a:ext cx="0" cy="0"/>
+          <a:chOff x="0" y="0"/>
+          <a:chExt cx="0" cy="0"/>
+        </a:xfrm>
+      </p:grpSpPr>
+      <p:pic>
+        <p:nvPicPr>
+          <p:cNvPr id="4" name="Picture 3"/>
+          <p:cNvPicPr>
+            <a:picLocks noChangeAspect="1"/>
+          </p:cNvPicPr>
+          <p:nvPr/>
+        </p:nvPicPr>
+        <p:blipFill>
+          <a:blip r:embed="rId2"/>
+          <a:stretch>
+            <a:fillRect/>
+          </a:stretch>
+        </p:blipFill>
+        <p:spPr>
+          <a:xfrm>
+            <a:off x="549275" y="107576"/>
+            <a:ext cx="1798054" cy="1346805"/>
+          </a:xfrm>
+          <a:prstGeom prst="rect">
+            <a:avLst/>
+          </a:prstGeom>
+        </p:spPr>
+      </p:pic>
+      <p:sp>
+        <p:nvSpPr>
+          <p:cNvPr id="2" name="Title 1"/>
+          <p:cNvSpPr>
+            <a:spLocks noGrp="1"/>
+          </p:cNvSpPr>
+          <p:nvPr>
+            <p:ph type="title"/>
+          </p:nvPr>
+        </p:nvSpPr>
+        <p:spPr>
+          <a:xfrm>
+            <a:off x="2347329" y="107576"/>
+            <a:ext cx="6244222" cy="1336956"/>
+          </a:xfrm>
+        </p:spPr>
+        <p:style>
+          <a:lnRef idx="2">
+            <a:schemeClr val="accent1">
+              <a:shade val="50000"/>
+            </a:schemeClr>
+          </a:lnRef>
+          <a:fillRef idx="1">
+            <a:schemeClr val="accent1"/>
+          </a:fillRef>
+          <a:effectRef idx="0">
+            <a:schemeClr val="accent1"/>
+          </a:effectRef>
+          <a:fontRef idx="minor">
+            <a:schemeClr val="lt1"/>
+          </a:fontRef>
+        </p:style>
+        <p:txBody>
+          <a:bodyPr anchor="ctr" anchorCtr="0"/>
+          <a:lstStyle/>
+          <a:p>
+            <a:r>
+              <a:rPr lang="en-US" b="1" dirty="0" smtClean="0"/>
+              <a:t>Recap</a:t>
+            </a:r>
+            <a:r>
+              <a:rPr lang="en-US" dirty="0" smtClean="0"/>
+              <a:t> </a:t>
+            </a:r>
+            <a:r>
+              <a:rPr lang="en-US" b="1" dirty="0">
+                <a:ln w="12700">
+                  <a:solidFill>
+                    <a:schemeClr val="tx2">
+                      <a:satMod val="155000"/>
+                    </a:schemeClr>
+                  </a:solidFill>
+                  <a:prstDash val="solid"/>
+                </a:ln>
+                <a:solidFill>
+                  <a:srgbClr val="FFFF00"/>
+                </a:solidFill>
+                <a:effectLst>
+                  <a:outerShdw blurRad="41275" dist="20320" dir="1800000" algn="tl" rotWithShape="0">
+                    <a:srgbClr val="000000">
+                      <a:alpha val="40000"/>
+                    </a:srgbClr>
+                  </a:outerShdw>
+                </a:effectLst>
+              </a:rPr>
+              <a:t>BridgeGap</a:t>
+            </a:r>
+            <a:r>
+              <a:rPr lang="en-US" b="1" dirty="0">
+                <a:ln w="12700">
+                  <a:solidFill>
+                    <a:schemeClr val="tx2">
+                      <a:satMod val="155000"/>
+                    </a:schemeClr>
+                  </a:solidFill>
+                  <a:prstDash val="solid"/>
+                </a:ln>
+                <a:solidFill>
+                  <a:schemeClr val="bg2">
+                    <a:tint val="85000"/>
+                    <a:satMod val="155000"/>
+                  </a:schemeClr>
+                </a:solidFill>
+                <a:effectLst>
+                  <a:outerShdw blurRad="41275" dist="20320" dir="1800000" algn="tl" rotWithShape="0">
+                    <a:srgbClr val="000000">
+                      <a:alpha val="40000"/>
+                    </a:srgbClr>
+                  </a:outerShdw>
+                </a:effectLst>
+              </a:rPr>
+              <a:t> </a:t>
+            </a:r>
+            <a:r>
+              <a:rPr lang="en-US" dirty="0" smtClean="0"/>
+              <a:t>Training Solution</a:t>
+            </a:r>
+            <a:endParaRPr lang="en-US" dirty="0"/>
+          </a:p>
+        </p:txBody>
+      </p:sp>
+      <p:sp>
+        <p:nvSpPr>
+          <p:cNvPr id="3" name="Content Placeholder 2"/>
+          <p:cNvSpPr>
+            <a:spLocks noGrp="1"/>
+          </p:cNvSpPr>
+          <p:nvPr>
+            <p:ph idx="1"/>
+          </p:nvPr>
+        </p:nvSpPr>
+        <p:spPr>
+          <a:xfrm>
+            <a:off x="549275" y="1622986"/>
+            <a:ext cx="8042276" cy="4763113"/>
+          </a:xfrm>
+        </p:spPr>
+        <p:txBody>
+          <a:bodyPr anchor="ctr" anchorCtr="0">
+            <a:normAutofit fontScale="92500" lnSpcReduction="10000"/>
+          </a:bodyPr>
+          <a:lstStyle/>
+          <a:p>
+            <a:r>
+              <a:rPr lang="en-US" sz="2600" dirty="0" smtClean="0"/>
+              <a:t>BridgeGap enrolls </a:t>
+            </a:r>
+            <a:r>
+              <a:rPr lang="en-US" sz="2600" b="1" dirty="0" smtClean="0"/>
+              <a:t>Limited</a:t>
+            </a:r>
+            <a:r>
+              <a:rPr lang="en-US" sz="2600" dirty="0" smtClean="0"/>
+              <a:t> </a:t>
+            </a:r>
+            <a:r>
+              <a:rPr lang="en-US" sz="2600" b="1" dirty="0" smtClean="0"/>
+              <a:t>Students</a:t>
+            </a:r>
+            <a:r>
+              <a:rPr lang="en-US" sz="2600" dirty="0" smtClean="0"/>
+              <a:t> and goes through </a:t>
+            </a:r>
+            <a:r>
+              <a:rPr lang="en-US" sz="2600" b="1" dirty="0" smtClean="0"/>
+              <a:t>pre-screening evaluation </a:t>
+            </a:r>
+            <a:r>
+              <a:rPr lang="en-US" sz="2600" dirty="0" smtClean="0"/>
+              <a:t>process.</a:t>
+            </a:r>
+          </a:p>
+          <a:p>
+            <a:r>
+              <a:rPr lang="en-US" sz="2600" dirty="0" smtClean="0"/>
+              <a:t>It is a </a:t>
+            </a:r>
+            <a:r>
+              <a:rPr lang="en-US" sz="2600" b="1" dirty="0" smtClean="0"/>
+              <a:t>One </a:t>
+            </a:r>
+            <a:r>
+              <a:rPr lang="en-US" sz="2600" b="1" dirty="0"/>
+              <a:t>Skill - One Mentor - One Student </a:t>
+            </a:r>
+            <a:r>
+              <a:rPr lang="en-US" sz="2600" dirty="0"/>
+              <a:t>Training </a:t>
+            </a:r>
+            <a:r>
+              <a:rPr lang="en-US" sz="2600" dirty="0" smtClean="0"/>
+              <a:t>Programme</a:t>
+            </a:r>
+          </a:p>
+          <a:p>
+            <a:r>
+              <a:rPr lang="en-US" sz="2600" b="1" dirty="0" smtClean="0"/>
+              <a:t>Online </a:t>
+            </a:r>
+            <a:r>
+              <a:rPr lang="en-US" sz="2600" b="1" dirty="0"/>
+              <a:t>Training </a:t>
+            </a:r>
+            <a:r>
+              <a:rPr lang="en-US" sz="2600" b="1" dirty="0" smtClean="0"/>
+              <a:t>Platform</a:t>
+            </a:r>
+            <a:r>
+              <a:rPr lang="en-US" sz="2600" dirty="0" smtClean="0"/>
+              <a:t>, </a:t>
+            </a:r>
+            <a:r>
+              <a:rPr lang="en-US" sz="2600" dirty="0"/>
+              <a:t>Self Paced Study and One-on-One Mentoring using Live </a:t>
+            </a:r>
+            <a:r>
+              <a:rPr lang="en-US" sz="2600" dirty="0" smtClean="0"/>
+              <a:t>Video</a:t>
+            </a:r>
+          </a:p>
+          <a:p>
+            <a:r>
+              <a:rPr lang="en-US" sz="2600" b="1" dirty="0"/>
+              <a:t>150 – 200 Programs </a:t>
+            </a:r>
+            <a:r>
+              <a:rPr lang="en-US" sz="2600" dirty="0"/>
+              <a:t>written, compiled and executed by Engineers and verified by Industry Experts</a:t>
+            </a:r>
+          </a:p>
+          <a:p>
+            <a:r>
+              <a:rPr lang="en-US" sz="2600" b="1" dirty="0" smtClean="0"/>
+              <a:t>Mentoring</a:t>
+            </a:r>
+            <a:r>
+              <a:rPr lang="en-US" sz="2600" dirty="0" smtClean="0"/>
+              <a:t> by Senior Industry Professionals working on latest technology</a:t>
+            </a:r>
+          </a:p>
+        </p:txBody>
+      </p:sp>
+    </p:spTree>
+    <p:extLst>
+      <p:ext uri="{BB962C8B-B14F-4D97-AF65-F5344CB8AC3E}">
+        <p14:creationId xmlns:p14="http://schemas.microsoft.com/office/powerpoint/2010/main" val="3825490614"/>
+      </p:ext>
+    </p:extLst>
+  </p:cSld>
+  <p:clrMapOvr>
+    <a:masterClrMapping/>
+  </p:clrMapOvr>
+  <p:timing>
+    <p:tnLst>
+      <p:par>
+        <p:cTn xmlns:p14="http://schemas.microsoft.com/office/powerpoint/2010/main" id="1" dur="indefinite" restart="never" nodeType="tmRoot"/>
+      </p:par>
+    </p:tnLst>
+  </p:timing>
+</p:sld>
+</file>
+
+<file path=ppt/slides/slide21.xml><?xml version="1.0" encoding="utf-8"?>
+<p:sld xmlns:a="http://schemas.openxmlformats.org/drawingml/2006/main" xmlns:r="http://schemas.openxmlformats.org/officeDocument/2006/relationships" xmlns:p="http://schemas.openxmlformats.org/presentationml/2006/main">
+  <p:cSld>
+    <p:spTree>
+      <p:nvGrpSpPr>
+        <p:cNvPr id="1" name=""/>
+        <p:cNvGrpSpPr/>
+        <p:nvPr/>
+      </p:nvGrpSpPr>
+      <p:grpSpPr>
+        <a:xfrm>
+          <a:off x="0" y="0"/>
+          <a:ext cx="0" cy="0"/>
+          <a:chOff x="0" y="0"/>
+          <a:chExt cx="0" cy="0"/>
+        </a:xfrm>
+      </p:grpSpPr>
+      <p:sp>
+        <p:nvSpPr>
+          <p:cNvPr id="2" name="Title 1"/>
+          <p:cNvSpPr>
+            <a:spLocks noGrp="1"/>
+          </p:cNvSpPr>
+          <p:nvPr>
+            <p:ph type="title"/>
+          </p:nvPr>
+        </p:nvSpPr>
+        <p:spPr>
+          <a:xfrm>
+            <a:off x="1808597" y="107576"/>
+            <a:ext cx="6782953" cy="1336956"/>
+          </a:xfrm>
+        </p:spPr>
+        <p:style>
+          <a:lnRef idx="2">
+            <a:schemeClr val="accent1">
+              <a:shade val="50000"/>
+            </a:schemeClr>
+          </a:lnRef>
+          <a:fillRef idx="1">
+            <a:schemeClr val="accent1"/>
+          </a:fillRef>
+          <a:effectRef idx="0">
+            <a:schemeClr val="accent1"/>
+          </a:effectRef>
+          <a:fontRef idx="minor">
+            <a:schemeClr val="lt1"/>
+          </a:fontRef>
+        </p:style>
+        <p:txBody>
+          <a:bodyPr anchor="ctr" anchorCtr="0"/>
+          <a:lstStyle/>
+          <a:p>
+            <a:r>
+              <a:rPr lang="en-US" sz="4200" b="1" dirty="0">
+                <a:ln w="12700">
+                  <a:solidFill>
+                    <a:schemeClr val="tx2">
+                      <a:satMod val="155000"/>
+                    </a:schemeClr>
+                  </a:solidFill>
+                  <a:prstDash val="solid"/>
+                </a:ln>
+                <a:solidFill>
+                  <a:srgbClr val="FFFF00"/>
+                </a:solidFill>
+                <a:effectLst>
+                  <a:outerShdw blurRad="41275" dist="20320" dir="1800000" algn="tl" rotWithShape="0">
+                    <a:srgbClr val="000000">
+                      <a:alpha val="40000"/>
+                    </a:srgbClr>
+                  </a:outerShdw>
+                </a:effectLst>
+              </a:rPr>
+              <a:t>BridgeGap</a:t>
+            </a:r>
+            <a:r>
+              <a:rPr lang="en-US" sz="4200" b="1" dirty="0">
+                <a:ln w="12700">
+                  <a:solidFill>
+                    <a:schemeClr val="tx2">
+                      <a:satMod val="155000"/>
+                    </a:schemeClr>
+                  </a:solidFill>
+                  <a:prstDash val="solid"/>
+                </a:ln>
+                <a:solidFill>
+                  <a:schemeClr val="bg2">
+                    <a:tint val="85000"/>
+                    <a:satMod val="155000"/>
+                  </a:schemeClr>
+                </a:solidFill>
+                <a:effectLst>
+                  <a:outerShdw blurRad="41275" dist="20320" dir="1800000" algn="tl" rotWithShape="0">
+                    <a:srgbClr val="000000">
+                      <a:alpha val="40000"/>
+                    </a:srgbClr>
+                  </a:outerShdw>
+                </a:effectLst>
+              </a:rPr>
+              <a:t> </a:t>
+            </a:r>
+            <a:r>
+              <a:rPr lang="en-US" sz="4200" dirty="0" smtClean="0"/>
+              <a:t>Training Solution Grading Process</a:t>
+            </a:r>
+            <a:endParaRPr lang="en-US" sz="4200" dirty="0"/>
+          </a:p>
+        </p:txBody>
+      </p:sp>
+      <p:sp>
+        <p:nvSpPr>
+          <p:cNvPr id="3" name="Content Placeholder 2"/>
+          <p:cNvSpPr>
+            <a:spLocks noGrp="1"/>
+          </p:cNvSpPr>
+          <p:nvPr>
+            <p:ph idx="1"/>
+          </p:nvPr>
+        </p:nvSpPr>
+        <p:spPr>
+          <a:xfrm>
+            <a:off x="549275" y="1640628"/>
+            <a:ext cx="8042276" cy="4780753"/>
+          </a:xfrm>
+        </p:spPr>
+        <p:txBody>
+          <a:bodyPr anchor="ctr" anchorCtr="0">
+            <a:normAutofit fontScale="92500" lnSpcReduction="20000"/>
+          </a:bodyPr>
+          <a:lstStyle/>
+          <a:p>
+            <a:r>
+              <a:rPr lang="en-US" sz="2600" dirty="0" smtClean="0"/>
+              <a:t>Grading done by Mentor at the end of </a:t>
+            </a:r>
+            <a:r>
+              <a:rPr lang="en-US" sz="2600" b="1" dirty="0" smtClean="0"/>
+              <a:t>Every Step</a:t>
+            </a:r>
+          </a:p>
+          <a:p>
+            <a:r>
+              <a:rPr lang="en-US" sz="2600" dirty="0" smtClean="0"/>
+              <a:t>Graded on top </a:t>
+            </a:r>
+            <a:r>
+              <a:rPr lang="en-US" sz="2600" b="1" dirty="0" smtClean="0"/>
+              <a:t>100 Concepts and Practice Programs</a:t>
+            </a:r>
+            <a:r>
+              <a:rPr lang="en-US" sz="2600" dirty="0" smtClean="0"/>
+              <a:t> using 5 point scale</a:t>
+            </a:r>
+          </a:p>
+          <a:p>
+            <a:r>
+              <a:rPr lang="en-US" sz="2600" dirty="0" smtClean="0"/>
+              <a:t>Students are Graded using </a:t>
+            </a:r>
+            <a:r>
+              <a:rPr lang="en-US" sz="2600" b="1" dirty="0" smtClean="0"/>
+              <a:t>A, B, C, and D Grades</a:t>
+            </a:r>
+            <a:r>
+              <a:rPr lang="en-US" sz="2600" dirty="0" smtClean="0"/>
+              <a:t> with</a:t>
+            </a:r>
+          </a:p>
+          <a:p>
+            <a:pPr lvl="1"/>
+            <a:r>
+              <a:rPr lang="en-US" dirty="0" smtClean="0"/>
+              <a:t>A Grade – 90 and above</a:t>
+            </a:r>
+          </a:p>
+          <a:p>
+            <a:pPr lvl="1"/>
+            <a:r>
+              <a:rPr lang="en-US" dirty="0" smtClean="0"/>
+              <a:t>B Grade – 80 – 90</a:t>
+            </a:r>
+          </a:p>
+          <a:p>
+            <a:pPr lvl="1"/>
+            <a:r>
+              <a:rPr lang="en-US" dirty="0" smtClean="0"/>
+              <a:t>C Grade – 70 – 80</a:t>
+            </a:r>
+          </a:p>
+          <a:p>
+            <a:pPr lvl="1"/>
+            <a:r>
+              <a:rPr lang="en-US" dirty="0" smtClean="0"/>
+              <a:t>D Grade – Below 70</a:t>
+            </a:r>
+          </a:p>
+          <a:p>
+            <a:r>
+              <a:rPr lang="en-US" sz="2600" dirty="0" smtClean="0"/>
+              <a:t>Students are encouraged to get better grades for </a:t>
+            </a:r>
+          </a:p>
+          <a:p>
+            <a:pPr marL="352425" indent="0">
+              <a:spcBef>
+                <a:spcPts val="2600"/>
+              </a:spcBef>
+              <a:buNone/>
+            </a:pPr>
+            <a:r>
+              <a:rPr lang="en-US" sz="2600" dirty="0" smtClean="0"/>
+              <a:t>better </a:t>
+            </a:r>
+          </a:p>
+        </p:txBody>
+      </p:sp>
+      <p:pic>
+        <p:nvPicPr>
+          <p:cNvPr id="4" name="Picture 3"/>
+          <p:cNvPicPr>
+            <a:picLocks noChangeAspect="1"/>
+          </p:cNvPicPr>
+          <p:nvPr/>
+        </p:nvPicPr>
+        <p:blipFill>
+          <a:blip r:embed="rId2"/>
+          <a:stretch>
+            <a:fillRect/>
+          </a:stretch>
+        </p:blipFill>
+        <p:spPr>
+          <a:xfrm>
+            <a:off x="1993290" y="5738899"/>
+            <a:ext cx="951934" cy="839205"/>
+          </a:xfrm>
+          <a:prstGeom prst="rect">
+            <a:avLst/>
+          </a:prstGeom>
+        </p:spPr>
+      </p:pic>
+      <p:pic>
+        <p:nvPicPr>
+          <p:cNvPr id="6" name="Picture 5"/>
+          <p:cNvPicPr>
+            <a:picLocks noChangeAspect="1"/>
+          </p:cNvPicPr>
+          <p:nvPr/>
+        </p:nvPicPr>
+        <p:blipFill>
+          <a:blip r:embed="rId3"/>
+          <a:stretch>
+            <a:fillRect/>
+          </a:stretch>
+        </p:blipFill>
+        <p:spPr>
+          <a:xfrm>
+            <a:off x="549275" y="135679"/>
+            <a:ext cx="1176311" cy="1308854"/>
+          </a:xfrm>
+          <a:prstGeom prst="rect">
+            <a:avLst/>
+          </a:prstGeom>
+        </p:spPr>
+      </p:pic>
+    </p:spTree>
+    <p:extLst>
+      <p:ext uri="{BB962C8B-B14F-4D97-AF65-F5344CB8AC3E}">
+        <p14:creationId xmlns:p14="http://schemas.microsoft.com/office/powerpoint/2010/main" val="1312750657"/>
+      </p:ext>
+    </p:extLst>
+  </p:cSld>
+  <p:clrMapOvr>
+    <a:masterClrMapping/>
+  </p:clrMapOvr>
+  <p:timing>
+    <p:tnLst>
+      <p:par>
+        <p:cTn xmlns:p14="http://schemas.microsoft.com/office/powerpoint/2010/main" id="1" dur="indefinite" restart="never" nodeType="tmRoot"/>
+      </p:par>
+    </p:tnLst>
+  </p:timing>
+</p:sld>
+</file>
+
+<file path=ppt/slides/slide22.xml><?xml version="1.0" encoding="utf-8"?>
+<p:sld xmlns:a="http://schemas.openxmlformats.org/drawingml/2006/main" xmlns:r="http://schemas.openxmlformats.org/officeDocument/2006/relationships" xmlns:p="http://schemas.openxmlformats.org/presentationml/2006/main">
+  <p:cSld>
+    <p:spTree>
+      <p:nvGrpSpPr>
+        <p:cNvPr id="1" name=""/>
+        <p:cNvGrpSpPr/>
+        <p:nvPr/>
+      </p:nvGrpSpPr>
+      <p:grpSpPr>
+        <a:xfrm>
+          <a:off x="0" y="0"/>
+          <a:ext cx="0" cy="0"/>
+          <a:chOff x="0" y="0"/>
+          <a:chExt cx="0" cy="0"/>
+        </a:xfrm>
+      </p:grpSpPr>
+      <p:pic>
+        <p:nvPicPr>
+          <p:cNvPr id="6" name="Picture 5"/>
+          <p:cNvPicPr>
+            <a:picLocks noChangeAspect="1"/>
+          </p:cNvPicPr>
+          <p:nvPr/>
+        </p:nvPicPr>
+        <p:blipFill>
+          <a:blip r:embed="rId2"/>
+          <a:stretch>
+            <a:fillRect/>
+          </a:stretch>
+        </p:blipFill>
+        <p:spPr>
+          <a:xfrm>
+            <a:off x="554858" y="107576"/>
+            <a:ext cx="1484624" cy="1352657"/>
+          </a:xfrm>
+          <a:prstGeom prst="rect">
+            <a:avLst/>
+          </a:prstGeom>
+        </p:spPr>
+      </p:pic>
+      <p:sp>
+        <p:nvSpPr>
+          <p:cNvPr id="2" name="Title 1"/>
+          <p:cNvSpPr>
+            <a:spLocks noGrp="1"/>
+          </p:cNvSpPr>
+          <p:nvPr>
+            <p:ph type="title"/>
+          </p:nvPr>
+        </p:nvSpPr>
+        <p:spPr>
+          <a:xfrm>
+            <a:off x="2039481" y="107576"/>
+            <a:ext cx="6552069" cy="1336956"/>
+          </a:xfrm>
+        </p:spPr>
+        <p:style>
+          <a:lnRef idx="2">
+            <a:schemeClr val="accent1">
+              <a:shade val="50000"/>
+            </a:schemeClr>
+          </a:lnRef>
+          <a:fillRef idx="1">
+            <a:schemeClr val="accent1"/>
+          </a:fillRef>
+          <a:effectRef idx="0">
+            <a:schemeClr val="accent1"/>
+          </a:effectRef>
+          <a:fontRef idx="minor">
+            <a:schemeClr val="lt1"/>
+          </a:fontRef>
+        </p:style>
+        <p:txBody>
+          <a:bodyPr anchor="ctr" anchorCtr="0"/>
+          <a:lstStyle/>
+          <a:p>
+            <a:r>
+              <a:rPr lang="en-US" dirty="0" smtClean="0"/>
+              <a:t>Benefit to Corporates</a:t>
+            </a:r>
+            <a:endParaRPr lang="en-US" dirty="0"/>
+          </a:p>
+        </p:txBody>
+      </p:sp>
+      <p:sp>
+        <p:nvSpPr>
+          <p:cNvPr id="3" name="Content Placeholder 2"/>
+          <p:cNvSpPr>
+            <a:spLocks noGrp="1"/>
+          </p:cNvSpPr>
+          <p:nvPr>
+            <p:ph idx="1"/>
+          </p:nvPr>
+        </p:nvSpPr>
+        <p:spPr>
+          <a:xfrm>
+            <a:off x="549275" y="1600200"/>
+            <a:ext cx="8042276" cy="5019657"/>
+          </a:xfrm>
+        </p:spPr>
+        <p:txBody>
+          <a:bodyPr anchor="ctr" anchorCtr="0">
+            <a:noAutofit/>
+          </a:bodyPr>
+          <a:lstStyle/>
+          <a:p>
+            <a:pPr>
+              <a:spcBef>
+                <a:spcPts val="0"/>
+              </a:spcBef>
+            </a:pPr>
+            <a:r>
+              <a:rPr lang="en-US" sz="2000" dirty="0"/>
+              <a:t>Corporate </a:t>
+            </a:r>
+            <a:r>
+              <a:rPr lang="en-US" sz="2000" dirty="0" smtClean="0"/>
+              <a:t>Hiring       –   </a:t>
+            </a:r>
+            <a:r>
+              <a:rPr lang="en-US" sz="2000" b="1" dirty="0"/>
+              <a:t>HIRE – AND – TRAIN</a:t>
+            </a:r>
+            <a:r>
+              <a:rPr lang="en-US" sz="2000" dirty="0"/>
+              <a:t>  </a:t>
+            </a:r>
+          </a:p>
+          <a:p>
+            <a:pPr indent="0">
+              <a:spcBef>
+                <a:spcPts val="600"/>
+              </a:spcBef>
+              <a:buNone/>
+            </a:pPr>
+            <a:r>
+              <a:rPr lang="en-US" sz="2000" dirty="0"/>
+              <a:t>BridgeGap </a:t>
+            </a:r>
+            <a:r>
+              <a:rPr lang="en-US" sz="2000" dirty="0" smtClean="0"/>
+              <a:t>Solution   –   </a:t>
+            </a:r>
+            <a:r>
+              <a:rPr lang="en-US" sz="2000" b="1" dirty="0" smtClean="0"/>
+              <a:t>TRAIN </a:t>
+            </a:r>
+            <a:r>
+              <a:rPr lang="en-US" sz="2000" b="1" dirty="0"/>
+              <a:t>– AND </a:t>
+            </a:r>
+            <a:r>
+              <a:rPr lang="en-US" sz="2000" b="1" dirty="0" smtClean="0"/>
+              <a:t>– HIRE </a:t>
+            </a:r>
+            <a:r>
+              <a:rPr lang="en-US" sz="2000" dirty="0" smtClean="0"/>
+              <a:t> </a:t>
+            </a:r>
+            <a:endParaRPr lang="en-US" sz="2000" dirty="0"/>
+          </a:p>
+          <a:p>
+            <a:pPr>
+              <a:spcBef>
+                <a:spcPts val="1200"/>
+              </a:spcBef>
+            </a:pPr>
+            <a:r>
+              <a:rPr lang="en-US" sz="2000" dirty="0" smtClean="0"/>
+              <a:t>Corporate Avg. </a:t>
+            </a:r>
+            <a:r>
+              <a:rPr lang="en-US" sz="2000" dirty="0"/>
+              <a:t>Spend </a:t>
+            </a:r>
+            <a:r>
+              <a:rPr lang="en-US" sz="2000" dirty="0" smtClean="0"/>
+              <a:t> –      60,000 to    80,000</a:t>
+            </a:r>
+          </a:p>
+          <a:p>
+            <a:pPr marL="352425" indent="0">
+              <a:spcBef>
+                <a:spcPts val="600"/>
+              </a:spcBef>
+              <a:buNone/>
+            </a:pPr>
+            <a:r>
+              <a:rPr lang="en-US" sz="2000" dirty="0" smtClean="0"/>
+              <a:t>Work Ready Time         –   3 – 6 months</a:t>
+            </a:r>
+          </a:p>
+          <a:p>
+            <a:pPr marL="352425" indent="0">
+              <a:spcBef>
+                <a:spcPts val="600"/>
+              </a:spcBef>
+              <a:buNone/>
+            </a:pPr>
+            <a:r>
+              <a:rPr lang="en-US" sz="2000" b="1" dirty="0" smtClean="0"/>
+              <a:t>BridgeGap</a:t>
+            </a:r>
+            <a:r>
+              <a:rPr lang="en-US" sz="2000" dirty="0" smtClean="0"/>
+              <a:t> Students get trained     –   4 – 6 Weeks </a:t>
+            </a:r>
+          </a:p>
+          <a:p>
+            <a:pPr marL="352425" indent="0">
+              <a:spcBef>
+                <a:spcPts val="600"/>
+              </a:spcBef>
+              <a:buNone/>
+            </a:pPr>
+            <a:r>
+              <a:rPr lang="en-US" sz="2000" dirty="0" smtClean="0"/>
+              <a:t>Work Ready Time Reduced             –   1 – 2 Months</a:t>
+            </a:r>
+          </a:p>
+          <a:p>
+            <a:pPr>
+              <a:spcBef>
+                <a:spcPts val="1200"/>
+              </a:spcBef>
+            </a:pPr>
+            <a:r>
+              <a:rPr lang="en-US" sz="2000" dirty="0" smtClean="0"/>
+              <a:t>Corporate </a:t>
+            </a:r>
+            <a:r>
+              <a:rPr lang="en-US" sz="2000" b="1" dirty="0" smtClean="0"/>
+              <a:t>Save</a:t>
+            </a:r>
+            <a:r>
+              <a:rPr lang="en-US" sz="2000" dirty="0" smtClean="0"/>
+              <a:t> on Training Cost, Hiring Cost and Salary Cost. </a:t>
+            </a:r>
+          </a:p>
+          <a:p>
+            <a:pPr marL="365125" indent="0">
+              <a:spcBef>
+                <a:spcPts val="600"/>
+              </a:spcBef>
+              <a:buNone/>
+            </a:pPr>
+            <a:r>
+              <a:rPr lang="en-US" sz="2000" dirty="0" smtClean="0"/>
+              <a:t>In HIRE – AND – TRAIN </a:t>
+            </a:r>
+            <a:r>
+              <a:rPr lang="en-US" sz="2000" dirty="0"/>
+              <a:t>– </a:t>
+            </a:r>
+            <a:r>
+              <a:rPr lang="en-US" sz="2000" dirty="0" smtClean="0"/>
+              <a:t>Engineers are less motivated during training as they have Job. </a:t>
+            </a:r>
+          </a:p>
+          <a:p>
+            <a:pPr marL="365125" indent="0">
+              <a:spcBef>
+                <a:spcPts val="600"/>
+              </a:spcBef>
+              <a:buNone/>
+            </a:pPr>
+            <a:r>
+              <a:rPr lang="en-US" sz="2000" dirty="0" smtClean="0"/>
+              <a:t>In BridgeGap </a:t>
+            </a:r>
+            <a:r>
+              <a:rPr lang="en-US" sz="2000" dirty="0"/>
+              <a:t>Solution </a:t>
+            </a:r>
+            <a:r>
+              <a:rPr lang="en-US" sz="2000" dirty="0" smtClean="0"/>
+              <a:t>– </a:t>
+            </a:r>
+            <a:r>
+              <a:rPr lang="en-US" sz="2000" dirty="0"/>
+              <a:t>Engineers EXCEL </a:t>
+            </a:r>
+            <a:r>
+              <a:rPr lang="en-US" sz="2000" dirty="0" smtClean="0"/>
+              <a:t>for better Job.</a:t>
+            </a:r>
+          </a:p>
+          <a:p>
+            <a:pPr>
+              <a:spcBef>
+                <a:spcPts val="1200"/>
+              </a:spcBef>
+            </a:pPr>
+            <a:r>
+              <a:rPr lang="en-US" sz="2000" dirty="0" smtClean="0"/>
+              <a:t>Companies will have a constant </a:t>
+            </a:r>
+            <a:r>
+              <a:rPr lang="en-US" sz="2000" b="1" dirty="0" smtClean="0"/>
+              <a:t>Pool</a:t>
+            </a:r>
+            <a:r>
+              <a:rPr lang="en-US" sz="2000" dirty="0" smtClean="0"/>
+              <a:t> of fresh engineering which earlier they have to seek out by visiting campuses</a:t>
+            </a:r>
+            <a:endParaRPr lang="en-US" sz="2000" dirty="0"/>
+          </a:p>
+        </p:txBody>
+      </p:sp>
+      <p:pic>
+        <p:nvPicPr>
+          <p:cNvPr id="4" name="Picture 3"/>
+          <p:cNvPicPr>
+            <a:picLocks noChangeAspect="1"/>
+          </p:cNvPicPr>
+          <p:nvPr/>
+        </p:nvPicPr>
+        <p:blipFill>
+          <a:blip r:embed="rId3"/>
+          <a:stretch>
+            <a:fillRect/>
+          </a:stretch>
+        </p:blipFill>
+        <p:spPr>
+          <a:xfrm>
+            <a:off x="4142269" y="2701315"/>
+            <a:ext cx="173396" cy="232386"/>
+          </a:xfrm>
+          <a:prstGeom prst="rect">
+            <a:avLst/>
+          </a:prstGeom>
+        </p:spPr>
+      </p:pic>
+      <p:pic>
+        <p:nvPicPr>
+          <p:cNvPr id="5" name="Picture 4"/>
+          <p:cNvPicPr>
+            <a:picLocks noChangeAspect="1"/>
+          </p:cNvPicPr>
+          <p:nvPr/>
+        </p:nvPicPr>
+        <p:blipFill>
+          <a:blip r:embed="rId3"/>
+          <a:stretch>
+            <a:fillRect/>
+          </a:stretch>
+        </p:blipFill>
+        <p:spPr>
+          <a:xfrm>
+            <a:off x="5653569" y="2701315"/>
+            <a:ext cx="173396" cy="232386"/>
+          </a:xfrm>
+          <a:prstGeom prst="rect">
+            <a:avLst/>
+          </a:prstGeom>
+        </p:spPr>
+      </p:pic>
+    </p:spTree>
+    <p:extLst>
+      <p:ext uri="{BB962C8B-B14F-4D97-AF65-F5344CB8AC3E}">
+        <p14:creationId xmlns:p14="http://schemas.microsoft.com/office/powerpoint/2010/main" val="3058417814"/>
+      </p:ext>
+    </p:extLst>
+  </p:cSld>
+  <p:clrMapOvr>
+    <a:masterClrMapping/>
+  </p:clrMapOvr>
+  <p:timing>
+    <p:tnLst>
+      <p:par>
+        <p:cTn xmlns:p14="http://schemas.microsoft.com/office/powerpoint/2010/main" id="1" dur="indefinite" restart="never" nodeType="tmRoot"/>
+      </p:par>
+    </p:tnLst>
+  </p:timing>
+</p:sld>
+</file>
+
+<file path=ppt/slides/slide23.xml><?xml version="1.0" encoding="utf-8"?>
+<p:sld xmlns:a="http://schemas.openxmlformats.org/drawingml/2006/main" xmlns:r="http://schemas.openxmlformats.org/officeDocument/2006/relationships" xmlns:p="http://schemas.openxmlformats.org/presentationml/2006/main">
+  <p:cSld>
+    <p:spTree>
+      <p:nvGrpSpPr>
+        <p:cNvPr id="1" name=""/>
+        <p:cNvGrpSpPr/>
+        <p:nvPr/>
+      </p:nvGrpSpPr>
+      <p:grpSpPr>
+        <a:xfrm>
+          <a:off x="0" y="0"/>
+          <a:ext cx="0" cy="0"/>
+          <a:chOff x="0" y="0"/>
+          <a:chExt cx="0" cy="0"/>
+        </a:xfrm>
+      </p:grpSpPr>
+      <p:pic>
+        <p:nvPicPr>
+          <p:cNvPr id="4" name="Picture 3"/>
+          <p:cNvPicPr>
+            <a:picLocks noChangeAspect="1"/>
+          </p:cNvPicPr>
+          <p:nvPr/>
+        </p:nvPicPr>
+        <p:blipFill>
+          <a:blip r:embed="rId2"/>
+          <a:stretch>
+            <a:fillRect/>
+          </a:stretch>
+        </p:blipFill>
+        <p:spPr>
+          <a:xfrm>
+            <a:off x="554858" y="107576"/>
+            <a:ext cx="1484624" cy="1352657"/>
+          </a:xfrm>
+          <a:prstGeom prst="rect">
+            <a:avLst/>
+          </a:prstGeom>
+        </p:spPr>
+      </p:pic>
+      <p:sp>
+        <p:nvSpPr>
+          <p:cNvPr id="2" name="Title 1"/>
+          <p:cNvSpPr>
+            <a:spLocks noGrp="1"/>
+          </p:cNvSpPr>
+          <p:nvPr>
+            <p:ph type="title"/>
+          </p:nvPr>
+        </p:nvSpPr>
+        <p:spPr>
+          <a:xfrm>
+            <a:off x="2039481" y="107576"/>
+            <a:ext cx="6552069" cy="1336956"/>
+          </a:xfrm>
+        </p:spPr>
+        <p:style>
+          <a:lnRef idx="2">
+            <a:schemeClr val="accent1">
+              <a:shade val="50000"/>
+            </a:schemeClr>
+          </a:lnRef>
+          <a:fillRef idx="1">
+            <a:schemeClr val="accent1"/>
+          </a:fillRef>
+          <a:effectRef idx="0">
+            <a:schemeClr val="accent1"/>
+          </a:effectRef>
+          <a:fontRef idx="minor">
+            <a:schemeClr val="lt1"/>
+          </a:fontRef>
+        </p:style>
+        <p:txBody>
+          <a:bodyPr anchor="ctr" anchorCtr="0"/>
+          <a:lstStyle/>
+          <a:p>
+            <a:r>
+              <a:rPr lang="en-US" dirty="0" smtClean="0"/>
+              <a:t>Benefit to Fresh Engineers</a:t>
+            </a:r>
+            <a:endParaRPr lang="en-US" dirty="0"/>
+          </a:p>
+        </p:txBody>
+      </p:sp>
+      <p:sp>
+        <p:nvSpPr>
+          <p:cNvPr id="3" name="Content Placeholder 2"/>
+          <p:cNvSpPr>
+            <a:spLocks noGrp="1"/>
+          </p:cNvSpPr>
+          <p:nvPr>
+            <p:ph idx="1"/>
+          </p:nvPr>
+        </p:nvSpPr>
+        <p:spPr>
+          <a:xfrm>
+            <a:off x="549275" y="1617842"/>
+            <a:ext cx="8042276" cy="4680050"/>
+          </a:xfrm>
+        </p:spPr>
+        <p:txBody>
+          <a:bodyPr anchor="ctr" anchorCtr="0">
+            <a:normAutofit/>
+          </a:bodyPr>
+          <a:lstStyle/>
+          <a:p>
+            <a:r>
+              <a:rPr lang="en-US" dirty="0"/>
+              <a:t>Fresh Engineers who have taken the Training Programme will have a competitive edge over others who have just a college degree to rely </a:t>
+            </a:r>
+            <a:r>
+              <a:rPr lang="en-US" dirty="0" smtClean="0"/>
+              <a:t>upon</a:t>
+            </a:r>
+          </a:p>
+          <a:p>
+            <a:r>
+              <a:rPr lang="en-US" dirty="0" smtClean="0"/>
+              <a:t>BridgeGap Training Solution will </a:t>
+            </a:r>
+            <a:r>
+              <a:rPr lang="en-US" dirty="0"/>
+              <a:t>connect the Engineers with the </a:t>
+            </a:r>
+            <a:r>
+              <a:rPr lang="en-US" dirty="0" smtClean="0"/>
+              <a:t>Companies</a:t>
+            </a:r>
+          </a:p>
+          <a:p>
+            <a:r>
+              <a:rPr lang="en-US" dirty="0" smtClean="0"/>
+              <a:t>Fresh Engineers will have high level of confidence to get into programming and understand the real-time systems of the industry</a:t>
+            </a:r>
+            <a:endParaRPr lang="en-US" dirty="0"/>
+          </a:p>
+        </p:txBody>
+      </p:sp>
+    </p:spTree>
+    <p:extLst>
+      <p:ext uri="{BB962C8B-B14F-4D97-AF65-F5344CB8AC3E}">
+        <p14:creationId xmlns:p14="http://schemas.microsoft.com/office/powerpoint/2010/main" val="1461232456"/>
+      </p:ext>
+    </p:extLst>
+  </p:cSld>
+  <p:clrMapOvr>
+    <a:masterClrMapping/>
+  </p:clrMapOvr>
+  <p:timing>
+    <p:tnLst>
+      <p:par>
+        <p:cTn xmlns:p14="http://schemas.microsoft.com/office/powerpoint/2010/main" id="1" dur="indefinite" restart="never" nodeType="tmRoot"/>
+      </p:par>
+    </p:tnLst>
+  </p:timing>
+</p:sld>
+</file>
+
+<file path=ppt/slides/slide24.xml><?xml version="1.0" encoding="utf-8"?>
+<p:sld xmlns:a="http://schemas.openxmlformats.org/drawingml/2006/main" xmlns:r="http://schemas.openxmlformats.org/officeDocument/2006/relationships" xmlns:p="http://schemas.openxmlformats.org/presentationml/2006/main">
+  <p:cSld>
+    <p:spTree>
+      <p:nvGrpSpPr>
+        <p:cNvPr id="1" name=""/>
+        <p:cNvGrpSpPr/>
+        <p:nvPr/>
+      </p:nvGrpSpPr>
+      <p:grpSpPr>
+        <a:xfrm>
+          <a:off x="0" y="0"/>
+          <a:ext cx="0" cy="0"/>
+          <a:chOff x="0" y="0"/>
+          <a:chExt cx="0" cy="0"/>
+        </a:xfrm>
+      </p:grpSpPr>
+      <p:sp>
+        <p:nvSpPr>
+          <p:cNvPr id="2" name="Title 1"/>
+          <p:cNvSpPr>
+            <a:spLocks noGrp="1"/>
+          </p:cNvSpPr>
+          <p:nvPr>
+            <p:ph type="title"/>
+          </p:nvPr>
+        </p:nvSpPr>
+        <p:spPr>
+          <a:xfrm>
+            <a:off x="1982334" y="107576"/>
+            <a:ext cx="6609216" cy="1336956"/>
+          </a:xfrm>
+        </p:spPr>
+        <p:style>
+          <a:lnRef idx="2">
+            <a:schemeClr val="accent1">
+              <a:shade val="50000"/>
+            </a:schemeClr>
+          </a:lnRef>
+          <a:fillRef idx="1">
+            <a:schemeClr val="accent1"/>
+          </a:fillRef>
+          <a:effectRef idx="0">
+            <a:schemeClr val="accent1"/>
+          </a:effectRef>
+          <a:fontRef idx="minor">
+            <a:schemeClr val="lt1"/>
+          </a:fontRef>
+        </p:style>
+        <p:txBody>
+          <a:bodyPr anchor="ctr" anchorCtr="0"/>
+          <a:lstStyle/>
+          <a:p>
+            <a:r>
+              <a:rPr lang="en-US" dirty="0" smtClean="0"/>
+              <a:t>Core Team</a:t>
+            </a:r>
+            <a:endParaRPr lang="en-US" dirty="0"/>
+          </a:p>
+        </p:txBody>
+      </p:sp>
+      <p:sp>
+        <p:nvSpPr>
+          <p:cNvPr id="3" name="Content Placeholder 2"/>
+          <p:cNvSpPr>
+            <a:spLocks noGrp="1"/>
+          </p:cNvSpPr>
+          <p:nvPr>
+            <p:ph idx="1"/>
+          </p:nvPr>
+        </p:nvSpPr>
+        <p:spPr>
+          <a:xfrm>
+            <a:off x="606995" y="2505483"/>
+            <a:ext cx="8042276" cy="3902695"/>
+          </a:xfrm>
+        </p:spPr>
+        <p:txBody>
+          <a:bodyPr anchor="ctr" anchorCtr="0">
+            <a:normAutofit fontScale="92500" lnSpcReduction="10000"/>
+          </a:bodyPr>
+          <a:lstStyle/>
+          <a:p>
+            <a:pPr marL="0" indent="0" algn="just">
+              <a:spcBef>
+                <a:spcPts val="0"/>
+              </a:spcBef>
+              <a:buNone/>
+            </a:pPr>
+            <a:r>
+              <a:rPr lang="en-US" dirty="0"/>
+              <a:t>Narayan Mahadevan is a Strong Technologist and an Entrepreneur with nearly 2 decades of experience equally divided between USA and India. He has strong Product Engineering background and has been successful to build engineering out of India firstly for EFI Inc. and then for his own start-ups in last 10 </a:t>
+            </a:r>
+            <a:r>
+              <a:rPr lang="en-US" dirty="0" smtClean="0"/>
+              <a:t>years.</a:t>
+            </a:r>
+          </a:p>
+          <a:p>
+            <a:pPr marL="0" indent="0" algn="just">
+              <a:spcBef>
+                <a:spcPts val="1200"/>
+              </a:spcBef>
+              <a:buNone/>
+            </a:pPr>
+            <a:r>
+              <a:rPr lang="en-US" dirty="0" smtClean="0"/>
+              <a:t>He </a:t>
+            </a:r>
+            <a:r>
+              <a:rPr lang="en-US" dirty="0"/>
+              <a:t>has hands-on experience in developing Front End Technologies (Mobile, Web and Desktop), Middleware and Server Side Technologies that includes Internet Systems, e-Commerce Systems, Workflow Systems, MIS Systems, Mobile Apps, SOA, SaaS Service, </a:t>
+            </a:r>
+            <a:r>
+              <a:rPr lang="en-US" dirty="0" smtClean="0"/>
+              <a:t>Imaging and Content Composition Technologies.</a:t>
+            </a:r>
+            <a:endParaRPr lang="en-US" dirty="0"/>
+          </a:p>
+        </p:txBody>
+      </p:sp>
+      <p:pic>
+        <p:nvPicPr>
+          <p:cNvPr id="4" name="Picture 3"/>
+          <p:cNvPicPr>
+            <a:picLocks noChangeAspect="1"/>
+          </p:cNvPicPr>
+          <p:nvPr/>
+        </p:nvPicPr>
+        <p:blipFill>
+          <a:blip r:embed="rId2"/>
+          <a:stretch>
+            <a:fillRect/>
+          </a:stretch>
+        </p:blipFill>
+        <p:spPr>
+          <a:xfrm>
+            <a:off x="549275" y="94878"/>
+            <a:ext cx="1433059" cy="1371972"/>
+          </a:xfrm>
+          <a:prstGeom prst="rect">
+            <a:avLst/>
+          </a:prstGeom>
+        </p:spPr>
+      </p:pic>
+      <p:sp>
+        <p:nvSpPr>
+          <p:cNvPr id="5" name="Rectangle 4"/>
+          <p:cNvSpPr/>
+          <p:nvPr/>
+        </p:nvSpPr>
+        <p:spPr>
+          <a:xfrm>
+            <a:off x="1133842" y="1505177"/>
+            <a:ext cx="6874974" cy="923330"/>
+          </a:xfrm>
+          <a:prstGeom prst="rect">
+            <a:avLst/>
+          </a:prstGeom>
+          <a:noFill/>
+        </p:spPr>
+        <p:txBody>
+          <a:bodyPr wrap="none" lIns="91440" tIns="45720" rIns="91440" bIns="45720">
+            <a:spAutoFit/>
+          </a:bodyPr>
+          <a:lstStyle/>
+          <a:p>
+            <a:pPr algn="ctr"/>
+            <a:r>
+              <a:rPr lang="en-US" sz="5400" b="1" cap="none" spc="0" dirty="0">
+                <a:ln w="12700">
+                  <a:solidFill>
+                    <a:schemeClr val="tx2">
+                      <a:satMod val="155000"/>
+                    </a:schemeClr>
+                  </a:solidFill>
+                  <a:prstDash val="solid"/>
+                </a:ln>
+                <a:solidFill>
+                  <a:schemeClr val="bg2">
+                    <a:tint val="85000"/>
+                    <a:satMod val="155000"/>
+                  </a:schemeClr>
+                </a:solidFill>
+                <a:effectLst>
+                  <a:outerShdw blurRad="41275" dist="20320" dir="1800000" algn="tl" rotWithShape="0">
+                    <a:srgbClr val="000000">
+                      <a:alpha val="40000"/>
+                    </a:srgbClr>
+                  </a:outerShdw>
+                </a:effectLst>
+              </a:rPr>
+              <a:t>Narayan Mahadevan</a:t>
+            </a:r>
+          </a:p>
+        </p:txBody>
+      </p:sp>
+    </p:spTree>
+    <p:extLst>
+      <p:ext uri="{BB962C8B-B14F-4D97-AF65-F5344CB8AC3E}">
+        <p14:creationId xmlns:p14="http://schemas.microsoft.com/office/powerpoint/2010/main" val="1987675133"/>
+      </p:ext>
+    </p:extLst>
+  </p:cSld>
+  <p:clrMapOvr>
+    <a:masterClrMapping/>
+  </p:clrMapOvr>
+  <p:timing>
+    <p:tnLst>
+      <p:par>
+        <p:cTn xmlns:p14="http://schemas.microsoft.com/office/powerpoint/2010/main" id="1" dur="indefinite" restart="never" nodeType="tmRoot"/>
+      </p:par>
+    </p:tnLst>
+  </p:timing>
+</p:sld>
+</file>
+
+<file path=ppt/slides/slide25.xml><?xml version="1.0" encoding="utf-8"?>
+<p:sld xmlns:a="http://schemas.openxmlformats.org/drawingml/2006/main" xmlns:r="http://schemas.openxmlformats.org/officeDocument/2006/relationships" xmlns:p="http://schemas.openxmlformats.org/presentationml/2006/main">
+  <p:cSld>
+    <p:spTree>
+      <p:nvGrpSpPr>
+        <p:cNvPr id="1" name=""/>
+        <p:cNvGrpSpPr/>
+        <p:nvPr/>
+      </p:nvGrpSpPr>
+      <p:grpSpPr>
+        <a:xfrm>
+          <a:off x="0" y="0"/>
+          <a:ext cx="0" cy="0"/>
+          <a:chOff x="0" y="0"/>
+          <a:chExt cx="0" cy="0"/>
+        </a:xfrm>
+      </p:grpSpPr>
+      <p:sp>
+        <p:nvSpPr>
+          <p:cNvPr id="2" name="Title 1"/>
+          <p:cNvSpPr>
+            <a:spLocks noGrp="1"/>
+          </p:cNvSpPr>
+          <p:nvPr>
+            <p:ph type="title"/>
+          </p:nvPr>
+        </p:nvSpPr>
+        <p:spPr>
+          <a:xfrm>
+            <a:off x="1982334" y="107576"/>
+            <a:ext cx="6609216" cy="1336956"/>
+          </a:xfrm>
+        </p:spPr>
+        <p:style>
+          <a:lnRef idx="2">
+            <a:schemeClr val="accent1">
+              <a:shade val="50000"/>
+            </a:schemeClr>
+          </a:lnRef>
+          <a:fillRef idx="1">
+            <a:schemeClr val="accent1"/>
+          </a:fillRef>
+          <a:effectRef idx="0">
+            <a:schemeClr val="accent1"/>
+          </a:effectRef>
+          <a:fontRef idx="minor">
+            <a:schemeClr val="lt1"/>
+          </a:fontRef>
+        </p:style>
+        <p:txBody>
+          <a:bodyPr anchor="ctr" anchorCtr="0"/>
+          <a:lstStyle/>
+          <a:p>
+            <a:r>
+              <a:rPr lang="en-US" dirty="0" smtClean="0"/>
+              <a:t>About MakeTechEz</a:t>
+            </a:r>
+            <a:endParaRPr lang="en-US" dirty="0"/>
+          </a:p>
+        </p:txBody>
+      </p:sp>
+      <p:sp>
+        <p:nvSpPr>
+          <p:cNvPr id="3" name="Content Placeholder 2"/>
+          <p:cNvSpPr>
+            <a:spLocks noGrp="1"/>
+          </p:cNvSpPr>
+          <p:nvPr>
+            <p:ph idx="1"/>
+          </p:nvPr>
+        </p:nvSpPr>
+        <p:spPr>
+          <a:xfrm>
+            <a:off x="549275" y="1712696"/>
+            <a:ext cx="8042276" cy="5145304"/>
+          </a:xfrm>
+        </p:spPr>
+        <p:txBody>
+          <a:bodyPr anchor="ctr" anchorCtr="0">
+            <a:normAutofit fontScale="92500" lnSpcReduction="10000"/>
+          </a:bodyPr>
+          <a:lstStyle/>
+          <a:p>
+            <a:pPr marL="0" indent="0" algn="just">
+              <a:spcBef>
+                <a:spcPts val="1200"/>
+              </a:spcBef>
+              <a:buNone/>
+            </a:pPr>
+            <a:r>
+              <a:rPr lang="en-US" dirty="0" smtClean="0"/>
+              <a:t>MakeTechEz (</a:t>
+            </a:r>
+            <a:r>
+              <a:rPr lang="en-US" dirty="0" smtClean="0">
+                <a:hlinkClick r:id="rId2"/>
+              </a:rPr>
+              <a:t>www.maketechez.wordpress.com</a:t>
+            </a:r>
+            <a:r>
+              <a:rPr lang="en-US" dirty="0" smtClean="0"/>
+              <a:t>) , is a single place </a:t>
+            </a:r>
+            <a:r>
+              <a:rPr lang="en-US" b="1" dirty="0" smtClean="0"/>
+              <a:t>“To Know, To Learn and To Use”</a:t>
+            </a:r>
+            <a:r>
+              <a:rPr lang="en-US" dirty="0" smtClean="0"/>
+              <a:t> Technology. </a:t>
+            </a:r>
+            <a:r>
+              <a:rPr lang="en-US" dirty="0"/>
+              <a:t>The sole motto </a:t>
+            </a:r>
+            <a:r>
+              <a:rPr lang="en-US" dirty="0" smtClean="0"/>
+              <a:t>being make </a:t>
+            </a:r>
+            <a:r>
+              <a:rPr lang="en-US" dirty="0"/>
+              <a:t>Technology Easy to Understand and Use. </a:t>
+            </a:r>
+            <a:endParaRPr lang="en-US" dirty="0" smtClean="0"/>
+          </a:p>
+          <a:p>
+            <a:pPr marL="0" indent="0" algn="just">
+              <a:spcBef>
+                <a:spcPts val="1200"/>
+              </a:spcBef>
+              <a:buNone/>
+            </a:pPr>
+            <a:r>
+              <a:rPr lang="en-US" dirty="0" smtClean="0"/>
+              <a:t>MakeTechEz caters </a:t>
+            </a:r>
+            <a:r>
+              <a:rPr lang="en-US" dirty="0"/>
+              <a:t>to </a:t>
+            </a:r>
+            <a:r>
+              <a:rPr lang="en-US" dirty="0" smtClean="0"/>
+              <a:t>fresh engineers, </a:t>
+            </a:r>
+            <a:r>
+              <a:rPr lang="en-US" dirty="0"/>
+              <a:t>techies as well as technology </a:t>
+            </a:r>
+            <a:r>
+              <a:rPr lang="en-US" dirty="0" smtClean="0"/>
+              <a:t>leaders through training solutions (</a:t>
+            </a:r>
+            <a:r>
+              <a:rPr lang="en-US" b="1" dirty="0" smtClean="0">
+                <a:solidFill>
+                  <a:srgbClr val="008000"/>
+                </a:solidFill>
+              </a:rPr>
+              <a:t>BridgeGap Training Solution</a:t>
+            </a:r>
+            <a:r>
+              <a:rPr lang="en-US" dirty="0" smtClean="0"/>
+              <a:t>), blogs, one minute videos and open source software's on </a:t>
+            </a:r>
+            <a:endParaRPr lang="en-US" dirty="0"/>
+          </a:p>
+          <a:p>
+            <a:pPr algn="just">
+              <a:spcBef>
+                <a:spcPts val="1200"/>
+              </a:spcBef>
+            </a:pPr>
+            <a:r>
+              <a:rPr lang="en-US" dirty="0" smtClean="0"/>
+              <a:t>Programming </a:t>
+            </a:r>
+            <a:r>
+              <a:rPr lang="en-US" dirty="0"/>
+              <a:t>- C/C++, Java, Mobile, Web and Server Side Programming, </a:t>
+            </a:r>
+          </a:p>
+          <a:p>
+            <a:pPr algn="just">
+              <a:spcBef>
+                <a:spcPts val="1200"/>
+              </a:spcBef>
+            </a:pPr>
+            <a:r>
+              <a:rPr lang="en-US" dirty="0" smtClean="0"/>
+              <a:t>Enterprise </a:t>
+            </a:r>
+            <a:r>
+              <a:rPr lang="en-US" dirty="0"/>
+              <a:t>Technologies </a:t>
+            </a:r>
+            <a:r>
+              <a:rPr lang="en-US" dirty="0" smtClean="0"/>
+              <a:t>– BigData, CRM</a:t>
+            </a:r>
+            <a:r>
+              <a:rPr lang="en-US" dirty="0"/>
+              <a:t>, ERP, etc.</a:t>
+            </a:r>
+            <a:r>
+              <a:rPr lang="en-US" dirty="0" smtClean="0"/>
+              <a:t>,</a:t>
+            </a:r>
+          </a:p>
+          <a:p>
+            <a:pPr algn="just">
+              <a:spcBef>
+                <a:spcPts val="1200"/>
+              </a:spcBef>
+            </a:pPr>
+            <a:r>
+              <a:rPr lang="en-US" dirty="0" smtClean="0"/>
+              <a:t>Enterprise </a:t>
+            </a:r>
+            <a:r>
+              <a:rPr lang="en-US" dirty="0"/>
+              <a:t>Architecture - Architecture Patterns, Designs Patterns, Performance, Security, Delivery, </a:t>
+            </a:r>
+            <a:r>
+              <a:rPr lang="en-US" dirty="0" err="1"/>
+              <a:t>etc</a:t>
+            </a:r>
+            <a:endParaRPr lang="en-US" dirty="0" smtClean="0"/>
+          </a:p>
+          <a:p>
+            <a:pPr marL="0" indent="0" algn="just">
+              <a:spcBef>
+                <a:spcPts val="1200"/>
+              </a:spcBef>
+              <a:buNone/>
+            </a:pPr>
+            <a:r>
+              <a:rPr lang="en-US" dirty="0" smtClean="0"/>
+              <a:t> </a:t>
+            </a:r>
+            <a:endParaRPr lang="en-US" dirty="0"/>
+          </a:p>
+        </p:txBody>
+      </p:sp>
+      <p:pic>
+        <p:nvPicPr>
+          <p:cNvPr id="7" name="Picture 6"/>
+          <p:cNvPicPr>
+            <a:picLocks noChangeAspect="1"/>
+          </p:cNvPicPr>
+          <p:nvPr/>
+        </p:nvPicPr>
+        <p:blipFill>
+          <a:blip r:embed="rId3"/>
+          <a:stretch>
+            <a:fillRect/>
+          </a:stretch>
+        </p:blipFill>
+        <p:spPr>
+          <a:xfrm>
+            <a:off x="553584" y="144671"/>
+            <a:ext cx="1329617" cy="1329617"/>
+          </a:xfrm>
+          <a:prstGeom prst="rect">
+            <a:avLst/>
+          </a:prstGeom>
+        </p:spPr>
+      </p:pic>
+    </p:spTree>
+    <p:extLst>
+      <p:ext uri="{BB962C8B-B14F-4D97-AF65-F5344CB8AC3E}">
+        <p14:creationId xmlns:p14="http://schemas.microsoft.com/office/powerpoint/2010/main" val="288204158"/>
+      </p:ext>
+    </p:extLst>
+  </p:cSld>
+  <p:clrMapOvr>
+    <a:masterClrMapping/>
+  </p:clrMapOvr>
+  <p:timing>
+    <p:tnLst>
+      <p:par>
+        <p:cTn xmlns:p14="http://schemas.microsoft.com/office/powerpoint/2010/main" id="1" dur="indefinite" restart="never" nodeType="tmRoot"/>
+      </p:par>
+    </p:tnLst>
+  </p:timing>
+</p:sld>
+</file>
+
+<file path=ppt/slides/slide26.xml><?xml version="1.0" encoding="utf-8"?>
+<p:sld xmlns:a="http://schemas.openxmlformats.org/drawingml/2006/main" xmlns:r="http://schemas.openxmlformats.org/officeDocument/2006/relationships" xmlns:p="http://schemas.openxmlformats.org/presentationml/2006/main">
+  <p:cSld>
+    <p:spTree>
+      <p:nvGrpSpPr>
+        <p:cNvPr id="1" name=""/>
+        <p:cNvGrpSpPr/>
+        <p:nvPr/>
+      </p:nvGrpSpPr>
+      <p:grpSpPr>
+        <a:xfrm>
+          <a:off x="0" y="0"/>
+          <a:ext cx="0" cy="0"/>
+          <a:chOff x="0" y="0"/>
+          <a:chExt cx="0" cy="0"/>
+        </a:xfrm>
+      </p:grpSpPr>
+      <p:pic>
+        <p:nvPicPr>
+          <p:cNvPr id="9" name="Picture 8"/>
+          <p:cNvPicPr>
+            <a:picLocks noChangeAspect="1"/>
+          </p:cNvPicPr>
+          <p:nvPr/>
+        </p:nvPicPr>
+        <p:blipFill>
+          <a:blip r:embed="rId2"/>
+          <a:stretch>
+            <a:fillRect/>
+          </a:stretch>
+        </p:blipFill>
+        <p:spPr>
+          <a:xfrm>
+            <a:off x="1799693" y="1438997"/>
+            <a:ext cx="5680549" cy="2519598"/>
+          </a:xfrm>
+          <a:prstGeom prst="rect">
+            <a:avLst/>
+          </a:prstGeom>
+        </p:spPr>
+      </p:pic>
+      <p:sp>
+        <p:nvSpPr>
+          <p:cNvPr id="10" name="Title 1"/>
+          <p:cNvSpPr>
+            <a:spLocks noGrp="1"/>
+          </p:cNvSpPr>
+          <p:nvPr>
+            <p:ph type="ctrTitle"/>
+          </p:nvPr>
+        </p:nvSpPr>
+        <p:spPr>
+          <a:xfrm>
+            <a:off x="1194601" y="3613730"/>
+            <a:ext cx="6498158" cy="1164317"/>
+          </a:xfrm>
+        </p:spPr>
+        <p:txBody>
+          <a:bodyPr anchor="ctr" anchorCtr="0"/>
+          <a:lstStyle/>
+          <a:p>
+            <a:r>
+              <a:rPr lang="en-US" sz="3600" dirty="0" smtClean="0"/>
+              <a:t>MakeTechEz</a:t>
+            </a:r>
+            <a:endParaRPr lang="en-US" sz="3600" dirty="0"/>
+          </a:p>
+        </p:txBody>
+      </p:sp>
+      <p:sp>
+        <p:nvSpPr>
+          <p:cNvPr id="11" name="Subtitle 2"/>
+          <p:cNvSpPr>
+            <a:spLocks noGrp="1"/>
+          </p:cNvSpPr>
+          <p:nvPr>
+            <p:ph type="subTitle" idx="1"/>
+          </p:nvPr>
+        </p:nvSpPr>
+        <p:spPr>
+          <a:xfrm>
+            <a:off x="1194602" y="4533500"/>
+            <a:ext cx="6674722" cy="755459"/>
+          </a:xfrm>
+          <a:effectLst>
+            <a:outerShdw blurRad="76200" dist="12700" dir="8100000" sy="-23000" kx="800400" algn="br" rotWithShape="0">
+              <a:prstClr val="black">
+                <a:alpha val="20000"/>
+              </a:prstClr>
+            </a:outerShdw>
+          </a:effectLst>
+        </p:spPr>
+        <p:txBody>
+          <a:bodyPr>
+            <a:noAutofit/>
+          </a:bodyPr>
+          <a:lstStyle/>
+          <a:p>
+            <a:pPr>
+              <a:lnSpc>
+                <a:spcPct val="150000"/>
+              </a:lnSpc>
+            </a:pPr>
+            <a:r>
+              <a:rPr lang="en-US" sz="3200" b="1" dirty="0" smtClean="0">
+                <a:solidFill>
+                  <a:srgbClr val="008000"/>
+                </a:solidFill>
+              </a:rPr>
+              <a:t>BridgeGap Training Solution</a:t>
+            </a:r>
+            <a:endParaRPr lang="en-US" sz="3200" b="1" dirty="0">
+              <a:solidFill>
+                <a:srgbClr val="008000"/>
+              </a:solidFill>
+            </a:endParaRPr>
+          </a:p>
+        </p:txBody>
+      </p:sp>
+      <p:sp>
+        <p:nvSpPr>
+          <p:cNvPr id="12" name="Rectangle 11"/>
+          <p:cNvSpPr/>
+          <p:nvPr/>
+        </p:nvSpPr>
+        <p:spPr>
+          <a:xfrm>
+            <a:off x="2813271" y="350182"/>
+            <a:ext cx="3594403" cy="923330"/>
+          </a:xfrm>
+          <a:prstGeom prst="rect">
+            <a:avLst/>
+          </a:prstGeom>
+          <a:noFill/>
+        </p:spPr>
+        <p:txBody>
+          <a:bodyPr wrap="none" lIns="91440" tIns="45720" rIns="91440" bIns="45720">
+            <a:spAutoFit/>
+          </a:bodyPr>
+          <a:lstStyle/>
+          <a:p>
+            <a:pPr algn="ctr"/>
+            <a:r>
+              <a:rPr lang="en-US" sz="5400" b="1" cap="none" spc="0" dirty="0" smtClean="0">
+                <a:ln w="12700">
+                  <a:solidFill>
+                    <a:schemeClr val="tx2">
+                      <a:satMod val="155000"/>
+                    </a:schemeClr>
+                  </a:solidFill>
+                  <a:prstDash val="solid"/>
+                </a:ln>
+                <a:solidFill>
+                  <a:schemeClr val="bg2">
+                    <a:tint val="85000"/>
+                    <a:satMod val="155000"/>
+                  </a:schemeClr>
+                </a:solidFill>
+                <a:effectLst>
+                  <a:outerShdw blurRad="41275" dist="20320" dir="1800000" algn="tl" rotWithShape="0">
+                    <a:srgbClr val="000000">
+                      <a:alpha val="40000"/>
+                    </a:srgbClr>
+                  </a:outerShdw>
+                </a:effectLst>
+              </a:rPr>
+              <a:t>Thank you </a:t>
+            </a:r>
+            <a:endParaRPr lang="en-US" sz="5400" b="1" cap="none" spc="0" dirty="0">
+              <a:ln w="12700">
+                <a:solidFill>
+                  <a:schemeClr val="tx2">
+                    <a:satMod val="155000"/>
+                  </a:schemeClr>
+                </a:solidFill>
+                <a:prstDash val="solid"/>
+              </a:ln>
+              <a:solidFill>
+                <a:schemeClr val="bg2">
+                  <a:tint val="85000"/>
+                  <a:satMod val="155000"/>
+                </a:schemeClr>
+              </a:solidFill>
+              <a:effectLst>
+                <a:outerShdw blurRad="41275" dist="20320" dir="1800000" algn="tl" rotWithShape="0">
+                  <a:srgbClr val="000000">
+                    <a:alpha val="40000"/>
+                  </a:srgbClr>
+                </a:outerShdw>
+              </a:effectLst>
+            </a:endParaRPr>
+          </a:p>
+        </p:txBody>
+      </p:sp>
+    </p:spTree>
+    <p:extLst>
+      <p:ext uri="{BB962C8B-B14F-4D97-AF65-F5344CB8AC3E}">
+        <p14:creationId xmlns:p14="http://schemas.microsoft.com/office/powerpoint/2010/main" val="756434886"/>
       </p:ext>
     </p:extLst>
   </p:cSld>
@@ -5381,7 +11199,15 @@
           <a:p>
             <a:r>
               <a:rPr lang="en-US" dirty="0"/>
-              <a:t>Engineers, Are They Employable?</a:t>
+              <a:t>Engineers, Are They </a:t>
+            </a:r>
+            <a:r>
+              <a:rPr lang="en-US" b="1" dirty="0"/>
+              <a:t>Employable</a:t>
+            </a:r>
+            <a:r>
+              <a:rPr lang="en-US" dirty="0"/>
+              <a:t>?</a:t>
             </a:r>
           </a:p>
         </p:txBody>
@@ -5398,34 +11224,101 @@
         </p:nvSpPr>
         <p:spPr>
           <a:xfrm>
-            <a:off x="549275" y="1600200"/>
-            <a:ext cx="8042276" cy="4684581"/>
+            <a:off x="549275" y="3456219"/>
+            <a:ext cx="8042276" cy="2828562"/>
           </a:xfrm>
         </p:spPr>
         <p:txBody>
           <a:bodyPr anchor="ctr" anchorCtr="0">
-            <a:normAutofit fontScale="92500"/>
+            <a:normAutofit/>
           </a:bodyPr>
           <a:lstStyle/>
           <a:p>
-            <a:pPr marL="0" indent="0">
+            <a:pPr marL="0" indent="0" algn="just">
               <a:lnSpc>
                 <a:spcPct val="150000"/>
               </a:lnSpc>
               <a:buNone/>
             </a:pPr>
             <a:r>
+              <a:rPr lang="en-US" dirty="0" smtClean="0"/>
+              <a:t>In 2013-14 about </a:t>
+            </a:r>
+            <a:r>
               <a:rPr lang="en-US" dirty="0"/>
-              <a:t>According to a survey conducted by US-based EC-Council (International Council for E-Commerce Consultants), By 2015, India needs at least 500,000 cyber professionals. Yet 99% Indian IT students incapable of secure coding. Further the report went on to say that only around 13% of IT students in India have some understanding of concepts, and that they can be trained in information security. While over 86% of them do not have requisite skills. </a:t>
+              <a:t>1.5 million engineers </a:t>
+            </a:r>
+            <a:r>
+              <a:rPr lang="en-US" dirty="0" smtClean="0"/>
+              <a:t>will graduate in India across various disciplines. Of this 60-75% opt for IT which is 1 million engineers, only 150,000 will be hired down from 400,000 in year 2007.</a:t>
             </a:r>
             <a:endParaRPr lang="en-US" dirty="0"/>
+          </a:p>
+        </p:txBody>
+      </p:sp>
+      <p:pic>
+        <p:nvPicPr>
+          <p:cNvPr id="4" name="Picture 3"/>
+          <p:cNvPicPr>
+            <a:picLocks noChangeAspect="1"/>
+          </p:cNvPicPr>
+          <p:nvPr/>
+        </p:nvPicPr>
+        <p:blipFill>
+          <a:blip r:embed="rId2"/>
+          <a:stretch>
+            <a:fillRect/>
+          </a:stretch>
+        </p:blipFill>
+        <p:spPr>
+          <a:xfrm>
+            <a:off x="2887855" y="1742636"/>
+            <a:ext cx="3533010" cy="1766505"/>
+          </a:xfrm>
+          <a:prstGeom prst="rect">
+            <a:avLst/>
+          </a:prstGeom>
+        </p:spPr>
+      </p:pic>
+      <p:sp>
+        <p:nvSpPr>
+          <p:cNvPr id="6" name="TextBox 5"/>
+          <p:cNvSpPr txBox="1"/>
+          <p:nvPr/>
+        </p:nvSpPr>
+        <p:spPr>
+          <a:xfrm>
+            <a:off x="602193" y="6022503"/>
+            <a:ext cx="7989357" cy="338554"/>
+          </a:xfrm>
+          <a:prstGeom prst="rect">
+            <a:avLst/>
+          </a:prstGeom>
+          <a:noFill/>
+        </p:spPr>
+        <p:txBody>
+          <a:bodyPr wrap="square" rtlCol="0">
+            <a:spAutoFit/>
+          </a:bodyPr>
+          <a:lstStyle/>
+          <a:p>
+            <a:pPr algn="r"/>
+            <a:r>
+              <a:rPr lang="en-US" sz="1600" i="1" dirty="0"/>
+              <a:t>Source </a:t>
+            </a:r>
+            <a:r>
+              <a:rPr lang="en-US" sz="1600" i="1" dirty="0" smtClean="0"/>
+              <a:t>– A Private Study</a:t>
+            </a:r>
+            <a:endParaRPr lang="en-US" sz="1600" i="1" dirty="0"/>
           </a:p>
         </p:txBody>
       </p:sp>
     </p:spTree>
     <p:extLst>
       <p:ext uri="{BB962C8B-B14F-4D97-AF65-F5344CB8AC3E}">
-        <p14:creationId xmlns:p14="http://schemas.microsoft.com/office/powerpoint/2010/main" val="641460276"/>
+        <p14:creationId xmlns:p14="http://schemas.microsoft.com/office/powerpoint/2010/main" val="3144564478"/>
       </p:ext>
     </p:extLst>
   </p:cSld>
@@ -5492,7 +11385,15 @@
           <a:p>
             <a:r>
               <a:rPr lang="en-US" dirty="0"/>
-              <a:t>Experts Opinion</a:t>
+              <a:t>Engineers, Are They </a:t>
+            </a:r>
+            <a:r>
+              <a:rPr lang="en-US" b="1" dirty="0"/>
+              <a:t>Employable</a:t>
+            </a:r>
+            <a:r>
+              <a:rPr lang="en-US" dirty="0"/>
+              <a:t>?</a:t>
             </a:r>
           </a:p>
         </p:txBody>
@@ -5507,40 +11408,107 @@
             <p:ph idx="1"/>
           </p:nvPr>
         </p:nvSpPr>
-        <p:spPr/>
-        <p:txBody>
-          <a:bodyPr/>
+        <p:spPr>
+          <a:xfrm>
+            <a:off x="549275" y="3810490"/>
+            <a:ext cx="8042276" cy="2212013"/>
+          </a:xfrm>
+        </p:spPr>
+        <p:txBody>
+          <a:bodyPr anchor="ctr" anchorCtr="0">
+            <a:normAutofit lnSpcReduction="10000"/>
+          </a:bodyPr>
           <a:lstStyle/>
           <a:p>
-            <a:r>
-              <a:rPr lang="en-US" dirty="0" smtClean="0"/>
-              <a:t>Dr. </a:t>
-            </a:r>
-            <a:r>
-              <a:rPr lang="en-US" dirty="0"/>
-              <a:t>Sameer Prabhu director of Industry Marketing, MathWorks, says, </a:t>
-            </a:r>
-            <a:endParaRPr lang="en-US" dirty="0" smtClean="0"/>
-          </a:p>
-          <a:p>
-            <a:pPr marL="352425" indent="0">
+            <a:pPr marL="0" indent="0" algn="just">
+              <a:lnSpc>
+                <a:spcPct val="150000"/>
+              </a:lnSpc>
               <a:buNone/>
             </a:pPr>
             <a:r>
               <a:rPr lang="en-US" dirty="0" smtClean="0"/>
-              <a:t>“</a:t>
+              <a:t>By </a:t>
             </a:r>
             <a:r>
               <a:rPr lang="en-US" dirty="0"/>
-              <a:t>While engineering education in India has evolved over the last few years, there is still a considerable skills gap when it comes to industry requirements. Product Engineering companies are unable to hire as it requires greater understanding of computer science and algorithms among students. Another main reasons is lack of exposure to industry-standard tools and software."</a:t>
-            </a:r>
+              <a:t>2015, India needs at least 500,000 cyber professionals. Yet 99% Indian IT students incapable of secure </a:t>
+            </a:r>
+            <a:r>
+              <a:rPr lang="en-US" dirty="0" smtClean="0"/>
+              <a:t>coding and 87% do not understand concepts or have requisite skills. </a:t>
+            </a:r>
+            <a:endParaRPr lang="en-US" dirty="0"/>
+          </a:p>
+        </p:txBody>
+      </p:sp>
+      <p:pic>
+        <p:nvPicPr>
+          <p:cNvPr id="4" name="Picture 3"/>
+          <p:cNvPicPr>
+            <a:picLocks noChangeAspect="1"/>
+          </p:cNvPicPr>
+          <p:nvPr/>
+        </p:nvPicPr>
+        <p:blipFill>
+          <a:blip r:embed="rId2"/>
+          <a:stretch>
+            <a:fillRect/>
+          </a:stretch>
+        </p:blipFill>
+        <p:spPr>
+          <a:xfrm>
+            <a:off x="2887855" y="1742636"/>
+            <a:ext cx="3533010" cy="1766505"/>
+          </a:xfrm>
+          <a:prstGeom prst="rect">
+            <a:avLst/>
+          </a:prstGeom>
+        </p:spPr>
+      </p:pic>
+      <p:sp>
+        <p:nvSpPr>
+          <p:cNvPr id="5" name="TextBox 4"/>
+          <p:cNvSpPr txBox="1"/>
+          <p:nvPr/>
+        </p:nvSpPr>
+        <p:spPr>
+          <a:xfrm>
+            <a:off x="602193" y="6022503"/>
+            <a:ext cx="7989357" cy="584776"/>
+          </a:xfrm>
+          <a:prstGeom prst="rect">
+            <a:avLst/>
+          </a:prstGeom>
+          <a:noFill/>
+        </p:spPr>
+        <p:txBody>
+          <a:bodyPr wrap="square" rtlCol="0">
+            <a:spAutoFit/>
+          </a:bodyPr>
+          <a:lstStyle/>
+          <a:p>
+            <a:pPr algn="r"/>
+            <a:r>
+              <a:rPr lang="en-US" sz="1600" i="1" dirty="0"/>
+              <a:t>Source </a:t>
+            </a:r>
+            <a:r>
+              <a:rPr lang="en-US" sz="1600" i="1" dirty="0" smtClean="0"/>
+              <a:t>– </a:t>
+            </a:r>
+            <a:r>
+              <a:rPr lang="en-US" sz="1600" dirty="0"/>
+              <a:t>US-based EC-Council (International Council for E-Commerce Consultants)</a:t>
+            </a:r>
+            <a:endParaRPr lang="en-US" sz="1600" i="1" dirty="0"/>
           </a:p>
         </p:txBody>
       </p:sp>
     </p:spTree>
     <p:extLst>
       <p:ext uri="{BB962C8B-B14F-4D97-AF65-F5344CB8AC3E}">
-        <p14:creationId xmlns:p14="http://schemas.microsoft.com/office/powerpoint/2010/main" val="567662295"/>
+        <p14:creationId xmlns:p14="http://schemas.microsoft.com/office/powerpoint/2010/main" val="641460276"/>
       </p:ext>
     </p:extLst>
   </p:cSld>
@@ -5607,7 +11575,15 @@
           <a:p>
             <a:r>
               <a:rPr lang="en-US" dirty="0"/>
-              <a:t>Experts Opinion</a:t>
+              <a:t>Engineers, Are They </a:t>
+            </a:r>
+            <a:r>
+              <a:rPr lang="en-US" b="1" dirty="0"/>
+              <a:t>Employable</a:t>
+            </a:r>
+            <a:r>
+              <a:rPr lang="en-US" dirty="0"/>
+              <a:t>?</a:t>
             </a:r>
           </a:p>
         </p:txBody>
@@ -5622,45 +11598,112 @@
             <p:ph idx="1"/>
           </p:nvPr>
         </p:nvSpPr>
-        <p:spPr/>
-        <p:txBody>
-          <a:bodyPr>
-            <a:normAutofit lnSpcReduction="10000"/>
+        <p:spPr>
+          <a:xfrm>
+            <a:off x="549275" y="3509141"/>
+            <a:ext cx="8042276" cy="3187692"/>
+          </a:xfrm>
+        </p:spPr>
+        <p:txBody>
+          <a:bodyPr anchor="ctr" anchorCtr="0">
+            <a:normAutofit fontScale="92500" lnSpcReduction="20000"/>
           </a:bodyPr>
           <a:lstStyle/>
           <a:p>
-            <a:r>
-              <a:rPr lang="en-US" dirty="0"/>
-              <a:t>Raghu Panicker, country sales director, Mentor Graphics, </a:t>
-            </a:r>
-            <a:r>
-              <a:rPr lang="en-US" dirty="0" smtClean="0"/>
-              <a:t>says, </a:t>
-            </a:r>
-          </a:p>
-          <a:p>
-            <a:pPr marL="352425" indent="0">
+            <a:pPr marL="0" indent="0" algn="just">
+              <a:lnSpc>
+                <a:spcPct val="150000"/>
+              </a:lnSpc>
               <a:buNone/>
             </a:pPr>
             <a:r>
+              <a:rPr lang="en-US" b="1" dirty="0" smtClean="0"/>
+              <a:t>NASSCOM </a:t>
+            </a:r>
+            <a:r>
+              <a:rPr lang="en-US" dirty="0" smtClean="0"/>
+              <a:t>has launched a Pilot Programme across 15 Engineering Colleges for Students called the </a:t>
+            </a:r>
+            <a:r>
+              <a:rPr lang="en-US" b="1" dirty="0" smtClean="0"/>
+              <a:t>Foundation Skills</a:t>
+            </a:r>
+            <a:r>
+              <a:rPr lang="en-US" dirty="0" smtClean="0"/>
+              <a:t>. An Integrated Product Development Programme to make students </a:t>
+            </a:r>
+            <a:r>
+              <a:rPr lang="en-US" b="1" dirty="0" smtClean="0"/>
+              <a:t>Industry Ready </a:t>
+            </a:r>
+            <a:r>
+              <a:rPr lang="en-US" dirty="0" smtClean="0"/>
+              <a:t>along </a:t>
+            </a:r>
+            <a:r>
               <a:rPr lang="en-US" dirty="0"/>
-              <a:t>“Fresh engineering graduates who get hired by leading companies have to go through induction on product engineering oriented or process engineering oriented or focused in-house training programmes</a:t>
+              <a:t>with </a:t>
+            </a:r>
+            <a:r>
+              <a:rPr lang="en-US" b="1" dirty="0"/>
+              <a:t>train-the-trainer </a:t>
+            </a:r>
+            <a:r>
+              <a:rPr lang="en-US" dirty="0"/>
+              <a:t>initiatives </a:t>
             </a:r>
             <a:r>
               <a:rPr lang="en-US" dirty="0" smtClean="0"/>
-              <a:t>. </a:t>
+              <a:t>to </a:t>
             </a:r>
             <a:r>
               <a:rPr lang="en-US" dirty="0"/>
-              <a:t>These programmes are usually driven and guided by internal engineers, managers and product/process specialists, and run for over four to six months. These programmes involve a lot of effort, time and costs for any corporate. This is where finishing schools come in.”</a:t>
-            </a:r>
-          </a:p>
-        </p:txBody>
-      </p:sp>
+              <a:t>train professors</a:t>
+            </a:r>
+            <a:r>
+              <a:rPr lang="en-US" dirty="0" smtClean="0"/>
+              <a:t>. As Nasscom estimates employment rate will spur from 3 million currently to </a:t>
+            </a:r>
+            <a:r>
+              <a:rPr lang="en-US" b="1" dirty="0" smtClean="0"/>
+              <a:t>10 million Jobs</a:t>
+            </a:r>
+            <a:r>
+              <a:rPr lang="en-US" dirty="0" smtClean="0"/>
+              <a:t> by 2020.</a:t>
+            </a:r>
+            <a:endParaRPr lang="en-US" sz="1300" dirty="0"/>
+          </a:p>
+        </p:txBody>
+      </p:sp>
+      <p:pic>
+        <p:nvPicPr>
+          <p:cNvPr id="5" name="Picture 4"/>
+          <p:cNvPicPr>
+            <a:picLocks noChangeAspect="1"/>
+          </p:cNvPicPr>
+          <p:nvPr/>
+        </p:nvPicPr>
+        <p:blipFill>
+          <a:blip r:embed="rId3"/>
+          <a:stretch>
+            <a:fillRect/>
+          </a:stretch>
+        </p:blipFill>
+        <p:spPr>
+          <a:xfrm>
+            <a:off x="2887855" y="1742636"/>
+            <a:ext cx="3533010" cy="1766505"/>
+          </a:xfrm>
+          <a:prstGeom prst="rect">
+            <a:avLst/>
+          </a:prstGeom>
+        </p:spPr>
+      </p:pic>
     </p:spTree>
     <p:extLst>
       <p:ext uri="{BB962C8B-B14F-4D97-AF65-F5344CB8AC3E}">
-        <p14:creationId xmlns:p14="http://schemas.microsoft.com/office/powerpoint/2010/main" val="3390658830"/>
+        <p14:creationId xmlns:p14="http://schemas.microsoft.com/office/powerpoint/2010/main" val="3660588358"/>
       </p:ext>
     </p:extLst>
   </p:cSld>
@@ -5726,8 +11769,12 @@
           <a:lstStyle/>
           <a:p>
             <a:r>
+              <a:rPr lang="en-US" b="1" dirty="0"/>
+              <a:t>Experts</a:t>
+            </a:r>
+            <a:r>
               <a:rPr lang="en-US" dirty="0"/>
-              <a:t>Experts Opinion</a:t>
+              <a:t> Opinion</a:t>
             </a:r>
           </a:p>
         </p:txBody>
@@ -5742,29 +11789,105 @@
             <p:ph idx="1"/>
           </p:nvPr>
         </p:nvSpPr>
-        <p:spPr/>
+        <p:spPr>
+          <a:xfrm>
+            <a:off x="549275" y="3220614"/>
+            <a:ext cx="8042276" cy="1683628"/>
+          </a:xfrm>
+        </p:spPr>
         <p:txBody>
           <a:bodyPr>
-            <a:normAutofit lnSpcReduction="10000"/>
+            <a:normAutofit/>
           </a:bodyPr>
           <a:lstStyle/>
           <a:p>
-            <a:r>
-              <a:rPr lang="en-US" dirty="0"/>
-              <a:t>Col. N.C. Pande from EFY Tech Center, </a:t>
-            </a:r>
-            <a:r>
-              <a:rPr lang="en-US" dirty="0" smtClean="0"/>
-              <a:t>says, </a:t>
-            </a:r>
-          </a:p>
-          <a:p>
-            <a:pPr marL="352425" indent="0">
+            <a:pPr marL="352425" indent="0" algn="just">
               <a:buNone/>
             </a:pPr>
             <a:r>
+              <a:rPr lang="en-US" dirty="0" smtClean="0"/>
+              <a:t>Engineering education in India has considerable </a:t>
+            </a:r>
+            <a:r>
+              <a:rPr lang="en-US" b="1" dirty="0" smtClean="0"/>
+              <a:t>Skill Gap </a:t>
+            </a:r>
+            <a:r>
+              <a:rPr lang="en-US" dirty="0" smtClean="0"/>
+              <a:t>in </a:t>
+            </a:r>
+            <a:r>
               <a:rPr lang="en-US" dirty="0"/>
-              <a:t>“While the colleges make a theoretical background for the students, finishing schools teach them the practical aspects of things. In India, a vast majority of engineering colleges and universities have not updated their curriculum to incorporate the current needs of the industry with respect to exposure to new technologies, products and processes across sectors. Hence the need for this supplementary training that can enhance ‘job readiness’ and hence cut down the time required by companies to make the fresh hires productive.”</a:t>
+              <a:t>computer </a:t>
+            </a:r>
+            <a:r>
+              <a:rPr lang="en-US" dirty="0" smtClean="0"/>
+              <a:t>science, algorithms, </a:t>
+            </a:r>
+            <a:r>
+              <a:rPr lang="en-US" dirty="0"/>
+              <a:t>industry-standard tools and </a:t>
+            </a:r>
+            <a:r>
+              <a:rPr lang="en-US" dirty="0" smtClean="0"/>
+              <a:t>software to match the </a:t>
+            </a:r>
+            <a:r>
+              <a:rPr lang="en-US" dirty="0"/>
+              <a:t>industry requirements. </a:t>
+            </a:r>
+          </a:p>
+        </p:txBody>
+      </p:sp>
+      <p:pic>
+        <p:nvPicPr>
+          <p:cNvPr id="4" name="Picture 3"/>
+          <p:cNvPicPr>
+            <a:picLocks noChangeAspect="1"/>
+          </p:cNvPicPr>
+          <p:nvPr/>
+        </p:nvPicPr>
+        <p:blipFill>
+          <a:blip r:embed="rId2"/>
+          <a:stretch>
+            <a:fillRect/>
+          </a:stretch>
+        </p:blipFill>
+        <p:spPr>
+          <a:xfrm>
+            <a:off x="549275" y="1600201"/>
+            <a:ext cx="1620413" cy="1620413"/>
+          </a:xfrm>
+          <a:prstGeom prst="rect">
+            <a:avLst/>
+          </a:prstGeom>
+        </p:spPr>
+      </p:pic>
+      <p:sp>
+        <p:nvSpPr>
+          <p:cNvPr id="5" name="TextBox 4"/>
+          <p:cNvSpPr txBox="1"/>
+          <p:nvPr/>
+        </p:nvSpPr>
+        <p:spPr>
+          <a:xfrm>
+            <a:off x="2381365" y="1917261"/>
+            <a:ext cx="6210185" cy="646331"/>
+          </a:xfrm>
+          <a:prstGeom prst="rect">
+            <a:avLst/>
+          </a:prstGeom>
+          <a:noFill/>
+        </p:spPr>
+        <p:txBody>
+          <a:bodyPr wrap="square" rtlCol="0">
+            <a:spAutoFit/>
+          </a:bodyPr>
+          <a:lstStyle/>
+          <a:p>
+            <a:r>
+              <a:rPr lang="en-US" dirty="0"/>
+              <a:t>Dr. Sameer Prabhu director of Industry Marketing, MathWorks, </a:t>
             </a:r>
           </a:p>
         </p:txBody>
@@ -5772,7 +11895,7 @@
     </p:spTree>
     <p:extLst>
       <p:ext uri="{BB962C8B-B14F-4D97-AF65-F5344CB8AC3E}">
-        <p14:creationId xmlns:p14="http://schemas.microsoft.com/office/powerpoint/2010/main" val="2314214305"/>
+        <p14:creationId xmlns:p14="http://schemas.microsoft.com/office/powerpoint/2010/main" val="567662295"/>
       </p:ext>
     </p:extLst>
   </p:cSld>
@@ -5838,8 +11961,12 @@
           <a:lstStyle/>
           <a:p>
             <a:r>
+              <a:rPr lang="en-US" b="1" dirty="0"/>
+              <a:t>Experts</a:t>
+            </a:r>
+            <a:r>
               <a:rPr lang="en-US" dirty="0"/>
-              <a:t>What is Finishing School?</a:t>
+              <a:t> Opinion</a:t>
             </a:r>
           </a:p>
         </p:txBody>
@@ -5856,39 +11983,112 @@
         </p:nvSpPr>
         <p:spPr>
           <a:xfrm>
-            <a:off x="549275" y="1600200"/>
-            <a:ext cx="8042276" cy="4684581"/>
-          </a:xfrm>
-        </p:spPr>
-        <p:txBody>
-          <a:bodyPr anchor="ctr" anchorCtr="0"/>
+            <a:off x="549275" y="3220614"/>
+            <a:ext cx="8042276" cy="2865586"/>
+          </a:xfrm>
+        </p:spPr>
+        <p:txBody>
+          <a:bodyPr>
+            <a:normAutofit/>
+          </a:bodyPr>
           <a:lstStyle/>
           <a:p>
-            <a:pPr marL="0" indent="0">
-              <a:lnSpc>
-                <a:spcPct val="150000"/>
-              </a:lnSpc>
+            <a:pPr marL="352425" indent="0" algn="just">
               <a:buNone/>
             </a:pPr>
             <a:r>
               <a:rPr lang="en-US" dirty="0"/>
-              <a:t>Finishing school is a supplementary training school that attempts to compensate for the deficiencies of colleges by providing </a:t>
+              <a:t>Fresh engineering graduates who get hired by leading companies have to go </a:t>
             </a:r>
             <a:r>
               <a:rPr lang="en-US" dirty="0" smtClean="0"/>
-              <a:t>specialized </a:t>
+              <a:t>through </a:t>
+            </a:r>
+            <a:r>
+              <a:rPr lang="en-US" b="1" dirty="0" smtClean="0"/>
+              <a:t>In</a:t>
+            </a:r>
+            <a:r>
+              <a:rPr lang="en-US" b="1" dirty="0"/>
+              <a:t>-house </a:t>
+            </a:r>
+            <a:r>
+              <a:rPr lang="en-US" b="1" dirty="0" smtClean="0"/>
+              <a:t>Training Programmes</a:t>
+            </a:r>
+            <a:r>
+              <a:rPr lang="en-US" dirty="0" smtClean="0"/>
+              <a:t> that run </a:t>
             </a:r>
             <a:r>
               <a:rPr lang="en-US" dirty="0"/>
-              <a:t>technology training (hard skills) or personality development programmes (soft skills).</a:t>
-            </a:r>
+              <a:t>for over four to six months. These programmes involve a lot of effort, time and costs for any corporate. This is where finishing schools come in</a:t>
+            </a:r>
+          </a:p>
+        </p:txBody>
+      </p:sp>
+      <p:pic>
+        <p:nvPicPr>
+          <p:cNvPr id="4" name="Picture 3"/>
+          <p:cNvPicPr>
+            <a:picLocks noChangeAspect="1"/>
+          </p:cNvPicPr>
+          <p:nvPr/>
+        </p:nvPicPr>
+        <p:blipFill>
+          <a:blip r:embed="rId2"/>
+          <a:stretch>
+            <a:fillRect/>
+          </a:stretch>
+        </p:blipFill>
+        <p:spPr>
+          <a:xfrm>
+            <a:off x="549275" y="1600201"/>
+            <a:ext cx="1620413" cy="1620413"/>
+          </a:xfrm>
+          <a:prstGeom prst="rect">
+            <a:avLst/>
+          </a:prstGeom>
+        </p:spPr>
+      </p:pic>
+      <p:sp>
+        <p:nvSpPr>
+          <p:cNvPr id="5" name="TextBox 4"/>
+          <p:cNvSpPr txBox="1"/>
+          <p:nvPr/>
+        </p:nvSpPr>
+        <p:spPr>
+          <a:xfrm>
+            <a:off x="2381365" y="1917261"/>
+            <a:ext cx="6210185" cy="646331"/>
+          </a:xfrm>
+          <a:prstGeom prst="rect">
+            <a:avLst/>
+          </a:prstGeom>
+          <a:noFill/>
+        </p:spPr>
+        <p:txBody>
+          <a:bodyPr wrap="square" rtlCol="0">
+            <a:spAutoFit/>
+          </a:bodyPr>
+          <a:lstStyle/>
+          <a:p>
+            <a:r>
+              <a:rPr lang="en-US" dirty="0"/>
+              <a:t>Raghu Panicker, country sales director, Mentor Graphics</a:t>
+            </a:r>
+            <a:r>
+              <a:rPr lang="en-US" dirty="0" smtClean="0"/>
+              <a:t>, </a:t>
+            </a:r>
+            <a:endParaRPr lang="en-US" dirty="0"/>
           </a:p>
         </p:txBody>
       </p:sp>
     </p:spTree>
     <p:extLst>
       <p:ext uri="{BB962C8B-B14F-4D97-AF65-F5344CB8AC3E}">
-        <p14:creationId xmlns:p14="http://schemas.microsoft.com/office/powerpoint/2010/main" val="2906170673"/>
+        <p14:creationId xmlns:p14="http://schemas.microsoft.com/office/powerpoint/2010/main" val="730431065"/>
       </p:ext>
     </p:extLst>
   </p:cSld>
@@ -5954,8 +12154,12 @@
           <a:lstStyle/>
           <a:p>
             <a:r>
+              <a:rPr lang="en-US" b="1" dirty="0"/>
+              <a:t>Experts</a:t>
+            </a:r>
+            <a:r>
               <a:rPr lang="en-US" dirty="0"/>
-              <a:t>What role do finishing schools play?</a:t>
+              <a:t> Opinion</a:t>
             </a:r>
           </a:p>
         </p:txBody>
@@ -5972,79 +12176,110 @@
         </p:nvSpPr>
         <p:spPr>
           <a:xfrm>
-            <a:off x="549275" y="1600201"/>
-            <a:ext cx="8042276" cy="4697692"/>
+            <a:off x="549275" y="3220614"/>
+            <a:ext cx="8042276" cy="2865586"/>
           </a:xfrm>
         </p:spPr>
         <p:txBody>
           <a:bodyPr>
-            <a:normAutofit fontScale="92500"/>
+            <a:normAutofit/>
           </a:bodyPr>
           <a:lstStyle/>
           <a:p>
+            <a:pPr marL="352425" indent="0" algn="just">
+              <a:buNone/>
+            </a:pPr>
             <a:r>
               <a:rPr lang="en-US" dirty="0"/>
-              <a:t>Increase the industry-readiness of the fresh engineering graduates so that they are productive from day </a:t>
+              <a:t>While the colleges make a theoretical background for the students, finishing schools teach them the practical </a:t>
             </a:r>
             <a:r>
               <a:rPr lang="en-US" dirty="0" smtClean="0"/>
-              <a:t>one</a:t>
-            </a:r>
-          </a:p>
-          <a:p>
+              <a:t>aspects of things and make them ‘</a:t>
+            </a:r>
+            <a:r>
+              <a:rPr lang="en-US" b="1" dirty="0" smtClean="0"/>
+              <a:t>Job Ready</a:t>
+            </a:r>
+            <a:r>
+              <a:rPr lang="en-US" dirty="0" smtClean="0"/>
+              <a:t>’. Hence cut </a:t>
+            </a:r>
             <a:r>
               <a:rPr lang="en-US" dirty="0"/>
-              <a:t>Bridge the industry and education sector gap by catering to the needs of </a:t>
+              <a:t>down the time required by companies to make the fresh hires </a:t>
             </a:r>
             <a:r>
               <a:rPr lang="en-US" dirty="0" smtClean="0"/>
-              <a:t>the industry</a:t>
-            </a:r>
-          </a:p>
+              <a:t>productive</a:t>
+            </a:r>
+            <a:endParaRPr lang="en-US" dirty="0"/>
+          </a:p>
+          <a:p>
+            <a:pPr marL="352425" indent="0">
+              <a:buNone/>
+            </a:pPr>
+            <a:endParaRPr lang="en-US" dirty="0"/>
+          </a:p>
+        </p:txBody>
+      </p:sp>
+      <p:pic>
+        <p:nvPicPr>
+          <p:cNvPr id="4" name="Picture 3"/>
+          <p:cNvPicPr>
+            <a:picLocks noChangeAspect="1"/>
+          </p:cNvPicPr>
+          <p:nvPr/>
+        </p:nvPicPr>
+        <p:blipFill>
+          <a:blip r:embed="rId2"/>
+          <a:stretch>
+            <a:fillRect/>
+          </a:stretch>
+        </p:blipFill>
+        <p:spPr>
+          <a:xfrm>
+            <a:off x="549275" y="1600201"/>
+            <a:ext cx="1620413" cy="1620413"/>
+          </a:xfrm>
+          <a:prstGeom prst="rect">
+            <a:avLst/>
+          </a:prstGeom>
+        </p:spPr>
+      </p:pic>
+      <p:sp>
+        <p:nvSpPr>
+          <p:cNvPr id="5" name="TextBox 4"/>
+          <p:cNvSpPr txBox="1"/>
+          <p:nvPr/>
+        </p:nvSpPr>
+        <p:spPr>
+          <a:xfrm>
+            <a:off x="2381365" y="2128953"/>
+            <a:ext cx="6210185" cy="369332"/>
+          </a:xfrm>
+          <a:prstGeom prst="rect">
+            <a:avLst/>
+          </a:prstGeom>
+          <a:noFill/>
+        </p:spPr>
+        <p:txBody>
+          <a:bodyPr wrap="square" rtlCol="0">
+            <a:spAutoFit/>
+          </a:bodyPr>
+          <a:lstStyle/>
           <a:p>
             <a:r>
               <a:rPr lang="en-US" dirty="0"/>
-              <a:t>Create a path where the industry and educational sector can </a:t>
-            </a:r>
-            <a:r>
-              <a:rPr lang="en-US" dirty="0" smtClean="0"/>
-              <a:t>synergize </a:t>
-            </a:r>
-            <a:r>
-              <a:rPr lang="en-US" dirty="0"/>
-              <a:t>efforts to train better </a:t>
-            </a:r>
-            <a:r>
-              <a:rPr lang="en-US" dirty="0" smtClean="0"/>
-              <a:t>manpower</a:t>
-            </a:r>
-          </a:p>
-          <a:p>
-            <a:r>
-              <a:rPr lang="en-US" dirty="0"/>
-              <a:t>Develop the requisite industry know-how for students to facilitate better </a:t>
-            </a:r>
-            <a:r>
-              <a:rPr lang="en-US" dirty="0" smtClean="0"/>
-              <a:t>employability</a:t>
-            </a:r>
-          </a:p>
-          <a:p>
-            <a:r>
-              <a:rPr lang="en-US" dirty="0"/>
-              <a:t>Ensure more number of industry-ready engineers are available for the industry to recruit</a:t>
-            </a:r>
-            <a:endParaRPr lang="en-US" dirty="0" smtClean="0"/>
-          </a:p>
-          <a:p>
-            <a:endParaRPr lang="en-US" dirty="0"/>
+              <a:t>Col. N.C. Pande from EFY Tech Center</a:t>
+            </a:r>
           </a:p>
         </p:txBody>
       </p:sp>
     </p:spTree>
     <p:extLst>
       <p:ext uri="{BB962C8B-B14F-4D97-AF65-F5344CB8AC3E}">
-        <p14:creationId xmlns:p14="http://schemas.microsoft.com/office/powerpoint/2010/main" val="2722402689"/>
+        <p14:creationId xmlns:p14="http://schemas.microsoft.com/office/powerpoint/2010/main" val="1913240636"/>
       </p:ext>
     </p:extLst>
   </p:cSld>
@@ -6088,7 +12323,12 @@
             <p:ph type="title"/>
           </p:nvPr>
         </p:nvSpPr>
-        <p:spPr/>
+        <p:spPr>
+          <a:xfrm>
+            <a:off x="1940487" y="107576"/>
+            <a:ext cx="6651063" cy="1336956"/>
+          </a:xfrm>
+        </p:spPr>
         <p:style>
           <a:lnRef idx="2">
             <a:schemeClr val="accent1">
@@ -6110,8 +12350,20 @@
           <a:lstStyle/>
           <a:p>
             <a:r>
+              <a:rPr lang="en-US" dirty="0" smtClean="0"/>
+              <a:t>What is </a:t>
+            </a:r>
+            <a:r>
+              <a:rPr lang="en-US" b="1" dirty="0" smtClean="0"/>
+              <a:t>Finishing </a:t>
+            </a:r>
+            <a:r>
+              <a:rPr lang="en-US" b="1" dirty="0"/>
+              <a:t>School</a:t>
+            </a:r>
+            <a:r>
               <a:rPr lang="en-US" dirty="0"/>
-              <a:t> Key Ingredients of Training Programme</a:t>
+              <a:t>?</a:t>
             </a:r>
           </a:p>
         </p:txBody>
@@ -6126,58 +12378,99 @@
             <p:ph idx="1"/>
           </p:nvPr>
         </p:nvSpPr>
-        <p:spPr/>
+        <p:spPr>
+          <a:xfrm>
+            <a:off x="4304097" y="1600200"/>
+            <a:ext cx="4287454" cy="4684581"/>
+          </a:xfrm>
+        </p:spPr>
         <p:txBody>
           <a:bodyPr anchor="ctr" anchorCtr="0">
-            <a:normAutofit/>
+            <a:normAutofit fontScale="92500"/>
           </a:bodyPr>
           <a:lstStyle/>
           <a:p>
-            <a:r>
-              <a:rPr lang="en-US" dirty="0"/>
-              <a:t>According to Rajeev Kabra, chief executive officer and director, Cognitel Technologies, </a:t>
-            </a:r>
-            <a:endParaRPr lang="en-US" dirty="0" smtClean="0"/>
-          </a:p>
-          <a:p>
-            <a:pPr marL="352425" indent="0">
+            <a:pPr marL="0" indent="0" algn="just">
+              <a:lnSpc>
+                <a:spcPct val="150000"/>
+              </a:lnSpc>
               <a:buNone/>
             </a:pPr>
             <a:r>
               <a:rPr lang="en-US" dirty="0"/>
-              <a:t>“There are three important ingredients for disseminating knowledge on any topic: </a:t>
-            </a:r>
-            <a:r>
-              <a:rPr lang="en-US" b="1" dirty="0"/>
-              <a:t>content design </a:t>
+              <a:t>Finishing school is a supplementary training school that </a:t>
+            </a:r>
+            <a:r>
+              <a:rPr lang="en-US" dirty="0" smtClean="0"/>
+              <a:t>compensates </a:t>
             </a:r>
             <a:r>
               <a:rPr lang="en-US" dirty="0"/>
-              <a:t>and development that is current and relevant, content delivery through </a:t>
-            </a:r>
-            <a:r>
-              <a:rPr lang="en-US" b="1" dirty="0"/>
-              <a:t>well-qualified teachers/trainers</a:t>
+              <a:t>for the deficiencies of colleges by providing </a:t>
+            </a:r>
+            <a:r>
+              <a:rPr lang="en-US" dirty="0" smtClean="0"/>
+              <a:t>specialized </a:t>
             </a:r>
             <a:r>
               <a:rPr lang="en-US" dirty="0"/>
-              <a:t>, and </a:t>
-            </a:r>
-            <a:r>
-              <a:rPr lang="en-US" b="1" dirty="0"/>
-              <a:t>content delivery </a:t>
-            </a:r>
-            <a:r>
-              <a:rPr lang="en-US" dirty="0"/>
-              <a:t>infrastructure through use of physical or virtual classroom, labs, etc.”</a:t>
-            </a:r>
-          </a:p>
-        </p:txBody>
-      </p:sp>
+              <a:t>technology training (hard skills) or personality development programmes (soft skills).</a:t>
+            </a:r>
+          </a:p>
+        </p:txBody>
+      </p:sp>
+      <p:pic>
+        <p:nvPicPr>
+          <p:cNvPr id="4" name="Picture 3"/>
+          <p:cNvPicPr>
+            <a:picLocks noChangeAspect="1"/>
+          </p:cNvPicPr>
+          <p:nvPr/>
+        </p:nvPicPr>
+        <p:blipFill>
+          <a:blip r:embed="rId2"/>
+          <a:stretch>
+            <a:fillRect/>
+          </a:stretch>
+        </p:blipFill>
+        <p:spPr>
+          <a:xfrm>
+            <a:off x="549276" y="2467719"/>
+            <a:ext cx="3506562" cy="2595293"/>
+          </a:xfrm>
+          <a:prstGeom prst="rect">
+            <a:avLst/>
+          </a:prstGeom>
+        </p:spPr>
+      </p:pic>
+      <p:pic>
+        <p:nvPicPr>
+          <p:cNvPr id="5" name="Picture 4"/>
+          <p:cNvPicPr>
+            <a:picLocks noChangeAspect="1"/>
+          </p:cNvPicPr>
+          <p:nvPr/>
+        </p:nvPicPr>
+        <p:blipFill>
+          <a:blip r:embed="rId3"/>
+          <a:stretch>
+            <a:fillRect/>
+          </a:stretch>
+        </p:blipFill>
+        <p:spPr>
+          <a:xfrm>
+            <a:off x="494919" y="126820"/>
+            <a:ext cx="1407089" cy="1317712"/>
+          </a:xfrm>
+          <a:prstGeom prst="rect">
+            <a:avLst/>
+          </a:prstGeom>
+        </p:spPr>
+      </p:pic>
     </p:spTree>
     <p:extLst>
       <p:ext uri="{BB962C8B-B14F-4D97-AF65-F5344CB8AC3E}">
-        <p14:creationId xmlns:p14="http://schemas.microsoft.com/office/powerpoint/2010/main" val="126632208"/>
+        <p14:creationId xmlns:p14="http://schemas.microsoft.com/office/powerpoint/2010/main" val="2906170673"/>
       </p:ext>
     </p:extLst>
   </p:cSld>
@@ -6458,4 +12751,324 @@
   </a:objectDefaults>
   <a:extraClrSchemeLst/>
 </a:theme>
+</file>
+
+<file path=ppt/theme/theme2.xml><?xml version="1.0" encoding="utf-8"?>
+<a:theme xmlns:a="http://schemas.openxmlformats.org/drawingml/2006/main" name="Office Theme">
+  <a:themeElements>
+    <a:clrScheme name="Office">
+      <a:dk1>
+        <a:sysClr val="windowText" lastClr="000000"/>
+      </a:dk1>
+      <a:lt1>
+        <a:sysClr val="window" lastClr="FFFFFF"/>
+      </a:lt1>
+      <a:dk2>
+        <a:srgbClr val="1F497D"/>
+      </a:dk2>
+      <a:lt2>
+        <a:srgbClr val="EEECE1"/>
+      </a:lt2>
+      <a:accent1>
+        <a:srgbClr val="4F81BD"/>
+      </a:accent1>
+      <a:accent2>
+        <a:srgbClr val="C0504D"/>
+      </a:accent2>
+      <a:accent3>
+        <a:srgbClr val="9BBB59"/>
+      </a:accent3>
+      <a:accent4>
+        <a:srgbClr val="8064A2"/>
+      </a:accent4>
+      <a:accent5>
+        <a:srgbClr val="4BACC6"/>
+      </a:accent5>
+      <a:accent6>
+        <a:srgbClr val="F79646"/>
+      </a:accent6>
+      <a:hlink>
+        <a:srgbClr val="0000FF"/>
+      </a:hlink>
+      <a:folHlink>
+        <a:srgbClr val="800080"/>
+      </a:folHlink>
+    </a:clrScheme>
+    <a:fontScheme name="Office">
+      <a:majorFont>
+        <a:latin typeface="Calibri"/>
+        <a:ea typeface=""/>
+        <a:cs typeface=""/>
+        <a:font script="Jpan" typeface="ＭＳ Ｐゴシック"/>
+        <a:font script="Hang" typeface="맑은 고딕"/>
+        <a:font script="Hans" typeface="宋体"/>
+        <a:font script="Hant" typeface="新細明體"/>
+        <a:font script="Arab" typeface="Times New Roman"/>
+        <a:font script="Hebr" typeface="Times New Roman"/>
+        <a:font script="Thai" typeface="Angsana New"/>
+        <a:font script="Ethi" typeface="Nyala"/>
+        <a:font script="Beng" typeface="Vrinda"/>
+        <a:font script="Gujr" typeface="Shruti"/>
+        <a:font script="Khmr" typeface="MoolBoran"/>
+        <a:font script="Knda" typeface="Tunga"/>
+        <a:font script="Guru" typeface="Raavi"/>
+        <a:font script="Cans" typeface="Euphemia"/>
+        <a:font script="Cher" typeface="Plantagenet Cherokee"/>
+        <a:font script="Yiii" typeface="Microsoft Yi Baiti"/>
+        <a:font script="Tibt" typeface="Microsoft Himalaya"/>
+        <a:font script="Thaa" typeface="MV Boli"/>
+        <a:font script="Deva" typeface="Mangal"/>
+        <a:font script="Telu" typeface="Gautami"/>
+        <a:font script="Taml" typeface="Latha"/>
+        <a:font script="Syrc" typeface="Estrangelo Edessa"/>
+        <a:font script="Orya" typeface="Kalinga"/>
+        <a:font script="Mlym" typeface="Kartika"/>
+        <a:font script="Laoo" typeface="DokChampa"/>
+        <a:font script="Sinh" typeface="Iskoola Pota"/>
+        <a:font script="Mong" typeface="Mongolian Baiti"/>
+        <a:font script="Viet" typeface="Times New Roman"/>
+        <a:font script="Uigh" typeface="Microsoft Uighur"/>
+        <a:font script="Geor" typeface="Sylfaen"/>
+      </a:majorFont>
+      <a:minorFont>
+        <a:latin typeface="Calibri"/>
+        <a:ea typeface=""/>
+        <a:cs typeface=""/>
+        <a:font script="Jpan" typeface="ＭＳ Ｐゴシック"/>
+        <a:font script="Hang" typeface="맑은 고딕"/>
+        <a:font script="Hans" typeface="宋体"/>
+        <a:font script="Hant" typeface="新細明體"/>
+        <a:font script="Arab" typeface="Arial"/>
+        <a:font script="Hebr" typeface="Arial"/>
+        <a:font script="Thai" typeface="Cordia New"/>
+        <a:font script="Ethi" typeface="Nyala"/>
+        <a:font script="Beng" typeface="Vrinda"/>
+        <a:font script="Gujr" typeface="Shruti"/>
+        <a:font script="Khmr" typeface="DaunPenh"/>
+        <a:font script="Knda" typeface="Tunga"/>
+        <a:font script="Guru" typeface="Raavi"/>
+        <a:font script="Cans" typeface="Euphemia"/>
+        <a:font script="Cher" typeface="Plantagenet Cherokee"/>
+        <a:font script="Yiii" typeface="Microsoft Yi Baiti"/>
+        <a:font script="Tibt" typeface="Microsoft Himalaya"/>
+        <a:font script="Thaa" typeface="MV Boli"/>
+        <a:font script="Deva" typeface="Mangal"/>
+        <a:font script="Telu" typeface="Gautami"/>
+        <a:font script="Taml" typeface="Latha"/>
+        <a:font script="Syrc" typeface="Estrangelo Edessa"/>
+        <a:font script="Orya" typeface="Kalinga"/>
+        <a:font script="Mlym" typeface="Kartika"/>
+        <a:font script="Laoo" typeface="DokChampa"/>
+        <a:font script="Sinh" typeface="Iskoola Pota"/>
+        <a:font script="Mong" typeface="Mongolian Baiti"/>
+        <a:font script="Viet" typeface="Arial"/>
+        <a:font script="Uigh" typeface="Microsoft Uighur"/>
+        <a:font script="Geor" typeface="Sylfaen"/>
+      </a:minorFont>
+    </a:fontScheme>
+    <a:fmtScheme name="Office">
+      <a:fillStyleLst>
+        <a:solidFill>
+          <a:schemeClr val="phClr"/>
+        </a:solidFill>
+        <a:gradFill rotWithShape="1">
+          <a:gsLst>
+            <a:gs pos="0">
+              <a:schemeClr val="phClr">
+                <a:tint val="50000"/>
+                <a:satMod val="300000"/>
+              </a:schemeClr>
+            </a:gs>
+            <a:gs pos="35000">
+              <a:schemeClr val="phClr">
+                <a:tint val="37000"/>
+                <a:satMod val="300000"/>
+              </a:schemeClr>
+            </a:gs>
+            <a:gs pos="100000">
+              <a:schemeClr val="phClr">
+                <a:tint val="15000"/>
+                <a:satMod val="350000"/>
+              </a:schemeClr>
+            </a:gs>
+          </a:gsLst>
+          <a:lin ang="16200000" scaled="1"/>
+        </a:gradFill>
+        <a:gradFill rotWithShape="1">
+          <a:gsLst>
+            <a:gs pos="0">
+              <a:schemeClr val="phClr">
+                <a:tint val="100000"/>
+                <a:shade val="100000"/>
+                <a:satMod val="130000"/>
+              </a:schemeClr>
+            </a:gs>
+            <a:gs pos="100000">
+              <a:schemeClr val="phClr">
+                <a:tint val="50000"/>
+                <a:shade val="100000"/>
+                <a:satMod val="350000"/>
+              </a:schemeClr>
+            </a:gs>
+          </a:gsLst>
+          <a:lin ang="16200000" scaled="0"/>
+        </a:gradFill>
+      </a:fillStyleLst>
+      <a:lnStyleLst>
+        <a:ln w="9525" cap="flat" cmpd="sng" algn="ctr">
+          <a:solidFill>
+            <a:schemeClr val="phClr">
+              <a:shade val="95000"/>
+              <a:satMod val="105000"/>
+            </a:schemeClr>
+          </a:solidFill>
+          <a:prstDash val="solid"/>
+        </a:ln>
+        <a:ln w="25400" cap="flat" cmpd="sng" algn="ctr">
+          <a:solidFill>
+            <a:schemeClr val="phClr"/>
+          </a:solidFill>
+          <a:prstDash val="solid"/>
+        </a:ln>
+        <a:ln w="38100" cap="flat" cmpd="sng" algn="ctr">
+          <a:solidFill>
+            <a:schemeClr val="phClr"/>
+          </a:solidFill>
+          <a:prstDash val="solid"/>
+        </a:ln>
+      </a:lnStyleLst>
+      <a:effectStyleLst>
+        <a:effectStyle>
+          <a:effectLst>
+            <a:outerShdw blurRad="40000" dist="20000" dir="5400000" rotWithShape="0">
+              <a:srgbClr val="000000">
+                <a:alpha val="38000"/>
+              </a:srgbClr>
+            </a:outerShdw>
+          </a:effectLst>
+        </a:effectStyle>
+        <a:effectStyle>
+          <a:effectLst>
+            <a:outerShdw blurRad="40000" dist="23000" dir="5400000" rotWithShape="0">
+              <a:srgbClr val="000000">
+                <a:alpha val="35000"/>
+              </a:srgbClr>
+            </a:outerShdw>
+          </a:effectLst>
+        </a:effectStyle>
+        <a:effectStyle>
+          <a:effectLst>
+            <a:outerShdw blurRad="40000" dist="23000" dir="5400000" rotWithShape="0">
+              <a:srgbClr val="000000">
+                <a:alpha val="35000"/>
+              </a:srgbClr>
+            </a:outerShdw>
+          </a:effectLst>
+          <a:scene3d>
+            <a:camera prst="orthographicFront">
+              <a:rot lat="0" lon="0" rev="0"/>
+            </a:camera>
+            <a:lightRig rig="threePt" dir="t">
+              <a:rot lat="0" lon="0" rev="1200000"/>
+            </a:lightRig>
+          </a:scene3d>
+          <a:sp3d>
+            <a:bevelT w="63500" h="25400"/>
+          </a:sp3d>
+        </a:effectStyle>
+      </a:effectStyleLst>
+      <a:bgFillStyleLst>
+        <a:solidFill>
+          <a:schemeClr val="phClr"/>
+        </a:solidFill>
+        <a:gradFill rotWithShape="1">
+          <a:gsLst>
+            <a:gs pos="0">
+              <a:schemeClr val="phClr">
+                <a:tint val="40000"/>
+                <a:satMod val="350000"/>
+              </a:schemeClr>
+            </a:gs>
+            <a:gs pos="40000">
+              <a:schemeClr val="phClr">
+                <a:tint val="45000"/>
+                <a:shade val="99000"/>
+                <a:satMod val="350000"/>
+              </a:schemeClr>
+            </a:gs>
+            <a:gs pos="100000">
+              <a:schemeClr val="phClr">
+                <a:shade val="20000"/>
+                <a:satMod val="255000"/>
+              </a:schemeClr>
+            </a:gs>
+          </a:gsLst>
+          <a:path path="circle">
+            <a:fillToRect l="50000" t="-80000" r="50000" b="180000"/>
+          </a:path>
+        </a:gradFill>
+        <a:gradFill rotWithShape="1">
+          <a:gsLst>
+            <a:gs pos="0">
+              <a:schemeClr val="phClr">
+                <a:tint val="80000"/>
+                <a:satMod val="300000"/>
+              </a:schemeClr>
+            </a:gs>
+            <a:gs pos="100000">
+              <a:schemeClr val="phClr">
+                <a:shade val="30000"/>
+                <a:satMod val="200000"/>
+              </a:schemeClr>
+            </a:gs>
+          </a:gsLst>
+          <a:path path="circle">
+            <a:fillToRect l="50000" t="50000" r="50000" b="50000"/>
+          </a:path>
+        </a:gradFill>
+      </a:bgFillStyleLst>
+    </a:fmtScheme>
+  </a:themeElements>
+  <a:objectDefaults>
+    <a:spDef>
+      <a:spPr/>
+      <a:bodyPr/>
+      <a:lstStyle/>
+      <a:style>
+        <a:lnRef idx="1">
+          <a:schemeClr val="accent1"/>
+        </a:lnRef>
+        <a:fillRef idx="3">
+          <a:schemeClr val="accent1"/>
+        </a:fillRef>
+        <a:effectRef idx="2">
+          <a:schemeClr val="accent1"/>
+        </a:effectRef>
+        <a:fontRef idx="minor">
+          <a:schemeClr val="lt1"/>
+        </a:fontRef>
+      </a:style>
+    </a:spDef>
+    <a:lnDef>
+      <a:spPr/>
+      <a:bodyPr/>
+      <a:lstStyle/>
+      <a:style>
+        <a:lnRef idx="2">
+          <a:schemeClr val="accent1"/>
+        </a:lnRef>
+        <a:fillRef idx="0">
+          <a:schemeClr val="accent1"/>
+        </a:fillRef>
+        <a:effectRef idx="1">
+          <a:schemeClr val="accent1"/>
+        </a:effectRef>
+        <a:fontRef idx="minor">
+          <a:schemeClr val="tx1"/>
+        </a:fontRef>
+      </a:style>
+    </a:lnDef>
+  </a:objectDefaults>
+  <a:extraClrSchemeLst/>
+</a:theme>
 </file>
--- a/Documents/MakeTechEzTrainingProgramme.pptx
+++ b/Documents/MakeTechEzTrainingProgramme.pptx
@@ -5,7 +5,7 @@
     <p:sldMasterId id="2147483685" r:id="rId1"/>
   </p:sldMasterIdLst>
   <p:notesMasterIdLst>
-    <p:notesMasterId r:id="rId28"/>
+    <p:notesMasterId r:id="rId29"/>
   </p:notesMasterIdLst>
   <p:sldIdLst>
     <p:sldId id="256" r:id="rId2"/>
@@ -32,8 +32,9 @@
     <p:sldId id="272" r:id="rId23"/>
     <p:sldId id="273" r:id="rId24"/>
     <p:sldId id="286" r:id="rId25"/>
-    <p:sldId id="288" r:id="rId26"/>
-    <p:sldId id="271" r:id="rId27"/>
+    <p:sldId id="290" r:id="rId26"/>
+    <p:sldId id="288" r:id="rId27"/>
+    <p:sldId id="271" r:id="rId28"/>
   </p:sldIdLst>
   <p:sldSz cx="9144000" cy="6858000" type="screen4x3"/>
   <p:notesSz cx="6858000" cy="9144000"/>
@@ -217,7 +218,7 @@
           <a:p>
             <a:fld id="{D4B40438-4C13-2C42-999A-226E833436EB}" type="datetimeFigureOut">
               <a:rPr lang="en-US" smtClean="0"/>
-              <a:t>03/12/13</a:t>
+              <a:t>04/12/13</a:t>
             </a:fld>
             <a:endParaRPr lang="en-US" dirty="0"/>
           </a:p>
@@ -936,7 +937,7 @@
           <a:p>
             <a:fld id="{B01F9CA3-105E-4857-9057-6DB6197DA786}" type="datetimeFigureOut">
               <a:rPr lang="en-US" smtClean="0"/>
-              <a:t>03/12/13</a:t>
+              <a:t>04/12/13</a:t>
             </a:fld>
             <a:endParaRPr lang="en-US" dirty="0"/>
           </a:p>
@@ -1128,7 +1129,7 @@
           <a:p>
             <a:fld id="{B01F9CA3-105E-4857-9057-6DB6197DA786}" type="datetimeFigureOut">
               <a:rPr lang="en-US" smtClean="0"/>
-              <a:t>03/12/13</a:t>
+              <a:t>04/12/13</a:t>
             </a:fld>
             <a:endParaRPr lang="en-US" dirty="0"/>
           </a:p>
@@ -1397,7 +1398,7 @@
           <a:p>
             <a:fld id="{B01F9CA3-105E-4857-9057-6DB6197DA786}" type="datetimeFigureOut">
               <a:rPr lang="en-US" smtClean="0"/>
-              <a:t>03/12/13</a:t>
+              <a:t>04/12/13</a:t>
             </a:fld>
             <a:endParaRPr lang="en-US" dirty="0"/>
           </a:p>
@@ -1576,7 +1577,7 @@
           <a:p>
             <a:fld id="{B01F9CA3-105E-4857-9057-6DB6197DA786}" type="datetimeFigureOut">
               <a:rPr lang="en-US" smtClean="0"/>
-              <a:t>03/12/13</a:t>
+              <a:t>04/12/13</a:t>
             </a:fld>
             <a:endParaRPr lang="en-US" dirty="0"/>
           </a:p>
@@ -1745,7 +1746,7 @@
           <a:p>
             <a:fld id="{B01F9CA3-105E-4857-9057-6DB6197DA786}" type="datetimeFigureOut">
               <a:rPr lang="en-US" smtClean="0"/>
-              <a:t>03/12/13</a:t>
+              <a:t>04/12/13</a:t>
             </a:fld>
             <a:endParaRPr lang="en-US" dirty="0"/>
           </a:p>
@@ -1987,7 +1988,7 @@
           <a:p>
             <a:fld id="{B01F9CA3-105E-4857-9057-6DB6197DA786}" type="datetimeFigureOut">
               <a:rPr lang="en-US" smtClean="0"/>
-              <a:t>03/12/13</a:t>
+              <a:t>04/12/13</a:t>
             </a:fld>
             <a:endParaRPr lang="en-US" dirty="0"/>
           </a:p>
@@ -2310,7 +2311,7 @@
           <a:p>
             <a:fld id="{B01F9CA3-105E-4857-9057-6DB6197DA786}" type="datetimeFigureOut">
               <a:rPr lang="en-US" smtClean="0"/>
-              <a:t>03/12/13</a:t>
+              <a:t>04/12/13</a:t>
             </a:fld>
             <a:endParaRPr lang="en-US" dirty="0"/>
           </a:p>
@@ -2608,7 +2609,7 @@
           <a:p>
             <a:fld id="{B01F9CA3-105E-4857-9057-6DB6197DA786}" type="datetimeFigureOut">
               <a:rPr lang="en-US" smtClean="0"/>
-              <a:t>03/12/13</a:t>
+              <a:t>04/12/13</a:t>
             </a:fld>
             <a:endParaRPr lang="en-US" dirty="0"/>
           </a:p>
@@ -3064,7 +3065,7 @@
           <a:p>
             <a:fld id="{B01F9CA3-105E-4857-9057-6DB6197DA786}" type="datetimeFigureOut">
               <a:rPr lang="en-US" smtClean="0"/>
-              <a:t>03/12/13</a:t>
+              <a:t>04/12/13</a:t>
             </a:fld>
             <a:endParaRPr lang="en-US" dirty="0"/>
           </a:p>
@@ -3177,7 +3178,7 @@
           <a:p>
             <a:fld id="{B01F9CA3-105E-4857-9057-6DB6197DA786}" type="datetimeFigureOut">
               <a:rPr lang="en-US" smtClean="0"/>
-              <a:t>03/12/13</a:t>
+              <a:t>04/12/13</a:t>
             </a:fld>
             <a:endParaRPr lang="en-US" dirty="0"/>
           </a:p>
@@ -3267,7 +3268,7 @@
           <a:p>
             <a:fld id="{B01F9CA3-105E-4857-9057-6DB6197DA786}" type="datetimeFigureOut">
               <a:rPr lang="en-US" smtClean="0"/>
-              <a:t>03/12/13</a:t>
+              <a:t>04/12/13</a:t>
             </a:fld>
             <a:endParaRPr lang="en-US" dirty="0"/>
           </a:p>
@@ -3549,7 +3550,7 @@
           <a:p>
             <a:fld id="{B01F9CA3-105E-4857-9057-6DB6197DA786}" type="datetimeFigureOut">
               <a:rPr lang="en-US" smtClean="0"/>
-              <a:t>03/12/13</a:t>
+              <a:t>04/12/13</a:t>
             </a:fld>
             <a:endParaRPr lang="en-US" dirty="0"/>
           </a:p>
@@ -3755,7 +3756,7 @@
           <a:p>
             <a:fld id="{B01F9CA3-105E-4857-9057-6DB6197DA786}" type="datetimeFigureOut">
               <a:rPr lang="en-US" smtClean="0"/>
-              <a:t>03/12/13</a:t>
+              <a:t>04/12/13</a:t>
             </a:fld>
             <a:endParaRPr lang="en-US" dirty="0"/>
           </a:p>
@@ -4296,7 +4297,15 @@
                   <a:srgbClr val="008000"/>
                 </a:solidFill>
               </a:rPr>
-              <a:t>BridgeGap Training Solution</a:t>
+              <a:t>BridgeGap </a:t>
+            </a:r>
+            <a:r>
+              <a:rPr lang="en-US" sz="3200" b="1" dirty="0" smtClean="0">
+                <a:solidFill>
+                  <a:srgbClr val="008000"/>
+                </a:solidFill>
+              </a:rPr>
+              <a:t>Finishing School</a:t>
             </a:r>
             <a:endParaRPr lang="en-US" sz="3200" b="1" dirty="0">
               <a:solidFill>
@@ -4970,7 +4979,15 @@
                   <a:schemeClr val="bg1"/>
                 </a:solidFill>
               </a:rPr>
-              <a:t> Training Solution</a:t>
+              <a:t> </a:t>
+            </a:r>
+            <a:r>
+              <a:rPr lang="en-US" sz="2000" b="1" dirty="0" smtClean="0">
+                <a:solidFill>
+                  <a:schemeClr val="bg1"/>
+                </a:solidFill>
+              </a:rPr>
+              <a:t>Finishing School</a:t>
             </a:r>
             <a:endParaRPr lang="en-US" sz="2000" b="1" dirty="0">
               <a:solidFill>
@@ -5250,8 +5267,16 @@
               <a:t> </a:t>
             </a:r>
             <a:r>
+              <a:rPr lang="en-US" dirty="0"/>
+              <a:t>Finishing School</a:t>
+            </a:r>
+            <a:r>
               <a:rPr lang="en-US" dirty="0" smtClean="0"/>
-              <a:t>Training Solution Fills the </a:t>
+              <a:t> </a:t>
+            </a:r>
+            <a:r>
+              <a:rPr lang="en-US" dirty="0" smtClean="0"/>
+              <a:t>Fills the </a:t>
             </a:r>
             <a:r>
               <a:rPr lang="en-US" b="1" dirty="0" smtClean="0"/>
@@ -5505,21 +5530,8 @@
                             <a:schemeClr val="tx1"/>
                           </a:solidFill>
                         </a:rPr>
-                        <a:t>Do not Understand individuals Knowledge Gap and </a:t>
+                        <a:t>Do not Understand individuals Knowledge Gap and Guide accordingly</a:t>
                       </a:r>
-                      <a:r>
-                        <a:rPr lang="en-US" dirty="0" smtClean="0">
-                          <a:solidFill>
-                            <a:schemeClr val="tx1"/>
-                          </a:solidFill>
-                        </a:rPr>
-                        <a:t>Guide accordingly</a:t>
-                      </a:r>
-                      <a:endParaRPr lang="en-US" dirty="0" smtClean="0">
-                        <a:solidFill>
-                          <a:schemeClr val="tx1"/>
-                        </a:solidFill>
-                      </a:endParaRPr>
                     </a:p>
                   </a:txBody>
                   <a:tcPr/>
@@ -5666,15 +5678,15 @@
                   <a:schemeClr val="bg1"/>
                 </a:solidFill>
               </a:rPr>
-              <a:t> Training </a:t>
-            </a:r>
-            <a:r>
-              <a:rPr lang="en-US" sz="2000" b="1" dirty="0" smtClean="0">
+              <a:t> </a:t>
+            </a:r>
+            <a:r>
+              <a:rPr lang="en-US" sz="2000" b="1" dirty="0">
                 <a:solidFill>
                   <a:schemeClr val="bg1"/>
                 </a:solidFill>
               </a:rPr>
-              <a:t>Solution</a:t>
+              <a:t> Finishing School</a:t>
             </a:r>
             <a:endParaRPr lang="en-US" sz="2000" b="1" dirty="0">
               <a:solidFill>
@@ -5955,7 +5967,11 @@
             </a:r>
             <a:r>
               <a:rPr lang="en-US" dirty="0" smtClean="0"/>
-              <a:t>Training Solution Fills the </a:t>
+              <a:t>Finishing School </a:t>
+            </a:r>
+            <a:r>
+              <a:rPr lang="en-US" dirty="0" smtClean="0"/>
+              <a:t>Fills the </a:t>
             </a:r>
             <a:r>
               <a:rPr lang="en-US" b="1" dirty="0" smtClean="0"/>
@@ -6364,7 +6380,7 @@
                   <a:schemeClr val="bg1"/>
                 </a:solidFill>
               </a:rPr>
-              <a:t> Training </a:t>
+              <a:t> </a:t>
             </a:r>
             <a:r>
               <a:rPr lang="en-US" sz="2000" b="1" dirty="0" smtClean="0">
@@ -6372,7 +6388,15 @@
                   <a:schemeClr val="bg1"/>
                 </a:solidFill>
               </a:rPr>
-              <a:t>Solution</a:t>
+              <a:t>Finishing </a:t>
+            </a:r>
+            <a:r>
+              <a:rPr lang="en-US" sz="2000" b="1" dirty="0">
+                <a:solidFill>
+                  <a:schemeClr val="bg1"/>
+                </a:solidFill>
+              </a:rPr>
+              <a:t>School</a:t>
             </a:r>
             <a:endParaRPr lang="en-US" sz="2000" b="1" dirty="0">
               <a:solidFill>
@@ -6468,9 +6492,33 @@
           </a:p>
         </p:txBody>
       </p:sp>
-      <p:sp>
-        <p:nvSpPr>
-          <p:cNvPr id="15" name="Title 1"/>
+      <p:pic>
+        <p:nvPicPr>
+          <p:cNvPr id="16" name="Picture 15"/>
+          <p:cNvPicPr>
+            <a:picLocks noChangeAspect="1"/>
+          </p:cNvPicPr>
+          <p:nvPr/>
+        </p:nvPicPr>
+        <p:blipFill>
+          <a:blip r:embed="rId4"/>
+          <a:stretch>
+            <a:fillRect/>
+          </a:stretch>
+        </p:blipFill>
+        <p:spPr>
+          <a:xfrm>
+            <a:off x="6734143" y="107576"/>
+            <a:ext cx="1857407" cy="1336956"/>
+          </a:xfrm>
+          <a:prstGeom prst="rect">
+            <a:avLst/>
+          </a:prstGeom>
+        </p:spPr>
+      </p:pic>
+      <p:sp>
+        <p:nvSpPr>
+          <p:cNvPr id="11" name="Title 1"/>
           <p:cNvSpPr txBox="1">
             <a:spLocks/>
           </p:cNvSpPr>
@@ -6653,7 +6701,11 @@
             </a:r>
             <a:r>
               <a:rPr lang="en-US" dirty="0" smtClean="0"/>
-              <a:t>Training Solution Fills the </a:t>
+              <a:t>Finishing School </a:t>
+            </a:r>
+            <a:r>
+              <a:rPr lang="en-US" dirty="0" smtClean="0"/>
+              <a:t>Fills the </a:t>
             </a:r>
             <a:r>
               <a:rPr lang="en-US" b="1" dirty="0" smtClean="0"/>
@@ -6663,30 +6715,6 @@
           </a:p>
         </p:txBody>
       </p:sp>
-      <p:pic>
-        <p:nvPicPr>
-          <p:cNvPr id="16" name="Picture 15"/>
-          <p:cNvPicPr>
-            <a:picLocks noChangeAspect="1"/>
-          </p:cNvPicPr>
-          <p:nvPr/>
-        </p:nvPicPr>
-        <p:blipFill>
-          <a:blip r:embed="rId4"/>
-          <a:stretch>
-            <a:fillRect/>
-          </a:stretch>
-        </p:blipFill>
-        <p:spPr>
-          <a:xfrm>
-            <a:off x="6734143" y="107576"/>
-            <a:ext cx="1857407" cy="1336956"/>
-          </a:xfrm>
-          <a:prstGeom prst="rect">
-            <a:avLst/>
-          </a:prstGeom>
-        </p:spPr>
-      </p:pic>
     </p:spTree>
     <p:extLst>
       <p:ext uri="{BB962C8B-B14F-4D97-AF65-F5344CB8AC3E}">
@@ -6815,7 +6843,7 @@
             </a:r>
             <a:r>
               <a:rPr lang="en-US" dirty="0" smtClean="0"/>
-              <a:t>Training Solution?</a:t>
+              <a:t>Finishing School?</a:t>
             </a:r>
             <a:endParaRPr lang="en-US" dirty="0"/>
           </a:p>
@@ -7187,7 +7215,23 @@
                   <a:srgbClr val="008000"/>
                 </a:solidFill>
               </a:rPr>
-              <a:t>BridgeGap Training Solution</a:t>
+              <a:t>BridgeGap </a:t>
+            </a:r>
+            <a:r>
+              <a:rPr lang="en-US" b="1" dirty="0" smtClean="0">
+                <a:solidFill>
+                  <a:srgbClr val="008000"/>
+                </a:solidFill>
+              </a:rPr>
+              <a:t>Finishing Schoo</a:t>
+            </a:r>
+            <a:r>
+              <a:rPr lang="en-US" b="1" dirty="0">
+                <a:solidFill>
+                  <a:srgbClr val="008000"/>
+                </a:solidFill>
+              </a:rPr>
+              <a:t>l</a:t>
             </a:r>
             <a:endParaRPr lang="en-US" b="1" dirty="0">
               <a:solidFill>
@@ -7325,7 +7369,7 @@
             </a:r>
             <a:r>
               <a:rPr lang="en-US" dirty="0" smtClean="0"/>
-              <a:t>Training Solution?</a:t>
+              <a:t>Finishing School?</a:t>
             </a:r>
             <a:endParaRPr lang="en-US" dirty="0"/>
           </a:p>
@@ -7710,12 +7754,12 @@
               <a:buNone/>
             </a:pPr>
             <a:r>
-              <a:rPr lang="en-US" b="1" dirty="0" smtClean="0">
+              <a:rPr lang="en-US" b="1" dirty="0">
                 <a:solidFill>
                   <a:srgbClr val="008000"/>
                 </a:solidFill>
               </a:rPr>
-              <a:t>BridgeGap Training Solution</a:t>
+              <a:t>BridgeGap Finishing School</a:t>
             </a:r>
             <a:endParaRPr lang="en-US" b="1" dirty="0">
               <a:solidFill>
@@ -7920,7 +7964,7 @@
           <a:bodyPr/>
           <a:lstStyle/>
           <a:p>
-            <a:endParaRPr lang="en-US"/>
+            <a:endParaRPr lang="en-US" dirty="0"/>
           </a:p>
         </p:txBody>
       </p:sp>
@@ -8113,7 +8157,7 @@
             </a:r>
             <a:r>
               <a:rPr lang="en-US" sz="4400" dirty="0" smtClean="0"/>
-              <a:t>Training Programme </a:t>
+              <a:t>Finishing School </a:t>
             </a:r>
             <a:r>
               <a:rPr lang="en-US" sz="4400" b="1" dirty="0" smtClean="0"/>
@@ -8408,7 +8452,7 @@
           <a:bodyPr/>
           <a:lstStyle/>
           <a:p>
-            <a:endParaRPr lang="en-US"/>
+            <a:endParaRPr lang="en-US" dirty="0"/>
           </a:p>
         </p:txBody>
       </p:sp>
@@ -8600,8 +8644,8 @@
               <a:t> </a:t>
             </a:r>
             <a:r>
-              <a:rPr lang="en-US" sz="4400" dirty="0" smtClean="0"/>
-              <a:t>Training Programme </a:t>
+              <a:rPr lang="en-US" sz="4400" dirty="0"/>
+              <a:t>Finishing School </a:t>
             </a:r>
             <a:r>
               <a:rPr lang="en-US" sz="4400" b="1" dirty="0" smtClean="0"/>
@@ -8862,7 +8906,7 @@
           <a:bodyPr/>
           <a:lstStyle/>
           <a:p>
-            <a:endParaRPr lang="en-US"/>
+            <a:endParaRPr lang="en-US" dirty="0"/>
           </a:p>
         </p:txBody>
       </p:sp>
@@ -9078,8 +9122,8 @@
               <a:t> </a:t>
             </a:r>
             <a:r>
-              <a:rPr lang="en-US" sz="4400" dirty="0" smtClean="0"/>
-              <a:t>Training Programme </a:t>
+              <a:rPr lang="en-US" sz="4400" dirty="0"/>
+              <a:t>Finishing School </a:t>
             </a:r>
             <a:r>
               <a:rPr lang="en-US" sz="4400" b="1" dirty="0" smtClean="0"/>
@@ -9461,8 +9505,8 @@
               <a:t> </a:t>
             </a:r>
             <a:r>
-              <a:rPr lang="en-US" dirty="0" smtClean="0"/>
-              <a:t>Training Solution</a:t>
+              <a:rPr lang="en-US" sz="4800" dirty="0"/>
+              <a:t>Finishing School</a:t>
             </a:r>
             <a:endParaRPr lang="en-US" dirty="0"/>
           </a:p>
@@ -9713,7 +9757,11 @@
             </a:r>
             <a:r>
               <a:rPr lang="en-US" sz="4200" dirty="0" smtClean="0"/>
-              <a:t>Training Solution Grading Process</a:t>
+              <a:t>Finishing School </a:t>
+            </a:r>
+            <a:r>
+              <a:rPr lang="en-US" sz="4200" dirty="0" smtClean="0"/>
+              <a:t>Grading Process</a:t>
             </a:r>
             <a:endParaRPr lang="en-US" sz="4200" dirty="0"/>
           </a:p>
@@ -10504,17 +10552,20 @@
         </p:nvSpPr>
         <p:spPr>
           <a:xfrm>
-            <a:off x="606995" y="2505483"/>
-            <a:ext cx="8042276" cy="3902695"/>
+            <a:off x="606995" y="2629587"/>
+            <a:ext cx="8042276" cy="3971028"/>
           </a:xfrm>
         </p:spPr>
         <p:txBody>
           <a:bodyPr anchor="ctr" anchorCtr="0">
-            <a:normAutofit fontScale="92500" lnSpcReduction="10000"/>
+            <a:normAutofit fontScale="85000" lnSpcReduction="10000"/>
           </a:bodyPr>
           <a:lstStyle/>
           <a:p>
             <a:pPr marL="0" indent="0" algn="just">
+              <a:lnSpc>
+                <a:spcPct val="120000"/>
+              </a:lnSpc>
               <a:spcBef>
                 <a:spcPts val="0"/>
               </a:spcBef>
@@ -10522,7 +10573,31 @@
             </a:pPr>
             <a:r>
               <a:rPr lang="en-US" dirty="0"/>
-              <a:t>Narayan Mahadevan is a Strong Technologist and an Entrepreneur with nearly 2 decades of experience equally divided between USA and India. He has strong Product Engineering background and has been successful to build engineering out of India firstly for EFI Inc. and then for his own start-ups in last 10 </a:t>
+              <a:t>Narayan Mahadevan is a Strong Technologist and an Entrepreneur with nearly 2 decades of experience </a:t>
+            </a:r>
+            <a:r>
+              <a:rPr lang="en-US" dirty="0" smtClean="0"/>
+              <a:t>in </a:t>
+            </a:r>
+            <a:r>
+              <a:rPr lang="en-US" dirty="0"/>
+              <a:t>USA and India. He has strong Product Engineering background and has been successful to build engineering out of India firstly for EFI </a:t>
+            </a:r>
+            <a:r>
+              <a:rPr lang="en-US" dirty="0" smtClean="0"/>
+              <a:t>Inc. (Nasdaq: efii) as Engineering Director and </a:t>
+            </a:r>
+            <a:r>
+              <a:rPr lang="en-US" dirty="0"/>
+              <a:t>then for his own start-ups in </a:t>
+            </a:r>
+            <a:r>
+              <a:rPr lang="en-US" dirty="0" smtClean="0"/>
+              <a:t>the last </a:t>
+            </a:r>
+            <a:r>
+              <a:rPr lang="en-US" dirty="0"/>
+              <a:t>10 </a:t>
             </a:r>
             <a:r>
               <a:rPr lang="en-US" dirty="0" smtClean="0"/>
@@ -10531,6 +10606,9 @@
           </a:p>
           <a:p>
             <a:pPr marL="0" indent="0" algn="just">
+              <a:lnSpc>
+                <a:spcPct val="120000"/>
+              </a:lnSpc>
               <a:spcBef>
                 <a:spcPts val="1200"/>
               </a:spcBef>
@@ -10584,8 +10662,8 @@
         </p:nvSpPr>
         <p:spPr>
           <a:xfrm>
-            <a:off x="1133842" y="1505177"/>
-            <a:ext cx="6874974" cy="923330"/>
+            <a:off x="2373255" y="1706256"/>
+            <a:ext cx="6131606" cy="830997"/>
           </a:xfrm>
           <a:prstGeom prst="rect">
             <a:avLst/>
@@ -10600,7 +10678,7 @@
           <a:p>
             <a:pPr algn="ctr"/>
             <a:r>
-              <a:rPr lang="en-US" sz="5400" b="1" cap="none" spc="0" dirty="0">
+              <a:rPr lang="en-US" sz="4800" b="1" cap="none" spc="0" dirty="0">
                 <a:ln w="12700">
                   <a:solidFill>
                     <a:schemeClr val="tx2">
@@ -10628,6 +10706,30 @@
           </a:p>
         </p:txBody>
       </p:sp>
+      <p:pic>
+        <p:nvPicPr>
+          <p:cNvPr id="7" name="Picture 6"/>
+          <p:cNvPicPr>
+            <a:picLocks noChangeAspect="1"/>
+          </p:cNvPicPr>
+          <p:nvPr/>
+        </p:nvPicPr>
+        <p:blipFill>
+          <a:blip r:embed="rId3"/>
+          <a:stretch>
+            <a:fillRect/>
+          </a:stretch>
+        </p:blipFill>
+        <p:spPr>
+          <a:xfrm>
+            <a:off x="606995" y="1706256"/>
+            <a:ext cx="1191394" cy="923330"/>
+          </a:xfrm>
+          <a:prstGeom prst="rect">
+            <a:avLst/>
+          </a:prstGeom>
+        </p:spPr>
+      </p:pic>
     </p:spTree>
     <p:extLst>
       <p:ext uri="{BB962C8B-B14F-4D97-AF65-F5344CB8AC3E}">
@@ -10703,7 +10805,7 @@
           <a:p>
             <a:r>
               <a:rPr lang="en-US" dirty="0" smtClean="0"/>
-              <a:t>About MakeTechEz</a:t>
+              <a:t>Partner</a:t>
             </a:r>
             <a:endParaRPr lang="en-US" dirty="0"/>
           </a:p>
@@ -10721,176 +10823,166 @@
         </p:nvSpPr>
         <p:spPr>
           <a:xfrm>
-            <a:off x="549275" y="1712696"/>
-            <a:ext cx="8042276" cy="5145304"/>
+            <a:off x="606995" y="3213709"/>
+            <a:ext cx="8042276" cy="3213709"/>
           </a:xfrm>
         </p:spPr>
         <p:txBody>
           <a:bodyPr anchor="ctr" anchorCtr="0">
-            <a:normAutofit fontScale="92500" lnSpcReduction="10000"/>
+            <a:normAutofit fontScale="92500" lnSpcReduction="20000"/>
           </a:bodyPr>
           <a:lstStyle/>
           <a:p>
             <a:pPr marL="0" indent="0" algn="just">
+              <a:lnSpc>
+                <a:spcPct val="110000"/>
+              </a:lnSpc>
               <a:spcBef>
-                <a:spcPts val="1200"/>
+                <a:spcPts val="0"/>
               </a:spcBef>
               <a:buNone/>
             </a:pPr>
             <a:r>
-              <a:rPr lang="en-US" dirty="0" smtClean="0"/>
-              <a:t>MakeTechEz (</a:t>
-            </a:r>
-            <a:r>
-              <a:rPr lang="en-US" dirty="0" smtClean="0">
-                <a:hlinkClick r:id="rId2"/>
-              </a:rPr>
-              <a:t>www.maketechez.wordpress.com</a:t>
-            </a:r>
-            <a:r>
-              <a:rPr lang="en-US" dirty="0" smtClean="0"/>
-              <a:t>) , is a single place </a:t>
-            </a:r>
-            <a:r>
-              <a:rPr lang="en-US" b="1" dirty="0" smtClean="0"/>
-              <a:t>“To Know, To Learn and To Use”</a:t>
-            </a:r>
-            <a:r>
-              <a:rPr lang="en-US" dirty="0" smtClean="0"/>
-              <a:t> Technology. </a:t>
-            </a:r>
-            <a:r>
               <a:rPr lang="en-US" dirty="0"/>
-              <a:t>The sole motto </a:t>
-            </a:r>
-            <a:r>
-              <a:rPr lang="en-US" dirty="0" smtClean="0"/>
-              <a:t>being make </a:t>
-            </a:r>
-            <a:r>
-              <a:rPr lang="en-US" dirty="0"/>
-              <a:t>Technology Easy to Understand and Use. </a:t>
-            </a:r>
-            <a:endParaRPr lang="en-US" dirty="0" smtClean="0"/>
+              <a:t>Srimanto is currently a Co Founder of a International Senior Management Executive Search company called Spearhead InterSearch. He has been associated with the industry since  18 years, advising and hiring CXO’s and Independent Directors on the Board.</a:t>
+            </a:r>
           </a:p>
           <a:p>
             <a:pPr marL="0" indent="0" algn="just">
+              <a:lnSpc>
+                <a:spcPct val="110000"/>
+              </a:lnSpc>
               <a:spcBef>
-                <a:spcPts val="1200"/>
+                <a:spcPts val="0"/>
               </a:spcBef>
               <a:buNone/>
             </a:pPr>
             <a:r>
-              <a:rPr lang="en-US" dirty="0" smtClean="0"/>
-              <a:t>MakeTechEz caters </a:t>
-            </a:r>
-            <a:r>
               <a:rPr lang="en-US" dirty="0"/>
-              <a:t>to </a:t>
-            </a:r>
-            <a:r>
-              <a:rPr lang="en-US" dirty="0" smtClean="0"/>
-              <a:t>fresh engineers, </a:t>
-            </a:r>
-            <a:r>
-              <a:rPr lang="en-US" dirty="0"/>
-              <a:t>techies as well as technology </a:t>
-            </a:r>
-            <a:r>
-              <a:rPr lang="en-US" dirty="0" smtClean="0"/>
-              <a:t>leaders through training solutions (</a:t>
-            </a:r>
-            <a:r>
-              <a:rPr lang="en-US" b="1" dirty="0" smtClean="0">
-                <a:solidFill>
-                  <a:srgbClr val="008000"/>
-                </a:solidFill>
-              </a:rPr>
-              <a:t>BridgeGap Training Solution</a:t>
-            </a:r>
-            <a:r>
-              <a:rPr lang="en-US" dirty="0" smtClean="0"/>
-              <a:t>), blogs, one minute videos and open source software's on </a:t>
-            </a:r>
-            <a:endParaRPr lang="en-US" dirty="0"/>
-          </a:p>
-          <a:p>
-            <a:pPr algn="just">
+              <a:t> </a:t>
+            </a:r>
+          </a:p>
+          <a:p>
+            <a:pPr marL="0" indent="0" algn="just">
+              <a:lnSpc>
+                <a:spcPct val="110000"/>
+              </a:lnSpc>
               <a:spcBef>
-                <a:spcPts val="1200"/>
-              </a:spcBef>
-            </a:pPr>
-            <a:r>
-              <a:rPr lang="en-US" dirty="0" smtClean="0"/>
-              <a:t>Programming </a:t>
-            </a:r>
-            <a:r>
-              <a:rPr lang="en-US" dirty="0"/>
-              <a:t>- C/C++, Java, Mobile, Web and Server Side Programming, </a:t>
-            </a:r>
-          </a:p>
-          <a:p>
-            <a:pPr algn="just">
-              <a:spcBef>
-                <a:spcPts val="1200"/>
-              </a:spcBef>
-            </a:pPr>
-            <a:r>
-              <a:rPr lang="en-US" dirty="0" smtClean="0"/>
-              <a:t>Enterprise </a:t>
-            </a:r>
-            <a:r>
-              <a:rPr lang="en-US" dirty="0"/>
-              <a:t>Technologies </a:t>
-            </a:r>
-            <a:r>
-              <a:rPr lang="en-US" dirty="0" smtClean="0"/>
-              <a:t>– BigData, CRM</a:t>
-            </a:r>
-            <a:r>
-              <a:rPr lang="en-US" dirty="0"/>
-              <a:t>, ERP, etc.</a:t>
-            </a:r>
-            <a:r>
-              <a:rPr lang="en-US" dirty="0" smtClean="0"/>
-              <a:t>,</a:t>
-            </a:r>
-          </a:p>
-          <a:p>
-            <a:pPr algn="just">
-              <a:spcBef>
-                <a:spcPts val="1200"/>
-              </a:spcBef>
-            </a:pPr>
-            <a:r>
-              <a:rPr lang="en-US" dirty="0" smtClean="0"/>
-              <a:t>Enterprise </a:t>
-            </a:r>
-            <a:r>
-              <a:rPr lang="en-US" dirty="0"/>
-              <a:t>Architecture - Architecture Patterns, Designs Patterns, Performance, Security, Delivery, </a:t>
-            </a:r>
-            <a:r>
-              <a:rPr lang="en-US" dirty="0" err="1"/>
-              <a:t>etc</a:t>
-            </a:r>
-            <a:endParaRPr lang="en-US" dirty="0" smtClean="0"/>
-          </a:p>
-          <a:p>
-            <a:pPr marL="0" indent="0" algn="just">
-              <a:spcBef>
-                <a:spcPts val="1200"/>
+                <a:spcPts val="0"/>
               </a:spcBef>
               <a:buNone/>
             </a:pPr>
             <a:r>
               <a:rPr lang="en-US" dirty="0" smtClean="0"/>
-              <a:t> </a:t>
+              <a:t>Srimanto </a:t>
+            </a:r>
+            <a:r>
+              <a:rPr lang="en-US" dirty="0"/>
+              <a:t>is based in Bangalore. His passion is to transform the Engineering talent in the country and make them more focused with a thorough personality improvement and development initiative.</a:t>
             </a:r>
             <a:endParaRPr lang="en-US" dirty="0"/>
           </a:p>
         </p:txBody>
       </p:sp>
+      <p:sp>
+        <p:nvSpPr>
+          <p:cNvPr id="5" name="Rectangle 4"/>
+          <p:cNvSpPr/>
+          <p:nvPr/>
+        </p:nvSpPr>
+        <p:spPr>
+          <a:xfrm>
+            <a:off x="2239043" y="1855542"/>
+            <a:ext cx="6410228" cy="769441"/>
+          </a:xfrm>
+          <a:prstGeom prst="rect">
+            <a:avLst/>
+          </a:prstGeom>
+          <a:noFill/>
+        </p:spPr>
+        <p:txBody>
+          <a:bodyPr wrap="none" lIns="91440" tIns="45720" rIns="91440" bIns="45720">
+            <a:spAutoFit/>
+          </a:bodyPr>
+          <a:lstStyle/>
+          <a:p>
+            <a:pPr algn="ctr"/>
+            <a:r>
+              <a:rPr lang="en-US" sz="4400" b="1" dirty="0" smtClean="0">
+                <a:ln w="12700">
+                  <a:solidFill>
+                    <a:schemeClr val="tx2">
+                      <a:satMod val="155000"/>
+                    </a:schemeClr>
+                  </a:solidFill>
+                  <a:prstDash val="solid"/>
+                </a:ln>
+                <a:solidFill>
+                  <a:schemeClr val="bg2">
+                    <a:tint val="85000"/>
+                    <a:satMod val="155000"/>
+                  </a:schemeClr>
+                </a:solidFill>
+                <a:effectLst>
+                  <a:outerShdw blurRad="41275" dist="20320" dir="1800000" algn="tl" rotWithShape="0">
+                    <a:srgbClr val="000000">
+                      <a:alpha val="40000"/>
+                    </a:srgbClr>
+                  </a:outerShdw>
+                </a:effectLst>
+              </a:rPr>
+              <a:t>Srimanto Bhattacharya</a:t>
+            </a:r>
+            <a:endParaRPr lang="en-US" sz="4400" b="1" cap="none" spc="0" dirty="0">
+              <a:ln w="12700">
+                <a:solidFill>
+                  <a:schemeClr val="tx2">
+                    <a:satMod val="155000"/>
+                  </a:schemeClr>
+                </a:solidFill>
+                <a:prstDash val="solid"/>
+              </a:ln>
+              <a:solidFill>
+                <a:schemeClr val="bg2">
+                  <a:tint val="85000"/>
+                  <a:satMod val="155000"/>
+                </a:schemeClr>
+              </a:solidFill>
+              <a:effectLst>
+                <a:outerShdw blurRad="41275" dist="20320" dir="1800000" algn="tl" rotWithShape="0">
+                  <a:srgbClr val="000000">
+                    <a:alpha val="40000"/>
+                  </a:srgbClr>
+                </a:outerShdw>
+              </a:effectLst>
+            </a:endParaRPr>
+          </a:p>
+        </p:txBody>
+      </p:sp>
+      <p:pic>
+        <p:nvPicPr>
+          <p:cNvPr id="6" name="Picture 5"/>
+          <p:cNvPicPr>
+            <a:picLocks noChangeAspect="1"/>
+          </p:cNvPicPr>
+          <p:nvPr/>
+        </p:nvPicPr>
+        <p:blipFill>
+          <a:blip r:embed="rId2"/>
+          <a:stretch>
+            <a:fillRect/>
+          </a:stretch>
+        </p:blipFill>
+        <p:spPr>
+          <a:xfrm>
+            <a:off x="549275" y="107576"/>
+            <a:ext cx="1433059" cy="1336956"/>
+          </a:xfrm>
+          <a:prstGeom prst="rect">
+            <a:avLst/>
+          </a:prstGeom>
+        </p:spPr>
+      </p:pic>
       <p:pic>
         <p:nvPicPr>
           <p:cNvPr id="7" name="Picture 6"/>
@@ -10907,8 +10999,8 @@
         </p:blipFill>
         <p:spPr>
           <a:xfrm>
-            <a:off x="553584" y="144671"/>
-            <a:ext cx="1329617" cy="1329617"/>
+            <a:off x="560316" y="1505177"/>
+            <a:ext cx="1422018" cy="1505177"/>
           </a:xfrm>
           <a:prstGeom prst="rect">
             <a:avLst/>
@@ -10918,7 +11010,7 @@
     </p:spTree>
     <p:extLst>
       <p:ext uri="{BB962C8B-B14F-4D97-AF65-F5344CB8AC3E}">
-        <p14:creationId xmlns:p14="http://schemas.microsoft.com/office/powerpoint/2010/main" val="288204158"/>
+        <p14:creationId xmlns:p14="http://schemas.microsoft.com/office/powerpoint/2010/main" val="2206198378"/>
       </p:ext>
     </p:extLst>
   </p:cSld>
@@ -10952,6 +11044,308 @@
           <a:chExt cx="0" cy="0"/>
         </a:xfrm>
       </p:grpSpPr>
+      <p:sp>
+        <p:nvSpPr>
+          <p:cNvPr id="2" name="Title 1"/>
+          <p:cNvSpPr>
+            <a:spLocks noGrp="1"/>
+          </p:cNvSpPr>
+          <p:nvPr>
+            <p:ph type="title"/>
+          </p:nvPr>
+        </p:nvSpPr>
+        <p:spPr>
+          <a:xfrm>
+            <a:off x="1982334" y="107576"/>
+            <a:ext cx="6609216" cy="1336956"/>
+          </a:xfrm>
+        </p:spPr>
+        <p:style>
+          <a:lnRef idx="2">
+            <a:schemeClr val="accent1">
+              <a:shade val="50000"/>
+            </a:schemeClr>
+          </a:lnRef>
+          <a:fillRef idx="1">
+            <a:schemeClr val="accent1"/>
+          </a:fillRef>
+          <a:effectRef idx="0">
+            <a:schemeClr val="accent1"/>
+          </a:effectRef>
+          <a:fontRef idx="minor">
+            <a:schemeClr val="lt1"/>
+          </a:fontRef>
+        </p:style>
+        <p:txBody>
+          <a:bodyPr anchor="ctr" anchorCtr="0"/>
+          <a:lstStyle/>
+          <a:p>
+            <a:r>
+              <a:rPr lang="en-US" dirty="0" smtClean="0"/>
+              <a:t>About MakeTechEz</a:t>
+            </a:r>
+            <a:endParaRPr lang="en-US" dirty="0"/>
+          </a:p>
+        </p:txBody>
+      </p:sp>
+      <p:sp>
+        <p:nvSpPr>
+          <p:cNvPr id="3" name="Content Placeholder 2"/>
+          <p:cNvSpPr>
+            <a:spLocks noGrp="1"/>
+          </p:cNvSpPr>
+          <p:nvPr>
+            <p:ph idx="1"/>
+          </p:nvPr>
+        </p:nvSpPr>
+        <p:spPr>
+          <a:xfrm>
+            <a:off x="549275" y="1712696"/>
+            <a:ext cx="8042276" cy="5145304"/>
+          </a:xfrm>
+        </p:spPr>
+        <p:txBody>
+          <a:bodyPr anchor="ctr" anchorCtr="0">
+            <a:normAutofit fontScale="92500" lnSpcReduction="20000"/>
+          </a:bodyPr>
+          <a:lstStyle/>
+          <a:p>
+            <a:pPr marL="0" indent="0" algn="just">
+              <a:spcBef>
+                <a:spcPts val="1200"/>
+              </a:spcBef>
+              <a:buNone/>
+            </a:pPr>
+            <a:r>
+              <a:rPr lang="en-US" dirty="0" smtClean="0"/>
+              <a:t>MakeTechEz (</a:t>
+            </a:r>
+            <a:r>
+              <a:rPr lang="en-US" dirty="0" smtClean="0">
+                <a:hlinkClick r:id="rId2"/>
+              </a:rPr>
+              <a:t>www.maketechez.wordpress.com</a:t>
+            </a:r>
+            <a:r>
+              <a:rPr lang="en-US" dirty="0" smtClean="0"/>
+              <a:t>) , is a single place </a:t>
+            </a:r>
+            <a:r>
+              <a:rPr lang="en-US" b="1" dirty="0" smtClean="0"/>
+              <a:t>“To Know, To Learn and To Use”</a:t>
+            </a:r>
+            <a:r>
+              <a:rPr lang="en-US" dirty="0" smtClean="0"/>
+              <a:t> Technology. </a:t>
+            </a:r>
+            <a:r>
+              <a:rPr lang="en-US" dirty="0"/>
+              <a:t>The sole motto </a:t>
+            </a:r>
+            <a:r>
+              <a:rPr lang="en-US" dirty="0" smtClean="0"/>
+              <a:t>being make </a:t>
+            </a:r>
+            <a:r>
+              <a:rPr lang="en-US" dirty="0"/>
+              <a:t>Technology Easy to Understand and Use. </a:t>
+            </a:r>
+            <a:endParaRPr lang="en-US" dirty="0" smtClean="0"/>
+          </a:p>
+          <a:p>
+            <a:pPr marL="0" indent="0" algn="just">
+              <a:lnSpc>
+                <a:spcPct val="110000"/>
+              </a:lnSpc>
+              <a:spcBef>
+                <a:spcPts val="1200"/>
+              </a:spcBef>
+              <a:buNone/>
+            </a:pPr>
+            <a:r>
+              <a:rPr lang="en-US" dirty="0" smtClean="0"/>
+              <a:t>MakeTechEz caters </a:t>
+            </a:r>
+            <a:r>
+              <a:rPr lang="en-US" dirty="0"/>
+              <a:t>to </a:t>
+            </a:r>
+            <a:r>
+              <a:rPr lang="en-US" dirty="0" smtClean="0"/>
+              <a:t>fresh engineers, </a:t>
+            </a:r>
+            <a:r>
+              <a:rPr lang="en-US" dirty="0"/>
+              <a:t>techies as well as technology </a:t>
+            </a:r>
+            <a:r>
+              <a:rPr lang="en-US" dirty="0" smtClean="0"/>
+              <a:t>leaders through training solutions (</a:t>
+            </a:r>
+            <a:r>
+              <a:rPr lang="en-US" b="1" dirty="0" smtClean="0">
+                <a:solidFill>
+                  <a:srgbClr val="008000"/>
+                </a:solidFill>
+              </a:rPr>
+              <a:t>BridgeGap </a:t>
+            </a:r>
+            <a:r>
+              <a:rPr lang="en-US" b="1" smtClean="0">
+                <a:solidFill>
+                  <a:srgbClr val="008000"/>
+                </a:solidFill>
+              </a:rPr>
+              <a:t>Finishing School</a:t>
+            </a:r>
+            <a:r>
+              <a:rPr lang="en-US" smtClean="0"/>
+              <a:t>)</a:t>
+            </a:r>
+            <a:r>
+              <a:rPr lang="en-US" dirty="0" smtClean="0"/>
+              <a:t>, blogs, one minute videos and open source software's on </a:t>
+            </a:r>
+            <a:endParaRPr lang="en-US" dirty="0"/>
+          </a:p>
+          <a:p>
+            <a:pPr algn="just">
+              <a:spcBef>
+                <a:spcPts val="1200"/>
+              </a:spcBef>
+            </a:pPr>
+            <a:r>
+              <a:rPr lang="en-US" dirty="0" smtClean="0"/>
+              <a:t>Programming </a:t>
+            </a:r>
+            <a:r>
+              <a:rPr lang="en-US" dirty="0"/>
+              <a:t>- C/C++, Java, Mobile, Web and Server Side Programming, </a:t>
+            </a:r>
+          </a:p>
+          <a:p>
+            <a:pPr algn="just">
+              <a:spcBef>
+                <a:spcPts val="1200"/>
+              </a:spcBef>
+            </a:pPr>
+            <a:r>
+              <a:rPr lang="en-US" dirty="0" smtClean="0"/>
+              <a:t>Enterprise </a:t>
+            </a:r>
+            <a:r>
+              <a:rPr lang="en-US" dirty="0"/>
+              <a:t>Technologies </a:t>
+            </a:r>
+            <a:r>
+              <a:rPr lang="en-US" dirty="0" smtClean="0"/>
+              <a:t>– BigData, CRM</a:t>
+            </a:r>
+            <a:r>
+              <a:rPr lang="en-US" dirty="0"/>
+              <a:t>, ERP, etc.</a:t>
+            </a:r>
+            <a:r>
+              <a:rPr lang="en-US" dirty="0" smtClean="0"/>
+              <a:t>,</a:t>
+            </a:r>
+          </a:p>
+          <a:p>
+            <a:pPr algn="just">
+              <a:spcBef>
+                <a:spcPts val="1200"/>
+              </a:spcBef>
+            </a:pPr>
+            <a:r>
+              <a:rPr lang="en-US" dirty="0" smtClean="0"/>
+              <a:t>Enterprise </a:t>
+            </a:r>
+            <a:r>
+              <a:rPr lang="en-US" dirty="0"/>
+              <a:t>Architecture - Architecture Patterns, Designs Patterns, Performance, Security, Delivery, </a:t>
+            </a:r>
+            <a:r>
+              <a:rPr lang="en-US" dirty="0" smtClean="0"/>
+              <a:t>etc.</a:t>
+            </a:r>
+            <a:endParaRPr lang="en-US" dirty="0" smtClean="0"/>
+          </a:p>
+          <a:p>
+            <a:pPr marL="0" indent="0" algn="just">
+              <a:spcBef>
+                <a:spcPts val="1200"/>
+              </a:spcBef>
+              <a:buNone/>
+            </a:pPr>
+            <a:r>
+              <a:rPr lang="en-US" dirty="0" smtClean="0"/>
+              <a:t> </a:t>
+            </a:r>
+            <a:endParaRPr lang="en-US" dirty="0"/>
+          </a:p>
+        </p:txBody>
+      </p:sp>
+      <p:pic>
+        <p:nvPicPr>
+          <p:cNvPr id="7" name="Picture 6"/>
+          <p:cNvPicPr>
+            <a:picLocks noChangeAspect="1"/>
+          </p:cNvPicPr>
+          <p:nvPr/>
+        </p:nvPicPr>
+        <p:blipFill>
+          <a:blip r:embed="rId3"/>
+          <a:stretch>
+            <a:fillRect/>
+          </a:stretch>
+        </p:blipFill>
+        <p:spPr>
+          <a:xfrm>
+            <a:off x="553584" y="144671"/>
+            <a:ext cx="1329617" cy="1329617"/>
+          </a:xfrm>
+          <a:prstGeom prst="rect">
+            <a:avLst/>
+          </a:prstGeom>
+        </p:spPr>
+      </p:pic>
+    </p:spTree>
+    <p:extLst>
+      <p:ext uri="{BB962C8B-B14F-4D97-AF65-F5344CB8AC3E}">
+        <p14:creationId xmlns:p14="http://schemas.microsoft.com/office/powerpoint/2010/main" val="288204158"/>
+      </p:ext>
+    </p:extLst>
+  </p:cSld>
+  <p:clrMapOvr>
+    <a:masterClrMapping/>
+  </p:clrMapOvr>
+  <p:timing>
+    <p:tnLst>
+      <p:par>
+        <p:cTn xmlns:p14="http://schemas.microsoft.com/office/powerpoint/2010/main" id="1" dur="indefinite" restart="never" nodeType="tmRoot"/>
+      </p:par>
+    </p:tnLst>
+  </p:timing>
+</p:sld>
+</file>
+
+<file path=ppt/slides/slide27.xml><?xml version="1.0" encoding="utf-8"?>
+<p:sld xmlns:a="http://schemas.openxmlformats.org/drawingml/2006/main" xmlns:r="http://schemas.openxmlformats.org/officeDocument/2006/relationships" xmlns:p="http://schemas.openxmlformats.org/presentationml/2006/main">
+  <p:cSld>
+    <p:spTree>
+      <p:nvGrpSpPr>
+        <p:cNvPr id="1" name=""/>
+        <p:cNvGrpSpPr/>
+        <p:nvPr/>
+      </p:nvGrpSpPr>
+      <p:grpSpPr>
+        <a:xfrm>
+          <a:off x="0" y="0"/>
+          <a:ext cx="0" cy="0"/>
+          <a:chOff x="0" y="0"/>
+          <a:chExt cx="0" cy="0"/>
+        </a:xfrm>
+      </p:grpSpPr>
       <p:pic>
         <p:nvPicPr>
           <p:cNvPr id="9" name="Picture 8"/>
@@ -11044,7 +11438,15 @@
                   <a:srgbClr val="008000"/>
                 </a:solidFill>
               </a:rPr>
-              <a:t>BridgeGap Training Solution</a:t>
+              <a:t>BridgeGap </a:t>
+            </a:r>
+            <a:r>
+              <a:rPr lang="en-US" sz="3200" b="1" dirty="0" smtClean="0">
+                <a:solidFill>
+                  <a:srgbClr val="008000"/>
+                </a:solidFill>
+              </a:rPr>
+              <a:t>Finishing School</a:t>
             </a:r>
             <a:endParaRPr lang="en-US" sz="3200" b="1" dirty="0">
               <a:solidFill>
